--- a/Document/orange_progress.pptx
+++ b/Document/orange_progress.pptx
@@ -4,6 +4,9 @@
   <p:sldMasterIdLst>
     <p:sldMasterId id="2147483648" r:id="rId1"/>
   </p:sldMasterIdLst>
+  <p:notesMasterIdLst>
+    <p:notesMasterId r:id="rId21"/>
+  </p:notesMasterIdLst>
   <p:sldIdLst>
     <p:sldId id="274" r:id="rId2"/>
     <p:sldId id="303" r:id="rId3"/>
@@ -13,35 +16,25 @@
     <p:sldId id="291" r:id="rId7"/>
     <p:sldId id="292" r:id="rId8"/>
     <p:sldId id="281" r:id="rId9"/>
-    <p:sldId id="295" r:id="rId10"/>
-    <p:sldId id="297" r:id="rId11"/>
-    <p:sldId id="298" r:id="rId12"/>
-    <p:sldId id="299" r:id="rId13"/>
-    <p:sldId id="302" r:id="rId14"/>
-    <p:sldId id="300" r:id="rId15"/>
-    <p:sldId id="301" r:id="rId16"/>
-    <p:sldId id="290" r:id="rId17"/>
-    <p:sldId id="262" r:id="rId18"/>
+    <p:sldId id="304" r:id="rId10"/>
+    <p:sldId id="295" r:id="rId11"/>
+    <p:sldId id="305" r:id="rId12"/>
+    <p:sldId id="297" r:id="rId13"/>
+    <p:sldId id="298" r:id="rId14"/>
+    <p:sldId id="299" r:id="rId15"/>
+    <p:sldId id="302" r:id="rId16"/>
+    <p:sldId id="300" r:id="rId17"/>
+    <p:sldId id="301" r:id="rId18"/>
+    <p:sldId id="290" r:id="rId19"/>
+    <p:sldId id="262" r:id="rId20"/>
   </p:sldIdLst>
   <p:sldSz cx="9906000" cy="6858000" type="A4"/>
   <p:notesSz cx="6858000" cy="9144000"/>
   <p:embeddedFontLst>
     <p:embeddedFont>
       <p:font typeface="맑은 고딕" panose="020B0503020000020004" pitchFamily="50" charset="-127"/>
-      <p:regular r:id="rId19"/>
-      <p:bold r:id="rId20"/>
-    </p:embeddedFont>
-    <p:embeddedFont>
-      <p:font typeface="a장미다방" panose="02020600000000000000" pitchFamily="18" charset="-127"/>
-      <p:regular r:id="rId21"/>
-    </p:embeddedFont>
-    <p:embeddedFont>
-      <p:font typeface="a옛날목욕탕B" panose="02020600000000000000" pitchFamily="18" charset="-127"/>
       <p:regular r:id="rId22"/>
-    </p:embeddedFont>
-    <p:embeddedFont>
-      <p:font typeface="1훈점보맘보 B" panose="02020603020101020101" pitchFamily="18" charset="-127"/>
-      <p:regular r:id="rId23"/>
+      <p:bold r:id="rId23"/>
     </p:embeddedFont>
   </p:embeddedFontLst>
   <p:defaultTextStyle>
@@ -1594,8 +1587,8 @@
     <dgm:cxn modelId="{0E5A64C9-D5B5-4DE5-B66B-86562E4CC025}" type="presOf" srcId="{A070F197-9297-4B33-AAF3-B769E57878DE}" destId="{E27DB5A7-CC8E-4758-8453-18D24A0505C1}" srcOrd="0" destOrd="1" presId="urn:microsoft.com/office/officeart/2005/8/layout/vList4"/>
     <dgm:cxn modelId="{68A2E6B7-E57C-4874-A495-48BE22252A50}" type="presOf" srcId="{13688F96-5F1B-406B-BF52-A2A34FF3FA7C}" destId="{903AB6FC-EC3D-4AC0-8D25-671EEAD2081B}" srcOrd="0" destOrd="0" presId="urn:microsoft.com/office/officeart/2005/8/layout/vList4"/>
     <dgm:cxn modelId="{4B9DFD2A-69F9-4F94-9F16-270AA0C311EA}" type="presOf" srcId="{3AA82E58-53AB-4B6E-AB8B-047999B4F01D}" destId="{4A80448C-264F-4C0F-B3A7-608A0A6C83BD}" srcOrd="1" destOrd="0" presId="urn:microsoft.com/office/officeart/2005/8/layout/vList4"/>
+    <dgm:cxn modelId="{F4E8AB94-B46E-485C-BE13-49DB149ECED9}" type="presOf" srcId="{A070F197-9297-4B33-AAF3-B769E57878DE}" destId="{ABF0FDDA-3A10-44DB-B0D0-F5497810FA71}" srcOrd="1" destOrd="1" presId="urn:microsoft.com/office/officeart/2005/8/layout/vList4"/>
     <dgm:cxn modelId="{028940B8-EA3A-4CFC-80B9-CEE133DF58EE}" srcId="{BA10C49B-0280-4E65-A2D4-0A67B7446C28}" destId="{503B2025-20B9-4061-BEBB-DCF7405C1411}" srcOrd="2" destOrd="0" parTransId="{5E901687-878F-4FC4-8D3C-45A468B0CA71}" sibTransId="{16DE65A8-9D75-4790-BB1A-5ACF1547EFBB}"/>
-    <dgm:cxn modelId="{F4E8AB94-B46E-485C-BE13-49DB149ECED9}" type="presOf" srcId="{A070F197-9297-4B33-AAF3-B769E57878DE}" destId="{ABF0FDDA-3A10-44DB-B0D0-F5497810FA71}" srcOrd="1" destOrd="1" presId="urn:microsoft.com/office/officeart/2005/8/layout/vList4"/>
     <dgm:cxn modelId="{50C6101B-087D-4311-85EA-E51384F8D769}" type="presOf" srcId="{235E198F-200E-4BA7-8E70-8F6E8081A492}" destId="{202723C3-87C0-41BE-86CD-006D92A7DAA6}" srcOrd="0" destOrd="0" presId="urn:microsoft.com/office/officeart/2005/8/layout/vList4"/>
     <dgm:cxn modelId="{BC21A3DD-7914-45F7-BADB-F4A23D361F7F}" type="presOf" srcId="{BA10C49B-0280-4E65-A2D4-0A67B7446C28}" destId="{E27DB5A7-CC8E-4758-8453-18D24A0505C1}" srcOrd="0" destOrd="0" presId="urn:microsoft.com/office/officeart/2005/8/layout/vList4"/>
     <dgm:cxn modelId="{0FC85221-0158-4F8F-8716-5E605628B836}" srcId="{235E198F-200E-4BA7-8E70-8F6E8081A492}" destId="{E7217845-0FE2-44A5-A655-C9C9CBC5F088}" srcOrd="1" destOrd="0" parTransId="{D2A7A1BA-733B-46CE-B60C-9817C9F9BE4F}" sibTransId="{BBC1AF22-51A4-4DF2-B39C-62DB8E9C01D6}"/>
@@ -3401,6 +3394,794 @@
 </dgm:styleDef>
 </file>
 
+<file path=ppt/notesMasters/notesMaster1.xml><?xml version="1.0" encoding="utf-8"?>
+<p:notesMaster xmlns:a="http://schemas.openxmlformats.org/drawingml/2006/main" xmlns:r="http://schemas.openxmlformats.org/officeDocument/2006/relationships" xmlns:p="http://schemas.openxmlformats.org/presentationml/2006/main">
+  <p:cSld>
+    <p:bg>
+      <p:bgRef idx="1001">
+        <a:schemeClr val="bg1"/>
+      </p:bgRef>
+    </p:bg>
+    <p:spTree>
+      <p:nvGrpSpPr>
+        <p:cNvPr id="1" name=""/>
+        <p:cNvGrpSpPr/>
+        <p:nvPr/>
+      </p:nvGrpSpPr>
+      <p:grpSpPr>
+        <a:xfrm>
+          <a:off x="0" y="0"/>
+          <a:ext cx="0" cy="0"/>
+          <a:chOff x="0" y="0"/>
+          <a:chExt cx="0" cy="0"/>
+        </a:xfrm>
+      </p:grpSpPr>
+      <p:sp>
+        <p:nvSpPr>
+          <p:cNvPr id="2" name="머리글 개체 틀 1"/>
+          <p:cNvSpPr>
+            <a:spLocks noGrp="1"/>
+          </p:cNvSpPr>
+          <p:nvPr>
+            <p:ph type="hdr" sz="quarter"/>
+          </p:nvPr>
+        </p:nvSpPr>
+        <p:spPr>
+          <a:xfrm>
+            <a:off x="0" y="0"/>
+            <a:ext cx="2971800" cy="458788"/>
+          </a:xfrm>
+          <a:prstGeom prst="rect">
+            <a:avLst/>
+          </a:prstGeom>
+        </p:spPr>
+        <p:txBody>
+          <a:bodyPr vert="horz" lIns="91440" tIns="45720" rIns="91440" bIns="45720" rtlCol="0"/>
+          <a:lstStyle>
+            <a:lvl1pPr algn="l">
+              <a:defRPr sz="1200"/>
+            </a:lvl1pPr>
+          </a:lstStyle>
+          <a:p>
+            <a:endParaRPr lang="ko-KR" altLang="en-US"/>
+          </a:p>
+        </p:txBody>
+      </p:sp>
+      <p:sp>
+        <p:nvSpPr>
+          <p:cNvPr id="3" name="날짜 개체 틀 2"/>
+          <p:cNvSpPr>
+            <a:spLocks noGrp="1"/>
+          </p:cNvSpPr>
+          <p:nvPr>
+            <p:ph type="dt" idx="1"/>
+          </p:nvPr>
+        </p:nvSpPr>
+        <p:spPr>
+          <a:xfrm>
+            <a:off x="3884613" y="0"/>
+            <a:ext cx="2971800" cy="458788"/>
+          </a:xfrm>
+          <a:prstGeom prst="rect">
+            <a:avLst/>
+          </a:prstGeom>
+        </p:spPr>
+        <p:txBody>
+          <a:bodyPr vert="horz" lIns="91440" tIns="45720" rIns="91440" bIns="45720" rtlCol="0"/>
+          <a:lstStyle>
+            <a:lvl1pPr algn="r">
+              <a:defRPr sz="1200"/>
+            </a:lvl1pPr>
+          </a:lstStyle>
+          <a:p>
+            <a:fld id="{716CBC22-4D74-4D56-A03A-366EC60B9D92}" type="datetimeFigureOut">
+              <a:rPr lang="ko-KR" altLang="en-US" smtClean="0"/>
+              <a:t>2015-11-14</a:t>
+            </a:fld>
+            <a:endParaRPr lang="ko-KR" altLang="en-US"/>
+          </a:p>
+        </p:txBody>
+      </p:sp>
+      <p:sp>
+        <p:nvSpPr>
+          <p:cNvPr id="4" name="슬라이드 이미지 개체 틀 3"/>
+          <p:cNvSpPr>
+            <a:spLocks noGrp="1" noRot="1" noChangeAspect="1"/>
+          </p:cNvSpPr>
+          <p:nvPr>
+            <p:ph type="sldImg" idx="2"/>
+          </p:nvPr>
+        </p:nvSpPr>
+        <p:spPr>
+          <a:xfrm>
+            <a:off x="1200150" y="1143000"/>
+            <a:ext cx="4457700" cy="3086100"/>
+          </a:xfrm>
+          <a:prstGeom prst="rect">
+            <a:avLst/>
+          </a:prstGeom>
+          <a:noFill/>
+          <a:ln w="12700">
+            <a:solidFill>
+              <a:prstClr val="black"/>
+            </a:solidFill>
+          </a:ln>
+        </p:spPr>
+        <p:txBody>
+          <a:bodyPr vert="horz" lIns="91440" tIns="45720" rIns="91440" bIns="45720" rtlCol="0" anchor="ctr"/>
+          <a:lstStyle/>
+          <a:p>
+            <a:endParaRPr lang="ko-KR" altLang="en-US"/>
+          </a:p>
+        </p:txBody>
+      </p:sp>
+      <p:sp>
+        <p:nvSpPr>
+          <p:cNvPr id="5" name="슬라이드 노트 개체 틀 4"/>
+          <p:cNvSpPr>
+            <a:spLocks noGrp="1"/>
+          </p:cNvSpPr>
+          <p:nvPr>
+            <p:ph type="body" sz="quarter" idx="3"/>
+          </p:nvPr>
+        </p:nvSpPr>
+        <p:spPr>
+          <a:xfrm>
+            <a:off x="685800" y="4400550"/>
+            <a:ext cx="5486400" cy="3600450"/>
+          </a:xfrm>
+          <a:prstGeom prst="rect">
+            <a:avLst/>
+          </a:prstGeom>
+        </p:spPr>
+        <p:txBody>
+          <a:bodyPr vert="horz" lIns="91440" tIns="45720" rIns="91440" bIns="45720" rtlCol="0"/>
+          <a:lstStyle/>
+          <a:p>
+            <a:pPr lvl="0"/>
+            <a:r>
+              <a:rPr lang="ko-KR" altLang="en-US" smtClean="0"/>
+              <a:t>마스터 텍스트 스타일을 편집합니다</a:t>
+            </a:r>
+          </a:p>
+          <a:p>
+            <a:pPr lvl="1"/>
+            <a:r>
+              <a:rPr lang="ko-KR" altLang="en-US" smtClean="0"/>
+              <a:t>둘째 수준</a:t>
+            </a:r>
+          </a:p>
+          <a:p>
+            <a:pPr lvl="2"/>
+            <a:r>
+              <a:rPr lang="ko-KR" altLang="en-US" smtClean="0"/>
+              <a:t>셋째 수준</a:t>
+            </a:r>
+          </a:p>
+          <a:p>
+            <a:pPr lvl="3"/>
+            <a:r>
+              <a:rPr lang="ko-KR" altLang="en-US" smtClean="0"/>
+              <a:t>넷째 수준</a:t>
+            </a:r>
+          </a:p>
+          <a:p>
+            <a:pPr lvl="4"/>
+            <a:r>
+              <a:rPr lang="ko-KR" altLang="en-US" smtClean="0"/>
+              <a:t>다섯째 수준</a:t>
+            </a:r>
+            <a:endParaRPr lang="ko-KR" altLang="en-US"/>
+          </a:p>
+        </p:txBody>
+      </p:sp>
+      <p:sp>
+        <p:nvSpPr>
+          <p:cNvPr id="6" name="바닥글 개체 틀 5"/>
+          <p:cNvSpPr>
+            <a:spLocks noGrp="1"/>
+          </p:cNvSpPr>
+          <p:nvPr>
+            <p:ph type="ftr" sz="quarter" idx="4"/>
+          </p:nvPr>
+        </p:nvSpPr>
+        <p:spPr>
+          <a:xfrm>
+            <a:off x="0" y="8685213"/>
+            <a:ext cx="2971800" cy="458787"/>
+          </a:xfrm>
+          <a:prstGeom prst="rect">
+            <a:avLst/>
+          </a:prstGeom>
+        </p:spPr>
+        <p:txBody>
+          <a:bodyPr vert="horz" lIns="91440" tIns="45720" rIns="91440" bIns="45720" rtlCol="0" anchor="b"/>
+          <a:lstStyle>
+            <a:lvl1pPr algn="l">
+              <a:defRPr sz="1200"/>
+            </a:lvl1pPr>
+          </a:lstStyle>
+          <a:p>
+            <a:endParaRPr lang="ko-KR" altLang="en-US"/>
+          </a:p>
+        </p:txBody>
+      </p:sp>
+      <p:sp>
+        <p:nvSpPr>
+          <p:cNvPr id="7" name="슬라이드 번호 개체 틀 6"/>
+          <p:cNvSpPr>
+            <a:spLocks noGrp="1"/>
+          </p:cNvSpPr>
+          <p:nvPr>
+            <p:ph type="sldNum" sz="quarter" idx="5"/>
+          </p:nvPr>
+        </p:nvSpPr>
+        <p:spPr>
+          <a:xfrm>
+            <a:off x="3884613" y="8685213"/>
+            <a:ext cx="2971800" cy="458787"/>
+          </a:xfrm>
+          <a:prstGeom prst="rect">
+            <a:avLst/>
+          </a:prstGeom>
+        </p:spPr>
+        <p:txBody>
+          <a:bodyPr vert="horz" lIns="91440" tIns="45720" rIns="91440" bIns="45720" rtlCol="0" anchor="b"/>
+          <a:lstStyle>
+            <a:lvl1pPr algn="r">
+              <a:defRPr sz="1200"/>
+            </a:lvl1pPr>
+          </a:lstStyle>
+          <a:p>
+            <a:fld id="{46D22BF3-38FA-481D-913B-266A10439B2E}" type="slidenum">
+              <a:rPr lang="ko-KR" altLang="en-US" smtClean="0"/>
+              <a:t>‹#›</a:t>
+            </a:fld>
+            <a:endParaRPr lang="ko-KR" altLang="en-US"/>
+          </a:p>
+        </p:txBody>
+      </p:sp>
+    </p:spTree>
+    <p:extLst>
+      <p:ext uri="{BB962C8B-B14F-4D97-AF65-F5344CB8AC3E}">
+        <p14:creationId xmlns:p14="http://schemas.microsoft.com/office/powerpoint/2010/main" val="2992363158"/>
+      </p:ext>
+    </p:extLst>
+  </p:cSld>
+  <p:clrMap bg1="lt1" tx1="dk1" bg2="lt2" tx2="dk2" accent1="accent1" accent2="accent2" accent3="accent3" accent4="accent4" accent5="accent5" accent6="accent6" hlink="hlink" folHlink="folHlink"/>
+  <p:notesStyle>
+    <a:lvl1pPr marL="0" algn="l" defTabSz="914400" rtl="0" eaLnBrk="1" latinLnBrk="1" hangingPunct="1">
+      <a:defRPr sz="1200" kern="1200">
+        <a:solidFill>
+          <a:schemeClr val="tx1"/>
+        </a:solidFill>
+        <a:latin typeface="+mn-lt"/>
+        <a:ea typeface="+mn-ea"/>
+        <a:cs typeface="+mn-cs"/>
+      </a:defRPr>
+    </a:lvl1pPr>
+    <a:lvl2pPr marL="457200" algn="l" defTabSz="914400" rtl="0" eaLnBrk="1" latinLnBrk="1" hangingPunct="1">
+      <a:defRPr sz="1200" kern="1200">
+        <a:solidFill>
+          <a:schemeClr val="tx1"/>
+        </a:solidFill>
+        <a:latin typeface="+mn-lt"/>
+        <a:ea typeface="+mn-ea"/>
+        <a:cs typeface="+mn-cs"/>
+      </a:defRPr>
+    </a:lvl2pPr>
+    <a:lvl3pPr marL="914400" algn="l" defTabSz="914400" rtl="0" eaLnBrk="1" latinLnBrk="1" hangingPunct="1">
+      <a:defRPr sz="1200" kern="1200">
+        <a:solidFill>
+          <a:schemeClr val="tx1"/>
+        </a:solidFill>
+        <a:latin typeface="+mn-lt"/>
+        <a:ea typeface="+mn-ea"/>
+        <a:cs typeface="+mn-cs"/>
+      </a:defRPr>
+    </a:lvl3pPr>
+    <a:lvl4pPr marL="1371600" algn="l" defTabSz="914400" rtl="0" eaLnBrk="1" latinLnBrk="1" hangingPunct="1">
+      <a:defRPr sz="1200" kern="1200">
+        <a:solidFill>
+          <a:schemeClr val="tx1"/>
+        </a:solidFill>
+        <a:latin typeface="+mn-lt"/>
+        <a:ea typeface="+mn-ea"/>
+        <a:cs typeface="+mn-cs"/>
+      </a:defRPr>
+    </a:lvl4pPr>
+    <a:lvl5pPr marL="1828800" algn="l" defTabSz="914400" rtl="0" eaLnBrk="1" latinLnBrk="1" hangingPunct="1">
+      <a:defRPr sz="1200" kern="1200">
+        <a:solidFill>
+          <a:schemeClr val="tx1"/>
+        </a:solidFill>
+        <a:latin typeface="+mn-lt"/>
+        <a:ea typeface="+mn-ea"/>
+        <a:cs typeface="+mn-cs"/>
+      </a:defRPr>
+    </a:lvl5pPr>
+    <a:lvl6pPr marL="2286000" algn="l" defTabSz="914400" rtl="0" eaLnBrk="1" latinLnBrk="1" hangingPunct="1">
+      <a:defRPr sz="1200" kern="1200">
+        <a:solidFill>
+          <a:schemeClr val="tx1"/>
+        </a:solidFill>
+        <a:latin typeface="+mn-lt"/>
+        <a:ea typeface="+mn-ea"/>
+        <a:cs typeface="+mn-cs"/>
+      </a:defRPr>
+    </a:lvl6pPr>
+    <a:lvl7pPr marL="2743200" algn="l" defTabSz="914400" rtl="0" eaLnBrk="1" latinLnBrk="1" hangingPunct="1">
+      <a:defRPr sz="1200" kern="1200">
+        <a:solidFill>
+          <a:schemeClr val="tx1"/>
+        </a:solidFill>
+        <a:latin typeface="+mn-lt"/>
+        <a:ea typeface="+mn-ea"/>
+        <a:cs typeface="+mn-cs"/>
+      </a:defRPr>
+    </a:lvl7pPr>
+    <a:lvl8pPr marL="3200400" algn="l" defTabSz="914400" rtl="0" eaLnBrk="1" latinLnBrk="1" hangingPunct="1">
+      <a:defRPr sz="1200" kern="1200">
+        <a:solidFill>
+          <a:schemeClr val="tx1"/>
+        </a:solidFill>
+        <a:latin typeface="+mn-lt"/>
+        <a:ea typeface="+mn-ea"/>
+        <a:cs typeface="+mn-cs"/>
+      </a:defRPr>
+    </a:lvl8pPr>
+    <a:lvl9pPr marL="3657600" algn="l" defTabSz="914400" rtl="0" eaLnBrk="1" latinLnBrk="1" hangingPunct="1">
+      <a:defRPr sz="1200" kern="1200">
+        <a:solidFill>
+          <a:schemeClr val="tx1"/>
+        </a:solidFill>
+        <a:latin typeface="+mn-lt"/>
+        <a:ea typeface="+mn-ea"/>
+        <a:cs typeface="+mn-cs"/>
+      </a:defRPr>
+    </a:lvl9pPr>
+  </p:notesStyle>
+</p:notesMaster>
+</file>
+
+<file path=ppt/notesSlides/notesSlide1.xml><?xml version="1.0" encoding="utf-8"?>
+<p:notes xmlns:a="http://schemas.openxmlformats.org/drawingml/2006/main" xmlns:r="http://schemas.openxmlformats.org/officeDocument/2006/relationships" xmlns:p="http://schemas.openxmlformats.org/presentationml/2006/main">
+  <p:cSld>
+    <p:spTree>
+      <p:nvGrpSpPr>
+        <p:cNvPr id="1" name=""/>
+        <p:cNvGrpSpPr/>
+        <p:nvPr/>
+      </p:nvGrpSpPr>
+      <p:grpSpPr>
+        <a:xfrm>
+          <a:off x="0" y="0"/>
+          <a:ext cx="0" cy="0"/>
+          <a:chOff x="0" y="0"/>
+          <a:chExt cx="0" cy="0"/>
+        </a:xfrm>
+      </p:grpSpPr>
+      <p:sp>
+        <p:nvSpPr>
+          <p:cNvPr id="2" name="슬라이드 이미지 개체 틀 1"/>
+          <p:cNvSpPr>
+            <a:spLocks noGrp="1" noRot="1" noChangeAspect="1"/>
+          </p:cNvSpPr>
+          <p:nvPr>
+            <p:ph type="sldImg"/>
+          </p:nvPr>
+        </p:nvSpPr>
+        <p:spPr/>
+      </p:sp>
+      <p:sp>
+        <p:nvSpPr>
+          <p:cNvPr id="3" name="슬라이드 노트 개체 틀 2"/>
+          <p:cNvSpPr>
+            <a:spLocks noGrp="1"/>
+          </p:cNvSpPr>
+          <p:nvPr>
+            <p:ph type="body" idx="1"/>
+          </p:nvPr>
+        </p:nvSpPr>
+        <p:spPr/>
+        <p:txBody>
+          <a:bodyPr/>
+          <a:lstStyle/>
+          <a:p>
+            <a:r>
+              <a:rPr lang="ko-KR" altLang="en-US" dirty="0" smtClean="0"/>
+              <a:t>레코드 캐시는 멀티파일이랑 </a:t>
+            </a:r>
+            <a:r>
+              <a:rPr lang="ko-KR" altLang="en-US" dirty="0" err="1" smtClean="0"/>
+              <a:t>싱글파일에서</a:t>
+            </a:r>
+            <a:r>
+              <a:rPr lang="ko-KR" altLang="en-US" dirty="0" smtClean="0"/>
+              <a:t> 쓰인다</a:t>
+            </a:r>
+            <a:r>
+              <a:rPr lang="en-US" altLang="ko-KR" dirty="0" smtClean="0"/>
+              <a:t>.</a:t>
+            </a:r>
+          </a:p>
+          <a:p>
+            <a:endParaRPr lang="en-US" altLang="ko-KR" dirty="0" smtClean="0"/>
+          </a:p>
+          <a:p>
+            <a:r>
+              <a:rPr lang="ko-KR" altLang="en-US" dirty="0" smtClean="0"/>
+              <a:t>우리 프로그램이 실행됨에 따라 쓰이는 클래스 순서는 보라색화살표와 같다</a:t>
+            </a:r>
+            <a:endParaRPr lang="ko-KR" altLang="en-US" dirty="0"/>
+          </a:p>
+        </p:txBody>
+      </p:sp>
+      <p:sp>
+        <p:nvSpPr>
+          <p:cNvPr id="4" name="슬라이드 번호 개체 틀 3"/>
+          <p:cNvSpPr>
+            <a:spLocks noGrp="1"/>
+          </p:cNvSpPr>
+          <p:nvPr>
+            <p:ph type="sldNum" sz="quarter" idx="10"/>
+          </p:nvPr>
+        </p:nvSpPr>
+        <p:spPr/>
+        <p:txBody>
+          <a:bodyPr/>
+          <a:lstStyle/>
+          <a:p>
+            <a:fld id="{46D22BF3-38FA-481D-913B-266A10439B2E}" type="slidenum">
+              <a:rPr lang="ko-KR" altLang="en-US" smtClean="0"/>
+              <a:t>10</a:t>
+            </a:fld>
+            <a:endParaRPr lang="ko-KR" altLang="en-US"/>
+          </a:p>
+        </p:txBody>
+      </p:sp>
+    </p:spTree>
+    <p:extLst>
+      <p:ext uri="{BB962C8B-B14F-4D97-AF65-F5344CB8AC3E}">
+        <p14:creationId xmlns:p14="http://schemas.microsoft.com/office/powerpoint/2010/main" val="2027495088"/>
+      </p:ext>
+    </p:extLst>
+  </p:cSld>
+  <p:clrMapOvr>
+    <a:masterClrMapping/>
+  </p:clrMapOvr>
+</p:notes>
+</file>
+
+<file path=ppt/notesSlides/notesSlide2.xml><?xml version="1.0" encoding="utf-8"?>
+<p:notes xmlns:a="http://schemas.openxmlformats.org/drawingml/2006/main" xmlns:r="http://schemas.openxmlformats.org/officeDocument/2006/relationships" xmlns:p="http://schemas.openxmlformats.org/presentationml/2006/main">
+  <p:cSld>
+    <p:spTree>
+      <p:nvGrpSpPr>
+        <p:cNvPr id="1" name=""/>
+        <p:cNvGrpSpPr/>
+        <p:nvPr/>
+      </p:nvGrpSpPr>
+      <p:grpSpPr>
+        <a:xfrm>
+          <a:off x="0" y="0"/>
+          <a:ext cx="0" cy="0"/>
+          <a:chOff x="0" y="0"/>
+          <a:chExt cx="0" cy="0"/>
+        </a:xfrm>
+      </p:grpSpPr>
+      <p:sp>
+        <p:nvSpPr>
+          <p:cNvPr id="2" name="슬라이드 이미지 개체 틀 1"/>
+          <p:cNvSpPr>
+            <a:spLocks noGrp="1" noRot="1" noChangeAspect="1"/>
+          </p:cNvSpPr>
+          <p:nvPr>
+            <p:ph type="sldImg"/>
+          </p:nvPr>
+        </p:nvSpPr>
+        <p:spPr/>
+      </p:sp>
+      <p:sp>
+        <p:nvSpPr>
+          <p:cNvPr id="3" name="슬라이드 노트 개체 틀 2"/>
+          <p:cNvSpPr>
+            <a:spLocks noGrp="1"/>
+          </p:cNvSpPr>
+          <p:nvPr>
+            <p:ph type="body" idx="1"/>
+          </p:nvPr>
+        </p:nvSpPr>
+        <p:spPr/>
+        <p:txBody>
+          <a:bodyPr/>
+          <a:lstStyle/>
+          <a:p>
+            <a:r>
+              <a:rPr lang="ko-KR" altLang="en-US" dirty="0" smtClean="0"/>
+              <a:t>준수한 속도와</a:t>
+            </a:r>
+            <a:r>
+              <a:rPr lang="en-US" altLang="ko-KR" baseline="0" dirty="0" smtClean="0"/>
+              <a:t> </a:t>
+            </a:r>
+            <a:r>
+              <a:rPr lang="ko-KR" altLang="en-US" dirty="0" smtClean="0"/>
+              <a:t>임의의 구간에 쓰고 읽기가 가능한 자바 </a:t>
+            </a:r>
+            <a:r>
+              <a:rPr lang="en-US" altLang="ko-KR" dirty="0" err="1" smtClean="0"/>
+              <a:t>io</a:t>
+            </a:r>
+            <a:r>
+              <a:rPr lang="en-US" altLang="ko-KR" dirty="0" smtClean="0"/>
+              <a:t> </a:t>
+            </a:r>
+            <a:r>
+              <a:rPr lang="en-US" altLang="ko-KR" dirty="0" err="1" smtClean="0"/>
+              <a:t>RandomAccessFile</a:t>
+            </a:r>
+            <a:r>
+              <a:rPr lang="ko-KR" altLang="en-US" dirty="0" smtClean="0"/>
+              <a:t>을 씀</a:t>
+            </a:r>
+            <a:endParaRPr lang="en-US" altLang="ko-KR" dirty="0" smtClean="0"/>
+          </a:p>
+          <a:p>
+            <a:r>
+              <a:rPr lang="ko-KR" altLang="en-US" dirty="0" smtClean="0"/>
+              <a:t>오프셋을 이용하여 읽었음</a:t>
+            </a:r>
+            <a:endParaRPr lang="en-US" altLang="ko-KR" dirty="0" smtClean="0"/>
+          </a:p>
+          <a:p>
+            <a:r>
+              <a:rPr lang="ko-KR" altLang="en-US" dirty="0" smtClean="0"/>
+              <a:t>좀더 구체적으로</a:t>
+            </a:r>
+            <a:r>
+              <a:rPr lang="en-US" altLang="ko-KR" dirty="0" smtClean="0"/>
+              <a:t>,</a:t>
+            </a:r>
+            <a:r>
+              <a:rPr lang="en-US" altLang="ko-KR" baseline="0" dirty="0" smtClean="0"/>
+              <a:t> </a:t>
+            </a:r>
+            <a:r>
+              <a:rPr lang="ko-KR" altLang="en-US" baseline="0" dirty="0" smtClean="0"/>
+              <a:t>쓰인 </a:t>
+            </a:r>
+            <a:r>
+              <a:rPr lang="ko-KR" altLang="en-US" baseline="0" dirty="0" err="1" smtClean="0"/>
+              <a:t>메소드는</a:t>
+            </a:r>
+            <a:r>
+              <a:rPr lang="ko-KR" altLang="en-US" baseline="0" dirty="0" smtClean="0"/>
+              <a:t> </a:t>
+            </a:r>
+            <a:r>
+              <a:rPr lang="en-US" altLang="ko-KR" baseline="0" dirty="0" smtClean="0"/>
+              <a:t>seek </a:t>
+            </a:r>
+            <a:r>
+              <a:rPr lang="en-US" altLang="ko-KR" baseline="0" dirty="0" err="1" smtClean="0"/>
+              <a:t>readfully</a:t>
+            </a:r>
+            <a:r>
+              <a:rPr lang="ko-KR" altLang="en-US" baseline="0" dirty="0" smtClean="0"/>
+              <a:t>정도 </a:t>
+            </a:r>
+            <a:r>
+              <a:rPr lang="en-US" altLang="ko-KR" baseline="0" dirty="0" smtClean="0"/>
+              <a:t>(</a:t>
+            </a:r>
+            <a:r>
+              <a:rPr lang="ko-KR" altLang="en-US" baseline="0" dirty="0" smtClean="0"/>
+              <a:t>뒤 자세히 설명</a:t>
+            </a:r>
+            <a:r>
+              <a:rPr lang="en-US" altLang="ko-KR" baseline="0" dirty="0" smtClean="0"/>
+              <a:t>, seek</a:t>
+            </a:r>
+            <a:r>
+              <a:rPr lang="ko-KR" altLang="en-US" baseline="0" dirty="0" smtClean="0"/>
+              <a:t>에 걸리는 오버헤드 문제 </a:t>
+            </a:r>
+            <a:r>
+              <a:rPr lang="ko-KR" altLang="en-US" baseline="0" dirty="0" err="1" smtClean="0"/>
+              <a:t>해결위해</a:t>
+            </a:r>
+            <a:r>
+              <a:rPr lang="ko-KR" altLang="en-US" baseline="0" dirty="0" smtClean="0"/>
+              <a:t> 레코드캐시사용</a:t>
+            </a:r>
+            <a:r>
+              <a:rPr lang="en-US" altLang="ko-KR" baseline="0" dirty="0" smtClean="0"/>
+              <a:t>)</a:t>
+            </a:r>
+          </a:p>
+          <a:p>
+            <a:pPr marL="0" marR="0" indent="0" algn="l" defTabSz="914400" rtl="0" eaLnBrk="1" fontAlgn="auto" latinLnBrk="1" hangingPunct="1">
+              <a:lnSpc>
+                <a:spcPct val="100000"/>
+              </a:lnSpc>
+              <a:spcBef>
+                <a:spcPts val="0"/>
+              </a:spcBef>
+              <a:spcAft>
+                <a:spcPts val="0"/>
+              </a:spcAft>
+              <a:buClrTx/>
+              <a:buSzTx/>
+              <a:buFontTx/>
+              <a:buNone/>
+              <a:tabLst/>
+              <a:defRPr/>
+            </a:pPr>
+            <a:r>
+              <a:rPr lang="ko-KR" altLang="en-US" dirty="0" smtClean="0"/>
+              <a:t>어차피 </a:t>
+            </a:r>
+            <a:r>
+              <a:rPr lang="ko-KR" altLang="en-US" dirty="0" err="1" smtClean="0"/>
+              <a:t>한파일에</a:t>
+            </a:r>
+            <a:r>
+              <a:rPr lang="ko-KR" altLang="en-US" dirty="0" smtClean="0"/>
+              <a:t> </a:t>
+            </a:r>
+            <a:r>
+              <a:rPr lang="ko-KR" altLang="en-US" dirty="0" err="1" smtClean="0"/>
+              <a:t>쓰기때문에</a:t>
+            </a:r>
+            <a:r>
+              <a:rPr lang="ko-KR" altLang="en-US" dirty="0" smtClean="0"/>
+              <a:t> 레코드들을 </a:t>
+            </a:r>
+            <a:r>
+              <a:rPr lang="en-US" altLang="ko-KR" dirty="0" smtClean="0"/>
+              <a:t>append</a:t>
+            </a:r>
+            <a:r>
+              <a:rPr lang="ko-KR" altLang="en-US" dirty="0" smtClean="0"/>
+              <a:t>하는 형식으로 </a:t>
+            </a:r>
+            <a:r>
+              <a:rPr lang="en-US" altLang="ko-KR" dirty="0" smtClean="0"/>
+              <a:t>write</a:t>
+            </a:r>
+            <a:r>
+              <a:rPr lang="ko-KR" altLang="en-US" dirty="0" smtClean="0"/>
+              <a:t>구현 </a:t>
+            </a:r>
+            <a:r>
+              <a:rPr lang="ko-KR" altLang="en-US" dirty="0" smtClean="0"/>
+              <a:t> </a:t>
+            </a:r>
+            <a:r>
+              <a:rPr lang="en-US" altLang="ko-KR" dirty="0" smtClean="0"/>
+              <a:t>(</a:t>
+            </a:r>
+            <a:r>
+              <a:rPr lang="ko-KR" altLang="en-US" dirty="0" smtClean="0"/>
+              <a:t>하지만 쓰는 량이 엄청나기</a:t>
+            </a:r>
+            <a:r>
+              <a:rPr lang="ko-KR" altLang="en-US" baseline="0" dirty="0" smtClean="0"/>
+              <a:t> 때문에 느리다</a:t>
+            </a:r>
+            <a:r>
+              <a:rPr lang="en-US" altLang="ko-KR" baseline="0" dirty="0" smtClean="0"/>
+              <a:t>. </a:t>
+            </a:r>
+            <a:r>
+              <a:rPr lang="ko-KR" altLang="en-US" baseline="0" dirty="0" smtClean="0"/>
+              <a:t>그래서</a:t>
+            </a:r>
+            <a:r>
+              <a:rPr lang="en-US" altLang="ko-KR" baseline="0" dirty="0" smtClean="0"/>
+              <a:t>, </a:t>
+            </a:r>
+            <a:r>
+              <a:rPr lang="en-US" altLang="ko-KR" dirty="0" smtClean="0"/>
+              <a:t>Optimization – 1</a:t>
+            </a:r>
+            <a:r>
+              <a:rPr lang="en-US" altLang="ko-KR" baseline="0" dirty="0" smtClean="0"/>
+              <a:t> </a:t>
+            </a:r>
+            <a:r>
+              <a:rPr lang="ko-KR" altLang="en-US" dirty="0" smtClean="0"/>
+              <a:t>자세히 설명해줌</a:t>
+            </a:r>
+            <a:r>
+              <a:rPr lang="en-US" altLang="ko-KR" dirty="0" smtClean="0"/>
+              <a:t>~)</a:t>
+            </a:r>
+            <a:endParaRPr lang="en-US" altLang="ko-KR" dirty="0" smtClean="0"/>
+          </a:p>
+          <a:p>
+            <a:pPr marL="0" marR="0" indent="0" algn="l" defTabSz="914400" rtl="0" eaLnBrk="1" fontAlgn="auto" latinLnBrk="1" hangingPunct="1">
+              <a:lnSpc>
+                <a:spcPct val="100000"/>
+              </a:lnSpc>
+              <a:spcBef>
+                <a:spcPts val="0"/>
+              </a:spcBef>
+              <a:spcAft>
+                <a:spcPts val="0"/>
+              </a:spcAft>
+              <a:buClrTx/>
+              <a:buSzTx/>
+              <a:buFontTx/>
+              <a:buNone/>
+              <a:tabLst/>
+              <a:defRPr/>
+            </a:pPr>
+            <a:r>
+              <a:rPr lang="ko-KR" altLang="en-US" dirty="0" smtClean="0"/>
+              <a:t>좀더 구체적으로</a:t>
+            </a:r>
+            <a:r>
+              <a:rPr lang="en-US" altLang="ko-KR" dirty="0" smtClean="0"/>
+              <a:t>, </a:t>
+            </a:r>
+            <a:r>
+              <a:rPr lang="ko-KR" altLang="en-US" dirty="0" smtClean="0"/>
+              <a:t>쓰인 </a:t>
+            </a:r>
+            <a:r>
+              <a:rPr lang="ko-KR" altLang="en-US" dirty="0" err="1" smtClean="0"/>
+              <a:t>메소드는</a:t>
+            </a:r>
+            <a:r>
+              <a:rPr lang="ko-KR" altLang="en-US" dirty="0" smtClean="0"/>
+              <a:t> </a:t>
+            </a:r>
+            <a:r>
+              <a:rPr lang="ko-KR" altLang="en-US" dirty="0" err="1" smtClean="0"/>
+              <a:t>블라블라</a:t>
+            </a:r>
+            <a:endParaRPr lang="ko-KR" altLang="en-US" dirty="0"/>
+          </a:p>
+        </p:txBody>
+      </p:sp>
+      <p:sp>
+        <p:nvSpPr>
+          <p:cNvPr id="4" name="슬라이드 번호 개체 틀 3"/>
+          <p:cNvSpPr>
+            <a:spLocks noGrp="1"/>
+          </p:cNvSpPr>
+          <p:nvPr>
+            <p:ph type="sldNum" sz="quarter" idx="10"/>
+          </p:nvPr>
+        </p:nvSpPr>
+        <p:spPr/>
+        <p:txBody>
+          <a:bodyPr/>
+          <a:lstStyle/>
+          <a:p>
+            <a:fld id="{46D22BF3-38FA-481D-913B-266A10439B2E}" type="slidenum">
+              <a:rPr lang="ko-KR" altLang="en-US" smtClean="0"/>
+              <a:t>11</a:t>
+            </a:fld>
+            <a:endParaRPr lang="ko-KR" altLang="en-US"/>
+          </a:p>
+        </p:txBody>
+      </p:sp>
+    </p:spTree>
+    <p:extLst>
+      <p:ext uri="{BB962C8B-B14F-4D97-AF65-F5344CB8AC3E}">
+        <p14:creationId xmlns:p14="http://schemas.microsoft.com/office/powerpoint/2010/main" val="139224880"/>
+      </p:ext>
+    </p:extLst>
+  </p:cSld>
+  <p:clrMapOvr>
+    <a:masterClrMapping/>
+  </p:clrMapOvr>
+</p:notes>
+</file>
+
 <file path=ppt/slideLayouts/slideLayout1.xml><?xml version="1.0" encoding="utf-8"?>
 <p:sldLayout xmlns:a="http://schemas.openxmlformats.org/drawingml/2006/main" xmlns:r="http://schemas.openxmlformats.org/officeDocument/2006/relationships" xmlns:p="http://schemas.openxmlformats.org/presentationml/2006/main" type="title" preserve="1">
   <p:cSld name="제목 슬라이드">
@@ -3590,7 +4371,7 @@
           <a:p>
             <a:fld id="{B63F1667-DD0B-4DF4-9B5D-4AC61A8EA750}" type="datetimeFigureOut">
               <a:rPr lang="ko-KR" altLang="en-US" smtClean="0"/>
-              <a:t>2015-11-12</a:t>
+              <a:t>2015-11-14</a:t>
             </a:fld>
             <a:endParaRPr lang="ko-KR" altLang="en-US" dirty="0"/>
           </a:p>
@@ -3783,7 +4564,7 @@
           <a:p>
             <a:fld id="{B63F1667-DD0B-4DF4-9B5D-4AC61A8EA750}" type="datetimeFigureOut">
               <a:rPr lang="ko-KR" altLang="en-US" smtClean="0"/>
-              <a:t>2015-11-12</a:t>
+              <a:t>2015-11-14</a:t>
             </a:fld>
             <a:endParaRPr lang="ko-KR" altLang="en-US" dirty="0"/>
           </a:p>
@@ -3986,7 +4767,7 @@
           <a:p>
             <a:fld id="{B63F1667-DD0B-4DF4-9B5D-4AC61A8EA750}" type="datetimeFigureOut">
               <a:rPr lang="ko-KR" altLang="en-US" smtClean="0"/>
-              <a:t>2015-11-12</a:t>
+              <a:t>2015-11-14</a:t>
             </a:fld>
             <a:endParaRPr lang="ko-KR" altLang="en-US" dirty="0"/>
           </a:p>
@@ -5020,7 +5801,7 @@
           <a:p>
             <a:fld id="{B63F1667-DD0B-4DF4-9B5D-4AC61A8EA750}" type="datetimeFigureOut">
               <a:rPr lang="ko-KR" altLang="en-US" smtClean="0"/>
-              <a:t>2015-11-12</a:t>
+              <a:t>2015-11-14</a:t>
             </a:fld>
             <a:endParaRPr lang="ko-KR" altLang="en-US" dirty="0"/>
           </a:p>
@@ -5331,7 +6112,7 @@
           <a:p>
             <a:fld id="{B63F1667-DD0B-4DF4-9B5D-4AC61A8EA750}" type="datetimeFigureOut">
               <a:rPr lang="ko-KR" altLang="en-US" smtClean="0"/>
-              <a:t>2015-11-12</a:t>
+              <a:t>2015-11-14</a:t>
             </a:fld>
             <a:endParaRPr lang="ko-KR" altLang="en-US" dirty="0"/>
           </a:p>
@@ -5776,7 +6557,7 @@
           <a:p>
             <a:fld id="{B63F1667-DD0B-4DF4-9B5D-4AC61A8EA750}" type="datetimeFigureOut">
               <a:rPr lang="ko-KR" altLang="en-US" smtClean="0"/>
-              <a:t>2015-11-12</a:t>
+              <a:t>2015-11-14</a:t>
             </a:fld>
             <a:endParaRPr lang="ko-KR" altLang="en-US" dirty="0"/>
           </a:p>
@@ -5917,7 +6698,7 @@
           <a:p>
             <a:fld id="{B63F1667-DD0B-4DF4-9B5D-4AC61A8EA750}" type="datetimeFigureOut">
               <a:rPr lang="ko-KR" altLang="en-US" smtClean="0"/>
-              <a:t>2015-11-12</a:t>
+              <a:t>2015-11-14</a:t>
             </a:fld>
             <a:endParaRPr lang="ko-KR" altLang="en-US" dirty="0"/>
           </a:p>
@@ -6028,7 +6809,7 @@
           <a:p>
             <a:fld id="{B63F1667-DD0B-4DF4-9B5D-4AC61A8EA750}" type="datetimeFigureOut">
               <a:rPr lang="ko-KR" altLang="en-US" smtClean="0"/>
-              <a:t>2015-11-12</a:t>
+              <a:t>2015-11-14</a:t>
             </a:fld>
             <a:endParaRPr lang="ko-KR" altLang="en-US" dirty="0"/>
           </a:p>
@@ -6328,7 +7109,7 @@
           <a:p>
             <a:fld id="{B63F1667-DD0B-4DF4-9B5D-4AC61A8EA750}" type="datetimeFigureOut">
               <a:rPr lang="ko-KR" altLang="en-US" smtClean="0"/>
-              <a:t>2015-11-12</a:t>
+              <a:t>2015-11-14</a:t>
             </a:fld>
             <a:endParaRPr lang="ko-KR" altLang="en-US" dirty="0"/>
           </a:p>
@@ -6604,7 +7385,7 @@
           <a:p>
             <a:fld id="{B63F1667-DD0B-4DF4-9B5D-4AC61A8EA750}" type="datetimeFigureOut">
               <a:rPr lang="ko-KR" altLang="en-US" smtClean="0"/>
-              <a:t>2015-11-12</a:t>
+              <a:t>2015-11-14</a:t>
             </a:fld>
             <a:endParaRPr lang="ko-KR" altLang="en-US" dirty="0"/>
           </a:p>
@@ -7395,33 +8176,1243 @@
           <a:lstStyle/>
           <a:p>
             <a:r>
+              <a:rPr lang="en-US" altLang="ko-KR" dirty="0" err="1" smtClean="0"/>
+              <a:t>BigFile</a:t>
+            </a:r>
+            <a:r>
               <a:rPr lang="en-US" altLang="ko-KR" dirty="0" smtClean="0"/>
-              <a:t>Optimization – 1</a:t>
-            </a:r>
-          </a:p>
-          <a:p>
-            <a:pPr lvl="1"/>
+              <a:t> subclass hierarchy</a:t>
+            </a:r>
+            <a:endParaRPr lang="ko-KR" altLang="en-US" dirty="0"/>
+          </a:p>
+        </p:txBody>
+      </p:sp>
+      <p:sp>
+        <p:nvSpPr>
+          <p:cNvPr id="4" name="모서리가 둥근 직사각형 3"/>
+          <p:cNvSpPr/>
+          <p:nvPr/>
+        </p:nvSpPr>
+        <p:spPr>
+          <a:xfrm>
+            <a:off x="776536" y="2564904"/>
+            <a:ext cx="1656184" cy="794222"/>
+          </a:xfrm>
+          <a:prstGeom prst="roundRect">
+            <a:avLst/>
+          </a:prstGeom>
+          <a:solidFill>
+            <a:schemeClr val="accent6"/>
+          </a:solidFill>
+          <a:ln>
+            <a:solidFill>
+              <a:schemeClr val="accent6">
+                <a:lumMod val="75000"/>
+              </a:schemeClr>
+            </a:solidFill>
+          </a:ln>
+        </p:spPr>
+        <p:style>
+          <a:lnRef idx="2">
+            <a:schemeClr val="accent1">
+              <a:shade val="50000"/>
+            </a:schemeClr>
+          </a:lnRef>
+          <a:fillRef idx="1">
+            <a:schemeClr val="accent1"/>
+          </a:fillRef>
+          <a:effectRef idx="0">
+            <a:schemeClr val="accent1"/>
+          </a:effectRef>
+          <a:fontRef idx="minor">
+            <a:schemeClr val="lt1"/>
+          </a:fontRef>
+        </p:style>
+        <p:txBody>
+          <a:bodyPr rtlCol="0" anchor="ctr"/>
+          <a:lstStyle/>
+          <a:p>
+            <a:pPr algn="ctr"/>
+            <a:r>
+              <a:rPr lang="en-US" altLang="ko-KR" dirty="0" err="1" smtClean="0">
+                <a:solidFill>
+                  <a:schemeClr val="bg1"/>
+                </a:solidFill>
+              </a:rPr>
+              <a:t>IBigFile</a:t>
+            </a:r>
+            <a:endParaRPr lang="ko-KR" altLang="en-US" dirty="0">
+              <a:solidFill>
+                <a:schemeClr val="bg1"/>
+              </a:solidFill>
+            </a:endParaRPr>
+          </a:p>
+        </p:txBody>
+      </p:sp>
+      <p:sp>
+        <p:nvSpPr>
+          <p:cNvPr id="5" name="모서리가 둥근 직사각형 4"/>
+          <p:cNvSpPr/>
+          <p:nvPr/>
+        </p:nvSpPr>
+        <p:spPr>
+          <a:xfrm>
+            <a:off x="776536" y="4725144"/>
+            <a:ext cx="1656184" cy="855214"/>
+          </a:xfrm>
+          <a:prstGeom prst="roundRect">
+            <a:avLst/>
+          </a:prstGeom>
+          <a:solidFill>
+            <a:schemeClr val="accent6"/>
+          </a:solidFill>
+          <a:ln>
+            <a:solidFill>
+              <a:schemeClr val="accent6">
+                <a:lumMod val="75000"/>
+              </a:schemeClr>
+            </a:solidFill>
+          </a:ln>
+        </p:spPr>
+        <p:style>
+          <a:lnRef idx="2">
+            <a:schemeClr val="accent1">
+              <a:shade val="50000"/>
+            </a:schemeClr>
+          </a:lnRef>
+          <a:fillRef idx="1">
+            <a:schemeClr val="accent1"/>
+          </a:fillRef>
+          <a:effectRef idx="0">
+            <a:schemeClr val="accent1"/>
+          </a:effectRef>
+          <a:fontRef idx="minor">
+            <a:schemeClr val="lt1"/>
+          </a:fontRef>
+        </p:style>
+        <p:txBody>
+          <a:bodyPr rtlCol="0" anchor="ctr"/>
+          <a:lstStyle/>
+          <a:p>
+            <a:pPr algn="ctr"/>
+            <a:r>
+              <a:rPr lang="en-US" altLang="ko-KR" dirty="0" err="1" smtClean="0">
+                <a:solidFill>
+                  <a:schemeClr val="bg1"/>
+                </a:solidFill>
+              </a:rPr>
+              <a:t>IOutputFile</a:t>
+            </a:r>
+            <a:endParaRPr lang="ko-KR" altLang="en-US" dirty="0">
+              <a:solidFill>
+                <a:schemeClr val="bg1"/>
+              </a:solidFill>
+            </a:endParaRPr>
+          </a:p>
+        </p:txBody>
+      </p:sp>
+      <p:sp>
+        <p:nvSpPr>
+          <p:cNvPr id="6" name="모서리가 둥근 직사각형 5"/>
+          <p:cNvSpPr/>
+          <p:nvPr/>
+        </p:nvSpPr>
+        <p:spPr>
+          <a:xfrm>
+            <a:off x="3363971" y="2276872"/>
+            <a:ext cx="1517021" cy="648072"/>
+          </a:xfrm>
+          <a:prstGeom prst="roundRect">
+            <a:avLst/>
+          </a:prstGeom>
+          <a:solidFill>
+            <a:schemeClr val="accent6"/>
+          </a:solidFill>
+          <a:ln>
+            <a:solidFill>
+              <a:schemeClr val="accent6">
+                <a:lumMod val="75000"/>
+              </a:schemeClr>
+            </a:solidFill>
+          </a:ln>
+        </p:spPr>
+        <p:style>
+          <a:lnRef idx="2">
+            <a:schemeClr val="accent1">
+              <a:shade val="50000"/>
+            </a:schemeClr>
+          </a:lnRef>
+          <a:fillRef idx="1">
+            <a:schemeClr val="accent1"/>
+          </a:fillRef>
+          <a:effectRef idx="0">
+            <a:schemeClr val="accent1"/>
+          </a:effectRef>
+          <a:fontRef idx="minor">
+            <a:schemeClr val="lt1"/>
+          </a:fontRef>
+        </p:style>
+        <p:txBody>
+          <a:bodyPr rtlCol="0" anchor="ctr"/>
+          <a:lstStyle/>
+          <a:p>
+            <a:pPr algn="ctr"/>
+            <a:r>
+              <a:rPr lang="en-US" altLang="ko-KR" dirty="0" err="1" smtClean="0">
+                <a:solidFill>
+                  <a:schemeClr val="bg1"/>
+                </a:solidFill>
+              </a:rPr>
+              <a:t>MultiFile</a:t>
+            </a:r>
+            <a:endParaRPr lang="ko-KR" altLang="en-US" dirty="0">
+              <a:solidFill>
+                <a:schemeClr val="bg1"/>
+              </a:solidFill>
+            </a:endParaRPr>
+          </a:p>
+        </p:txBody>
+      </p:sp>
+      <p:sp>
+        <p:nvSpPr>
+          <p:cNvPr id="7" name="모서리가 둥근 직사각형 6"/>
+          <p:cNvSpPr/>
+          <p:nvPr/>
+        </p:nvSpPr>
+        <p:spPr>
+          <a:xfrm>
+            <a:off x="3363971" y="3100524"/>
+            <a:ext cx="1512168" cy="650206"/>
+          </a:xfrm>
+          <a:prstGeom prst="roundRect">
+            <a:avLst/>
+          </a:prstGeom>
+          <a:solidFill>
+            <a:schemeClr val="accent6"/>
+          </a:solidFill>
+          <a:ln>
+            <a:solidFill>
+              <a:schemeClr val="accent6">
+                <a:lumMod val="75000"/>
+              </a:schemeClr>
+            </a:solidFill>
+          </a:ln>
+        </p:spPr>
+        <p:style>
+          <a:lnRef idx="2">
+            <a:schemeClr val="accent1">
+              <a:shade val="50000"/>
+            </a:schemeClr>
+          </a:lnRef>
+          <a:fillRef idx="1">
+            <a:schemeClr val="accent1"/>
+          </a:fillRef>
+          <a:effectRef idx="0">
+            <a:schemeClr val="accent1"/>
+          </a:effectRef>
+          <a:fontRef idx="minor">
+            <a:schemeClr val="lt1"/>
+          </a:fontRef>
+        </p:style>
+        <p:txBody>
+          <a:bodyPr rtlCol="0" anchor="ctr"/>
+          <a:lstStyle/>
+          <a:p>
+            <a:pPr algn="ctr"/>
+            <a:r>
+              <a:rPr lang="en-US" altLang="ko-KR" dirty="0" err="1" smtClean="0">
+                <a:solidFill>
+                  <a:schemeClr val="bg1"/>
+                </a:solidFill>
+              </a:rPr>
+              <a:t>SingleFile</a:t>
+            </a:r>
+            <a:endParaRPr lang="ko-KR" altLang="en-US" dirty="0">
+              <a:solidFill>
+                <a:schemeClr val="bg1"/>
+              </a:solidFill>
+            </a:endParaRPr>
+          </a:p>
+        </p:txBody>
+      </p:sp>
+      <p:sp>
+        <p:nvSpPr>
+          <p:cNvPr id="9" name="모서리가 둥근 직사각형 8"/>
+          <p:cNvSpPr/>
+          <p:nvPr/>
+        </p:nvSpPr>
+        <p:spPr>
+          <a:xfrm>
+            <a:off x="3363971" y="4725143"/>
+            <a:ext cx="1512168" cy="855215"/>
+          </a:xfrm>
+          <a:prstGeom prst="roundRect">
+            <a:avLst/>
+          </a:prstGeom>
+          <a:solidFill>
+            <a:schemeClr val="accent6"/>
+          </a:solidFill>
+          <a:ln>
+            <a:solidFill>
+              <a:schemeClr val="accent6">
+                <a:lumMod val="75000"/>
+              </a:schemeClr>
+            </a:solidFill>
+          </a:ln>
+        </p:spPr>
+        <p:style>
+          <a:lnRef idx="2">
+            <a:schemeClr val="accent1">
+              <a:shade val="50000"/>
+            </a:schemeClr>
+          </a:lnRef>
+          <a:fillRef idx="1">
+            <a:schemeClr val="accent1"/>
+          </a:fillRef>
+          <a:effectRef idx="0">
+            <a:schemeClr val="accent1"/>
+          </a:effectRef>
+          <a:fontRef idx="minor">
+            <a:schemeClr val="lt1"/>
+          </a:fontRef>
+        </p:style>
+        <p:txBody>
+          <a:bodyPr rtlCol="0" anchor="ctr"/>
+          <a:lstStyle/>
+          <a:p>
+            <a:pPr algn="ctr"/>
+            <a:r>
+              <a:rPr lang="en-US" altLang="ko-KR" dirty="0" err="1" smtClean="0">
+                <a:solidFill>
+                  <a:schemeClr val="bg1"/>
+                </a:solidFill>
+              </a:rPr>
+              <a:t>BigOutFile</a:t>
+            </a:r>
+            <a:endParaRPr lang="ko-KR" altLang="en-US" dirty="0">
+              <a:solidFill>
+                <a:schemeClr val="bg1"/>
+              </a:solidFill>
+            </a:endParaRPr>
+          </a:p>
+        </p:txBody>
+      </p:sp>
+      <p:cxnSp>
+        <p:nvCxnSpPr>
+          <p:cNvPr id="11" name="직선 연결선 10"/>
+          <p:cNvCxnSpPr>
+            <a:stCxn id="4" idx="3"/>
+            <a:endCxn id="6" idx="1"/>
+          </p:cNvCxnSpPr>
+          <p:nvPr/>
+        </p:nvCxnSpPr>
+        <p:spPr>
+          <a:xfrm flipV="1">
+            <a:off x="2432720" y="2600908"/>
+            <a:ext cx="931251" cy="361107"/>
+          </a:xfrm>
+          <a:prstGeom prst="line">
+            <a:avLst/>
+          </a:prstGeom>
+          <a:ln>
+            <a:solidFill>
+              <a:schemeClr val="accent6"/>
+            </a:solidFill>
+          </a:ln>
+        </p:spPr>
+        <p:style>
+          <a:lnRef idx="1">
+            <a:schemeClr val="accent1"/>
+          </a:lnRef>
+          <a:fillRef idx="0">
+            <a:schemeClr val="accent1"/>
+          </a:fillRef>
+          <a:effectRef idx="0">
+            <a:schemeClr val="accent1"/>
+          </a:effectRef>
+          <a:fontRef idx="minor">
+            <a:schemeClr val="tx1"/>
+          </a:fontRef>
+        </p:style>
+      </p:cxnSp>
+      <p:cxnSp>
+        <p:nvCxnSpPr>
+          <p:cNvPr id="15" name="직선 연결선 14"/>
+          <p:cNvCxnSpPr>
+            <a:stCxn id="4" idx="3"/>
+            <a:endCxn id="7" idx="1"/>
+          </p:cNvCxnSpPr>
+          <p:nvPr/>
+        </p:nvCxnSpPr>
+        <p:spPr>
+          <a:xfrm>
+            <a:off x="2432720" y="2962015"/>
+            <a:ext cx="931251" cy="463612"/>
+          </a:xfrm>
+          <a:prstGeom prst="line">
+            <a:avLst/>
+          </a:prstGeom>
+          <a:ln>
+            <a:solidFill>
+              <a:schemeClr val="accent6"/>
+            </a:solidFill>
+          </a:ln>
+        </p:spPr>
+        <p:style>
+          <a:lnRef idx="1">
+            <a:schemeClr val="accent1"/>
+          </a:lnRef>
+          <a:fillRef idx="0">
+            <a:schemeClr val="accent1"/>
+          </a:fillRef>
+          <a:effectRef idx="0">
+            <a:schemeClr val="accent1"/>
+          </a:effectRef>
+          <a:fontRef idx="minor">
+            <a:schemeClr val="tx1"/>
+          </a:fontRef>
+        </p:style>
+      </p:cxnSp>
+      <p:cxnSp>
+        <p:nvCxnSpPr>
+          <p:cNvPr id="17" name="직선 연결선 16"/>
+          <p:cNvCxnSpPr>
+            <a:stCxn id="5" idx="3"/>
+            <a:endCxn id="9" idx="1"/>
+          </p:cNvCxnSpPr>
+          <p:nvPr/>
+        </p:nvCxnSpPr>
+        <p:spPr>
+          <a:xfrm>
+            <a:off x="2432720" y="5152751"/>
+            <a:ext cx="931251" cy="0"/>
+          </a:xfrm>
+          <a:prstGeom prst="line">
+            <a:avLst/>
+          </a:prstGeom>
+          <a:ln>
+            <a:solidFill>
+              <a:schemeClr val="accent6"/>
+            </a:solidFill>
+          </a:ln>
+        </p:spPr>
+        <p:style>
+          <a:lnRef idx="1">
+            <a:schemeClr val="accent1"/>
+          </a:lnRef>
+          <a:fillRef idx="0">
+            <a:schemeClr val="accent1"/>
+          </a:fillRef>
+          <a:effectRef idx="0">
+            <a:schemeClr val="accent1"/>
+          </a:effectRef>
+          <a:fontRef idx="minor">
+            <a:schemeClr val="tx1"/>
+          </a:fontRef>
+        </p:style>
+      </p:cxnSp>
+      <p:sp>
+        <p:nvSpPr>
+          <p:cNvPr id="30" name="모서리가 둥근 직사각형 29"/>
+          <p:cNvSpPr/>
+          <p:nvPr/>
+        </p:nvSpPr>
+        <p:spPr>
+          <a:xfrm>
+            <a:off x="3363971" y="3925651"/>
+            <a:ext cx="1512168" cy="618406"/>
+          </a:xfrm>
+          <a:prstGeom prst="roundRect">
+            <a:avLst/>
+          </a:prstGeom>
+          <a:solidFill>
+            <a:schemeClr val="accent6"/>
+          </a:solidFill>
+          <a:ln>
+            <a:solidFill>
+              <a:schemeClr val="accent6">
+                <a:lumMod val="75000"/>
+              </a:schemeClr>
+            </a:solidFill>
+          </a:ln>
+        </p:spPr>
+        <p:style>
+          <a:lnRef idx="2">
+            <a:schemeClr val="accent1">
+              <a:shade val="50000"/>
+            </a:schemeClr>
+          </a:lnRef>
+          <a:fillRef idx="1">
+            <a:schemeClr val="accent1"/>
+          </a:fillRef>
+          <a:effectRef idx="0">
+            <a:schemeClr val="accent1"/>
+          </a:effectRef>
+          <a:fontRef idx="minor">
+            <a:schemeClr val="lt1"/>
+          </a:fontRef>
+        </p:style>
+        <p:txBody>
+          <a:bodyPr rtlCol="0" anchor="ctr"/>
+          <a:lstStyle/>
+          <a:p>
+            <a:pPr algn="ctr"/>
+            <a:r>
+              <a:rPr lang="en-US" altLang="ko-KR" sz="1600" dirty="0" err="1" smtClean="0"/>
+              <a:t>RecordCache</a:t>
+            </a:r>
+            <a:endParaRPr lang="ko-KR" altLang="en-US" sz="1600" dirty="0"/>
+          </a:p>
+        </p:txBody>
+      </p:sp>
+      <p:sp>
+        <p:nvSpPr>
+          <p:cNvPr id="32" name="직사각형 31"/>
+          <p:cNvSpPr/>
+          <p:nvPr/>
+        </p:nvSpPr>
+        <p:spPr>
+          <a:xfrm>
+            <a:off x="5526085" y="2380238"/>
+            <a:ext cx="4170704" cy="369332"/>
+          </a:xfrm>
+          <a:prstGeom prst="rect">
+            <a:avLst/>
+          </a:prstGeom>
+        </p:spPr>
+        <p:txBody>
+          <a:bodyPr wrap="square">
+            <a:spAutoFit/>
+          </a:bodyPr>
+          <a:lstStyle/>
+          <a:p>
             <a:r>
               <a:rPr lang="en-US" altLang="ko-KR" dirty="0" smtClean="0"/>
-              <a:t>Memory Mapped File</a:t>
-            </a:r>
-          </a:p>
-          <a:p>
-            <a:pPr lvl="1"/>
-            <a:endParaRPr lang="en-US" altLang="ko-KR" dirty="0" smtClean="0"/>
+              <a:t>Get Records from multi-files</a:t>
+            </a:r>
+            <a:endParaRPr lang="ko-KR" altLang="en-US" dirty="0"/>
+          </a:p>
+        </p:txBody>
+      </p:sp>
+      <p:sp>
+        <p:nvSpPr>
+          <p:cNvPr id="33" name="직사각형 32"/>
+          <p:cNvSpPr/>
+          <p:nvPr/>
+        </p:nvSpPr>
+        <p:spPr>
+          <a:xfrm>
+            <a:off x="5535130" y="3201295"/>
+            <a:ext cx="4170704" cy="369332"/>
+          </a:xfrm>
+          <a:prstGeom prst="rect">
+            <a:avLst/>
+          </a:prstGeom>
+        </p:spPr>
+        <p:txBody>
+          <a:bodyPr wrap="square">
+            <a:spAutoFit/>
+          </a:bodyPr>
+          <a:lstStyle/>
+          <a:p>
+            <a:r>
+              <a:rPr lang="en-US" altLang="ko-KR" dirty="0" smtClean="0"/>
+              <a:t>Get Records from single-files</a:t>
+            </a:r>
+            <a:endParaRPr lang="ko-KR" altLang="en-US" dirty="0"/>
+          </a:p>
+        </p:txBody>
+      </p:sp>
+      <p:sp>
+        <p:nvSpPr>
+          <p:cNvPr id="34" name="직사각형 33"/>
+          <p:cNvSpPr/>
+          <p:nvPr/>
+        </p:nvSpPr>
+        <p:spPr>
+          <a:xfrm>
+            <a:off x="5526085" y="4050188"/>
+            <a:ext cx="4170704" cy="369332"/>
+          </a:xfrm>
+          <a:prstGeom prst="rect">
+            <a:avLst/>
+          </a:prstGeom>
+        </p:spPr>
+        <p:txBody>
+          <a:bodyPr wrap="square">
+            <a:spAutoFit/>
+          </a:bodyPr>
+          <a:lstStyle/>
+          <a:p>
+            <a:r>
+              <a:rPr lang="en-US" altLang="ko-KR" dirty="0" smtClean="0"/>
+              <a:t>Record cache for reading efficiency</a:t>
+            </a:r>
+            <a:endParaRPr lang="ko-KR" altLang="en-US" dirty="0"/>
+          </a:p>
+        </p:txBody>
+      </p:sp>
+      <p:sp>
+        <p:nvSpPr>
+          <p:cNvPr id="35" name="직사각형 34"/>
+          <p:cNvSpPr/>
+          <p:nvPr/>
+        </p:nvSpPr>
+        <p:spPr>
+          <a:xfrm>
+            <a:off x="5535130" y="4863883"/>
+            <a:ext cx="4170704" cy="369332"/>
+          </a:xfrm>
+          <a:prstGeom prst="rect">
+            <a:avLst/>
+          </a:prstGeom>
+        </p:spPr>
+        <p:txBody>
+          <a:bodyPr wrap="square">
+            <a:spAutoFit/>
+          </a:bodyPr>
+          <a:lstStyle/>
+          <a:p>
+            <a:r>
+              <a:rPr lang="en-US" altLang="ko-KR" dirty="0" smtClean="0"/>
+              <a:t>Set Records to file</a:t>
+            </a:r>
+            <a:endParaRPr lang="ko-KR" altLang="en-US" dirty="0"/>
+          </a:p>
+        </p:txBody>
+      </p:sp>
+      <p:cxnSp>
+        <p:nvCxnSpPr>
+          <p:cNvPr id="37" name="구부러진 연결선 36"/>
+          <p:cNvCxnSpPr>
+            <a:stCxn id="30" idx="3"/>
+            <a:endCxn id="6" idx="3"/>
+          </p:cNvCxnSpPr>
+          <p:nvPr/>
+        </p:nvCxnSpPr>
+        <p:spPr>
+          <a:xfrm flipV="1">
+            <a:off x="4876139" y="2600908"/>
+            <a:ext cx="4853" cy="1633946"/>
+          </a:xfrm>
+          <a:prstGeom prst="curvedConnector3">
+            <a:avLst>
+              <a:gd name="adj1" fmla="val 4810488"/>
+            </a:avLst>
+          </a:prstGeom>
+          <a:ln>
+            <a:solidFill>
+              <a:schemeClr val="accent6"/>
+            </a:solidFill>
+            <a:tailEnd type="triangle"/>
+          </a:ln>
+        </p:spPr>
+        <p:style>
+          <a:lnRef idx="1">
+            <a:schemeClr val="accent1"/>
+          </a:lnRef>
+          <a:fillRef idx="0">
+            <a:schemeClr val="accent1"/>
+          </a:fillRef>
+          <a:effectRef idx="0">
+            <a:schemeClr val="accent1"/>
+          </a:effectRef>
+          <a:fontRef idx="minor">
+            <a:schemeClr val="tx1"/>
+          </a:fontRef>
+        </p:style>
+      </p:cxnSp>
+      <p:cxnSp>
+        <p:nvCxnSpPr>
+          <p:cNvPr id="39" name="구부러진 연결선 38"/>
+          <p:cNvCxnSpPr>
+            <a:stCxn id="30" idx="3"/>
+            <a:endCxn id="7" idx="3"/>
+          </p:cNvCxnSpPr>
+          <p:nvPr/>
+        </p:nvCxnSpPr>
+        <p:spPr>
+          <a:xfrm flipV="1">
+            <a:off x="4876139" y="3425627"/>
+            <a:ext cx="12700" cy="809227"/>
+          </a:xfrm>
+          <a:prstGeom prst="curvedConnector3">
+            <a:avLst>
+              <a:gd name="adj1" fmla="val 1800000"/>
+            </a:avLst>
+          </a:prstGeom>
+          <a:ln>
+            <a:solidFill>
+              <a:schemeClr val="accent6"/>
+            </a:solidFill>
+            <a:tailEnd type="triangle"/>
+          </a:ln>
+        </p:spPr>
+        <p:style>
+          <a:lnRef idx="1">
+            <a:schemeClr val="accent1"/>
+          </a:lnRef>
+          <a:fillRef idx="0">
+            <a:schemeClr val="accent1"/>
+          </a:fillRef>
+          <a:effectRef idx="0">
+            <a:schemeClr val="accent1"/>
+          </a:effectRef>
+          <a:fontRef idx="minor">
+            <a:schemeClr val="tx1"/>
+          </a:fontRef>
+        </p:style>
+      </p:cxnSp>
+      <p:cxnSp>
+        <p:nvCxnSpPr>
+          <p:cNvPr id="41" name="구부러진 연결선 40"/>
+          <p:cNvCxnSpPr/>
+          <p:nvPr/>
+        </p:nvCxnSpPr>
+        <p:spPr>
+          <a:xfrm flipH="1">
+            <a:off x="4901043" y="2600908"/>
+            <a:ext cx="4853" cy="2551843"/>
+          </a:xfrm>
+          <a:prstGeom prst="curvedConnector3">
+            <a:avLst>
+              <a:gd name="adj1" fmla="val -4710488"/>
+            </a:avLst>
+          </a:prstGeom>
+          <a:ln>
+            <a:solidFill>
+              <a:srgbClr val="7030A0"/>
+            </a:solidFill>
+            <a:tailEnd type="triangle"/>
+          </a:ln>
+        </p:spPr>
+        <p:style>
+          <a:lnRef idx="1">
+            <a:schemeClr val="accent1"/>
+          </a:lnRef>
+          <a:fillRef idx="0">
+            <a:schemeClr val="accent1"/>
+          </a:fillRef>
+          <a:effectRef idx="0">
+            <a:schemeClr val="accent1"/>
+          </a:effectRef>
+          <a:fontRef idx="minor">
+            <a:schemeClr val="tx1"/>
+          </a:fontRef>
+        </p:style>
+      </p:cxnSp>
+      <p:cxnSp>
+        <p:nvCxnSpPr>
+          <p:cNvPr id="43" name="구부러진 연결선 42"/>
+          <p:cNvCxnSpPr>
+            <a:stCxn id="9" idx="1"/>
+            <a:endCxn id="7" idx="1"/>
+          </p:cNvCxnSpPr>
+          <p:nvPr/>
+        </p:nvCxnSpPr>
+        <p:spPr>
+          <a:xfrm rot="10800000">
+            <a:off x="3363971" y="3425627"/>
+            <a:ext cx="12700" cy="1727124"/>
+          </a:xfrm>
+          <a:prstGeom prst="curvedConnector3">
+            <a:avLst>
+              <a:gd name="adj1" fmla="val 1800000"/>
+            </a:avLst>
+          </a:prstGeom>
+          <a:ln>
+            <a:solidFill>
+              <a:srgbClr val="7030A0"/>
+            </a:solidFill>
+            <a:tailEnd type="triangle"/>
+          </a:ln>
+        </p:spPr>
+        <p:style>
+          <a:lnRef idx="1">
+            <a:schemeClr val="accent1"/>
+          </a:lnRef>
+          <a:fillRef idx="0">
+            <a:schemeClr val="accent1"/>
+          </a:fillRef>
+          <a:effectRef idx="0">
+            <a:schemeClr val="accent1"/>
+          </a:effectRef>
+          <a:fontRef idx="minor">
+            <a:schemeClr val="tx1"/>
+          </a:fontRef>
+        </p:style>
+      </p:cxnSp>
+      <p:sp>
+        <p:nvSpPr>
+          <p:cNvPr id="44" name="직사각형 43"/>
+          <p:cNvSpPr/>
+          <p:nvPr/>
+        </p:nvSpPr>
+        <p:spPr>
+          <a:xfrm>
+            <a:off x="3384022" y="2276872"/>
+            <a:ext cx="438489" cy="369332"/>
+          </a:xfrm>
+          <a:prstGeom prst="rect">
+            <a:avLst/>
+          </a:prstGeom>
+        </p:spPr>
+        <p:txBody>
+          <a:bodyPr wrap="square">
+            <a:spAutoFit/>
+          </a:bodyPr>
+          <a:lstStyle/>
+          <a:p>
+            <a:r>
+              <a:rPr lang="en-US" altLang="ko-KR" dirty="0" smtClean="0">
+                <a:solidFill>
+                  <a:srgbClr val="7030A0"/>
+                </a:solidFill>
+              </a:rPr>
+              <a:t>1.</a:t>
+            </a:r>
+            <a:endParaRPr lang="ko-KR" altLang="en-US" dirty="0">
+              <a:solidFill>
+                <a:srgbClr val="7030A0"/>
+              </a:solidFill>
+            </a:endParaRPr>
+          </a:p>
+        </p:txBody>
+      </p:sp>
+      <p:sp>
+        <p:nvSpPr>
+          <p:cNvPr id="45" name="직사각형 44"/>
+          <p:cNvSpPr/>
+          <p:nvPr/>
+        </p:nvSpPr>
+        <p:spPr>
+          <a:xfrm>
+            <a:off x="3336595" y="4796727"/>
+            <a:ext cx="438489" cy="369332"/>
+          </a:xfrm>
+          <a:prstGeom prst="rect">
+            <a:avLst/>
+          </a:prstGeom>
+        </p:spPr>
+        <p:txBody>
+          <a:bodyPr wrap="square">
+            <a:spAutoFit/>
+          </a:bodyPr>
+          <a:lstStyle/>
+          <a:p>
+            <a:r>
+              <a:rPr lang="en-US" altLang="ko-KR" dirty="0" smtClean="0">
+                <a:solidFill>
+                  <a:srgbClr val="7030A0"/>
+                </a:solidFill>
+              </a:rPr>
+              <a:t>2.</a:t>
+            </a:r>
+            <a:endParaRPr lang="ko-KR" altLang="en-US" dirty="0">
+              <a:solidFill>
+                <a:srgbClr val="7030A0"/>
+              </a:solidFill>
+            </a:endParaRPr>
+          </a:p>
+        </p:txBody>
+      </p:sp>
+      <p:sp>
+        <p:nvSpPr>
+          <p:cNvPr id="46" name="직사각형 45"/>
+          <p:cNvSpPr/>
+          <p:nvPr/>
+        </p:nvSpPr>
+        <p:spPr>
+          <a:xfrm>
+            <a:off x="3314140" y="3121641"/>
+            <a:ext cx="438489" cy="369332"/>
+          </a:xfrm>
+          <a:prstGeom prst="rect">
+            <a:avLst/>
+          </a:prstGeom>
+        </p:spPr>
+        <p:txBody>
+          <a:bodyPr wrap="square">
+            <a:spAutoFit/>
+          </a:bodyPr>
+          <a:lstStyle/>
+          <a:p>
+            <a:r>
+              <a:rPr lang="en-US" altLang="ko-KR" dirty="0" smtClean="0">
+                <a:solidFill>
+                  <a:srgbClr val="7030A0"/>
+                </a:solidFill>
+              </a:rPr>
+              <a:t>3.</a:t>
+            </a:r>
+            <a:endParaRPr lang="ko-KR" altLang="en-US" dirty="0">
+              <a:solidFill>
+                <a:srgbClr val="7030A0"/>
+              </a:solidFill>
+            </a:endParaRPr>
           </a:p>
         </p:txBody>
       </p:sp>
     </p:spTree>
     <p:extLst>
       <p:ext uri="{BB962C8B-B14F-4D97-AF65-F5344CB8AC3E}">
-        <p14:creationId xmlns:p14="http://schemas.microsoft.com/office/powerpoint/2010/main" val="1277777738"/>
+        <p14:creationId xmlns:p14="http://schemas.microsoft.com/office/powerpoint/2010/main" val="3934635109"/>
       </p:ext>
     </p:extLst>
   </p:cSld>
   <p:clrMapOvr>
     <a:masterClrMapping/>
   </p:clrMapOvr>
+  <p:timing>
+    <p:tnLst>
+      <p:par>
+        <p:cTn id="1" dur="indefinite" restart="never" nodeType="tmRoot">
+          <p:childTnLst>
+            <p:seq concurrent="1" nextAc="seek">
+              <p:cTn id="2" dur="indefinite" nodeType="mainSeq">
+                <p:childTnLst>
+                  <p:par>
+                    <p:cTn id="3" fill="hold">
+                      <p:stCondLst>
+                        <p:cond delay="indefinite"/>
+                      </p:stCondLst>
+                      <p:childTnLst>
+                        <p:par>
+                          <p:cTn id="4" fill="hold">
+                            <p:stCondLst>
+                              <p:cond delay="0"/>
+                            </p:stCondLst>
+                            <p:childTnLst>
+                              <p:par>
+                                <p:cTn id="5" presetID="1" presetClass="entr" presetSubtype="0" fill="hold" nodeType="clickEffect">
+                                  <p:stCondLst>
+                                    <p:cond delay="0"/>
+                                  </p:stCondLst>
+                                  <p:childTnLst>
+                                    <p:set>
+                                      <p:cBhvr>
+                                        <p:cTn id="6" dur="1" fill="hold">
+                                          <p:stCondLst>
+                                            <p:cond delay="0"/>
+                                          </p:stCondLst>
+                                        </p:cTn>
+                                        <p:tgtEl>
+                                          <p:spTgt spid="37"/>
+                                        </p:tgtEl>
+                                        <p:attrNameLst>
+                                          <p:attrName>style.visibility</p:attrName>
+                                        </p:attrNameLst>
+                                      </p:cBhvr>
+                                      <p:to>
+                                        <p:strVal val="visible"/>
+                                      </p:to>
+                                    </p:set>
+                                  </p:childTnLst>
+                                </p:cTn>
+                              </p:par>
+                              <p:par>
+                                <p:cTn id="7" presetID="1" presetClass="entr" presetSubtype="0" fill="hold" nodeType="withEffect">
+                                  <p:stCondLst>
+                                    <p:cond delay="0"/>
+                                  </p:stCondLst>
+                                  <p:childTnLst>
+                                    <p:set>
+                                      <p:cBhvr>
+                                        <p:cTn id="8" dur="1" fill="hold">
+                                          <p:stCondLst>
+                                            <p:cond delay="0"/>
+                                          </p:stCondLst>
+                                        </p:cTn>
+                                        <p:tgtEl>
+                                          <p:spTgt spid="39"/>
+                                        </p:tgtEl>
+                                        <p:attrNameLst>
+                                          <p:attrName>style.visibility</p:attrName>
+                                        </p:attrNameLst>
+                                      </p:cBhvr>
+                                      <p:to>
+                                        <p:strVal val="visible"/>
+                                      </p:to>
+                                    </p:set>
+                                  </p:childTnLst>
+                                </p:cTn>
+                              </p:par>
+                            </p:childTnLst>
+                          </p:cTn>
+                        </p:par>
+                      </p:childTnLst>
+                    </p:cTn>
+                  </p:par>
+                  <p:par>
+                    <p:cTn id="9" fill="hold">
+                      <p:stCondLst>
+                        <p:cond delay="indefinite"/>
+                      </p:stCondLst>
+                      <p:childTnLst>
+                        <p:par>
+                          <p:cTn id="10" fill="hold">
+                            <p:stCondLst>
+                              <p:cond delay="0"/>
+                            </p:stCondLst>
+                            <p:childTnLst>
+                              <p:par>
+                                <p:cTn id="11" presetID="1" presetClass="exit" presetSubtype="0" fill="hold" nodeType="clickEffect">
+                                  <p:stCondLst>
+                                    <p:cond delay="0"/>
+                                  </p:stCondLst>
+                                  <p:childTnLst>
+                                    <p:set>
+                                      <p:cBhvr>
+                                        <p:cTn id="12" dur="1" fill="hold">
+                                          <p:stCondLst>
+                                            <p:cond delay="0"/>
+                                          </p:stCondLst>
+                                        </p:cTn>
+                                        <p:tgtEl>
+                                          <p:spTgt spid="37"/>
+                                        </p:tgtEl>
+                                        <p:attrNameLst>
+                                          <p:attrName>style.visibility</p:attrName>
+                                        </p:attrNameLst>
+                                      </p:cBhvr>
+                                      <p:to>
+                                        <p:strVal val="hidden"/>
+                                      </p:to>
+                                    </p:set>
+                                  </p:childTnLst>
+                                </p:cTn>
+                              </p:par>
+                              <p:par>
+                                <p:cTn id="13" presetID="1" presetClass="exit" presetSubtype="0" fill="hold" nodeType="withEffect">
+                                  <p:stCondLst>
+                                    <p:cond delay="0"/>
+                                  </p:stCondLst>
+                                  <p:childTnLst>
+                                    <p:set>
+                                      <p:cBhvr>
+                                        <p:cTn id="14" dur="1" fill="hold">
+                                          <p:stCondLst>
+                                            <p:cond delay="0"/>
+                                          </p:stCondLst>
+                                        </p:cTn>
+                                        <p:tgtEl>
+                                          <p:spTgt spid="39"/>
+                                        </p:tgtEl>
+                                        <p:attrNameLst>
+                                          <p:attrName>style.visibility</p:attrName>
+                                        </p:attrNameLst>
+                                      </p:cBhvr>
+                                      <p:to>
+                                        <p:strVal val="hidden"/>
+                                      </p:to>
+                                    </p:set>
+                                  </p:childTnLst>
+                                </p:cTn>
+                              </p:par>
+                            </p:childTnLst>
+                          </p:cTn>
+                        </p:par>
+                      </p:childTnLst>
+                    </p:cTn>
+                  </p:par>
+                  <p:par>
+                    <p:cTn id="15" fill="hold">
+                      <p:stCondLst>
+                        <p:cond delay="indefinite"/>
+                      </p:stCondLst>
+                      <p:childTnLst>
+                        <p:par>
+                          <p:cTn id="16" fill="hold">
+                            <p:stCondLst>
+                              <p:cond delay="0"/>
+                            </p:stCondLst>
+                            <p:childTnLst>
+                              <p:par>
+                                <p:cTn id="17" presetID="1" presetClass="entr" presetSubtype="0" fill="hold" nodeType="clickEffect">
+                                  <p:stCondLst>
+                                    <p:cond delay="0"/>
+                                  </p:stCondLst>
+                                  <p:childTnLst>
+                                    <p:set>
+                                      <p:cBhvr>
+                                        <p:cTn id="18" dur="1" fill="hold">
+                                          <p:stCondLst>
+                                            <p:cond delay="0"/>
+                                          </p:stCondLst>
+                                        </p:cTn>
+                                        <p:tgtEl>
+                                          <p:spTgt spid="41"/>
+                                        </p:tgtEl>
+                                        <p:attrNameLst>
+                                          <p:attrName>style.visibility</p:attrName>
+                                        </p:attrNameLst>
+                                      </p:cBhvr>
+                                      <p:to>
+                                        <p:strVal val="visible"/>
+                                      </p:to>
+                                    </p:set>
+                                  </p:childTnLst>
+                                </p:cTn>
+                              </p:par>
+                              <p:par>
+                                <p:cTn id="19" presetID="1" presetClass="entr" presetSubtype="0" fill="hold" grpId="0" nodeType="withEffect">
+                                  <p:stCondLst>
+                                    <p:cond delay="0"/>
+                                  </p:stCondLst>
+                                  <p:childTnLst>
+                                    <p:set>
+                                      <p:cBhvr>
+                                        <p:cTn id="20" dur="1" fill="hold">
+                                          <p:stCondLst>
+                                            <p:cond delay="0"/>
+                                          </p:stCondLst>
+                                        </p:cTn>
+                                        <p:tgtEl>
+                                          <p:spTgt spid="44"/>
+                                        </p:tgtEl>
+                                        <p:attrNameLst>
+                                          <p:attrName>style.visibility</p:attrName>
+                                        </p:attrNameLst>
+                                      </p:cBhvr>
+                                      <p:to>
+                                        <p:strVal val="visible"/>
+                                      </p:to>
+                                    </p:set>
+                                  </p:childTnLst>
+                                </p:cTn>
+                              </p:par>
+                              <p:par>
+                                <p:cTn id="21" presetID="1" presetClass="entr" presetSubtype="0" fill="hold" grpId="0" nodeType="withEffect">
+                                  <p:stCondLst>
+                                    <p:cond delay="0"/>
+                                  </p:stCondLst>
+                                  <p:childTnLst>
+                                    <p:set>
+                                      <p:cBhvr>
+                                        <p:cTn id="22" dur="1" fill="hold">
+                                          <p:stCondLst>
+                                            <p:cond delay="0"/>
+                                          </p:stCondLst>
+                                        </p:cTn>
+                                        <p:tgtEl>
+                                          <p:spTgt spid="45"/>
+                                        </p:tgtEl>
+                                        <p:attrNameLst>
+                                          <p:attrName>style.visibility</p:attrName>
+                                        </p:attrNameLst>
+                                      </p:cBhvr>
+                                      <p:to>
+                                        <p:strVal val="visible"/>
+                                      </p:to>
+                                    </p:set>
+                                  </p:childTnLst>
+                                </p:cTn>
+                              </p:par>
+                            </p:childTnLst>
+                          </p:cTn>
+                        </p:par>
+                      </p:childTnLst>
+                    </p:cTn>
+                  </p:par>
+                  <p:par>
+                    <p:cTn id="23" fill="hold">
+                      <p:stCondLst>
+                        <p:cond delay="indefinite"/>
+                      </p:stCondLst>
+                      <p:childTnLst>
+                        <p:par>
+                          <p:cTn id="24" fill="hold">
+                            <p:stCondLst>
+                              <p:cond delay="0"/>
+                            </p:stCondLst>
+                            <p:childTnLst>
+                              <p:par>
+                                <p:cTn id="25" presetID="1" presetClass="entr" presetSubtype="0" fill="hold" grpId="0" nodeType="clickEffect">
+                                  <p:stCondLst>
+                                    <p:cond delay="0"/>
+                                  </p:stCondLst>
+                                  <p:childTnLst>
+                                    <p:set>
+                                      <p:cBhvr>
+                                        <p:cTn id="26" dur="1" fill="hold">
+                                          <p:stCondLst>
+                                            <p:cond delay="0"/>
+                                          </p:stCondLst>
+                                        </p:cTn>
+                                        <p:tgtEl>
+                                          <p:spTgt spid="46"/>
+                                        </p:tgtEl>
+                                        <p:attrNameLst>
+                                          <p:attrName>style.visibility</p:attrName>
+                                        </p:attrNameLst>
+                                      </p:cBhvr>
+                                      <p:to>
+                                        <p:strVal val="visible"/>
+                                      </p:to>
+                                    </p:set>
+                                  </p:childTnLst>
+                                </p:cTn>
+                              </p:par>
+                              <p:par>
+                                <p:cTn id="27" presetID="1" presetClass="entr" presetSubtype="0" fill="hold" nodeType="withEffect">
+                                  <p:stCondLst>
+                                    <p:cond delay="0"/>
+                                  </p:stCondLst>
+                                  <p:childTnLst>
+                                    <p:set>
+                                      <p:cBhvr>
+                                        <p:cTn id="28" dur="1" fill="hold">
+                                          <p:stCondLst>
+                                            <p:cond delay="0"/>
+                                          </p:stCondLst>
+                                        </p:cTn>
+                                        <p:tgtEl>
+                                          <p:spTgt spid="43"/>
+                                        </p:tgtEl>
+                                        <p:attrNameLst>
+                                          <p:attrName>style.visibility</p:attrName>
+                                        </p:attrNameLst>
+                                      </p:cBhvr>
+                                      <p:to>
+                                        <p:strVal val="visible"/>
+                                      </p:to>
+                                    </p:set>
+                                  </p:childTnLst>
+                                </p:cTn>
+                              </p:par>
+                            </p:childTnLst>
+                          </p:cTn>
+                        </p:par>
+                      </p:childTnLst>
+                    </p:cTn>
+                  </p:par>
+                </p:childTnLst>
+              </p:cTn>
+              <p:prevCondLst>
+                <p:cond evt="onPrev" delay="0">
+                  <p:tgtEl>
+                    <p:sldTgt/>
+                  </p:tgtEl>
+                </p:cond>
+              </p:prevCondLst>
+              <p:nextCondLst>
+                <p:cond evt="onNext" delay="0">
+                  <p:tgtEl>
+                    <p:sldTgt/>
+                  </p:tgtEl>
+                </p:cond>
+              </p:nextCondLst>
+            </p:seq>
+          </p:childTnLst>
+        </p:cTn>
+      </p:par>
+    </p:tnLst>
+    <p:bldLst>
+      <p:bldP spid="44" grpId="0"/>
+      <p:bldP spid="45" grpId="0"/>
+      <p:bldP spid="46" grpId="0"/>
+    </p:bldLst>
+  </p:timing>
 </p:sld>
 </file>
 
@@ -7459,28 +9450,140 @@
           <a:p>
             <a:r>
               <a:rPr lang="en-US" altLang="ko-KR" dirty="0" smtClean="0"/>
-              <a:t>Optimization 1</a:t>
-            </a:r>
-          </a:p>
-          <a:p>
-            <a:pPr lvl="1"/>
+              <a:t>File I/O</a:t>
+            </a:r>
+          </a:p>
+          <a:p>
+            <a:pPr marL="0" indent="0">
+              <a:buNone/>
+            </a:pPr>
             <a:r>
               <a:rPr lang="en-US" altLang="ko-KR" dirty="0" smtClean="0"/>
-              <a:t>Append Accumulating</a:t>
-            </a:r>
+              <a:t>   - </a:t>
+            </a:r>
+            <a:r>
+              <a:rPr lang="en-US" altLang="ko-KR" sz="2800" dirty="0" err="1" smtClean="0"/>
+              <a:t>java.io.RandomAccessFile</a:t>
+            </a:r>
+            <a:r>
+              <a:rPr lang="en-US" altLang="ko-KR" sz="2800" dirty="0" smtClean="0"/>
+              <a:t> </a:t>
+            </a:r>
+          </a:p>
+          <a:p>
+            <a:pPr marL="0" indent="0">
+              <a:buNone/>
+            </a:pPr>
+            <a:r>
+              <a:rPr lang="en-US" altLang="ko-KR" sz="2800" dirty="0" smtClean="0"/>
+              <a:t>   - Read : using offset </a:t>
+            </a:r>
+          </a:p>
+          <a:p>
+            <a:pPr marL="0" indent="0">
+              <a:buNone/>
+            </a:pPr>
+            <a:r>
+              <a:rPr lang="en-US" altLang="ko-KR" sz="2800" dirty="0"/>
+              <a:t>	</a:t>
+            </a:r>
+            <a:r>
+              <a:rPr lang="en-US" altLang="ko-KR" sz="2800" dirty="0" smtClean="0"/>
+              <a:t>	-&gt;seek , </a:t>
+            </a:r>
+            <a:r>
+              <a:rPr lang="en-US" altLang="ko-KR" sz="2800" dirty="0" err="1" smtClean="0"/>
+              <a:t>readfully</a:t>
+            </a:r>
+            <a:r>
+              <a:rPr lang="en-US" altLang="ko-KR" sz="2800" dirty="0" smtClean="0"/>
+              <a:t>(</a:t>
+            </a:r>
+            <a:r>
+              <a:rPr lang="en-US" altLang="ko-KR" sz="2800" dirty="0" err="1" smtClean="0"/>
+              <a:t>buf</a:t>
+            </a:r>
+            <a:r>
+              <a:rPr lang="en-US" altLang="ko-KR" sz="2800" dirty="0" smtClean="0"/>
+              <a:t> : Array[Byte])</a:t>
+            </a:r>
+            <a:endParaRPr lang="en-US" altLang="ko-KR" sz="2800" dirty="0"/>
+          </a:p>
+          <a:p>
+            <a:pPr marL="0" indent="0">
+              <a:buNone/>
+            </a:pPr>
+            <a:r>
+              <a:rPr lang="en-US" altLang="ko-KR" sz="2800" dirty="0" smtClean="0"/>
+              <a:t>       </a:t>
+            </a:r>
+            <a:r>
+              <a:rPr lang="en-US" altLang="ko-KR" sz="2000" dirty="0" smtClean="0"/>
+              <a:t>ex) record offset = 100, key offset = 10</a:t>
+            </a:r>
+          </a:p>
+          <a:p>
+            <a:pPr marL="0" indent="0">
+              <a:buNone/>
+            </a:pPr>
+            <a:r>
+              <a:rPr lang="en-US" altLang="ko-KR" sz="2800" dirty="0"/>
+              <a:t> </a:t>
+            </a:r>
+            <a:r>
+              <a:rPr lang="en-US" altLang="ko-KR" sz="2800" dirty="0" smtClean="0"/>
+              <a:t>  - Write : append records</a:t>
+            </a:r>
+          </a:p>
+          <a:p>
+            <a:pPr marL="0" indent="0">
+              <a:buNone/>
+            </a:pPr>
+            <a:r>
+              <a:rPr lang="en-US" altLang="ko-KR" sz="2800" dirty="0"/>
+              <a:t> </a:t>
+            </a:r>
+            <a:r>
+              <a:rPr lang="en-US" altLang="ko-KR" sz="2800" dirty="0" smtClean="0"/>
+              <a:t>		-&gt;put(</a:t>
+            </a:r>
+            <a:r>
+              <a:rPr lang="en-US" altLang="ko-KR" sz="2800" dirty="0" err="1" smtClean="0"/>
+              <a:t>buf</a:t>
+            </a:r>
+            <a:r>
+              <a:rPr lang="en-US" altLang="ko-KR" sz="2800" dirty="0" smtClean="0"/>
+              <a:t> : </a:t>
+            </a:r>
+            <a:r>
+              <a:rPr lang="en-US" altLang="ko-KR" sz="2800" dirty="0" err="1" smtClean="0"/>
+              <a:t>ByteBuffer</a:t>
+            </a:r>
+            <a:r>
+              <a:rPr lang="en-US" altLang="ko-KR" sz="2800" dirty="0" smtClean="0"/>
+              <a:t>)</a:t>
+            </a:r>
+            <a:endParaRPr lang="en-US" altLang="ko-KR" sz="2800" dirty="0"/>
           </a:p>
         </p:txBody>
       </p:sp>
     </p:spTree>
     <p:extLst>
       <p:ext uri="{BB962C8B-B14F-4D97-AF65-F5344CB8AC3E}">
-        <p14:creationId xmlns:p14="http://schemas.microsoft.com/office/powerpoint/2010/main" val="1697746235"/>
+        <p14:creationId xmlns:p14="http://schemas.microsoft.com/office/powerpoint/2010/main" val="693252811"/>
       </p:ext>
     </p:extLst>
   </p:cSld>
   <p:clrMapOvr>
     <a:masterClrMapping/>
   </p:clrMapOvr>
+  <p:timing>
+    <p:tnLst>
+      <p:par>
+        <p:cTn id="1" dur="indefinite" restart="never" nodeType="tmRoot"/>
+      </p:par>
+    </p:tnLst>
+  </p:timing>
 </p:sld>
 </file>
 
@@ -7518,78 +9621,39 @@
           <a:p>
             <a:r>
               <a:rPr lang="en-US" altLang="ko-KR" dirty="0" smtClean="0"/>
-              <a:t>Optimization 2 </a:t>
+              <a:t>Optimization – 1</a:t>
             </a:r>
           </a:p>
           <a:p>
             <a:pPr lvl="1"/>
             <a:r>
               <a:rPr lang="en-US" altLang="ko-KR" dirty="0" smtClean="0"/>
-              <a:t>Record Cache ( to avoid too much disk seek )</a:t>
+              <a:t>Memory Mapped File</a:t>
             </a:r>
           </a:p>
           <a:p>
             <a:pPr lvl="1"/>
-            <a:r>
-              <a:rPr lang="ko-KR" altLang="en-US" dirty="0" smtClean="0"/>
-              <a:t>이유 설명 </a:t>
-            </a:r>
-            <a:r>
-              <a:rPr lang="en-US" altLang="ko-KR" dirty="0" smtClean="0"/>
-              <a:t>( OS </a:t>
-            </a:r>
-            <a:r>
-              <a:rPr lang="ko-KR" altLang="en-US" dirty="0" smtClean="0"/>
-              <a:t>의 </a:t>
-            </a:r>
-            <a:r>
-              <a:rPr lang="ko-KR" altLang="en-US" dirty="0" err="1" smtClean="0"/>
-              <a:t>버퍼링이</a:t>
-            </a:r>
-            <a:r>
-              <a:rPr lang="ko-KR" altLang="en-US" dirty="0" smtClean="0"/>
-              <a:t> 제대로 작동 </a:t>
-            </a:r>
-            <a:r>
-              <a:rPr lang="ko-KR" altLang="en-US" dirty="0" err="1" smtClean="0"/>
-              <a:t>안함</a:t>
-            </a:r>
-            <a:r>
-              <a:rPr lang="ko-KR" altLang="en-US" dirty="0" smtClean="0"/>
-              <a:t> </a:t>
-            </a:r>
-            <a:r>
-              <a:rPr lang="en-US" altLang="ko-KR" dirty="0" smtClean="0"/>
-              <a:t>)</a:t>
-            </a:r>
-          </a:p>
-          <a:p>
-            <a:r>
-              <a:rPr lang="ko-KR" altLang="en-US" dirty="0" smtClean="0"/>
-              <a:t>링크의 결과를 첨부 </a:t>
-            </a:r>
-            <a:r>
-              <a:rPr lang="en-US" altLang="ko-KR" dirty="0" smtClean="0"/>
-              <a:t>http</a:t>
-            </a:r>
-            <a:r>
-              <a:rPr lang="en-US" altLang="ko-KR" dirty="0"/>
-              <a:t>://141.223.82.189/git/beomseok0203/orange/issues/35</a:t>
-            </a:r>
-            <a:endParaRPr lang="ko-KR" altLang="en-US" dirty="0"/>
+            <a:endParaRPr lang="en-US" altLang="ko-KR" dirty="0" smtClean="0"/>
           </a:p>
         </p:txBody>
       </p:sp>
     </p:spTree>
     <p:extLst>
       <p:ext uri="{BB962C8B-B14F-4D97-AF65-F5344CB8AC3E}">
-        <p14:creationId xmlns:p14="http://schemas.microsoft.com/office/powerpoint/2010/main" val="3120314305"/>
+        <p14:creationId xmlns:p14="http://schemas.microsoft.com/office/powerpoint/2010/main" val="1277777738"/>
       </p:ext>
     </p:extLst>
   </p:cSld>
   <p:clrMapOvr>
     <a:masterClrMapping/>
   </p:clrMapOvr>
+  <p:timing>
+    <p:tnLst>
+      <p:par>
+        <p:cTn id="1" dur="indefinite" restart="never" nodeType="tmRoot"/>
+      </p:par>
+    </p:tnLst>
+  </p:timing>
 </p:sld>
 </file>
 
@@ -7627,52 +9691,35 @@
           <a:p>
             <a:r>
               <a:rPr lang="en-US" altLang="ko-KR" dirty="0" smtClean="0"/>
-              <a:t>Optimization 2 </a:t>
+              <a:t>Optimization 1</a:t>
             </a:r>
           </a:p>
           <a:p>
             <a:pPr lvl="1"/>
             <a:r>
               <a:rPr lang="en-US" altLang="ko-KR" dirty="0" smtClean="0"/>
-              <a:t>Record Cache ( to avoid too much disk seek )</a:t>
-            </a:r>
-          </a:p>
-          <a:p>
-            <a:pPr lvl="1"/>
-            <a:r>
-              <a:rPr lang="ko-KR" altLang="en-US" dirty="0" smtClean="0"/>
-              <a:t>결과 정리</a:t>
-            </a:r>
-            <a:endParaRPr lang="en-US" altLang="ko-KR" dirty="0" smtClean="0"/>
-          </a:p>
-          <a:p>
-            <a:pPr lvl="1"/>
-            <a:r>
-              <a:rPr lang="ko-KR" altLang="en-US" dirty="0" smtClean="0"/>
-              <a:t>링크의 결과를 첨부 </a:t>
-            </a:r>
-            <a:r>
-              <a:rPr lang="en-US" altLang="ko-KR" dirty="0" smtClean="0"/>
-              <a:t>http</a:t>
-            </a:r>
-            <a:r>
-              <a:rPr lang="en-US" altLang="ko-KR" dirty="0"/>
-              <a:t>://141.223.82.189/git/beomseok0203/orange/issues/35</a:t>
-            </a:r>
-            <a:endParaRPr lang="ko-KR" altLang="en-US" dirty="0"/>
+              <a:t>Append Accumulating</a:t>
+            </a:r>
           </a:p>
         </p:txBody>
       </p:sp>
     </p:spTree>
     <p:extLst>
       <p:ext uri="{BB962C8B-B14F-4D97-AF65-F5344CB8AC3E}">
-        <p14:creationId xmlns:p14="http://schemas.microsoft.com/office/powerpoint/2010/main" val="4181993988"/>
+        <p14:creationId xmlns:p14="http://schemas.microsoft.com/office/powerpoint/2010/main" val="1697746235"/>
       </p:ext>
     </p:extLst>
   </p:cSld>
   <p:clrMapOvr>
     <a:masterClrMapping/>
   </p:clrMapOvr>
+  <p:timing>
+    <p:tnLst>
+      <p:par>
+        <p:cTn id="1" dur="indefinite" restart="never" nodeType="tmRoot"/>
+      </p:par>
+    </p:tnLst>
+  </p:timing>
 </p:sld>
 </file>
 
@@ -7710,21 +9757,63 @@
           <a:p>
             <a:r>
               <a:rPr lang="en-US" altLang="ko-KR" dirty="0" smtClean="0"/>
-              <a:t>Optimization 3</a:t>
+              <a:t>Optimization 2 </a:t>
             </a:r>
           </a:p>
           <a:p>
             <a:pPr lvl="1"/>
             <a:r>
               <a:rPr lang="en-US" altLang="ko-KR" dirty="0" smtClean="0"/>
-              <a:t>N-Way merge with Priority Queue</a:t>
+              <a:t>Record Cache ( to avoid too much disk seek )</a:t>
             </a:r>
           </a:p>
           <a:p>
             <a:pPr lvl="1"/>
             <a:r>
               <a:rPr lang="ko-KR" altLang="en-US" dirty="0" smtClean="0"/>
-              <a:t>이론 설명 그림</a:t>
+              <a:t>이유 설명 </a:t>
+            </a:r>
+            <a:r>
+              <a:rPr lang="en-US" altLang="ko-KR" dirty="0" smtClean="0"/>
+              <a:t>( OS </a:t>
+            </a:r>
+            <a:r>
+              <a:rPr lang="ko-KR" altLang="en-US" dirty="0" smtClean="0"/>
+              <a:t>의 </a:t>
+            </a:r>
+            <a:r>
+              <a:rPr lang="ko-KR" altLang="en-US" dirty="0" err="1" smtClean="0"/>
+              <a:t>버퍼링이</a:t>
+            </a:r>
+            <a:r>
+              <a:rPr lang="ko-KR" altLang="en-US" dirty="0" smtClean="0"/>
+              <a:t> 제대로 작동 </a:t>
+            </a:r>
+            <a:r>
+              <a:rPr lang="ko-KR" altLang="en-US" dirty="0" err="1" smtClean="0"/>
+              <a:t>안함</a:t>
+            </a:r>
+            <a:r>
+              <a:rPr lang="ko-KR" altLang="en-US" dirty="0" smtClean="0"/>
+              <a:t> </a:t>
+            </a:r>
+            <a:r>
+              <a:rPr lang="en-US" altLang="ko-KR" dirty="0" smtClean="0"/>
+              <a:t>)</a:t>
+            </a:r>
+          </a:p>
+          <a:p>
+            <a:r>
+              <a:rPr lang="ko-KR" altLang="en-US" dirty="0" smtClean="0"/>
+              <a:t>링크의 결과를 첨부 </a:t>
+            </a:r>
+            <a:r>
+              <a:rPr lang="en-US" altLang="ko-KR" dirty="0" smtClean="0"/>
+              <a:t>http</a:t>
+            </a:r>
+            <a:r>
+              <a:rPr lang="en-US" altLang="ko-KR" dirty="0"/>
+              <a:t>://141.223.82.189/git/beomseok0203/orange/issues/35</a:t>
             </a:r>
             <a:endParaRPr lang="ko-KR" altLang="en-US" dirty="0"/>
           </a:p>
@@ -7733,13 +9822,20 @@
     </p:spTree>
     <p:extLst>
       <p:ext uri="{BB962C8B-B14F-4D97-AF65-F5344CB8AC3E}">
-        <p14:creationId xmlns:p14="http://schemas.microsoft.com/office/powerpoint/2010/main" val="427581052"/>
+        <p14:creationId xmlns:p14="http://schemas.microsoft.com/office/powerpoint/2010/main" val="3120314305"/>
       </p:ext>
     </p:extLst>
   </p:cSld>
   <p:clrMapOvr>
     <a:masterClrMapping/>
   </p:clrMapOvr>
+  <p:timing>
+    <p:tnLst>
+      <p:par>
+        <p:cTn id="1" dur="indefinite" restart="never" nodeType="tmRoot"/>
+      </p:par>
+    </p:tnLst>
+  </p:timing>
 </p:sld>
 </file>
 
@@ -7777,6 +9873,170 @@
           <a:p>
             <a:r>
               <a:rPr lang="en-US" altLang="ko-KR" dirty="0" smtClean="0"/>
+              <a:t>Optimization 2 </a:t>
+            </a:r>
+          </a:p>
+          <a:p>
+            <a:pPr lvl="1"/>
+            <a:r>
+              <a:rPr lang="en-US" altLang="ko-KR" dirty="0" smtClean="0"/>
+              <a:t>Record Cache ( to avoid too much disk seek )</a:t>
+            </a:r>
+          </a:p>
+          <a:p>
+            <a:pPr lvl="1"/>
+            <a:r>
+              <a:rPr lang="ko-KR" altLang="en-US" dirty="0" smtClean="0"/>
+              <a:t>결과 정리</a:t>
+            </a:r>
+            <a:endParaRPr lang="en-US" altLang="ko-KR" dirty="0" smtClean="0"/>
+          </a:p>
+          <a:p>
+            <a:pPr lvl="1"/>
+            <a:r>
+              <a:rPr lang="ko-KR" altLang="en-US" dirty="0" smtClean="0"/>
+              <a:t>링크의 결과를 첨부 </a:t>
+            </a:r>
+            <a:r>
+              <a:rPr lang="en-US" altLang="ko-KR" dirty="0" smtClean="0"/>
+              <a:t>http</a:t>
+            </a:r>
+            <a:r>
+              <a:rPr lang="en-US" altLang="ko-KR" dirty="0"/>
+              <a:t>://141.223.82.189/git/beomseok0203/orange/issues/35</a:t>
+            </a:r>
+            <a:endParaRPr lang="ko-KR" altLang="en-US" dirty="0"/>
+          </a:p>
+        </p:txBody>
+      </p:sp>
+    </p:spTree>
+    <p:extLst>
+      <p:ext uri="{BB962C8B-B14F-4D97-AF65-F5344CB8AC3E}">
+        <p14:creationId xmlns:p14="http://schemas.microsoft.com/office/powerpoint/2010/main" val="4181993988"/>
+      </p:ext>
+    </p:extLst>
+  </p:cSld>
+  <p:clrMapOvr>
+    <a:masterClrMapping/>
+  </p:clrMapOvr>
+  <p:timing>
+    <p:tnLst>
+      <p:par>
+        <p:cTn id="1" dur="indefinite" restart="never" nodeType="tmRoot"/>
+      </p:par>
+    </p:tnLst>
+  </p:timing>
+</p:sld>
+</file>
+
+<file path=ppt/slides/slide16.xml><?xml version="1.0" encoding="utf-8"?>
+<p:sld xmlns:a="http://schemas.openxmlformats.org/drawingml/2006/main" xmlns:r="http://schemas.openxmlformats.org/officeDocument/2006/relationships" xmlns:p="http://schemas.openxmlformats.org/presentationml/2006/main">
+  <p:cSld>
+    <p:spTree>
+      <p:nvGrpSpPr>
+        <p:cNvPr id="1" name=""/>
+        <p:cNvGrpSpPr/>
+        <p:nvPr/>
+      </p:nvGrpSpPr>
+      <p:grpSpPr>
+        <a:xfrm>
+          <a:off x="0" y="0"/>
+          <a:ext cx="0" cy="0"/>
+          <a:chOff x="0" y="0"/>
+          <a:chExt cx="0" cy="0"/>
+        </a:xfrm>
+      </p:grpSpPr>
+      <p:sp>
+        <p:nvSpPr>
+          <p:cNvPr id="2" name="내용 개체 틀 1"/>
+          <p:cNvSpPr>
+            <a:spLocks noGrp="1"/>
+          </p:cNvSpPr>
+          <p:nvPr>
+            <p:ph idx="1"/>
+          </p:nvPr>
+        </p:nvSpPr>
+        <p:spPr/>
+        <p:txBody>
+          <a:bodyPr/>
+          <a:lstStyle/>
+          <a:p>
+            <a:r>
+              <a:rPr lang="en-US" altLang="ko-KR" dirty="0" smtClean="0"/>
+              <a:t>Optimization 3</a:t>
+            </a:r>
+          </a:p>
+          <a:p>
+            <a:pPr lvl="1"/>
+            <a:r>
+              <a:rPr lang="en-US" altLang="ko-KR" dirty="0" smtClean="0"/>
+              <a:t>N-Way merge with Priority Queue</a:t>
+            </a:r>
+          </a:p>
+          <a:p>
+            <a:pPr lvl="1"/>
+            <a:r>
+              <a:rPr lang="ko-KR" altLang="en-US" dirty="0" smtClean="0"/>
+              <a:t>이론 설명 그림</a:t>
+            </a:r>
+            <a:endParaRPr lang="ko-KR" altLang="en-US" dirty="0"/>
+          </a:p>
+        </p:txBody>
+      </p:sp>
+    </p:spTree>
+    <p:extLst>
+      <p:ext uri="{BB962C8B-B14F-4D97-AF65-F5344CB8AC3E}">
+        <p14:creationId xmlns:p14="http://schemas.microsoft.com/office/powerpoint/2010/main" val="427581052"/>
+      </p:ext>
+    </p:extLst>
+  </p:cSld>
+  <p:clrMapOvr>
+    <a:masterClrMapping/>
+  </p:clrMapOvr>
+  <p:timing>
+    <p:tnLst>
+      <p:par>
+        <p:cTn id="1" dur="indefinite" restart="never" nodeType="tmRoot"/>
+      </p:par>
+    </p:tnLst>
+  </p:timing>
+</p:sld>
+</file>
+
+<file path=ppt/slides/slide17.xml><?xml version="1.0" encoding="utf-8"?>
+<p:sld xmlns:a="http://schemas.openxmlformats.org/drawingml/2006/main" xmlns:r="http://schemas.openxmlformats.org/officeDocument/2006/relationships" xmlns:p="http://schemas.openxmlformats.org/presentationml/2006/main">
+  <p:cSld>
+    <p:spTree>
+      <p:nvGrpSpPr>
+        <p:cNvPr id="1" name=""/>
+        <p:cNvGrpSpPr/>
+        <p:nvPr/>
+      </p:nvGrpSpPr>
+      <p:grpSpPr>
+        <a:xfrm>
+          <a:off x="0" y="0"/>
+          <a:ext cx="0" cy="0"/>
+          <a:chOff x="0" y="0"/>
+          <a:chExt cx="0" cy="0"/>
+        </a:xfrm>
+      </p:grpSpPr>
+      <p:sp>
+        <p:nvSpPr>
+          <p:cNvPr id="2" name="내용 개체 틀 1"/>
+          <p:cNvSpPr>
+            <a:spLocks noGrp="1"/>
+          </p:cNvSpPr>
+          <p:nvPr>
+            <p:ph idx="1"/>
+          </p:nvPr>
+        </p:nvSpPr>
+        <p:spPr/>
+        <p:txBody>
+          <a:bodyPr/>
+          <a:lstStyle/>
+          <a:p>
+            <a:r>
+              <a:rPr lang="en-US" altLang="ko-KR" dirty="0" smtClean="0"/>
               <a:t>Optimization 3</a:t>
             </a:r>
           </a:p>
@@ -7834,7 +10094,7 @@
 </p:sld>
 </file>
 
-<file path=ppt/slides/slide16.xml><?xml version="1.0" encoding="utf-8"?>
+<file path=ppt/slides/slide18.xml><?xml version="1.0" encoding="utf-8"?>
 <p:sld xmlns:a="http://schemas.openxmlformats.org/drawingml/2006/main" xmlns:r="http://schemas.openxmlformats.org/officeDocument/2006/relationships" xmlns:p="http://schemas.openxmlformats.org/presentationml/2006/main">
   <p:cSld>
     <p:spTree>
@@ -7946,7 +10206,7 @@
 </p:sld>
 </file>
 
-<file path=ppt/slides/slide17.xml><?xml version="1.0" encoding="utf-8"?>
+<file path=ppt/slides/slide19.xml><?xml version="1.0" encoding="utf-8"?>
 <p:sld xmlns:a="http://schemas.openxmlformats.org/drawingml/2006/main" xmlns:r="http://schemas.openxmlformats.org/officeDocument/2006/relationships" xmlns:p="http://schemas.openxmlformats.org/presentationml/2006/main">
   <p:cSld>
     <p:bg>
@@ -8478,6 +10738,13 @@
   <p:clrMapOvr>
     <a:masterClrMapping/>
   </p:clrMapOvr>
+  <p:timing>
+    <p:tnLst>
+      <p:par>
+        <p:cTn id="1" dur="indefinite" restart="never" nodeType="tmRoot"/>
+      </p:par>
+    </p:tnLst>
+  </p:timing>
 </p:sld>
 </file>
 
@@ -8566,6 +10833,13 @@
   <p:clrMapOvr>
     <a:masterClrMapping/>
   </p:clrMapOvr>
+  <p:timing>
+    <p:tnLst>
+      <p:par>
+        <p:cTn id="1" dur="indefinite" restart="never" nodeType="tmRoot"/>
+      </p:par>
+    </p:tnLst>
+  </p:timing>
 </p:sld>
 </file>
 
@@ -8635,6 +10909,13 @@
   <p:clrMapOvr>
     <a:masterClrMapping/>
   </p:clrMapOvr>
+  <p:timing>
+    <p:tnLst>
+      <p:par>
+        <p:cTn id="1" dur="indefinite" restart="never" nodeType="tmRoot"/>
+      </p:par>
+    </p:tnLst>
+  </p:timing>
 </p:sld>
 </file>
 
@@ -8860,6 +11141,13 @@
   <p:clrMapOvr>
     <a:masterClrMapping/>
   </p:clrMapOvr>
+  <p:timing>
+    <p:tnLst>
+      <p:par>
+        <p:cTn id="1" dur="indefinite" restart="never" nodeType="tmRoot"/>
+      </p:par>
+    </p:tnLst>
+  </p:timing>
 </p:sld>
 </file>
 
@@ -9191,6 +11479,13 @@
   <p:clrMapOvr>
     <a:masterClrMapping/>
   </p:clrMapOvr>
+  <p:timing>
+    <p:tnLst>
+      <p:par>
+        <p:cTn id="1" dur="indefinite" restart="never" nodeType="tmRoot"/>
+      </p:par>
+    </p:tnLst>
+  </p:timing>
 </p:sld>
 </file>
 
@@ -9951,6 +12246,13 @@
   <p:clrMapOvr>
     <a:masterClrMapping/>
   </p:clrMapOvr>
+  <p:timing>
+    <p:tnLst>
+      <p:par>
+        <p:cTn id="1" dur="indefinite" restart="never" nodeType="tmRoot"/>
+      </p:par>
+    </p:tnLst>
+  </p:timing>
 </p:sld>
 </file>
 
@@ -10094,12 +12396,988 @@
           <a:lstStyle/>
           <a:p>
             <a:r>
+              <a:rPr lang="en-US" altLang="ko-KR" dirty="0" smtClean="0"/>
+              <a:t>What is the </a:t>
+            </a:r>
+            <a:r>
               <a:rPr lang="en-US" altLang="ko-KR" dirty="0" err="1" smtClean="0"/>
               <a:t>BigFile</a:t>
             </a:r>
             <a:r>
               <a:rPr lang="en-US" altLang="ko-KR" dirty="0" smtClean="0"/>
-              <a:t> subclass hierarchy</a:t>
+              <a:t>? </a:t>
+            </a:r>
+            <a:endParaRPr lang="ko-KR" altLang="en-US" dirty="0"/>
+          </a:p>
+        </p:txBody>
+      </p:sp>
+      <p:sp>
+        <p:nvSpPr>
+          <p:cNvPr id="3" name="모서리가 둥근 직사각형 2"/>
+          <p:cNvSpPr/>
+          <p:nvPr/>
+        </p:nvSpPr>
+        <p:spPr>
+          <a:xfrm>
+            <a:off x="1072870" y="2336685"/>
+            <a:ext cx="1007779" cy="491717"/>
+          </a:xfrm>
+          <a:prstGeom prst="roundRect">
+            <a:avLst/>
+          </a:prstGeom>
+          <a:solidFill>
+            <a:schemeClr val="accent6">
+              <a:lumMod val="50000"/>
+            </a:schemeClr>
+          </a:solidFill>
+          <a:ln>
+            <a:solidFill>
+              <a:schemeClr val="accent6">
+                <a:lumMod val="75000"/>
+              </a:schemeClr>
+            </a:solidFill>
+          </a:ln>
+        </p:spPr>
+        <p:style>
+          <a:lnRef idx="2">
+            <a:schemeClr val="accent1">
+              <a:shade val="50000"/>
+            </a:schemeClr>
+          </a:lnRef>
+          <a:fillRef idx="1">
+            <a:schemeClr val="accent1"/>
+          </a:fillRef>
+          <a:effectRef idx="0">
+            <a:schemeClr val="accent1"/>
+          </a:effectRef>
+          <a:fontRef idx="minor">
+            <a:schemeClr val="lt1"/>
+          </a:fontRef>
+        </p:style>
+        <p:txBody>
+          <a:bodyPr rtlCol="0" anchor="ctr"/>
+          <a:lstStyle/>
+          <a:p>
+            <a:pPr algn="ctr"/>
+            <a:r>
+              <a:rPr lang="en-US" altLang="ko-KR" dirty="0" smtClean="0"/>
+              <a:t>File 1</a:t>
+            </a:r>
+            <a:endParaRPr lang="ko-KR" altLang="en-US" dirty="0"/>
+          </a:p>
+        </p:txBody>
+      </p:sp>
+      <p:sp>
+        <p:nvSpPr>
+          <p:cNvPr id="8" name="모서리가 둥근 직사각형 7"/>
+          <p:cNvSpPr/>
+          <p:nvPr/>
+        </p:nvSpPr>
+        <p:spPr>
+          <a:xfrm>
+            <a:off x="2344109" y="2336685"/>
+            <a:ext cx="1007779" cy="491717"/>
+          </a:xfrm>
+          <a:prstGeom prst="roundRect">
+            <a:avLst/>
+          </a:prstGeom>
+          <a:solidFill>
+            <a:schemeClr val="accent6">
+              <a:lumMod val="50000"/>
+            </a:schemeClr>
+          </a:solidFill>
+          <a:ln>
+            <a:solidFill>
+              <a:schemeClr val="accent6">
+                <a:lumMod val="75000"/>
+              </a:schemeClr>
+            </a:solidFill>
+          </a:ln>
+        </p:spPr>
+        <p:style>
+          <a:lnRef idx="2">
+            <a:schemeClr val="accent1">
+              <a:shade val="50000"/>
+            </a:schemeClr>
+          </a:lnRef>
+          <a:fillRef idx="1">
+            <a:schemeClr val="accent1"/>
+          </a:fillRef>
+          <a:effectRef idx="0">
+            <a:schemeClr val="accent1"/>
+          </a:effectRef>
+          <a:fontRef idx="minor">
+            <a:schemeClr val="lt1"/>
+          </a:fontRef>
+        </p:style>
+        <p:txBody>
+          <a:bodyPr rtlCol="0" anchor="ctr"/>
+          <a:lstStyle/>
+          <a:p>
+            <a:pPr algn="ctr"/>
+            <a:r>
+              <a:rPr lang="en-US" altLang="ko-KR" dirty="0" smtClean="0"/>
+              <a:t>File 2</a:t>
+            </a:r>
+            <a:endParaRPr lang="ko-KR" altLang="en-US" dirty="0"/>
+          </a:p>
+        </p:txBody>
+      </p:sp>
+      <p:sp>
+        <p:nvSpPr>
+          <p:cNvPr id="9" name="모서리가 둥근 직사각형 8"/>
+          <p:cNvSpPr/>
+          <p:nvPr/>
+        </p:nvSpPr>
+        <p:spPr>
+          <a:xfrm>
+            <a:off x="3562441" y="2344821"/>
+            <a:ext cx="1007779" cy="491717"/>
+          </a:xfrm>
+          <a:prstGeom prst="roundRect">
+            <a:avLst/>
+          </a:prstGeom>
+          <a:solidFill>
+            <a:schemeClr val="accent6">
+              <a:lumMod val="50000"/>
+            </a:schemeClr>
+          </a:solidFill>
+          <a:ln>
+            <a:solidFill>
+              <a:schemeClr val="accent6">
+                <a:lumMod val="75000"/>
+              </a:schemeClr>
+            </a:solidFill>
+          </a:ln>
+        </p:spPr>
+        <p:style>
+          <a:lnRef idx="2">
+            <a:schemeClr val="accent1">
+              <a:shade val="50000"/>
+            </a:schemeClr>
+          </a:lnRef>
+          <a:fillRef idx="1">
+            <a:schemeClr val="accent1"/>
+          </a:fillRef>
+          <a:effectRef idx="0">
+            <a:schemeClr val="accent1"/>
+          </a:effectRef>
+          <a:fontRef idx="minor">
+            <a:schemeClr val="lt1"/>
+          </a:fontRef>
+        </p:style>
+        <p:txBody>
+          <a:bodyPr rtlCol="0" anchor="ctr"/>
+          <a:lstStyle/>
+          <a:p>
+            <a:pPr algn="ctr"/>
+            <a:r>
+              <a:rPr lang="en-US" altLang="ko-KR" dirty="0" smtClean="0"/>
+              <a:t>File 3</a:t>
+            </a:r>
+            <a:endParaRPr lang="ko-KR" altLang="en-US" dirty="0"/>
+          </a:p>
+        </p:txBody>
+      </p:sp>
+      <p:sp>
+        <p:nvSpPr>
+          <p:cNvPr id="10" name="모서리가 둥근 직사각형 9"/>
+          <p:cNvSpPr/>
+          <p:nvPr/>
+        </p:nvSpPr>
+        <p:spPr>
+          <a:xfrm>
+            <a:off x="4755881" y="2343747"/>
+            <a:ext cx="1007779" cy="491717"/>
+          </a:xfrm>
+          <a:prstGeom prst="roundRect">
+            <a:avLst/>
+          </a:prstGeom>
+          <a:solidFill>
+            <a:schemeClr val="accent6">
+              <a:lumMod val="50000"/>
+            </a:schemeClr>
+          </a:solidFill>
+          <a:ln>
+            <a:solidFill>
+              <a:schemeClr val="accent6">
+                <a:lumMod val="75000"/>
+              </a:schemeClr>
+            </a:solidFill>
+          </a:ln>
+        </p:spPr>
+        <p:style>
+          <a:lnRef idx="2">
+            <a:schemeClr val="accent1">
+              <a:shade val="50000"/>
+            </a:schemeClr>
+          </a:lnRef>
+          <a:fillRef idx="1">
+            <a:schemeClr val="accent1"/>
+          </a:fillRef>
+          <a:effectRef idx="0">
+            <a:schemeClr val="accent1"/>
+          </a:effectRef>
+          <a:fontRef idx="minor">
+            <a:schemeClr val="lt1"/>
+          </a:fontRef>
+        </p:style>
+        <p:txBody>
+          <a:bodyPr rtlCol="0" anchor="ctr"/>
+          <a:lstStyle/>
+          <a:p>
+            <a:pPr algn="ctr"/>
+            <a:r>
+              <a:rPr lang="en-US" altLang="ko-KR" dirty="0" smtClean="0"/>
+              <a:t>File 4</a:t>
+            </a:r>
+            <a:endParaRPr lang="ko-KR" altLang="en-US" dirty="0"/>
+          </a:p>
+        </p:txBody>
+      </p:sp>
+      <p:sp>
+        <p:nvSpPr>
+          <p:cNvPr id="12" name="모서리가 둥근 직사각형 11"/>
+          <p:cNvSpPr/>
+          <p:nvPr/>
+        </p:nvSpPr>
+        <p:spPr>
+          <a:xfrm>
+            <a:off x="6663597" y="2352544"/>
+            <a:ext cx="1007779" cy="491717"/>
+          </a:xfrm>
+          <a:prstGeom prst="roundRect">
+            <a:avLst/>
+          </a:prstGeom>
+          <a:solidFill>
+            <a:schemeClr val="accent6">
+              <a:lumMod val="50000"/>
+            </a:schemeClr>
+          </a:solidFill>
+          <a:ln>
+            <a:solidFill>
+              <a:schemeClr val="accent6">
+                <a:lumMod val="75000"/>
+              </a:schemeClr>
+            </a:solidFill>
+          </a:ln>
+        </p:spPr>
+        <p:style>
+          <a:lnRef idx="2">
+            <a:schemeClr val="accent1">
+              <a:shade val="50000"/>
+            </a:schemeClr>
+          </a:lnRef>
+          <a:fillRef idx="1">
+            <a:schemeClr val="accent1"/>
+          </a:fillRef>
+          <a:effectRef idx="0">
+            <a:schemeClr val="accent1"/>
+          </a:effectRef>
+          <a:fontRef idx="minor">
+            <a:schemeClr val="lt1"/>
+          </a:fontRef>
+        </p:style>
+        <p:txBody>
+          <a:bodyPr rtlCol="0" anchor="ctr"/>
+          <a:lstStyle/>
+          <a:p>
+            <a:pPr algn="ctr"/>
+            <a:r>
+              <a:rPr lang="en-US" altLang="ko-KR" dirty="0" smtClean="0"/>
+              <a:t>File N</a:t>
+            </a:r>
+            <a:endParaRPr lang="ko-KR" altLang="en-US" dirty="0"/>
+          </a:p>
+        </p:txBody>
+      </p:sp>
+      <p:sp>
+        <p:nvSpPr>
+          <p:cNvPr id="13" name="타원 12"/>
+          <p:cNvSpPr/>
+          <p:nvPr/>
+        </p:nvSpPr>
+        <p:spPr>
+          <a:xfrm>
+            <a:off x="5965924" y="2733576"/>
+            <a:ext cx="45719" cy="45719"/>
+          </a:xfrm>
+          <a:prstGeom prst="ellipse">
+            <a:avLst/>
+          </a:prstGeom>
+          <a:solidFill>
+            <a:schemeClr val="accent6"/>
+          </a:solidFill>
+          <a:ln>
+            <a:solidFill>
+              <a:schemeClr val="accent6">
+                <a:lumMod val="75000"/>
+              </a:schemeClr>
+            </a:solidFill>
+          </a:ln>
+        </p:spPr>
+        <p:style>
+          <a:lnRef idx="2">
+            <a:schemeClr val="accent1">
+              <a:shade val="50000"/>
+            </a:schemeClr>
+          </a:lnRef>
+          <a:fillRef idx="1">
+            <a:schemeClr val="accent1"/>
+          </a:fillRef>
+          <a:effectRef idx="0">
+            <a:schemeClr val="accent1"/>
+          </a:effectRef>
+          <a:fontRef idx="minor">
+            <a:schemeClr val="lt1"/>
+          </a:fontRef>
+        </p:style>
+        <p:txBody>
+          <a:bodyPr rtlCol="0" anchor="ctr"/>
+          <a:lstStyle/>
+          <a:p>
+            <a:pPr algn="ctr"/>
+            <a:endParaRPr lang="ko-KR" altLang="en-US"/>
+          </a:p>
+        </p:txBody>
+      </p:sp>
+      <p:sp>
+        <p:nvSpPr>
+          <p:cNvPr id="14" name="타원 13"/>
+          <p:cNvSpPr/>
+          <p:nvPr/>
+        </p:nvSpPr>
+        <p:spPr>
+          <a:xfrm>
+            <a:off x="6130376" y="2733576"/>
+            <a:ext cx="45719" cy="45719"/>
+          </a:xfrm>
+          <a:prstGeom prst="ellipse">
+            <a:avLst/>
+          </a:prstGeom>
+          <a:solidFill>
+            <a:schemeClr val="accent6"/>
+          </a:solidFill>
+          <a:ln>
+            <a:solidFill>
+              <a:schemeClr val="accent6">
+                <a:lumMod val="75000"/>
+              </a:schemeClr>
+            </a:solidFill>
+          </a:ln>
+        </p:spPr>
+        <p:style>
+          <a:lnRef idx="2">
+            <a:schemeClr val="accent1">
+              <a:shade val="50000"/>
+            </a:schemeClr>
+          </a:lnRef>
+          <a:fillRef idx="1">
+            <a:schemeClr val="accent1"/>
+          </a:fillRef>
+          <a:effectRef idx="0">
+            <a:schemeClr val="accent1"/>
+          </a:effectRef>
+          <a:fontRef idx="minor">
+            <a:schemeClr val="lt1"/>
+          </a:fontRef>
+        </p:style>
+        <p:txBody>
+          <a:bodyPr rtlCol="0" anchor="ctr"/>
+          <a:lstStyle/>
+          <a:p>
+            <a:pPr algn="ctr"/>
+            <a:endParaRPr lang="ko-KR" altLang="en-US"/>
+          </a:p>
+        </p:txBody>
+      </p:sp>
+      <p:sp>
+        <p:nvSpPr>
+          <p:cNvPr id="15" name="타원 14"/>
+          <p:cNvSpPr/>
+          <p:nvPr/>
+        </p:nvSpPr>
+        <p:spPr>
+          <a:xfrm>
+            <a:off x="6280042" y="2733577"/>
+            <a:ext cx="45719" cy="45719"/>
+          </a:xfrm>
+          <a:prstGeom prst="ellipse">
+            <a:avLst/>
+          </a:prstGeom>
+          <a:solidFill>
+            <a:schemeClr val="accent6"/>
+          </a:solidFill>
+          <a:ln>
+            <a:solidFill>
+              <a:schemeClr val="accent6">
+                <a:lumMod val="75000"/>
+              </a:schemeClr>
+            </a:solidFill>
+          </a:ln>
+        </p:spPr>
+        <p:style>
+          <a:lnRef idx="2">
+            <a:schemeClr val="accent1">
+              <a:shade val="50000"/>
+            </a:schemeClr>
+          </a:lnRef>
+          <a:fillRef idx="1">
+            <a:schemeClr val="accent1"/>
+          </a:fillRef>
+          <a:effectRef idx="0">
+            <a:schemeClr val="accent1"/>
+          </a:effectRef>
+          <a:fontRef idx="minor">
+            <a:schemeClr val="lt1"/>
+          </a:fontRef>
+        </p:style>
+        <p:txBody>
+          <a:bodyPr rtlCol="0" anchor="ctr"/>
+          <a:lstStyle/>
+          <a:p>
+            <a:pPr algn="ctr"/>
+            <a:endParaRPr lang="ko-KR" altLang="en-US"/>
+          </a:p>
+        </p:txBody>
+      </p:sp>
+      <p:sp>
+        <p:nvSpPr>
+          <p:cNvPr id="16" name="타원 15"/>
+          <p:cNvSpPr/>
+          <p:nvPr/>
+        </p:nvSpPr>
+        <p:spPr>
+          <a:xfrm>
+            <a:off x="6429708" y="2733577"/>
+            <a:ext cx="45719" cy="45719"/>
+          </a:xfrm>
+          <a:prstGeom prst="ellipse">
+            <a:avLst/>
+          </a:prstGeom>
+          <a:solidFill>
+            <a:schemeClr val="accent6"/>
+          </a:solidFill>
+          <a:ln>
+            <a:solidFill>
+              <a:schemeClr val="accent6">
+                <a:lumMod val="75000"/>
+              </a:schemeClr>
+            </a:solidFill>
+          </a:ln>
+        </p:spPr>
+        <p:style>
+          <a:lnRef idx="2">
+            <a:schemeClr val="accent1">
+              <a:shade val="50000"/>
+            </a:schemeClr>
+          </a:lnRef>
+          <a:fillRef idx="1">
+            <a:schemeClr val="accent1"/>
+          </a:fillRef>
+          <a:effectRef idx="0">
+            <a:schemeClr val="accent1"/>
+          </a:effectRef>
+          <a:fontRef idx="minor">
+            <a:schemeClr val="lt1"/>
+          </a:fontRef>
+        </p:style>
+        <p:txBody>
+          <a:bodyPr rtlCol="0" anchor="ctr"/>
+          <a:lstStyle/>
+          <a:p>
+            <a:pPr algn="ctr"/>
+            <a:endParaRPr lang="ko-KR" altLang="en-US"/>
+          </a:p>
+        </p:txBody>
+      </p:sp>
+      <p:sp>
+        <p:nvSpPr>
+          <p:cNvPr id="17" name="모서리가 둥근 직사각형 16"/>
+          <p:cNvSpPr/>
+          <p:nvPr/>
+        </p:nvSpPr>
+        <p:spPr>
+          <a:xfrm>
+            <a:off x="1089140" y="3390266"/>
+            <a:ext cx="6598839" cy="522404"/>
+          </a:xfrm>
+          <a:prstGeom prst="roundRect">
+            <a:avLst/>
+          </a:prstGeom>
+          <a:solidFill>
+            <a:schemeClr val="accent6"/>
+          </a:solidFill>
+          <a:ln>
+            <a:solidFill>
+              <a:schemeClr val="accent6">
+                <a:lumMod val="75000"/>
+              </a:schemeClr>
+            </a:solidFill>
+          </a:ln>
+        </p:spPr>
+        <p:style>
+          <a:lnRef idx="2">
+            <a:schemeClr val="accent1">
+              <a:shade val="50000"/>
+            </a:schemeClr>
+          </a:lnRef>
+          <a:fillRef idx="1">
+            <a:schemeClr val="accent1"/>
+          </a:fillRef>
+          <a:effectRef idx="0">
+            <a:schemeClr val="accent1"/>
+          </a:effectRef>
+          <a:fontRef idx="minor">
+            <a:schemeClr val="lt1"/>
+          </a:fontRef>
+        </p:style>
+        <p:txBody>
+          <a:bodyPr rtlCol="0" anchor="ctr"/>
+          <a:lstStyle/>
+          <a:p>
+            <a:pPr algn="ctr"/>
+            <a:r>
+              <a:rPr lang="en-US" altLang="ko-KR" dirty="0" smtClean="0"/>
+              <a:t>(Virtual) </a:t>
+            </a:r>
+            <a:r>
+              <a:rPr lang="en-US" altLang="ko-KR" dirty="0" err="1" smtClean="0"/>
+              <a:t>BigFile</a:t>
+            </a:r>
+            <a:r>
+              <a:rPr lang="en-US" altLang="ko-KR" dirty="0" smtClean="0"/>
+              <a:t> from many </a:t>
+            </a:r>
+            <a:r>
+              <a:rPr lang="en-US" altLang="ko-KR" dirty="0" err="1" smtClean="0"/>
+              <a:t>MultiFiles</a:t>
+            </a:r>
+            <a:endParaRPr lang="ko-KR" altLang="en-US" dirty="0"/>
+          </a:p>
+        </p:txBody>
+      </p:sp>
+      <p:sp>
+        <p:nvSpPr>
+          <p:cNvPr id="18" name="아래쪽 화살표 17"/>
+          <p:cNvSpPr/>
+          <p:nvPr/>
+        </p:nvSpPr>
+        <p:spPr>
+          <a:xfrm>
+            <a:off x="4280548" y="2985115"/>
+            <a:ext cx="216024" cy="288032"/>
+          </a:xfrm>
+          <a:prstGeom prst="downArrow">
+            <a:avLst/>
+          </a:prstGeom>
+          <a:solidFill>
+            <a:schemeClr val="accent6"/>
+          </a:solidFill>
+          <a:ln>
+            <a:solidFill>
+              <a:schemeClr val="accent6">
+                <a:lumMod val="75000"/>
+              </a:schemeClr>
+            </a:solidFill>
+          </a:ln>
+        </p:spPr>
+        <p:style>
+          <a:lnRef idx="2">
+            <a:schemeClr val="accent1">
+              <a:shade val="50000"/>
+            </a:schemeClr>
+          </a:lnRef>
+          <a:fillRef idx="1">
+            <a:schemeClr val="accent1"/>
+          </a:fillRef>
+          <a:effectRef idx="0">
+            <a:schemeClr val="accent1"/>
+          </a:effectRef>
+          <a:fontRef idx="minor">
+            <a:schemeClr val="lt1"/>
+          </a:fontRef>
+        </p:style>
+        <p:txBody>
+          <a:bodyPr rtlCol="0" anchor="ctr"/>
+          <a:lstStyle/>
+          <a:p>
+            <a:pPr algn="ctr"/>
+            <a:endParaRPr lang="ko-KR" altLang="en-US"/>
+          </a:p>
+        </p:txBody>
+      </p:sp>
+      <p:sp>
+        <p:nvSpPr>
+          <p:cNvPr id="20" name="아래쪽 화살표 19"/>
+          <p:cNvSpPr/>
+          <p:nvPr/>
+        </p:nvSpPr>
+        <p:spPr>
+          <a:xfrm>
+            <a:off x="4280547" y="4029789"/>
+            <a:ext cx="216024" cy="288032"/>
+          </a:xfrm>
+          <a:prstGeom prst="downArrow">
+            <a:avLst/>
+          </a:prstGeom>
+          <a:solidFill>
+            <a:schemeClr val="accent6"/>
+          </a:solidFill>
+          <a:ln>
+            <a:solidFill>
+              <a:schemeClr val="accent6">
+                <a:lumMod val="75000"/>
+              </a:schemeClr>
+            </a:solidFill>
+          </a:ln>
+        </p:spPr>
+        <p:style>
+          <a:lnRef idx="2">
+            <a:schemeClr val="accent1">
+              <a:shade val="50000"/>
+            </a:schemeClr>
+          </a:lnRef>
+          <a:fillRef idx="1">
+            <a:schemeClr val="accent1"/>
+          </a:fillRef>
+          <a:effectRef idx="0">
+            <a:schemeClr val="accent1"/>
+          </a:effectRef>
+          <a:fontRef idx="minor">
+            <a:schemeClr val="lt1"/>
+          </a:fontRef>
+        </p:style>
+        <p:txBody>
+          <a:bodyPr rtlCol="0" anchor="ctr"/>
+          <a:lstStyle/>
+          <a:p>
+            <a:pPr algn="ctr"/>
+            <a:endParaRPr lang="ko-KR" altLang="en-US"/>
+          </a:p>
+        </p:txBody>
+      </p:sp>
+      <p:sp>
+        <p:nvSpPr>
+          <p:cNvPr id="21" name="모서리가 둥근 직사각형 20"/>
+          <p:cNvSpPr/>
+          <p:nvPr/>
+        </p:nvSpPr>
+        <p:spPr>
+          <a:xfrm>
+            <a:off x="1089140" y="4429131"/>
+            <a:ext cx="6598839" cy="567330"/>
+          </a:xfrm>
+          <a:prstGeom prst="roundRect">
+            <a:avLst/>
+          </a:prstGeom>
+          <a:solidFill>
+            <a:schemeClr val="accent6">
+              <a:lumMod val="50000"/>
+            </a:schemeClr>
+          </a:solidFill>
+          <a:ln>
+            <a:solidFill>
+              <a:schemeClr val="accent6">
+                <a:lumMod val="75000"/>
+              </a:schemeClr>
+            </a:solidFill>
+          </a:ln>
+        </p:spPr>
+        <p:style>
+          <a:lnRef idx="2">
+            <a:schemeClr val="accent1">
+              <a:shade val="50000"/>
+            </a:schemeClr>
+          </a:lnRef>
+          <a:fillRef idx="1">
+            <a:schemeClr val="accent1"/>
+          </a:fillRef>
+          <a:effectRef idx="0">
+            <a:schemeClr val="accent1"/>
+          </a:effectRef>
+          <a:fontRef idx="minor">
+            <a:schemeClr val="lt1"/>
+          </a:fontRef>
+        </p:style>
+        <p:txBody>
+          <a:bodyPr rtlCol="0" anchor="ctr"/>
+          <a:lstStyle/>
+          <a:p>
+            <a:pPr algn="ctr"/>
+            <a:r>
+              <a:rPr lang="en-US" altLang="ko-KR" dirty="0" smtClean="0">
+                <a:solidFill>
+                  <a:schemeClr val="bg1"/>
+                </a:solidFill>
+              </a:rPr>
+              <a:t>One Sorted Large File</a:t>
+            </a:r>
+            <a:endParaRPr lang="ko-KR" altLang="en-US" dirty="0"/>
+          </a:p>
+        </p:txBody>
+      </p:sp>
+      <p:sp>
+        <p:nvSpPr>
+          <p:cNvPr id="23" name="TextBox 22"/>
+          <p:cNvSpPr txBox="1"/>
+          <p:nvPr/>
+        </p:nvSpPr>
+        <p:spPr>
+          <a:xfrm>
+            <a:off x="6169362" y="3242674"/>
+            <a:ext cx="3004027" cy="369332"/>
+          </a:xfrm>
+          <a:prstGeom prst="rect">
+            <a:avLst/>
+          </a:prstGeom>
+          <a:noFill/>
+        </p:spPr>
+        <p:txBody>
+          <a:bodyPr wrap="square" rtlCol="0">
+            <a:spAutoFit/>
+          </a:bodyPr>
+          <a:lstStyle/>
+          <a:p>
+            <a:r>
+              <a:rPr lang="en-US" altLang="ko-KR" dirty="0" smtClean="0"/>
+              <a:t>File I/O Read for sorting </a:t>
+            </a:r>
+            <a:endParaRPr lang="ko-KR" altLang="en-US" dirty="0"/>
+          </a:p>
+        </p:txBody>
+      </p:sp>
+      <p:sp>
+        <p:nvSpPr>
+          <p:cNvPr id="24" name="TextBox 23"/>
+          <p:cNvSpPr txBox="1"/>
+          <p:nvPr/>
+        </p:nvSpPr>
+        <p:spPr>
+          <a:xfrm>
+            <a:off x="7785103" y="4366180"/>
+            <a:ext cx="2408072" cy="830997"/>
+          </a:xfrm>
+          <a:prstGeom prst="rect">
+            <a:avLst/>
+          </a:prstGeom>
+          <a:noFill/>
+        </p:spPr>
+        <p:txBody>
+          <a:bodyPr wrap="square" rtlCol="0">
+            <a:spAutoFit/>
+          </a:bodyPr>
+          <a:lstStyle/>
+          <a:p>
+            <a:r>
+              <a:rPr lang="en-US" altLang="ko-KR" sz="2400" dirty="0" smtClean="0"/>
+              <a:t>Good </a:t>
+            </a:r>
+          </a:p>
+          <a:p>
+            <a:r>
+              <a:rPr lang="en-US" altLang="ko-KR" sz="2400" dirty="0" smtClean="0"/>
+              <a:t>File Handler!</a:t>
+            </a:r>
+            <a:endParaRPr lang="ko-KR" altLang="en-US" sz="2400" dirty="0"/>
+          </a:p>
+        </p:txBody>
+      </p:sp>
+      <p:sp>
+        <p:nvSpPr>
+          <p:cNvPr id="25" name="TextBox 24"/>
+          <p:cNvSpPr txBox="1"/>
+          <p:nvPr/>
+        </p:nvSpPr>
+        <p:spPr>
+          <a:xfrm>
+            <a:off x="4820699" y="3996848"/>
+            <a:ext cx="2964404" cy="369332"/>
+          </a:xfrm>
+          <a:prstGeom prst="rect">
+            <a:avLst/>
+          </a:prstGeom>
+          <a:noFill/>
+        </p:spPr>
+        <p:txBody>
+          <a:bodyPr wrap="square" rtlCol="0">
+            <a:spAutoFit/>
+          </a:bodyPr>
+          <a:lstStyle/>
+          <a:p>
+            <a:r>
+              <a:rPr lang="en-US" altLang="ko-KR" dirty="0" smtClean="0"/>
+              <a:t>Sorting and File </a:t>
+            </a:r>
+            <a:r>
+              <a:rPr lang="en-US" altLang="ko-KR" dirty="0"/>
+              <a:t>I/O </a:t>
+            </a:r>
+            <a:r>
+              <a:rPr lang="en-US" altLang="ko-KR" dirty="0" smtClean="0"/>
+              <a:t>Write</a:t>
+            </a:r>
+            <a:endParaRPr lang="ko-KR" altLang="en-US" dirty="0"/>
+          </a:p>
+        </p:txBody>
+      </p:sp>
+      <p:sp>
+        <p:nvSpPr>
+          <p:cNvPr id="27" name="아래쪽 화살표 26"/>
+          <p:cNvSpPr/>
+          <p:nvPr/>
+        </p:nvSpPr>
+        <p:spPr>
+          <a:xfrm>
+            <a:off x="4280547" y="5098987"/>
+            <a:ext cx="216024" cy="288032"/>
+          </a:xfrm>
+          <a:prstGeom prst="downArrow">
+            <a:avLst/>
+          </a:prstGeom>
+          <a:solidFill>
+            <a:schemeClr val="accent6"/>
+          </a:solidFill>
+          <a:ln>
+            <a:solidFill>
+              <a:schemeClr val="accent6">
+                <a:lumMod val="75000"/>
+              </a:schemeClr>
+            </a:solidFill>
+          </a:ln>
+        </p:spPr>
+        <p:style>
+          <a:lnRef idx="2">
+            <a:schemeClr val="accent1">
+              <a:shade val="50000"/>
+            </a:schemeClr>
+          </a:lnRef>
+          <a:fillRef idx="1">
+            <a:schemeClr val="accent1"/>
+          </a:fillRef>
+          <a:effectRef idx="0">
+            <a:schemeClr val="accent1"/>
+          </a:effectRef>
+          <a:fontRef idx="minor">
+            <a:schemeClr val="lt1"/>
+          </a:fontRef>
+        </p:style>
+        <p:txBody>
+          <a:bodyPr rtlCol="0" anchor="ctr"/>
+          <a:lstStyle/>
+          <a:p>
+            <a:pPr algn="ctr"/>
+            <a:endParaRPr lang="ko-KR" altLang="en-US"/>
+          </a:p>
+        </p:txBody>
+      </p:sp>
+      <p:sp>
+        <p:nvSpPr>
+          <p:cNvPr id="28" name="모서리가 둥근 직사각형 27"/>
+          <p:cNvSpPr/>
+          <p:nvPr/>
+        </p:nvSpPr>
+        <p:spPr>
+          <a:xfrm>
+            <a:off x="1072870" y="5512922"/>
+            <a:ext cx="6598839" cy="567330"/>
+          </a:xfrm>
+          <a:prstGeom prst="roundRect">
+            <a:avLst/>
+          </a:prstGeom>
+          <a:solidFill>
+            <a:schemeClr val="accent6"/>
+          </a:solidFill>
+          <a:ln>
+            <a:solidFill>
+              <a:schemeClr val="accent6">
+                <a:lumMod val="75000"/>
+              </a:schemeClr>
+            </a:solidFill>
+          </a:ln>
+        </p:spPr>
+        <p:style>
+          <a:lnRef idx="2">
+            <a:schemeClr val="accent1">
+              <a:shade val="50000"/>
+            </a:schemeClr>
+          </a:lnRef>
+          <a:fillRef idx="1">
+            <a:schemeClr val="accent1"/>
+          </a:fillRef>
+          <a:effectRef idx="0">
+            <a:schemeClr val="accent1"/>
+          </a:effectRef>
+          <a:fontRef idx="minor">
+            <a:schemeClr val="lt1"/>
+          </a:fontRef>
+        </p:style>
+        <p:txBody>
+          <a:bodyPr rtlCol="0" anchor="ctr"/>
+          <a:lstStyle/>
+          <a:p>
+            <a:pPr algn="ctr"/>
+            <a:r>
+              <a:rPr lang="en-US" altLang="ko-KR" dirty="0" smtClean="0">
+                <a:solidFill>
+                  <a:schemeClr val="bg1"/>
+                </a:solidFill>
+              </a:rPr>
+              <a:t>(Virtual) </a:t>
+            </a:r>
+            <a:r>
+              <a:rPr lang="en-US" altLang="ko-KR" dirty="0" err="1"/>
+              <a:t>BigFile</a:t>
+            </a:r>
+            <a:r>
+              <a:rPr lang="en-US" altLang="ko-KR" dirty="0"/>
+              <a:t> </a:t>
+            </a:r>
+            <a:r>
+              <a:rPr lang="en-US" altLang="ko-KR" dirty="0" smtClean="0">
+                <a:solidFill>
+                  <a:schemeClr val="bg1"/>
+                </a:solidFill>
+              </a:rPr>
+              <a:t>from Large </a:t>
+            </a:r>
+            <a:r>
+              <a:rPr lang="en-US" altLang="ko-KR" dirty="0" err="1" smtClean="0">
+                <a:solidFill>
+                  <a:schemeClr val="bg1"/>
+                </a:solidFill>
+              </a:rPr>
+              <a:t>SingleFile</a:t>
+            </a:r>
+            <a:endParaRPr lang="ko-KR" altLang="en-US" dirty="0"/>
+          </a:p>
+        </p:txBody>
+      </p:sp>
+      <p:sp>
+        <p:nvSpPr>
+          <p:cNvPr id="26" name="TextBox 25"/>
+          <p:cNvSpPr txBox="1"/>
+          <p:nvPr/>
+        </p:nvSpPr>
+        <p:spPr>
+          <a:xfrm>
+            <a:off x="6176095" y="5512922"/>
+            <a:ext cx="3365472" cy="369332"/>
+          </a:xfrm>
+          <a:prstGeom prst="rect">
+            <a:avLst/>
+          </a:prstGeom>
+          <a:noFill/>
+        </p:spPr>
+        <p:txBody>
+          <a:bodyPr wrap="square" rtlCol="0">
+            <a:spAutoFit/>
+          </a:bodyPr>
+          <a:lstStyle/>
+          <a:p>
+            <a:r>
+              <a:rPr lang="en-US" altLang="ko-KR" dirty="0" smtClean="0"/>
+              <a:t>File I/O Read for sending</a:t>
             </a:r>
             <a:endParaRPr lang="ko-KR" altLang="en-US" dirty="0"/>
           </a:p>
@@ -10108,13 +13386,229 @@
     </p:spTree>
     <p:extLst>
       <p:ext uri="{BB962C8B-B14F-4D97-AF65-F5344CB8AC3E}">
-        <p14:creationId xmlns:p14="http://schemas.microsoft.com/office/powerpoint/2010/main" val="3934635109"/>
+        <p14:creationId xmlns:p14="http://schemas.microsoft.com/office/powerpoint/2010/main" val="4262169369"/>
       </p:ext>
     </p:extLst>
   </p:cSld>
   <p:clrMapOvr>
     <a:masterClrMapping/>
   </p:clrMapOvr>
+  <p:timing>
+    <p:tnLst>
+      <p:par>
+        <p:cTn id="1" dur="indefinite" restart="never" nodeType="tmRoot">
+          <p:childTnLst>
+            <p:seq concurrent="1" nextAc="seek">
+              <p:cTn id="2" dur="indefinite" nodeType="mainSeq">
+                <p:childTnLst>
+                  <p:par>
+                    <p:cTn id="3" fill="hold">
+                      <p:stCondLst>
+                        <p:cond delay="indefinite"/>
+                      </p:stCondLst>
+                      <p:childTnLst>
+                        <p:par>
+                          <p:cTn id="4" fill="hold">
+                            <p:stCondLst>
+                              <p:cond delay="0"/>
+                            </p:stCondLst>
+                            <p:childTnLst>
+                              <p:par>
+                                <p:cTn id="5" presetID="1" presetClass="entr" presetSubtype="0" fill="hold" grpId="0" nodeType="clickEffect">
+                                  <p:stCondLst>
+                                    <p:cond delay="0"/>
+                                  </p:stCondLst>
+                                  <p:childTnLst>
+                                    <p:set>
+                                      <p:cBhvr>
+                                        <p:cTn id="6" dur="1" fill="hold">
+                                          <p:stCondLst>
+                                            <p:cond delay="0"/>
+                                          </p:stCondLst>
+                                        </p:cTn>
+                                        <p:tgtEl>
+                                          <p:spTgt spid="23"/>
+                                        </p:tgtEl>
+                                        <p:attrNameLst>
+                                          <p:attrName>style.visibility</p:attrName>
+                                        </p:attrNameLst>
+                                      </p:cBhvr>
+                                      <p:to>
+                                        <p:strVal val="visible"/>
+                                      </p:to>
+                                    </p:set>
+                                  </p:childTnLst>
+                                </p:cTn>
+                              </p:par>
+                            </p:childTnLst>
+                          </p:cTn>
+                        </p:par>
+                      </p:childTnLst>
+                    </p:cTn>
+                  </p:par>
+                  <p:par>
+                    <p:cTn id="7" fill="hold">
+                      <p:stCondLst>
+                        <p:cond delay="indefinite"/>
+                      </p:stCondLst>
+                      <p:childTnLst>
+                        <p:par>
+                          <p:cTn id="8" fill="hold">
+                            <p:stCondLst>
+                              <p:cond delay="0"/>
+                            </p:stCondLst>
+                            <p:childTnLst>
+                              <p:par>
+                                <p:cTn id="9" presetID="1" presetClass="entr" presetSubtype="0" fill="hold" grpId="0" nodeType="clickEffect">
+                                  <p:stCondLst>
+                                    <p:cond delay="0"/>
+                                  </p:stCondLst>
+                                  <p:childTnLst>
+                                    <p:set>
+                                      <p:cBhvr>
+                                        <p:cTn id="10" dur="1" fill="hold">
+                                          <p:stCondLst>
+                                            <p:cond delay="0"/>
+                                          </p:stCondLst>
+                                        </p:cTn>
+                                        <p:tgtEl>
+                                          <p:spTgt spid="25"/>
+                                        </p:tgtEl>
+                                        <p:attrNameLst>
+                                          <p:attrName>style.visibility</p:attrName>
+                                        </p:attrNameLst>
+                                      </p:cBhvr>
+                                      <p:to>
+                                        <p:strVal val="visible"/>
+                                      </p:to>
+                                    </p:set>
+                                  </p:childTnLst>
+                                </p:cTn>
+                              </p:par>
+                            </p:childTnLst>
+                          </p:cTn>
+                        </p:par>
+                      </p:childTnLst>
+                    </p:cTn>
+                  </p:par>
+                  <p:par>
+                    <p:cTn id="11" fill="hold">
+                      <p:stCondLst>
+                        <p:cond delay="indefinite"/>
+                      </p:stCondLst>
+                      <p:childTnLst>
+                        <p:par>
+                          <p:cTn id="12" fill="hold">
+                            <p:stCondLst>
+                              <p:cond delay="0"/>
+                            </p:stCondLst>
+                            <p:childTnLst>
+                              <p:par>
+                                <p:cTn id="13" presetID="1" presetClass="entr" presetSubtype="0" fill="hold" grpId="0" nodeType="clickEffect">
+                                  <p:stCondLst>
+                                    <p:cond delay="0"/>
+                                  </p:stCondLst>
+                                  <p:childTnLst>
+                                    <p:set>
+                                      <p:cBhvr>
+                                        <p:cTn id="14" dur="1" fill="hold">
+                                          <p:stCondLst>
+                                            <p:cond delay="0"/>
+                                          </p:stCondLst>
+                                        </p:cTn>
+                                        <p:tgtEl>
+                                          <p:spTgt spid="26"/>
+                                        </p:tgtEl>
+                                        <p:attrNameLst>
+                                          <p:attrName>style.visibility</p:attrName>
+                                        </p:attrNameLst>
+                                      </p:cBhvr>
+                                      <p:to>
+                                        <p:strVal val="visible"/>
+                                      </p:to>
+                                    </p:set>
+                                  </p:childTnLst>
+                                </p:cTn>
+                              </p:par>
+                            </p:childTnLst>
+                          </p:cTn>
+                        </p:par>
+                      </p:childTnLst>
+                    </p:cTn>
+                  </p:par>
+                  <p:par>
+                    <p:cTn id="15" fill="hold">
+                      <p:stCondLst>
+                        <p:cond delay="indefinite"/>
+                      </p:stCondLst>
+                      <p:childTnLst>
+                        <p:par>
+                          <p:cTn id="16" fill="hold">
+                            <p:stCondLst>
+                              <p:cond delay="0"/>
+                            </p:stCondLst>
+                            <p:childTnLst>
+                              <p:par>
+                                <p:cTn id="17" presetID="1" presetClass="entr" presetSubtype="0" fill="hold" grpId="0" nodeType="clickEffect">
+                                  <p:stCondLst>
+                                    <p:cond delay="0"/>
+                                  </p:stCondLst>
+                                  <p:childTnLst>
+                                    <p:set>
+                                      <p:cBhvr>
+                                        <p:cTn id="18" dur="1" fill="hold">
+                                          <p:stCondLst>
+                                            <p:cond delay="0"/>
+                                          </p:stCondLst>
+                                        </p:cTn>
+                                        <p:tgtEl>
+                                          <p:spTgt spid="24"/>
+                                        </p:tgtEl>
+                                        <p:attrNameLst>
+                                          <p:attrName>style.visibility</p:attrName>
+                                        </p:attrNameLst>
+                                      </p:cBhvr>
+                                      <p:to>
+                                        <p:strVal val="visible"/>
+                                      </p:to>
+                                    </p:set>
+                                  </p:childTnLst>
+                                </p:cTn>
+                              </p:par>
+                            </p:childTnLst>
+                          </p:cTn>
+                        </p:par>
+                      </p:childTnLst>
+                    </p:cTn>
+                  </p:par>
+                </p:childTnLst>
+              </p:cTn>
+              <p:prevCondLst>
+                <p:cond evt="onPrev" delay="0">
+                  <p:tgtEl>
+                    <p:sldTgt/>
+                  </p:tgtEl>
+                </p:cond>
+              </p:prevCondLst>
+              <p:nextCondLst>
+                <p:cond evt="onNext" delay="0">
+                  <p:tgtEl>
+                    <p:sldTgt/>
+                  </p:tgtEl>
+                </p:cond>
+              </p:nextCondLst>
+            </p:seq>
+          </p:childTnLst>
+        </p:cTn>
+      </p:par>
+    </p:tnLst>
+    <p:bldLst>
+      <p:bldP spid="23" grpId="0"/>
+      <p:bldP spid="24" grpId="0"/>
+      <p:bldP spid="25" grpId="0"/>
+      <p:bldP spid="26" grpId="0"/>
+    </p:bldLst>
+  </p:timing>
 </p:sld>
 </file>
 
@@ -10341,4 +13835,265 @@
   <a:objectDefaults/>
   <a:extraClrSchemeLst/>
 </a:theme>
+</file>
+
+<file path=ppt/theme/theme2.xml><?xml version="1.0" encoding="utf-8"?>
+<a:theme xmlns:a="http://schemas.openxmlformats.org/drawingml/2006/main" name="Office 테마">
+  <a:themeElements>
+    <a:clrScheme name="Office">
+      <a:dk1>
+        <a:sysClr val="windowText" lastClr="000000"/>
+      </a:dk1>
+      <a:lt1>
+        <a:sysClr val="window" lastClr="FFFFFF"/>
+      </a:lt1>
+      <a:dk2>
+        <a:srgbClr val="44546A"/>
+      </a:dk2>
+      <a:lt2>
+        <a:srgbClr val="E7E6E6"/>
+      </a:lt2>
+      <a:accent1>
+        <a:srgbClr val="5B9BD5"/>
+      </a:accent1>
+      <a:accent2>
+        <a:srgbClr val="ED7D31"/>
+      </a:accent2>
+      <a:accent3>
+        <a:srgbClr val="A5A5A5"/>
+      </a:accent3>
+      <a:accent4>
+        <a:srgbClr val="FFC000"/>
+      </a:accent4>
+      <a:accent5>
+        <a:srgbClr val="4472C4"/>
+      </a:accent5>
+      <a:accent6>
+        <a:srgbClr val="70AD47"/>
+      </a:accent6>
+      <a:hlink>
+        <a:srgbClr val="0563C1"/>
+      </a:hlink>
+      <a:folHlink>
+        <a:srgbClr val="954F72"/>
+      </a:folHlink>
+    </a:clrScheme>
+    <a:fontScheme name="Office">
+      <a:majorFont>
+        <a:latin typeface="맑은 고딕" panose="020F0302020204030204"/>
+        <a:ea typeface=""/>
+        <a:cs typeface=""/>
+        <a:font script="Jpan" typeface="ＭＳ Ｐゴシック"/>
+        <a:font script="Hang" typeface="맑은 고딕"/>
+        <a:font script="Hans" typeface="宋体"/>
+        <a:font script="Hant" typeface="新細明體"/>
+        <a:font script="Arab" typeface="Times New Roman"/>
+        <a:font script="Hebr" typeface="Times New Roman"/>
+        <a:font script="Thai" typeface="Angsana New"/>
+        <a:font script="Ethi" typeface="Nyala"/>
+        <a:font script="Beng" typeface="Vrinda"/>
+        <a:font script="Gujr" typeface="Shruti"/>
+        <a:font script="Khmr" typeface="MoolBoran"/>
+        <a:font script="Knda" typeface="Tunga"/>
+        <a:font script="Guru" typeface="Raavi"/>
+        <a:font script="Cans" typeface="Euphemia"/>
+        <a:font script="Cher" typeface="Plantagenet Cherokee"/>
+        <a:font script="Yiii" typeface="Microsoft Yi Baiti"/>
+        <a:font script="Tibt" typeface="Microsoft Himalaya"/>
+        <a:font script="Thaa" typeface="MV Boli"/>
+        <a:font script="Deva" typeface="Mangal"/>
+        <a:font script="Telu" typeface="Gautami"/>
+        <a:font script="Taml" typeface="Latha"/>
+        <a:font script="Syrc" typeface="Estrangelo Edessa"/>
+        <a:font script="Orya" typeface="Kalinga"/>
+        <a:font script="Mlym" typeface="Kartika"/>
+        <a:font script="Laoo" typeface="DokChampa"/>
+        <a:font script="Sinh" typeface="Iskoola Pota"/>
+        <a:font script="Mong" typeface="Mongolian Baiti"/>
+        <a:font script="Viet" typeface="Times New Roman"/>
+        <a:font script="Uigh" typeface="Microsoft Uighur"/>
+        <a:font script="Geor" typeface="Sylfaen"/>
+      </a:majorFont>
+      <a:minorFont>
+        <a:latin typeface="맑은 고딕" panose="020F0502020204030204"/>
+        <a:ea typeface=""/>
+        <a:cs typeface=""/>
+        <a:font script="Jpan" typeface="ＭＳ Ｐゴシック"/>
+        <a:font script="Hang" typeface="맑은 고딕"/>
+        <a:font script="Hans" typeface="宋体"/>
+        <a:font script="Hant" typeface="新細明體"/>
+        <a:font script="Arab" typeface="Arial"/>
+        <a:font script="Hebr" typeface="Arial"/>
+        <a:font script="Thai" typeface="Cordia New"/>
+        <a:font script="Ethi" typeface="Nyala"/>
+        <a:font script="Beng" typeface="Vrinda"/>
+        <a:font script="Gujr" typeface="Shruti"/>
+        <a:font script="Khmr" typeface="DaunPenh"/>
+        <a:font script="Knda" typeface="Tunga"/>
+        <a:font script="Guru" typeface="Raavi"/>
+        <a:font script="Cans" typeface="Euphemia"/>
+        <a:font script="Cher" typeface="Plantagenet Cherokee"/>
+        <a:font script="Yiii" typeface="Microsoft Yi Baiti"/>
+        <a:font script="Tibt" typeface="Microsoft Himalaya"/>
+        <a:font script="Thaa" typeface="MV Boli"/>
+        <a:font script="Deva" typeface="Mangal"/>
+        <a:font script="Telu" typeface="Gautami"/>
+        <a:font script="Taml" typeface="Latha"/>
+        <a:font script="Syrc" typeface="Estrangelo Edessa"/>
+        <a:font script="Orya" typeface="Kalinga"/>
+        <a:font script="Mlym" typeface="Kartika"/>
+        <a:font script="Laoo" typeface="DokChampa"/>
+        <a:font script="Sinh" typeface="Iskoola Pota"/>
+        <a:font script="Mong" typeface="Mongolian Baiti"/>
+        <a:font script="Viet" typeface="Arial"/>
+        <a:font script="Uigh" typeface="Microsoft Uighur"/>
+        <a:font script="Geor" typeface="Sylfaen"/>
+      </a:minorFont>
+    </a:fontScheme>
+    <a:fmtScheme name="Office">
+      <a:fillStyleLst>
+        <a:solidFill>
+          <a:schemeClr val="phClr"/>
+        </a:solidFill>
+        <a:gradFill rotWithShape="1">
+          <a:gsLst>
+            <a:gs pos="0">
+              <a:schemeClr val="phClr">
+                <a:lumMod val="110000"/>
+                <a:satMod val="105000"/>
+                <a:tint val="67000"/>
+              </a:schemeClr>
+            </a:gs>
+            <a:gs pos="50000">
+              <a:schemeClr val="phClr">
+                <a:lumMod val="105000"/>
+                <a:satMod val="103000"/>
+                <a:tint val="73000"/>
+              </a:schemeClr>
+            </a:gs>
+            <a:gs pos="100000">
+              <a:schemeClr val="phClr">
+                <a:lumMod val="105000"/>
+                <a:satMod val="109000"/>
+                <a:tint val="81000"/>
+              </a:schemeClr>
+            </a:gs>
+          </a:gsLst>
+          <a:lin ang="5400000" scaled="0"/>
+        </a:gradFill>
+        <a:gradFill rotWithShape="1">
+          <a:gsLst>
+            <a:gs pos="0">
+              <a:schemeClr val="phClr">
+                <a:satMod val="103000"/>
+                <a:lumMod val="102000"/>
+                <a:tint val="94000"/>
+              </a:schemeClr>
+            </a:gs>
+            <a:gs pos="50000">
+              <a:schemeClr val="phClr">
+                <a:satMod val="110000"/>
+                <a:lumMod val="100000"/>
+                <a:shade val="100000"/>
+              </a:schemeClr>
+            </a:gs>
+            <a:gs pos="100000">
+              <a:schemeClr val="phClr">
+                <a:lumMod val="99000"/>
+                <a:satMod val="120000"/>
+                <a:shade val="78000"/>
+              </a:schemeClr>
+            </a:gs>
+          </a:gsLst>
+          <a:lin ang="5400000" scaled="0"/>
+        </a:gradFill>
+      </a:fillStyleLst>
+      <a:lnStyleLst>
+        <a:ln w="6350" cap="flat" cmpd="sng" algn="ctr">
+          <a:solidFill>
+            <a:schemeClr val="phClr"/>
+          </a:solidFill>
+          <a:prstDash val="solid"/>
+          <a:miter lim="800000"/>
+        </a:ln>
+        <a:ln w="12700" cap="flat" cmpd="sng" algn="ctr">
+          <a:solidFill>
+            <a:schemeClr val="phClr"/>
+          </a:solidFill>
+          <a:prstDash val="solid"/>
+          <a:miter lim="800000"/>
+        </a:ln>
+        <a:ln w="19050" cap="flat" cmpd="sng" algn="ctr">
+          <a:solidFill>
+            <a:schemeClr val="phClr"/>
+          </a:solidFill>
+          <a:prstDash val="solid"/>
+          <a:miter lim="800000"/>
+        </a:ln>
+      </a:lnStyleLst>
+      <a:effectStyleLst>
+        <a:effectStyle>
+          <a:effectLst/>
+        </a:effectStyle>
+        <a:effectStyle>
+          <a:effectLst/>
+        </a:effectStyle>
+        <a:effectStyle>
+          <a:effectLst>
+            <a:outerShdw blurRad="57150" dist="19050" dir="5400000" algn="ctr" rotWithShape="0">
+              <a:srgbClr val="000000">
+                <a:alpha val="63000"/>
+              </a:srgbClr>
+            </a:outerShdw>
+          </a:effectLst>
+        </a:effectStyle>
+      </a:effectStyleLst>
+      <a:bgFillStyleLst>
+        <a:solidFill>
+          <a:schemeClr val="phClr"/>
+        </a:solidFill>
+        <a:solidFill>
+          <a:schemeClr val="phClr">
+            <a:tint val="95000"/>
+            <a:satMod val="170000"/>
+          </a:schemeClr>
+        </a:solidFill>
+        <a:gradFill rotWithShape="1">
+          <a:gsLst>
+            <a:gs pos="0">
+              <a:schemeClr val="phClr">
+                <a:tint val="93000"/>
+                <a:satMod val="150000"/>
+                <a:shade val="98000"/>
+                <a:lumMod val="102000"/>
+              </a:schemeClr>
+            </a:gs>
+            <a:gs pos="50000">
+              <a:schemeClr val="phClr">
+                <a:tint val="98000"/>
+                <a:satMod val="130000"/>
+                <a:shade val="90000"/>
+                <a:lumMod val="103000"/>
+              </a:schemeClr>
+            </a:gs>
+            <a:gs pos="100000">
+              <a:schemeClr val="phClr">
+                <a:shade val="63000"/>
+                <a:satMod val="120000"/>
+              </a:schemeClr>
+            </a:gs>
+          </a:gsLst>
+          <a:lin ang="5400000" scaled="0"/>
+        </a:gradFill>
+      </a:bgFillStyleLst>
+    </a:fmtScheme>
+  </a:themeElements>
+  <a:objectDefaults/>
+  <a:extraClrSchemeLst/>
+  <a:extLst>
+    <a:ext uri="{05A4C25C-085E-4340-85A3-A5531E510DB2}">
+      <thm15:themeFamily xmlns:thm15="http://schemas.microsoft.com/office/thememl/2012/main" name="Office Theme" id="{62F939B6-93AF-4DB8-9C6B-D6C7DFDC589F}" vid="{4A3C46E8-61CC-4603-A589-7422A47A8E4A}"/>
+    </a:ext>
+  </a:extLst>
+</a:theme>
 </file>
--- a/Document/orange_progress.pptx
+++ b/Document/orange_progress.pptx
@@ -5,7 +5,7 @@
     <p:sldMasterId id="2147483648" r:id="rId1"/>
   </p:sldMasterIdLst>
   <p:notesMasterIdLst>
-    <p:notesMasterId r:id="rId27"/>
+    <p:notesMasterId r:id="rId29"/>
   </p:notesMasterIdLst>
   <p:sldIdLst>
     <p:sldId id="274" r:id="rId2"/>
@@ -15,8 +15,8 @@
     <p:sldId id="293" r:id="rId6"/>
     <p:sldId id="294" r:id="rId7"/>
     <p:sldId id="307" r:id="rId8"/>
-    <p:sldId id="308" r:id="rId9"/>
-    <p:sldId id="309" r:id="rId10"/>
+    <p:sldId id="309" r:id="rId9"/>
+    <p:sldId id="308" r:id="rId10"/>
     <p:sldId id="310" r:id="rId11"/>
     <p:sldId id="311" r:id="rId12"/>
     <p:sldId id="292" r:id="rId13"/>
@@ -25,34 +25,36 @@
     <p:sldId id="281" r:id="rId16"/>
     <p:sldId id="291" r:id="rId17"/>
     <p:sldId id="305" r:id="rId18"/>
-    <p:sldId id="297" r:id="rId19"/>
-    <p:sldId id="298" r:id="rId20"/>
-    <p:sldId id="302" r:id="rId21"/>
-    <p:sldId id="299" r:id="rId22"/>
-    <p:sldId id="300" r:id="rId23"/>
-    <p:sldId id="301" r:id="rId24"/>
-    <p:sldId id="290" r:id="rId25"/>
-    <p:sldId id="262" r:id="rId26"/>
+    <p:sldId id="313" r:id="rId19"/>
+    <p:sldId id="297" r:id="rId20"/>
+    <p:sldId id="298" r:id="rId21"/>
+    <p:sldId id="312" r:id="rId22"/>
+    <p:sldId id="299" r:id="rId23"/>
+    <p:sldId id="302" r:id="rId24"/>
+    <p:sldId id="300" r:id="rId25"/>
+    <p:sldId id="301" r:id="rId26"/>
+    <p:sldId id="290" r:id="rId27"/>
+    <p:sldId id="262" r:id="rId28"/>
   </p:sldIdLst>
   <p:sldSz cx="9906000" cy="6858000" type="A4"/>
   <p:notesSz cx="6858000" cy="9144000"/>
   <p:embeddedFontLst>
     <p:embeddedFont>
       <p:font typeface="1훈점보맘보 B" panose="02020603020101020101" pitchFamily="18" charset="-127"/>
-      <p:regular r:id="rId28"/>
+      <p:regular r:id="rId30"/>
     </p:embeddedFont>
     <p:embeddedFont>
       <p:font typeface="맑은 고딕" panose="020B0503020000020004" pitchFamily="50" charset="-127"/>
-      <p:regular r:id="rId29"/>
-      <p:bold r:id="rId30"/>
+      <p:regular r:id="rId31"/>
+      <p:bold r:id="rId32"/>
     </p:embeddedFont>
     <p:embeddedFont>
       <p:font typeface="a옛날목욕탕B" panose="02020600000000000000" pitchFamily="18" charset="-127"/>
-      <p:regular r:id="rId31"/>
+      <p:regular r:id="rId33"/>
     </p:embeddedFont>
     <p:embeddedFont>
       <p:font typeface="a장미다방" panose="02020600000000000000" pitchFamily="18" charset="-127"/>
-      <p:regular r:id="rId32"/>
+      <p:regular r:id="rId34"/>
     </p:embeddedFont>
   </p:embeddedFontLst>
   <p:defaultTextStyle>
@@ -412,11 +414,11 @@
         </c:dLbls>
         <c:gapWidth val="219"/>
         <c:overlap val="-27"/>
-        <c:axId val="231935440"/>
-        <c:axId val="231936000"/>
+        <c:axId val="289143672"/>
+        <c:axId val="288063752"/>
       </c:barChart>
       <c:catAx>
-        <c:axId val="231935440"/>
+        <c:axId val="289143672"/>
         <c:scaling>
           <c:orientation val="minMax"/>
         </c:scaling>
@@ -456,7 +458,7 @@
             <a:endParaRPr lang="ko-KR"/>
           </a:p>
         </c:txPr>
-        <c:crossAx val="231936000"/>
+        <c:crossAx val="288063752"/>
         <c:crosses val="autoZero"/>
         <c:auto val="1"/>
         <c:lblAlgn val="ctr"/>
@@ -464,7 +466,7 @@
         <c:noMultiLvlLbl val="0"/>
       </c:catAx>
       <c:valAx>
-        <c:axId val="231936000"/>
+        <c:axId val="288063752"/>
         <c:scaling>
           <c:orientation val="minMax"/>
         </c:scaling>
@@ -474,7 +476,7 @@
         <c:majorTickMark val="none"/>
         <c:minorTickMark val="none"/>
         <c:tickLblPos val="nextTo"/>
-        <c:crossAx val="231935440"/>
+        <c:crossAx val="289143672"/>
         <c:crosses val="autoZero"/>
         <c:crossBetween val="between"/>
       </c:valAx>
@@ -2509,8 +2511,8 @@
     <dgm:cxn modelId="{0E5A64C9-D5B5-4DE5-B66B-86562E4CC025}" type="presOf" srcId="{A070F197-9297-4B33-AAF3-B769E57878DE}" destId="{E27DB5A7-CC8E-4758-8453-18D24A0505C1}" srcOrd="0" destOrd="1" presId="urn:microsoft.com/office/officeart/2005/8/layout/vList4"/>
     <dgm:cxn modelId="{68A2E6B7-E57C-4874-A495-48BE22252A50}" type="presOf" srcId="{13688F96-5F1B-406B-BF52-A2A34FF3FA7C}" destId="{903AB6FC-EC3D-4AC0-8D25-671EEAD2081B}" srcOrd="0" destOrd="0" presId="urn:microsoft.com/office/officeart/2005/8/layout/vList4"/>
     <dgm:cxn modelId="{4B9DFD2A-69F9-4F94-9F16-270AA0C311EA}" type="presOf" srcId="{3AA82E58-53AB-4B6E-AB8B-047999B4F01D}" destId="{4A80448C-264F-4C0F-B3A7-608A0A6C83BD}" srcOrd="1" destOrd="0" presId="urn:microsoft.com/office/officeart/2005/8/layout/vList4"/>
+    <dgm:cxn modelId="{028940B8-EA3A-4CFC-80B9-CEE133DF58EE}" srcId="{BA10C49B-0280-4E65-A2D4-0A67B7446C28}" destId="{503B2025-20B9-4061-BEBB-DCF7405C1411}" srcOrd="2" destOrd="0" parTransId="{5E901687-878F-4FC4-8D3C-45A468B0CA71}" sibTransId="{16DE65A8-9D75-4790-BB1A-5ACF1547EFBB}"/>
     <dgm:cxn modelId="{F4E8AB94-B46E-485C-BE13-49DB149ECED9}" type="presOf" srcId="{A070F197-9297-4B33-AAF3-B769E57878DE}" destId="{ABF0FDDA-3A10-44DB-B0D0-F5497810FA71}" srcOrd="1" destOrd="1" presId="urn:microsoft.com/office/officeart/2005/8/layout/vList4"/>
-    <dgm:cxn modelId="{028940B8-EA3A-4CFC-80B9-CEE133DF58EE}" srcId="{BA10C49B-0280-4E65-A2D4-0A67B7446C28}" destId="{503B2025-20B9-4061-BEBB-DCF7405C1411}" srcOrd="2" destOrd="0" parTransId="{5E901687-878F-4FC4-8D3C-45A468B0CA71}" sibTransId="{16DE65A8-9D75-4790-BB1A-5ACF1547EFBB}"/>
     <dgm:cxn modelId="{50C6101B-087D-4311-85EA-E51384F8D769}" type="presOf" srcId="{235E198F-200E-4BA7-8E70-8F6E8081A492}" destId="{202723C3-87C0-41BE-86CD-006D92A7DAA6}" srcOrd="0" destOrd="0" presId="urn:microsoft.com/office/officeart/2005/8/layout/vList4"/>
     <dgm:cxn modelId="{BC21A3DD-7914-45F7-BADB-F4A23D361F7F}" type="presOf" srcId="{BA10C49B-0280-4E65-A2D4-0A67B7446C28}" destId="{E27DB5A7-CC8E-4758-8453-18D24A0505C1}" srcOrd="0" destOrd="0" presId="urn:microsoft.com/office/officeart/2005/8/layout/vList4"/>
     <dgm:cxn modelId="{0FC85221-0158-4F8F-8716-5E605628B836}" srcId="{235E198F-200E-4BA7-8E70-8F6E8081A492}" destId="{E7217845-0FE2-44A5-A655-C9C9CBC5F088}" srcOrd="1" destOrd="0" parTransId="{D2A7A1BA-733B-46CE-B60C-9817C9F9BE4F}" sibTransId="{BBC1AF22-51A4-4DF2-B39C-62DB8E9C01D6}"/>
@@ -4740,7 +4742,7 @@
     </p:spTree>
     <p:extLst>
       <p:ext uri="{BB962C8B-B14F-4D97-AF65-F5344CB8AC3E}">
-        <p14:creationId xmlns:p14="http://schemas.microsoft.com/office/powerpoint/2010/main" val="231103593"/>
+        <p14:creationId xmlns:p14="http://schemas.microsoft.com/office/powerpoint/2010/main" val="1076278938"/>
       </p:ext>
     </p:extLst>
   </p:cSld>
@@ -4824,7 +4826,7 @@
     </p:spTree>
     <p:extLst>
       <p:ext uri="{BB962C8B-B14F-4D97-AF65-F5344CB8AC3E}">
-        <p14:creationId xmlns:p14="http://schemas.microsoft.com/office/powerpoint/2010/main" val="1076278938"/>
+        <p14:creationId xmlns:p14="http://schemas.microsoft.com/office/powerpoint/2010/main" val="231103593"/>
       </p:ext>
     </p:extLst>
   </p:cSld>
@@ -5500,7 +5502,7 @@
           <a:p>
             <a:fld id="{46D22BF3-38FA-481D-913B-266A10439B2E}" type="slidenum">
               <a:rPr lang="ko-KR" altLang="en-US" smtClean="0"/>
-              <a:t>20</a:t>
+              <a:t>23</a:t>
             </a:fld>
             <a:endParaRPr lang="ko-KR" altLang="en-US"/>
           </a:p>
@@ -9471,6 +9473,35 @@
           </a:p>
         </p:txBody>
       </p:sp>
+      <p:sp>
+        <p:nvSpPr>
+          <p:cNvPr id="4" name="직사각형 3"/>
+          <p:cNvSpPr/>
+          <p:nvPr/>
+        </p:nvSpPr>
+        <p:spPr>
+          <a:xfrm>
+            <a:off x="4320455" y="3244334"/>
+            <a:ext cx="1265090" cy="369332"/>
+          </a:xfrm>
+          <a:prstGeom prst="rect">
+            <a:avLst/>
+          </a:prstGeom>
+        </p:spPr>
+        <p:txBody>
+          <a:bodyPr wrap="none">
+            <a:spAutoFit/>
+          </a:bodyPr>
+          <a:lstStyle/>
+          <a:p>
+            <a:r>
+              <a:rPr lang="en-US" altLang="ko-KR" dirty="0"/>
+              <a:t>File Index </a:t>
+            </a:r>
+            <a:endParaRPr lang="ko-KR" altLang="en-US" dirty="0"/>
+          </a:p>
+        </p:txBody>
+      </p:sp>
     </p:spTree>
     <p:extLst>
       <p:ext uri="{BB962C8B-B14F-4D97-AF65-F5344CB8AC3E}">
@@ -10265,6 +10296,13 @@
   <p:clrMapOvr>
     <a:masterClrMapping/>
   </p:clrMapOvr>
+  <p:timing>
+    <p:tnLst>
+      <p:par>
+        <p:cTn id="1" dur="indefinite" restart="never" nodeType="tmRoot"/>
+      </p:par>
+    </p:tnLst>
+  </p:timing>
 </p:sld>
 </file>
 
@@ -10751,6 +10789,13 @@
   <p:clrMapOvr>
     <a:masterClrMapping/>
   </p:clrMapOvr>
+  <p:timing>
+    <p:tnLst>
+      <p:par>
+        <p:cTn id="1" dur="indefinite" restart="never" nodeType="tmRoot"/>
+      </p:par>
+    </p:tnLst>
+  </p:timing>
 </p:sld>
 </file>
 
@@ -12291,7 +12336,7 @@
         </p:nvSpPr>
         <p:spPr>
           <a:xfrm>
-            <a:off x="5665472" y="2991390"/>
+            <a:off x="4861738" y="2949165"/>
             <a:ext cx="4112064" cy="369332"/>
           </a:xfrm>
           <a:prstGeom prst="rect">
@@ -12367,8 +12412,8 @@
         </p:nvSpPr>
         <p:spPr>
           <a:xfrm>
-            <a:off x="4820698" y="3996848"/>
-            <a:ext cx="3732701" cy="369332"/>
+            <a:off x="4820698" y="3996849"/>
+            <a:ext cx="4524790" cy="369332"/>
           </a:xfrm>
           <a:prstGeom prst="rect">
             <a:avLst/>
@@ -12385,7 +12430,13 @@
               <a:rPr lang="en-US" altLang="ko-KR" dirty="0" smtClean="0">
                 <a:latin typeface="+mn-ea"/>
               </a:rPr>
-              <a:t>Sorting and File </a:t>
+              <a:t>Merge Sorting </a:t>
+            </a:r>
+            <a:r>
+              <a:rPr lang="en-US" altLang="ko-KR" dirty="0" smtClean="0">
+                <a:latin typeface="+mn-ea"/>
+              </a:rPr>
+              <a:t>and File </a:t>
             </a:r>
             <a:r>
               <a:rPr lang="en-US" altLang="ko-KR" dirty="0">
@@ -12507,14 +12558,22 @@
                   <a:schemeClr val="bg1"/>
                 </a:solidFill>
               </a:rPr>
-              <a:t>(Virtual) </a:t>
-            </a:r>
-            <a:r>
-              <a:rPr lang="en-US" altLang="ko-KR" dirty="0" err="1"/>
-              <a:t>BigFile</a:t>
-            </a:r>
-            <a:r>
-              <a:rPr lang="en-US" altLang="ko-KR" dirty="0"/>
+              <a:t>(</a:t>
+            </a:r>
+            <a:r>
+              <a:rPr lang="en-US" altLang="ko-KR" dirty="0" smtClean="0">
+                <a:solidFill>
+                  <a:schemeClr val="bg1"/>
+                </a:solidFill>
+              </a:rPr>
+              <a:t>Virtual)N </a:t>
+            </a:r>
+            <a:r>
+              <a:rPr lang="en-US" altLang="ko-KR" dirty="0" err="1" smtClean="0"/>
+              <a:t>BigFiles</a:t>
+            </a:r>
+            <a:r>
+              <a:rPr lang="en-US" altLang="ko-KR" dirty="0" smtClean="0"/>
               <a:t> </a:t>
             </a:r>
             <a:r>
@@ -12545,8 +12604,8 @@
         </p:nvSpPr>
         <p:spPr>
           <a:xfrm>
-            <a:off x="4820698" y="5086075"/>
-            <a:ext cx="3365472" cy="369332"/>
+            <a:off x="4743871" y="5122364"/>
+            <a:ext cx="3619031" cy="369332"/>
           </a:xfrm>
           <a:prstGeom prst="rect">
             <a:avLst/>
@@ -12563,7 +12622,7 @@
               <a:rPr lang="en-US" altLang="ko-KR" dirty="0" smtClean="0">
                 <a:latin typeface="+mn-ea"/>
               </a:rPr>
-              <a:t>File I/O Read for sending</a:t>
+              <a:t> File I/O Read for shuffling</a:t>
             </a:r>
             <a:endParaRPr lang="ko-KR" altLang="en-US" dirty="0">
               <a:latin typeface="+mn-ea"/>
@@ -12571,6 +12630,302 @@
           </a:p>
         </p:txBody>
       </p:sp>
+      <p:cxnSp>
+        <p:nvCxnSpPr>
+          <p:cNvPr id="5" name="직선 연결선 4"/>
+          <p:cNvCxnSpPr/>
+          <p:nvPr/>
+        </p:nvCxnSpPr>
+        <p:spPr>
+          <a:xfrm>
+            <a:off x="1856656" y="5512922"/>
+            <a:ext cx="0" cy="559416"/>
+          </a:xfrm>
+          <a:prstGeom prst="line">
+            <a:avLst/>
+          </a:prstGeom>
+          <a:ln>
+            <a:solidFill>
+              <a:schemeClr val="accent6">
+                <a:lumMod val="50000"/>
+              </a:schemeClr>
+            </a:solidFill>
+          </a:ln>
+        </p:spPr>
+        <p:style>
+          <a:lnRef idx="1">
+            <a:schemeClr val="accent1"/>
+          </a:lnRef>
+          <a:fillRef idx="0">
+            <a:schemeClr val="accent1"/>
+          </a:fillRef>
+          <a:effectRef idx="0">
+            <a:schemeClr val="accent1"/>
+          </a:effectRef>
+          <a:fontRef idx="minor">
+            <a:schemeClr val="tx1"/>
+          </a:fontRef>
+        </p:style>
+      </p:cxnSp>
+      <p:cxnSp>
+        <p:nvCxnSpPr>
+          <p:cNvPr id="29" name="직선 연결선 28"/>
+          <p:cNvCxnSpPr/>
+          <p:nvPr/>
+        </p:nvCxnSpPr>
+        <p:spPr>
+          <a:xfrm>
+            <a:off x="2648744" y="5512922"/>
+            <a:ext cx="0" cy="559416"/>
+          </a:xfrm>
+          <a:prstGeom prst="line">
+            <a:avLst/>
+          </a:prstGeom>
+          <a:ln>
+            <a:solidFill>
+              <a:schemeClr val="accent6">
+                <a:lumMod val="50000"/>
+              </a:schemeClr>
+            </a:solidFill>
+          </a:ln>
+        </p:spPr>
+        <p:style>
+          <a:lnRef idx="1">
+            <a:schemeClr val="accent1"/>
+          </a:lnRef>
+          <a:fillRef idx="0">
+            <a:schemeClr val="accent1"/>
+          </a:fillRef>
+          <a:effectRef idx="0">
+            <a:schemeClr val="accent1"/>
+          </a:effectRef>
+          <a:fontRef idx="minor">
+            <a:schemeClr val="tx1"/>
+          </a:fontRef>
+        </p:style>
+      </p:cxnSp>
+      <p:cxnSp>
+        <p:nvCxnSpPr>
+          <p:cNvPr id="30" name="직선 연결선 29"/>
+          <p:cNvCxnSpPr/>
+          <p:nvPr/>
+        </p:nvCxnSpPr>
+        <p:spPr>
+          <a:xfrm>
+            <a:off x="3440832" y="5476252"/>
+            <a:ext cx="0" cy="559416"/>
+          </a:xfrm>
+          <a:prstGeom prst="line">
+            <a:avLst/>
+          </a:prstGeom>
+          <a:ln>
+            <a:solidFill>
+              <a:schemeClr val="accent6">
+                <a:lumMod val="50000"/>
+              </a:schemeClr>
+            </a:solidFill>
+          </a:ln>
+        </p:spPr>
+        <p:style>
+          <a:lnRef idx="1">
+            <a:schemeClr val="accent1"/>
+          </a:lnRef>
+          <a:fillRef idx="0">
+            <a:schemeClr val="accent1"/>
+          </a:fillRef>
+          <a:effectRef idx="0">
+            <a:schemeClr val="accent1"/>
+          </a:effectRef>
+          <a:fontRef idx="minor">
+            <a:schemeClr val="tx1"/>
+          </a:fontRef>
+        </p:style>
+      </p:cxnSp>
+      <p:cxnSp>
+        <p:nvCxnSpPr>
+          <p:cNvPr id="31" name="직선 연결선 30"/>
+          <p:cNvCxnSpPr/>
+          <p:nvPr/>
+        </p:nvCxnSpPr>
+        <p:spPr>
+          <a:xfrm>
+            <a:off x="4126815" y="5512922"/>
+            <a:ext cx="0" cy="559416"/>
+          </a:xfrm>
+          <a:prstGeom prst="line">
+            <a:avLst/>
+          </a:prstGeom>
+          <a:ln>
+            <a:solidFill>
+              <a:schemeClr val="accent6">
+                <a:lumMod val="50000"/>
+              </a:schemeClr>
+            </a:solidFill>
+          </a:ln>
+        </p:spPr>
+        <p:style>
+          <a:lnRef idx="1">
+            <a:schemeClr val="accent1"/>
+          </a:lnRef>
+          <a:fillRef idx="0">
+            <a:schemeClr val="accent1"/>
+          </a:fillRef>
+          <a:effectRef idx="0">
+            <a:schemeClr val="accent1"/>
+          </a:effectRef>
+          <a:fontRef idx="minor">
+            <a:schemeClr val="tx1"/>
+          </a:fontRef>
+        </p:style>
+      </p:cxnSp>
+      <p:cxnSp>
+        <p:nvCxnSpPr>
+          <p:cNvPr id="32" name="직선 연결선 31"/>
+          <p:cNvCxnSpPr/>
+          <p:nvPr/>
+        </p:nvCxnSpPr>
+        <p:spPr>
+          <a:xfrm>
+            <a:off x="4755881" y="5512922"/>
+            <a:ext cx="0" cy="559416"/>
+          </a:xfrm>
+          <a:prstGeom prst="line">
+            <a:avLst/>
+          </a:prstGeom>
+          <a:ln>
+            <a:solidFill>
+              <a:schemeClr val="accent6">
+                <a:lumMod val="50000"/>
+              </a:schemeClr>
+            </a:solidFill>
+          </a:ln>
+        </p:spPr>
+        <p:style>
+          <a:lnRef idx="1">
+            <a:schemeClr val="accent1"/>
+          </a:lnRef>
+          <a:fillRef idx="0">
+            <a:schemeClr val="accent1"/>
+          </a:fillRef>
+          <a:effectRef idx="0">
+            <a:schemeClr val="accent1"/>
+          </a:effectRef>
+          <a:fontRef idx="minor">
+            <a:schemeClr val="tx1"/>
+          </a:fontRef>
+        </p:style>
+      </p:cxnSp>
+      <p:cxnSp>
+        <p:nvCxnSpPr>
+          <p:cNvPr id="33" name="직선 연결선 32"/>
+          <p:cNvCxnSpPr/>
+          <p:nvPr/>
+        </p:nvCxnSpPr>
+        <p:spPr>
+          <a:xfrm>
+            <a:off x="5385048" y="5512922"/>
+            <a:ext cx="0" cy="559416"/>
+          </a:xfrm>
+          <a:prstGeom prst="line">
+            <a:avLst/>
+          </a:prstGeom>
+          <a:ln>
+            <a:solidFill>
+              <a:schemeClr val="accent6">
+                <a:lumMod val="50000"/>
+              </a:schemeClr>
+            </a:solidFill>
+          </a:ln>
+        </p:spPr>
+        <p:style>
+          <a:lnRef idx="1">
+            <a:schemeClr val="accent1"/>
+          </a:lnRef>
+          <a:fillRef idx="0">
+            <a:schemeClr val="accent1"/>
+          </a:fillRef>
+          <a:effectRef idx="0">
+            <a:schemeClr val="accent1"/>
+          </a:effectRef>
+          <a:fontRef idx="minor">
+            <a:schemeClr val="tx1"/>
+          </a:fontRef>
+        </p:style>
+      </p:cxnSp>
+      <p:cxnSp>
+        <p:nvCxnSpPr>
+          <p:cNvPr id="34" name="직선 연결선 33"/>
+          <p:cNvCxnSpPr/>
+          <p:nvPr/>
+        </p:nvCxnSpPr>
+        <p:spPr>
+          <a:xfrm>
+            <a:off x="6011643" y="5520836"/>
+            <a:ext cx="0" cy="559416"/>
+          </a:xfrm>
+          <a:prstGeom prst="line">
+            <a:avLst/>
+          </a:prstGeom>
+          <a:ln>
+            <a:solidFill>
+              <a:schemeClr val="accent6">
+                <a:lumMod val="50000"/>
+              </a:schemeClr>
+            </a:solidFill>
+          </a:ln>
+        </p:spPr>
+        <p:style>
+          <a:lnRef idx="1">
+            <a:schemeClr val="accent1"/>
+          </a:lnRef>
+          <a:fillRef idx="0">
+            <a:schemeClr val="accent1"/>
+          </a:fillRef>
+          <a:effectRef idx="0">
+            <a:schemeClr val="accent1"/>
+          </a:effectRef>
+          <a:fontRef idx="minor">
+            <a:schemeClr val="tx1"/>
+          </a:fontRef>
+        </p:style>
+      </p:cxnSp>
+      <p:cxnSp>
+        <p:nvCxnSpPr>
+          <p:cNvPr id="35" name="직선 연결선 34"/>
+          <p:cNvCxnSpPr/>
+          <p:nvPr/>
+        </p:nvCxnSpPr>
+        <p:spPr>
+          <a:xfrm>
+            <a:off x="6753200" y="5476252"/>
+            <a:ext cx="0" cy="559416"/>
+          </a:xfrm>
+          <a:prstGeom prst="line">
+            <a:avLst/>
+          </a:prstGeom>
+          <a:ln>
+            <a:solidFill>
+              <a:schemeClr val="accent6">
+                <a:lumMod val="50000"/>
+              </a:schemeClr>
+            </a:solidFill>
+          </a:ln>
+        </p:spPr>
+        <p:style>
+          <a:lnRef idx="1">
+            <a:schemeClr val="accent1"/>
+          </a:lnRef>
+          <a:fillRef idx="0">
+            <a:schemeClr val="accent1"/>
+          </a:fillRef>
+          <a:effectRef idx="0">
+            <a:schemeClr val="accent1"/>
+          </a:effectRef>
+          <a:fontRef idx="minor">
+            <a:schemeClr val="tx1"/>
+          </a:fontRef>
+        </p:style>
+      </p:cxnSp>
     </p:spTree>
     <p:extLst>
       <p:ext uri="{BB962C8B-B14F-4D97-AF65-F5344CB8AC3E}">
@@ -14214,16 +14569,18 @@
           </a:xfrm>
         </p:spPr>
         <p:txBody>
-          <a:bodyPr/>
-          <a:lstStyle/>
-          <a:p>
-            <a:r>
-              <a:rPr lang="en-US" altLang="ko-KR" dirty="0" err="1" smtClean="0">
+          <a:bodyPr>
+            <a:normAutofit/>
+          </a:bodyPr>
+          <a:lstStyle/>
+          <a:p>
+            <a:r>
+              <a:rPr lang="en-US" altLang="ko-KR" sz="2800" dirty="0" err="1" smtClean="0">
                 <a:latin typeface="+mn-ea"/>
               </a:rPr>
               <a:t>SingleThreadSorter</a:t>
             </a:r>
-            <a:endParaRPr lang="ko-KR" altLang="en-US" dirty="0">
+            <a:endParaRPr lang="ko-KR" altLang="en-US" sz="2800" dirty="0">
               <a:latin typeface="+mn-ea"/>
             </a:endParaRPr>
           </a:p>
@@ -14547,11 +14904,13 @@
         </p:nvSpPr>
         <p:spPr/>
         <p:txBody>
-          <a:bodyPr/>
-          <a:lstStyle/>
-          <a:p>
-            <a:r>
-              <a:rPr lang="en-US" altLang="ko-KR" dirty="0" smtClean="0">
+          <a:bodyPr>
+            <a:normAutofit/>
+          </a:bodyPr>
+          <a:lstStyle/>
+          <a:p>
+            <a:r>
+              <a:rPr lang="en-US" altLang="ko-KR" sz="2800" dirty="0" smtClean="0">
                 <a:latin typeface="+mn-ea"/>
               </a:rPr>
               <a:t>File I/O</a:t>
@@ -14561,155 +14920,201 @@
             <a:pPr marL="0" indent="0">
               <a:buNone/>
             </a:pPr>
-            <a:r>
-              <a:rPr lang="en-US" altLang="ko-KR" dirty="0" smtClean="0">
+            <a:endParaRPr lang="en-US" altLang="ko-KR" sz="2800" dirty="0" smtClean="0">
+              <a:latin typeface="+mn-ea"/>
+            </a:endParaRPr>
+          </a:p>
+          <a:p>
+            <a:pPr marL="0" indent="0">
+              <a:buNone/>
+            </a:pPr>
+            <a:r>
+              <a:rPr lang="en-US" altLang="ko-KR" sz="2000" dirty="0" smtClean="0">
                 <a:latin typeface="+mn-ea"/>
               </a:rPr>
-              <a:t>   - </a:t>
-            </a:r>
-            <a:r>
-              <a:rPr lang="en-US" altLang="ko-KR" sz="2800" dirty="0" err="1" smtClean="0">
+              <a:t> </a:t>
+            </a:r>
+            <a:endParaRPr lang="en-US" altLang="ko-KR" sz="2000" dirty="0">
+              <a:latin typeface="+mn-ea"/>
+            </a:endParaRPr>
+          </a:p>
+          <a:p>
+            <a:pPr marL="0" indent="0">
+              <a:buNone/>
+            </a:pPr>
+            <a:r>
+              <a:rPr lang="en-US" altLang="ko-KR" sz="2000" dirty="0" smtClean="0">
+                <a:latin typeface="+mn-ea"/>
+              </a:rPr>
+              <a:t>  - </a:t>
+            </a:r>
+            <a:r>
+              <a:rPr lang="en-US" altLang="ko-KR" sz="2000" dirty="0" err="1" smtClean="0">
                 <a:latin typeface="+mn-ea"/>
               </a:rPr>
               <a:t>java.io.RandomAccessFile</a:t>
             </a:r>
-            <a:r>
-              <a:rPr lang="en-US" altLang="ko-KR" sz="2800" dirty="0" smtClean="0">
+            <a:endParaRPr lang="en-US" altLang="ko-KR" sz="2000" dirty="0" smtClean="0">
+              <a:latin typeface="+mn-ea"/>
+            </a:endParaRPr>
+          </a:p>
+          <a:p>
+            <a:pPr marL="0" indent="0">
+              <a:buNone/>
+            </a:pPr>
+            <a:r>
+              <a:rPr lang="en-US" altLang="ko-KR" sz="2000" dirty="0" smtClean="0">
+                <a:latin typeface="+mn-ea"/>
+              </a:rPr>
+              <a:t>  </a:t>
+            </a:r>
+            <a:r>
+              <a:rPr lang="en-US" altLang="ko-KR" sz="2000" dirty="0">
+                <a:latin typeface="+mn-ea"/>
+              </a:rPr>
+              <a:t>- Read : using </a:t>
+            </a:r>
+            <a:r>
+              <a:rPr lang="en-US" altLang="ko-KR" sz="2000" dirty="0" smtClean="0">
+                <a:latin typeface="+mn-ea"/>
+              </a:rPr>
+              <a:t>offset</a:t>
+            </a:r>
+            <a:endParaRPr lang="en-US" altLang="ko-KR" sz="2000" dirty="0" smtClean="0">
+              <a:latin typeface="+mn-ea"/>
+            </a:endParaRPr>
+          </a:p>
+          <a:p>
+            <a:pPr marL="0" indent="0">
+              <a:buNone/>
+            </a:pPr>
+            <a:r>
+              <a:rPr lang="en-US" altLang="ko-KR" sz="2000" dirty="0">
+                <a:latin typeface="+mn-ea"/>
+              </a:rPr>
+              <a:t>	</a:t>
+            </a:r>
+            <a:r>
+              <a:rPr lang="en-US" altLang="ko-KR" sz="2000" dirty="0" smtClean="0">
+                <a:latin typeface="+mn-ea"/>
+              </a:rPr>
+              <a:t>	-&gt;</a:t>
+            </a:r>
+            <a:r>
+              <a:rPr lang="en-US" altLang="ko-KR" sz="1800" dirty="0" smtClean="0">
+                <a:latin typeface="+mn-ea"/>
+              </a:rPr>
+              <a:t>seek , </a:t>
+            </a:r>
+            <a:r>
+              <a:rPr lang="en-US" altLang="ko-KR" sz="1800" dirty="0" err="1" smtClean="0">
+                <a:latin typeface="+mn-ea"/>
+              </a:rPr>
+              <a:t>readfully</a:t>
+            </a:r>
+            <a:r>
+              <a:rPr lang="en-US" altLang="ko-KR" sz="1800" dirty="0" smtClean="0">
+                <a:latin typeface="+mn-ea"/>
+              </a:rPr>
+              <a:t>(</a:t>
+            </a:r>
+            <a:r>
+              <a:rPr lang="en-US" altLang="ko-KR" sz="1800" dirty="0" err="1" smtClean="0">
+                <a:latin typeface="+mn-ea"/>
+              </a:rPr>
+              <a:t>buf</a:t>
+            </a:r>
+            <a:r>
+              <a:rPr lang="en-US" altLang="ko-KR" sz="1800" dirty="0" smtClean="0">
+                <a:latin typeface="+mn-ea"/>
+              </a:rPr>
+              <a:t> : Array[Byte])</a:t>
+            </a:r>
+            <a:endParaRPr lang="en-US" altLang="ko-KR" sz="1800" dirty="0">
+              <a:latin typeface="+mn-ea"/>
+            </a:endParaRPr>
+          </a:p>
+          <a:p>
+            <a:pPr marL="0" indent="0">
+              <a:buNone/>
+            </a:pPr>
+            <a:r>
+              <a:rPr lang="en-US" altLang="ko-KR" sz="2000" dirty="0" smtClean="0">
+                <a:latin typeface="+mn-ea"/>
+              </a:rPr>
+              <a:t>       </a:t>
+            </a:r>
+            <a:r>
+              <a:rPr lang="en-US" altLang="ko-KR" sz="1600" dirty="0" smtClean="0">
+                <a:latin typeface="+mn-ea"/>
+              </a:rPr>
+              <a:t>ex) record offset = 100, key offset = 10</a:t>
+            </a:r>
+          </a:p>
+          <a:p>
+            <a:pPr marL="0" indent="0">
+              <a:buNone/>
+            </a:pPr>
+            <a:r>
+              <a:rPr lang="en-US" altLang="ko-KR" sz="2000" dirty="0">
                 <a:latin typeface="+mn-ea"/>
               </a:rPr>
               <a:t> </a:t>
             </a:r>
+            <a:r>
+              <a:rPr lang="en-US" altLang="ko-KR" sz="2000" dirty="0" smtClean="0">
+                <a:latin typeface="+mn-ea"/>
+              </a:rPr>
+              <a:t>  - Write : append records</a:t>
+            </a:r>
           </a:p>
           <a:p>
             <a:pPr marL="0" indent="0">
               <a:buNone/>
             </a:pPr>
             <a:r>
-              <a:rPr lang="en-US" altLang="ko-KR" sz="2800" dirty="0" smtClean="0">
+              <a:rPr lang="en-US" altLang="ko-KR" sz="2000" dirty="0">
                 <a:latin typeface="+mn-ea"/>
               </a:rPr>
-              <a:t>   - Read : using offset </a:t>
-            </a:r>
-          </a:p>
-          <a:p>
-            <a:pPr marL="0" indent="0">
-              <a:buNone/>
-            </a:pPr>
-            <a:r>
-              <a:rPr lang="en-US" altLang="ko-KR" sz="2800" dirty="0">
+              <a:t> </a:t>
+            </a:r>
+            <a:r>
+              <a:rPr lang="en-US" altLang="ko-KR" sz="2000" dirty="0" smtClean="0">
                 <a:latin typeface="+mn-ea"/>
               </a:rPr>
-              <a:t>	</a:t>
-            </a:r>
-            <a:r>
-              <a:rPr lang="en-US" altLang="ko-KR" sz="2800" dirty="0" smtClean="0">
+              <a:t>		</a:t>
+            </a:r>
+            <a:r>
+              <a:rPr lang="en-US" altLang="ko-KR" sz="1800" dirty="0" smtClean="0">
                 <a:latin typeface="+mn-ea"/>
               </a:rPr>
-              <a:t>	-&gt;seek , </a:t>
-            </a:r>
-            <a:r>
-              <a:rPr lang="en-US" altLang="ko-KR" sz="2800" dirty="0" err="1" smtClean="0">
-                <a:latin typeface="+mn-ea"/>
-              </a:rPr>
-              <a:t>readfully</a:t>
-            </a:r>
-            <a:r>
-              <a:rPr lang="en-US" altLang="ko-KR" sz="2800" dirty="0" smtClean="0">
-                <a:latin typeface="+mn-ea"/>
-              </a:rPr>
-              <a:t>(</a:t>
-            </a:r>
-            <a:r>
-              <a:rPr lang="en-US" altLang="ko-KR" sz="2800" dirty="0" err="1" smtClean="0">
+              <a:t>-&gt;put(</a:t>
+            </a:r>
+            <a:r>
+              <a:rPr lang="en-US" altLang="ko-KR" sz="1800" dirty="0" err="1" smtClean="0">
                 <a:latin typeface="+mn-ea"/>
               </a:rPr>
               <a:t>buf</a:t>
             </a:r>
             <a:r>
-              <a:rPr lang="en-US" altLang="ko-KR" sz="2800" dirty="0" smtClean="0">
-                <a:latin typeface="+mn-ea"/>
-              </a:rPr>
-              <a:t> : Array[Byte])</a:t>
-            </a:r>
-            <a:endParaRPr lang="en-US" altLang="ko-KR" sz="2800" dirty="0">
-              <a:latin typeface="+mn-ea"/>
-            </a:endParaRPr>
-          </a:p>
-          <a:p>
-            <a:pPr marL="0" indent="0">
-              <a:buNone/>
-            </a:pPr>
-            <a:r>
-              <a:rPr lang="en-US" altLang="ko-KR" sz="2800" dirty="0" smtClean="0">
-                <a:latin typeface="+mn-ea"/>
-              </a:rPr>
-              <a:t>       </a:t>
-            </a:r>
-            <a:r>
-              <a:rPr lang="en-US" altLang="ko-KR" sz="2000" dirty="0" smtClean="0">
-                <a:latin typeface="+mn-ea"/>
-              </a:rPr>
-              <a:t>ex) record offset = 100, key offset = 10</a:t>
-            </a:r>
-          </a:p>
-          <a:p>
-            <a:pPr marL="0" indent="0">
-              <a:buNone/>
-            </a:pPr>
-            <a:r>
-              <a:rPr lang="en-US" altLang="ko-KR" sz="2800" dirty="0">
-                <a:latin typeface="+mn-ea"/>
-              </a:rPr>
-              <a:t> </a:t>
-            </a:r>
-            <a:r>
-              <a:rPr lang="en-US" altLang="ko-KR" sz="2800" dirty="0" smtClean="0">
-                <a:latin typeface="+mn-ea"/>
-              </a:rPr>
-              <a:t>  - Write : append records</a:t>
-            </a:r>
-          </a:p>
-          <a:p>
-            <a:pPr marL="0" indent="0">
-              <a:buNone/>
-            </a:pPr>
-            <a:r>
-              <a:rPr lang="en-US" altLang="ko-KR" sz="2800" dirty="0">
-                <a:latin typeface="+mn-ea"/>
-              </a:rPr>
-              <a:t> </a:t>
-            </a:r>
-            <a:r>
-              <a:rPr lang="en-US" altLang="ko-KR" sz="2800" dirty="0" smtClean="0">
-                <a:latin typeface="+mn-ea"/>
-              </a:rPr>
-              <a:t>		-&gt;put(</a:t>
-            </a:r>
-            <a:r>
-              <a:rPr lang="en-US" altLang="ko-KR" sz="2800" dirty="0" err="1" smtClean="0">
-                <a:latin typeface="+mn-ea"/>
-              </a:rPr>
-              <a:t>buf</a:t>
-            </a:r>
-            <a:r>
-              <a:rPr lang="en-US" altLang="ko-KR" sz="2800" dirty="0" smtClean="0">
+              <a:rPr lang="en-US" altLang="ko-KR" sz="1800" dirty="0" smtClean="0">
                 <a:latin typeface="+mn-ea"/>
               </a:rPr>
               <a:t> : </a:t>
             </a:r>
             <a:r>
-              <a:rPr lang="en-US" altLang="ko-KR" sz="2800" dirty="0" err="1" smtClean="0">
+              <a:rPr lang="en-US" altLang="ko-KR" sz="1800" dirty="0" err="1" smtClean="0">
                 <a:latin typeface="+mn-ea"/>
               </a:rPr>
               <a:t>ByteBuffer</a:t>
             </a:r>
             <a:r>
-              <a:rPr lang="en-US" altLang="ko-KR" sz="2800" dirty="0" smtClean="0">
+              <a:rPr lang="en-US" altLang="ko-KR" sz="1800" dirty="0" smtClean="0">
                 <a:latin typeface="+mn-ea"/>
               </a:rPr>
               <a:t>)</a:t>
             </a:r>
-            <a:endParaRPr lang="en-US" altLang="ko-KR" sz="2800" dirty="0">
+            <a:endParaRPr lang="en-US" altLang="ko-KR" sz="1800" dirty="0">
               <a:latin typeface="+mn-ea"/>
             </a:endParaRPr>
           </a:p>
@@ -14767,28 +15172,945 @@
           <a:bodyPr/>
           <a:lstStyle/>
           <a:p>
+            <a:pPr marL="0" indent="0">
+              <a:buNone/>
+            </a:pPr>
+            <a:endParaRPr lang="en-US" altLang="ko-KR" sz="2400" dirty="0"/>
+          </a:p>
+          <a:p>
+            <a:pPr marL="0" indent="0">
+              <a:buNone/>
+            </a:pPr>
+            <a:r>
+              <a:rPr lang="en-US" altLang="ko-KR" sz="2400" dirty="0" smtClean="0"/>
+              <a:t> </a:t>
+            </a:r>
+            <a:r>
+              <a:rPr lang="en-US" altLang="ko-KR" sz="2400" dirty="0" smtClean="0">
+                <a:latin typeface="+mn-ea"/>
+              </a:rPr>
+              <a:t>ex) </a:t>
+            </a:r>
+            <a:r>
+              <a:rPr lang="en-US" altLang="ko-KR" sz="2000" dirty="0" err="1" smtClean="0">
+                <a:latin typeface="+mn-ea"/>
+              </a:rPr>
+              <a:t>GetRecord</a:t>
+            </a:r>
+            <a:r>
+              <a:rPr lang="en-US" altLang="ko-KR" sz="2000" dirty="0" smtClean="0">
+                <a:latin typeface="+mn-ea"/>
+              </a:rPr>
+              <a:t>(</a:t>
+            </a:r>
+            <a:r>
+              <a:rPr lang="en-US" altLang="ko-KR" sz="2000" dirty="0" err="1" smtClean="0">
+                <a:latin typeface="+mn-ea"/>
+              </a:rPr>
+              <a:t>i</a:t>
+            </a:r>
+            <a:r>
+              <a:rPr lang="en-US" altLang="ko-KR" sz="2000" dirty="0" smtClean="0">
+                <a:latin typeface="+mn-ea"/>
+              </a:rPr>
+              <a:t>)</a:t>
+            </a:r>
+            <a:endParaRPr lang="en-US" altLang="ko-KR" sz="2800" dirty="0" smtClean="0">
+              <a:latin typeface="+mn-ea"/>
+            </a:endParaRPr>
+          </a:p>
+        </p:txBody>
+      </p:sp>
+      <p:sp>
+        <p:nvSpPr>
+          <p:cNvPr id="3" name="모서리가 둥근 직사각형 2"/>
+          <p:cNvSpPr/>
+          <p:nvPr/>
+        </p:nvSpPr>
+        <p:spPr>
+          <a:xfrm>
+            <a:off x="704528" y="3212976"/>
+            <a:ext cx="8568952" cy="432048"/>
+          </a:xfrm>
+          <a:prstGeom prst="roundRect">
+            <a:avLst/>
+          </a:prstGeom>
+          <a:solidFill>
+            <a:schemeClr val="accent6"/>
+          </a:solidFill>
+          <a:ln>
+            <a:solidFill>
+              <a:schemeClr val="accent6">
+                <a:lumMod val="50000"/>
+              </a:schemeClr>
+            </a:solidFill>
+          </a:ln>
+        </p:spPr>
+        <p:style>
+          <a:lnRef idx="2">
+            <a:schemeClr val="accent1">
+              <a:shade val="50000"/>
+            </a:schemeClr>
+          </a:lnRef>
+          <a:fillRef idx="1">
+            <a:schemeClr val="accent1"/>
+          </a:fillRef>
+          <a:effectRef idx="0">
+            <a:schemeClr val="accent1"/>
+          </a:effectRef>
+          <a:fontRef idx="minor">
+            <a:schemeClr val="lt1"/>
+          </a:fontRef>
+        </p:style>
+        <p:txBody>
+          <a:bodyPr rtlCol="0" anchor="ctr"/>
+          <a:lstStyle/>
+          <a:p>
+            <a:pPr algn="ctr"/>
             <a:r>
               <a:rPr lang="en-US" altLang="ko-KR" dirty="0" smtClean="0"/>
-              <a:t>Optimization – 1</a:t>
-            </a:r>
-          </a:p>
-          <a:p>
-            <a:pPr lvl="1"/>
+              <a:t>Big File</a:t>
+            </a:r>
+            <a:endParaRPr lang="ko-KR" altLang="en-US" dirty="0"/>
+          </a:p>
+        </p:txBody>
+      </p:sp>
+      <p:sp>
+        <p:nvSpPr>
+          <p:cNvPr id="4" name="TextBox 3"/>
+          <p:cNvSpPr txBox="1"/>
+          <p:nvPr/>
+        </p:nvSpPr>
+        <p:spPr>
+          <a:xfrm>
+            <a:off x="3325518" y="2617043"/>
+            <a:ext cx="1117614" cy="369332"/>
+          </a:xfrm>
+          <a:prstGeom prst="rect">
+            <a:avLst/>
+          </a:prstGeom>
+          <a:noFill/>
+        </p:spPr>
+        <p:txBody>
+          <a:bodyPr wrap="none" rtlCol="0">
+            <a:spAutoFit/>
+          </a:bodyPr>
+          <a:lstStyle/>
+          <a:p>
+            <a:r>
+              <a:rPr lang="en-US" altLang="ko-KR" dirty="0" err="1" smtClean="0"/>
+              <a:t>i</a:t>
+            </a:r>
             <a:r>
               <a:rPr lang="en-US" altLang="ko-KR" dirty="0" smtClean="0"/>
-              <a:t>Memory Mapped File</a:t>
-            </a:r>
-          </a:p>
-          <a:p>
-            <a:pPr lvl="1"/>
+              <a:t> =10000</a:t>
+            </a:r>
+            <a:endParaRPr lang="ko-KR" altLang="en-US" dirty="0"/>
+          </a:p>
+        </p:txBody>
+      </p:sp>
+      <p:cxnSp>
+        <p:nvCxnSpPr>
+          <p:cNvPr id="6" name="직선 화살표 연결선 5"/>
+          <p:cNvCxnSpPr/>
+          <p:nvPr/>
+        </p:nvCxnSpPr>
+        <p:spPr>
+          <a:xfrm flipH="1">
+            <a:off x="3829574" y="3006244"/>
+            <a:ext cx="54751" cy="206732"/>
+          </a:xfrm>
+          <a:prstGeom prst="straightConnector1">
+            <a:avLst/>
+          </a:prstGeom>
+          <a:ln>
+            <a:tailEnd type="triangle"/>
+          </a:ln>
+        </p:spPr>
+        <p:style>
+          <a:lnRef idx="1">
+            <a:schemeClr val="accent1"/>
+          </a:lnRef>
+          <a:fillRef idx="0">
+            <a:schemeClr val="accent1"/>
+          </a:fillRef>
+          <a:effectRef idx="0">
+            <a:schemeClr val="accent1"/>
+          </a:effectRef>
+          <a:fontRef idx="minor">
+            <a:schemeClr val="tx1"/>
+          </a:fontRef>
+        </p:style>
+      </p:cxnSp>
+      <p:sp>
+        <p:nvSpPr>
+          <p:cNvPr id="7" name="모서리가 둥근 직사각형 6"/>
+          <p:cNvSpPr/>
+          <p:nvPr/>
+        </p:nvSpPr>
+        <p:spPr>
+          <a:xfrm>
+            <a:off x="704528" y="4149080"/>
+            <a:ext cx="864096" cy="360040"/>
+          </a:xfrm>
+          <a:prstGeom prst="roundRect">
+            <a:avLst/>
+          </a:prstGeom>
+          <a:solidFill>
+            <a:schemeClr val="accent6"/>
+          </a:solidFill>
+          <a:ln>
+            <a:solidFill>
+              <a:schemeClr val="accent6">
+                <a:lumMod val="50000"/>
+              </a:schemeClr>
+            </a:solidFill>
+          </a:ln>
+        </p:spPr>
+        <p:style>
+          <a:lnRef idx="2">
+            <a:schemeClr val="accent1">
+              <a:shade val="50000"/>
+            </a:schemeClr>
+          </a:lnRef>
+          <a:fillRef idx="1">
+            <a:schemeClr val="accent1"/>
+          </a:fillRef>
+          <a:effectRef idx="0">
+            <a:schemeClr val="accent1"/>
+          </a:effectRef>
+          <a:fontRef idx="minor">
+            <a:schemeClr val="lt1"/>
+          </a:fontRef>
+        </p:style>
+        <p:txBody>
+          <a:bodyPr rtlCol="0" anchor="ctr"/>
+          <a:lstStyle/>
+          <a:p>
+            <a:pPr algn="ctr"/>
+            <a:r>
+              <a:rPr lang="en-US" altLang="ko-KR" sz="1400" dirty="0" smtClean="0"/>
+              <a:t>Block 0</a:t>
+            </a:r>
+            <a:endParaRPr lang="ko-KR" altLang="en-US" sz="1400" dirty="0"/>
+          </a:p>
+        </p:txBody>
+      </p:sp>
+      <p:sp>
+        <p:nvSpPr>
+          <p:cNvPr id="8" name="모서리가 둥근 직사각형 7"/>
+          <p:cNvSpPr/>
+          <p:nvPr/>
+        </p:nvSpPr>
+        <p:spPr>
+          <a:xfrm>
+            <a:off x="2592428" y="4149080"/>
+            <a:ext cx="864096" cy="360040"/>
+          </a:xfrm>
+          <a:prstGeom prst="roundRect">
+            <a:avLst/>
+          </a:prstGeom>
+          <a:solidFill>
+            <a:schemeClr val="accent6"/>
+          </a:solidFill>
+          <a:ln>
+            <a:solidFill>
+              <a:schemeClr val="accent6">
+                <a:lumMod val="50000"/>
+              </a:schemeClr>
+            </a:solidFill>
+          </a:ln>
+        </p:spPr>
+        <p:style>
+          <a:lnRef idx="2">
+            <a:schemeClr val="accent1">
+              <a:shade val="50000"/>
+            </a:schemeClr>
+          </a:lnRef>
+          <a:fillRef idx="1">
+            <a:schemeClr val="accent1"/>
+          </a:fillRef>
+          <a:effectRef idx="0">
+            <a:schemeClr val="accent1"/>
+          </a:effectRef>
+          <a:fontRef idx="minor">
+            <a:schemeClr val="lt1"/>
+          </a:fontRef>
+        </p:style>
+        <p:txBody>
+          <a:bodyPr rtlCol="0" anchor="ctr"/>
+          <a:lstStyle/>
+          <a:p>
+            <a:pPr algn="ctr"/>
+            <a:r>
+              <a:rPr lang="en-US" altLang="ko-KR" sz="1400" dirty="0" smtClean="0"/>
+              <a:t>Block 2</a:t>
+            </a:r>
+            <a:endParaRPr lang="ko-KR" altLang="en-US" sz="1400" dirty="0"/>
+          </a:p>
+        </p:txBody>
+      </p:sp>
+      <p:sp>
+        <p:nvSpPr>
+          <p:cNvPr id="9" name="모서리가 둥근 직사각형 8"/>
+          <p:cNvSpPr/>
+          <p:nvPr/>
+        </p:nvSpPr>
+        <p:spPr>
+          <a:xfrm>
+            <a:off x="1650604" y="4149080"/>
+            <a:ext cx="864096" cy="360040"/>
+          </a:xfrm>
+          <a:prstGeom prst="roundRect">
+            <a:avLst/>
+          </a:prstGeom>
+          <a:solidFill>
+            <a:schemeClr val="accent6"/>
+          </a:solidFill>
+          <a:ln>
+            <a:solidFill>
+              <a:schemeClr val="accent6">
+                <a:lumMod val="50000"/>
+              </a:schemeClr>
+            </a:solidFill>
+          </a:ln>
+        </p:spPr>
+        <p:style>
+          <a:lnRef idx="2">
+            <a:schemeClr val="accent1">
+              <a:shade val="50000"/>
+            </a:schemeClr>
+          </a:lnRef>
+          <a:fillRef idx="1">
+            <a:schemeClr val="accent1"/>
+          </a:fillRef>
+          <a:effectRef idx="0">
+            <a:schemeClr val="accent1"/>
+          </a:effectRef>
+          <a:fontRef idx="minor">
+            <a:schemeClr val="lt1"/>
+          </a:fontRef>
+        </p:style>
+        <p:txBody>
+          <a:bodyPr rtlCol="0" anchor="ctr"/>
+          <a:lstStyle/>
+          <a:p>
+            <a:pPr algn="ctr"/>
+            <a:r>
+              <a:rPr lang="en-US" altLang="ko-KR" sz="1400" dirty="0" smtClean="0"/>
+              <a:t>Block 1</a:t>
+            </a:r>
+            <a:endParaRPr lang="ko-KR" altLang="en-US" sz="1400" dirty="0"/>
+          </a:p>
+        </p:txBody>
+      </p:sp>
+      <p:sp>
+        <p:nvSpPr>
+          <p:cNvPr id="10" name="모서리가 둥근 직사각형 9"/>
+          <p:cNvSpPr/>
+          <p:nvPr/>
+        </p:nvSpPr>
+        <p:spPr>
+          <a:xfrm>
+            <a:off x="3519310" y="4149080"/>
+            <a:ext cx="864096" cy="360040"/>
+          </a:xfrm>
+          <a:prstGeom prst="roundRect">
+            <a:avLst/>
+          </a:prstGeom>
+          <a:solidFill>
+            <a:schemeClr val="accent6"/>
+          </a:solidFill>
+          <a:ln>
+            <a:solidFill>
+              <a:schemeClr val="accent6">
+                <a:lumMod val="50000"/>
+              </a:schemeClr>
+            </a:solidFill>
+          </a:ln>
+        </p:spPr>
+        <p:style>
+          <a:lnRef idx="2">
+            <a:schemeClr val="accent1">
+              <a:shade val="50000"/>
+            </a:schemeClr>
+          </a:lnRef>
+          <a:fillRef idx="1">
+            <a:schemeClr val="accent1"/>
+          </a:fillRef>
+          <a:effectRef idx="0">
+            <a:schemeClr val="accent1"/>
+          </a:effectRef>
+          <a:fontRef idx="minor">
+            <a:schemeClr val="lt1"/>
+          </a:fontRef>
+        </p:style>
+        <p:txBody>
+          <a:bodyPr rtlCol="0" anchor="ctr"/>
+          <a:lstStyle/>
+          <a:p>
+            <a:pPr algn="ctr"/>
+            <a:r>
+              <a:rPr lang="en-US" altLang="ko-KR" sz="1400" dirty="0" smtClean="0"/>
+              <a:t>Block 3</a:t>
+            </a:r>
+            <a:endParaRPr lang="ko-KR" altLang="en-US" sz="1400" dirty="0"/>
+          </a:p>
+        </p:txBody>
+      </p:sp>
+      <p:sp>
+        <p:nvSpPr>
+          <p:cNvPr id="11" name="모서리가 둥근 직사각형 10"/>
+          <p:cNvSpPr/>
+          <p:nvPr/>
+        </p:nvSpPr>
+        <p:spPr>
+          <a:xfrm>
+            <a:off x="8409384" y="4149080"/>
+            <a:ext cx="864096" cy="360040"/>
+          </a:xfrm>
+          <a:prstGeom prst="roundRect">
+            <a:avLst/>
+          </a:prstGeom>
+          <a:solidFill>
+            <a:schemeClr val="accent6"/>
+          </a:solidFill>
+          <a:ln>
+            <a:solidFill>
+              <a:schemeClr val="accent6">
+                <a:lumMod val="50000"/>
+              </a:schemeClr>
+            </a:solidFill>
+          </a:ln>
+        </p:spPr>
+        <p:style>
+          <a:lnRef idx="2">
+            <a:schemeClr val="accent1">
+              <a:shade val="50000"/>
+            </a:schemeClr>
+          </a:lnRef>
+          <a:fillRef idx="1">
+            <a:schemeClr val="accent1"/>
+          </a:fillRef>
+          <a:effectRef idx="0">
+            <a:schemeClr val="accent1"/>
+          </a:effectRef>
+          <a:fontRef idx="minor">
+            <a:schemeClr val="lt1"/>
+          </a:fontRef>
+        </p:style>
+        <p:txBody>
+          <a:bodyPr rtlCol="0" anchor="ctr"/>
+          <a:lstStyle/>
+          <a:p>
+            <a:pPr algn="ctr"/>
+            <a:r>
+              <a:rPr lang="en-US" altLang="ko-KR" sz="1400" dirty="0" smtClean="0"/>
+              <a:t>Block n</a:t>
+            </a:r>
+            <a:endParaRPr lang="ko-KR" altLang="en-US" sz="1400" dirty="0"/>
+          </a:p>
+        </p:txBody>
+      </p:sp>
+      <p:sp>
+        <p:nvSpPr>
+          <p:cNvPr id="14" name="TextBox 13"/>
+          <p:cNvSpPr txBox="1"/>
+          <p:nvPr/>
+        </p:nvSpPr>
+        <p:spPr>
+          <a:xfrm>
+            <a:off x="3829574" y="3684762"/>
+            <a:ext cx="3343751" cy="369332"/>
+          </a:xfrm>
+          <a:prstGeom prst="rect">
+            <a:avLst/>
+          </a:prstGeom>
+          <a:noFill/>
+        </p:spPr>
+        <p:txBody>
+          <a:bodyPr wrap="square" rtlCol="0">
+            <a:spAutoFit/>
+          </a:bodyPr>
+          <a:lstStyle/>
+          <a:p>
+            <a:r>
+              <a:rPr lang="en-US" altLang="ko-KR" dirty="0" smtClean="0"/>
+              <a:t>File index and Record index</a:t>
+            </a:r>
+            <a:endParaRPr lang="ko-KR" altLang="en-US" dirty="0"/>
+          </a:p>
+        </p:txBody>
+      </p:sp>
+      <p:sp>
+        <p:nvSpPr>
+          <p:cNvPr id="17" name="타원 16"/>
+          <p:cNvSpPr/>
+          <p:nvPr/>
+        </p:nvSpPr>
+        <p:spPr>
+          <a:xfrm>
+            <a:off x="5465446" y="4293096"/>
+            <a:ext cx="72008" cy="72008"/>
+          </a:xfrm>
+          <a:prstGeom prst="ellipse">
+            <a:avLst/>
+          </a:prstGeom>
+          <a:solidFill>
+            <a:schemeClr val="accent6"/>
+          </a:solidFill>
+          <a:ln>
+            <a:solidFill>
+              <a:schemeClr val="accent6">
+                <a:lumMod val="50000"/>
+              </a:schemeClr>
+            </a:solidFill>
+          </a:ln>
+        </p:spPr>
+        <p:style>
+          <a:lnRef idx="2">
+            <a:schemeClr val="accent1">
+              <a:shade val="50000"/>
+            </a:schemeClr>
+          </a:lnRef>
+          <a:fillRef idx="1">
+            <a:schemeClr val="accent1"/>
+          </a:fillRef>
+          <a:effectRef idx="0">
+            <a:schemeClr val="accent1"/>
+          </a:effectRef>
+          <a:fontRef idx="minor">
+            <a:schemeClr val="lt1"/>
+          </a:fontRef>
+        </p:style>
+        <p:txBody>
+          <a:bodyPr rtlCol="0" anchor="ctr"/>
+          <a:lstStyle/>
+          <a:p>
+            <a:pPr algn="ctr"/>
+            <a:endParaRPr lang="ko-KR" altLang="en-US"/>
+          </a:p>
+        </p:txBody>
+      </p:sp>
+      <p:sp>
+        <p:nvSpPr>
+          <p:cNvPr id="18" name="타원 17"/>
+          <p:cNvSpPr/>
+          <p:nvPr/>
+        </p:nvSpPr>
+        <p:spPr>
+          <a:xfrm>
+            <a:off x="5658039" y="4293096"/>
+            <a:ext cx="72008" cy="72008"/>
+          </a:xfrm>
+          <a:prstGeom prst="ellipse">
+            <a:avLst/>
+          </a:prstGeom>
+          <a:solidFill>
+            <a:schemeClr val="accent6"/>
+          </a:solidFill>
+          <a:ln>
+            <a:solidFill>
+              <a:schemeClr val="accent6">
+                <a:lumMod val="50000"/>
+              </a:schemeClr>
+            </a:solidFill>
+          </a:ln>
+        </p:spPr>
+        <p:style>
+          <a:lnRef idx="2">
+            <a:schemeClr val="accent1">
+              <a:shade val="50000"/>
+            </a:schemeClr>
+          </a:lnRef>
+          <a:fillRef idx="1">
+            <a:schemeClr val="accent1"/>
+          </a:fillRef>
+          <a:effectRef idx="0">
+            <a:schemeClr val="accent1"/>
+          </a:effectRef>
+          <a:fontRef idx="minor">
+            <a:schemeClr val="lt1"/>
+          </a:fontRef>
+        </p:style>
+        <p:txBody>
+          <a:bodyPr rtlCol="0" anchor="ctr"/>
+          <a:lstStyle/>
+          <a:p>
+            <a:pPr algn="ctr"/>
+            <a:endParaRPr lang="ko-KR" altLang="en-US"/>
+          </a:p>
+        </p:txBody>
+      </p:sp>
+      <p:sp>
+        <p:nvSpPr>
+          <p:cNvPr id="19" name="타원 18"/>
+          <p:cNvSpPr/>
+          <p:nvPr/>
+        </p:nvSpPr>
+        <p:spPr>
+          <a:xfrm>
+            <a:off x="5850632" y="4293096"/>
+            <a:ext cx="72008" cy="72008"/>
+          </a:xfrm>
+          <a:prstGeom prst="ellipse">
+            <a:avLst/>
+          </a:prstGeom>
+          <a:solidFill>
+            <a:schemeClr val="accent6"/>
+          </a:solidFill>
+          <a:ln>
+            <a:solidFill>
+              <a:schemeClr val="accent6">
+                <a:lumMod val="50000"/>
+              </a:schemeClr>
+            </a:solidFill>
+          </a:ln>
+        </p:spPr>
+        <p:style>
+          <a:lnRef idx="2">
+            <a:schemeClr val="accent1">
+              <a:shade val="50000"/>
+            </a:schemeClr>
+          </a:lnRef>
+          <a:fillRef idx="1">
+            <a:schemeClr val="accent1"/>
+          </a:fillRef>
+          <a:effectRef idx="0">
+            <a:schemeClr val="accent1"/>
+          </a:effectRef>
+          <a:fontRef idx="minor">
+            <a:schemeClr val="lt1"/>
+          </a:fontRef>
+        </p:style>
+        <p:txBody>
+          <a:bodyPr rtlCol="0" anchor="ctr"/>
+          <a:lstStyle/>
+          <a:p>
+            <a:pPr algn="ctr"/>
+            <a:endParaRPr lang="ko-KR" altLang="en-US"/>
+          </a:p>
+        </p:txBody>
+      </p:sp>
+      <p:sp>
+        <p:nvSpPr>
+          <p:cNvPr id="20" name="타원 19"/>
+          <p:cNvSpPr/>
+          <p:nvPr/>
+        </p:nvSpPr>
+        <p:spPr>
+          <a:xfrm>
+            <a:off x="6011416" y="4293096"/>
+            <a:ext cx="72008" cy="72008"/>
+          </a:xfrm>
+          <a:prstGeom prst="ellipse">
+            <a:avLst/>
+          </a:prstGeom>
+          <a:solidFill>
+            <a:schemeClr val="accent6"/>
+          </a:solidFill>
+          <a:ln>
+            <a:solidFill>
+              <a:schemeClr val="accent6">
+                <a:lumMod val="50000"/>
+              </a:schemeClr>
+            </a:solidFill>
+          </a:ln>
+        </p:spPr>
+        <p:style>
+          <a:lnRef idx="2">
+            <a:schemeClr val="accent1">
+              <a:shade val="50000"/>
+            </a:schemeClr>
+          </a:lnRef>
+          <a:fillRef idx="1">
+            <a:schemeClr val="accent1"/>
+          </a:fillRef>
+          <a:effectRef idx="0">
+            <a:schemeClr val="accent1"/>
+          </a:effectRef>
+          <a:fontRef idx="minor">
+            <a:schemeClr val="lt1"/>
+          </a:fontRef>
+        </p:style>
+        <p:txBody>
+          <a:bodyPr rtlCol="0" anchor="ctr"/>
+          <a:lstStyle/>
+          <a:p>
+            <a:pPr algn="ctr"/>
+            <a:endParaRPr lang="ko-KR" altLang="en-US"/>
+          </a:p>
+        </p:txBody>
+      </p:sp>
+      <p:sp>
+        <p:nvSpPr>
+          <p:cNvPr id="23" name="모서리가 둥근 직사각형 22"/>
+          <p:cNvSpPr/>
+          <p:nvPr/>
+        </p:nvSpPr>
+        <p:spPr>
+          <a:xfrm>
+            <a:off x="4520952" y="1101662"/>
+            <a:ext cx="5257800" cy="1325217"/>
+          </a:xfrm>
+          <a:prstGeom prst="roundRect">
+            <a:avLst/>
+          </a:prstGeom>
+          <a:solidFill>
+            <a:schemeClr val="accent6"/>
+          </a:solidFill>
+          <a:ln>
+            <a:solidFill>
+              <a:schemeClr val="accent6">
+                <a:lumMod val="50000"/>
+              </a:schemeClr>
+            </a:solidFill>
+          </a:ln>
+        </p:spPr>
+        <p:style>
+          <a:lnRef idx="2">
+            <a:schemeClr val="accent2">
+              <a:shade val="50000"/>
+            </a:schemeClr>
+          </a:lnRef>
+          <a:fillRef idx="1">
+            <a:schemeClr val="accent2"/>
+          </a:fillRef>
+          <a:effectRef idx="0">
+            <a:schemeClr val="accent2"/>
+          </a:effectRef>
+          <a:fontRef idx="minor">
+            <a:schemeClr val="lt1"/>
+          </a:fontRef>
+        </p:style>
+        <p:txBody>
+          <a:bodyPr rtlCol="0" anchor="ctr"/>
+          <a:lstStyle/>
+          <a:p>
+            <a:pPr algn="ctr"/>
+            <a:r>
+              <a:rPr lang="en-US" altLang="ko-KR" dirty="0" err="1" smtClean="0"/>
+              <a:t>RecordsNumEachBlock</a:t>
+            </a:r>
+            <a:r>
+              <a:rPr lang="en-US" altLang="ko-KR" dirty="0" smtClean="0"/>
+              <a:t> -&gt; constant 32MB</a:t>
+            </a:r>
             <a:endParaRPr lang="en-US" altLang="ko-KR" dirty="0" smtClean="0"/>
+          </a:p>
+          <a:p>
+            <a:pPr algn="ctr"/>
+            <a:r>
+              <a:rPr lang="en-US" altLang="ko-KR" dirty="0" err="1" smtClean="0"/>
+              <a:t>BigFile</a:t>
+            </a:r>
+            <a:r>
+              <a:rPr lang="en-US" altLang="ko-KR" dirty="0" smtClean="0"/>
+              <a:t> Index </a:t>
+            </a:r>
+            <a:r>
+              <a:rPr lang="en-US" altLang="ko-KR" dirty="0" smtClean="0"/>
+              <a:t>= 10000</a:t>
+            </a:r>
+          </a:p>
+          <a:p>
+            <a:pPr algn="ctr"/>
+            <a:r>
+              <a:rPr lang="en-US" altLang="ko-KR" dirty="0" smtClean="0"/>
+              <a:t>File Index = </a:t>
+            </a:r>
+            <a:r>
+              <a:rPr lang="en-US" altLang="ko-KR" dirty="0" smtClean="0"/>
+              <a:t>10000/</a:t>
+            </a:r>
+            <a:r>
+              <a:rPr lang="en-US" altLang="ko-KR" dirty="0" err="1" smtClean="0"/>
+              <a:t>RecordsNumEachBlock</a:t>
+            </a:r>
+            <a:r>
+              <a:rPr lang="en-US" altLang="ko-KR" dirty="0" smtClean="0"/>
+              <a:t/>
+            </a:r>
+            <a:br>
+              <a:rPr lang="en-US" altLang="ko-KR" dirty="0" smtClean="0"/>
+            </a:br>
+            <a:r>
+              <a:rPr lang="en-US" altLang="ko-KR" dirty="0" smtClean="0"/>
+              <a:t>Record Index = </a:t>
+            </a:r>
+            <a:r>
+              <a:rPr lang="en-US" altLang="ko-KR" dirty="0" smtClean="0"/>
+              <a:t>10000%RecordsNumEachBlock</a:t>
+            </a:r>
+            <a:endParaRPr lang="ko-KR" altLang="en-US" dirty="0"/>
+          </a:p>
+        </p:txBody>
+      </p:sp>
+      <p:sp>
+        <p:nvSpPr>
+          <p:cNvPr id="24" name="TextBox 23"/>
+          <p:cNvSpPr txBox="1"/>
+          <p:nvPr/>
+        </p:nvSpPr>
+        <p:spPr>
+          <a:xfrm>
+            <a:off x="704528" y="4811747"/>
+            <a:ext cx="3096344" cy="369332"/>
+          </a:xfrm>
+          <a:prstGeom prst="rect">
+            <a:avLst/>
+          </a:prstGeom>
+          <a:noFill/>
+        </p:spPr>
+        <p:txBody>
+          <a:bodyPr wrap="square" rtlCol="0">
+            <a:spAutoFit/>
+          </a:bodyPr>
+          <a:lstStyle/>
+          <a:p>
+            <a:r>
+              <a:rPr lang="en-US" altLang="ko-KR" dirty="0" smtClean="0"/>
+              <a:t>Each has 3000 Records</a:t>
+            </a:r>
+            <a:endParaRPr lang="ko-KR" altLang="en-US" dirty="0"/>
+          </a:p>
+        </p:txBody>
+      </p:sp>
+      <p:sp>
+        <p:nvSpPr>
+          <p:cNvPr id="25" name="TextBox 24"/>
+          <p:cNvSpPr txBox="1"/>
+          <p:nvPr/>
+        </p:nvSpPr>
+        <p:spPr>
+          <a:xfrm>
+            <a:off x="704528" y="5327261"/>
+            <a:ext cx="3678878" cy="369332"/>
+          </a:xfrm>
+          <a:prstGeom prst="rect">
+            <a:avLst/>
+          </a:prstGeom>
+          <a:noFill/>
+        </p:spPr>
+        <p:txBody>
+          <a:bodyPr wrap="square" rtlCol="0">
+            <a:spAutoFit/>
+          </a:bodyPr>
+          <a:lstStyle/>
+          <a:p>
+            <a:r>
+              <a:rPr lang="en-US" altLang="ko-KR" dirty="0" smtClean="0"/>
+              <a:t>File Index : </a:t>
+            </a:r>
+            <a:r>
+              <a:rPr lang="en-US" altLang="ko-KR" dirty="0" err="1" smtClean="0"/>
+              <a:t>Int</a:t>
+            </a:r>
+            <a:r>
+              <a:rPr lang="en-US" altLang="ko-KR" dirty="0" smtClean="0"/>
+              <a:t>= 10000/3000 = 3</a:t>
+            </a:r>
+            <a:endParaRPr lang="ko-KR" altLang="en-US" dirty="0"/>
+          </a:p>
+        </p:txBody>
+      </p:sp>
+      <p:sp>
+        <p:nvSpPr>
+          <p:cNvPr id="27" name="TextBox 26"/>
+          <p:cNvSpPr txBox="1"/>
+          <p:nvPr/>
+        </p:nvSpPr>
+        <p:spPr>
+          <a:xfrm>
+            <a:off x="704528" y="5675843"/>
+            <a:ext cx="4392488" cy="369332"/>
+          </a:xfrm>
+          <a:prstGeom prst="rect">
+            <a:avLst/>
+          </a:prstGeom>
+          <a:noFill/>
+        </p:spPr>
+        <p:txBody>
+          <a:bodyPr wrap="square" rtlCol="0">
+            <a:spAutoFit/>
+          </a:bodyPr>
+          <a:lstStyle/>
+          <a:p>
+            <a:r>
+              <a:rPr lang="en-US" altLang="ko-KR" dirty="0" smtClean="0"/>
+              <a:t>Record Index = 10000%3000 = 1000</a:t>
+            </a:r>
+            <a:endParaRPr lang="ko-KR" altLang="en-US" dirty="0"/>
+          </a:p>
+        </p:txBody>
+      </p:sp>
+      <p:cxnSp>
+        <p:nvCxnSpPr>
+          <p:cNvPr id="31" name="직선 화살표 연결선 30"/>
+          <p:cNvCxnSpPr/>
+          <p:nvPr/>
+        </p:nvCxnSpPr>
+        <p:spPr>
+          <a:xfrm flipH="1">
+            <a:off x="3728864" y="3654316"/>
+            <a:ext cx="72008" cy="489247"/>
+          </a:xfrm>
+          <a:prstGeom prst="straightConnector1">
+            <a:avLst/>
+          </a:prstGeom>
+          <a:ln>
+            <a:tailEnd type="triangle"/>
+          </a:ln>
+        </p:spPr>
+        <p:style>
+          <a:lnRef idx="1">
+            <a:schemeClr val="accent1"/>
+          </a:lnRef>
+          <a:fillRef idx="0">
+            <a:schemeClr val="accent1"/>
+          </a:fillRef>
+          <a:effectRef idx="0">
+            <a:schemeClr val="accent1"/>
+          </a:effectRef>
+          <a:fontRef idx="minor">
+            <a:schemeClr val="tx1"/>
+          </a:fontRef>
+        </p:style>
+      </p:cxnSp>
+      <p:sp>
+        <p:nvSpPr>
+          <p:cNvPr id="32" name="TextBox 31"/>
+          <p:cNvSpPr txBox="1"/>
+          <p:nvPr/>
+        </p:nvSpPr>
+        <p:spPr>
+          <a:xfrm>
+            <a:off x="6829970" y="3712386"/>
+            <a:ext cx="744114" cy="369332"/>
+          </a:xfrm>
+          <a:prstGeom prst="rect">
+            <a:avLst/>
+          </a:prstGeom>
+          <a:noFill/>
+        </p:spPr>
+        <p:txBody>
+          <a:bodyPr wrap="none" rtlCol="0">
+            <a:spAutoFit/>
+          </a:bodyPr>
+          <a:lstStyle/>
+          <a:p>
+            <a:r>
+              <a:rPr lang="en-US" altLang="ko-KR" dirty="0" smtClean="0"/>
+              <a:t>* 100</a:t>
+            </a:r>
+            <a:endParaRPr lang="ko-KR" altLang="en-US" dirty="0"/>
           </a:p>
         </p:txBody>
       </p:sp>
     </p:spTree>
     <p:extLst>
       <p:ext uri="{BB962C8B-B14F-4D97-AF65-F5344CB8AC3E}">
-        <p14:creationId xmlns:p14="http://schemas.microsoft.com/office/powerpoint/2010/main" val="1277777738"/>
+        <p14:creationId xmlns:p14="http://schemas.microsoft.com/office/powerpoint/2010/main" val="1097955685"/>
       </p:ext>
     </p:extLst>
   </p:cSld>
@@ -14798,9 +16120,310 @@
   <p:timing>
     <p:tnLst>
       <p:par>
-        <p:cTn id="1" dur="indefinite" restart="never" nodeType="tmRoot"/>
+        <p:cTn id="1" dur="indefinite" restart="never" nodeType="tmRoot">
+          <p:childTnLst>
+            <p:seq concurrent="1" nextAc="seek">
+              <p:cTn id="2" dur="indefinite" nodeType="mainSeq">
+                <p:childTnLst>
+                  <p:par>
+                    <p:cTn id="3" fill="hold">
+                      <p:stCondLst>
+                        <p:cond delay="indefinite"/>
+                      </p:stCondLst>
+                      <p:childTnLst>
+                        <p:par>
+                          <p:cTn id="4" fill="hold">
+                            <p:stCondLst>
+                              <p:cond delay="0"/>
+                            </p:stCondLst>
+                            <p:childTnLst>
+                              <p:par>
+                                <p:cTn id="5" presetID="1" presetClass="entr" presetSubtype="0" fill="hold" grpId="0" nodeType="clickEffect">
+                                  <p:stCondLst>
+                                    <p:cond delay="0"/>
+                                  </p:stCondLst>
+                                  <p:childTnLst>
+                                    <p:set>
+                                      <p:cBhvr>
+                                        <p:cTn id="6" dur="1" fill="hold">
+                                          <p:stCondLst>
+                                            <p:cond delay="0"/>
+                                          </p:stCondLst>
+                                        </p:cTn>
+                                        <p:tgtEl>
+                                          <p:spTgt spid="4"/>
+                                        </p:tgtEl>
+                                        <p:attrNameLst>
+                                          <p:attrName>style.visibility</p:attrName>
+                                        </p:attrNameLst>
+                                      </p:cBhvr>
+                                      <p:to>
+                                        <p:strVal val="visible"/>
+                                      </p:to>
+                                    </p:set>
+                                  </p:childTnLst>
+                                </p:cTn>
+                              </p:par>
+                              <p:par>
+                                <p:cTn id="7" presetID="1" presetClass="entr" presetSubtype="0" fill="hold" nodeType="withEffect">
+                                  <p:stCondLst>
+                                    <p:cond delay="0"/>
+                                  </p:stCondLst>
+                                  <p:childTnLst>
+                                    <p:set>
+                                      <p:cBhvr>
+                                        <p:cTn id="8" dur="1" fill="hold">
+                                          <p:stCondLst>
+                                            <p:cond delay="0"/>
+                                          </p:stCondLst>
+                                        </p:cTn>
+                                        <p:tgtEl>
+                                          <p:spTgt spid="6"/>
+                                        </p:tgtEl>
+                                        <p:attrNameLst>
+                                          <p:attrName>style.visibility</p:attrName>
+                                        </p:attrNameLst>
+                                      </p:cBhvr>
+                                      <p:to>
+                                        <p:strVal val="visible"/>
+                                      </p:to>
+                                    </p:set>
+                                  </p:childTnLst>
+                                </p:cTn>
+                              </p:par>
+                              <p:par>
+                                <p:cTn id="9" presetID="1" presetClass="entr" presetSubtype="0" fill="hold" grpId="0" nodeType="withEffect">
+                                  <p:stCondLst>
+                                    <p:cond delay="0"/>
+                                  </p:stCondLst>
+                                  <p:childTnLst>
+                                    <p:set>
+                                      <p:cBhvr>
+                                        <p:cTn id="10" dur="1" fill="hold">
+                                          <p:stCondLst>
+                                            <p:cond delay="0"/>
+                                          </p:stCondLst>
+                                        </p:cTn>
+                                        <p:tgtEl>
+                                          <p:spTgt spid="24"/>
+                                        </p:tgtEl>
+                                        <p:attrNameLst>
+                                          <p:attrName>style.visibility</p:attrName>
+                                        </p:attrNameLst>
+                                      </p:cBhvr>
+                                      <p:to>
+                                        <p:strVal val="visible"/>
+                                      </p:to>
+                                    </p:set>
+                                  </p:childTnLst>
+                                </p:cTn>
+                              </p:par>
+                            </p:childTnLst>
+                          </p:cTn>
+                        </p:par>
+                      </p:childTnLst>
+                    </p:cTn>
+                  </p:par>
+                  <p:par>
+                    <p:cTn id="11" fill="hold">
+                      <p:stCondLst>
+                        <p:cond delay="indefinite"/>
+                      </p:stCondLst>
+                      <p:childTnLst>
+                        <p:par>
+                          <p:cTn id="12" fill="hold">
+                            <p:stCondLst>
+                              <p:cond delay="0"/>
+                            </p:stCondLst>
+                            <p:childTnLst>
+                              <p:par>
+                                <p:cTn id="13" presetID="1" presetClass="entr" presetSubtype="0" fill="hold" grpId="0" nodeType="clickEffect">
+                                  <p:stCondLst>
+                                    <p:cond delay="0"/>
+                                  </p:stCondLst>
+                                  <p:childTnLst>
+                                    <p:set>
+                                      <p:cBhvr>
+                                        <p:cTn id="14" dur="1" fill="hold">
+                                          <p:stCondLst>
+                                            <p:cond delay="0"/>
+                                          </p:stCondLst>
+                                        </p:cTn>
+                                        <p:tgtEl>
+                                          <p:spTgt spid="14"/>
+                                        </p:tgtEl>
+                                        <p:attrNameLst>
+                                          <p:attrName>style.visibility</p:attrName>
+                                        </p:attrNameLst>
+                                      </p:cBhvr>
+                                      <p:to>
+                                        <p:strVal val="visible"/>
+                                      </p:to>
+                                    </p:set>
+                                  </p:childTnLst>
+                                </p:cTn>
+                              </p:par>
+                              <p:par>
+                                <p:cTn id="15" presetID="1" presetClass="entr" presetSubtype="0" fill="hold" nodeType="withEffect">
+                                  <p:stCondLst>
+                                    <p:cond delay="0"/>
+                                  </p:stCondLst>
+                                  <p:childTnLst>
+                                    <p:set>
+                                      <p:cBhvr>
+                                        <p:cTn id="16" dur="1" fill="hold">
+                                          <p:stCondLst>
+                                            <p:cond delay="0"/>
+                                          </p:stCondLst>
+                                        </p:cTn>
+                                        <p:tgtEl>
+                                          <p:spTgt spid="31"/>
+                                        </p:tgtEl>
+                                        <p:attrNameLst>
+                                          <p:attrName>style.visibility</p:attrName>
+                                        </p:attrNameLst>
+                                      </p:cBhvr>
+                                      <p:to>
+                                        <p:strVal val="visible"/>
+                                      </p:to>
+                                    </p:set>
+                                  </p:childTnLst>
+                                </p:cTn>
+                              </p:par>
+                              <p:par>
+                                <p:cTn id="17" presetID="1" presetClass="entr" presetSubtype="0" fill="hold" grpId="0" nodeType="withEffect">
+                                  <p:stCondLst>
+                                    <p:cond delay="0"/>
+                                  </p:stCondLst>
+                                  <p:childTnLst>
+                                    <p:set>
+                                      <p:cBhvr>
+                                        <p:cTn id="18" dur="1" fill="hold">
+                                          <p:stCondLst>
+                                            <p:cond delay="0"/>
+                                          </p:stCondLst>
+                                        </p:cTn>
+                                        <p:tgtEl>
+                                          <p:spTgt spid="25"/>
+                                        </p:tgtEl>
+                                        <p:attrNameLst>
+                                          <p:attrName>style.visibility</p:attrName>
+                                        </p:attrNameLst>
+                                      </p:cBhvr>
+                                      <p:to>
+                                        <p:strVal val="visible"/>
+                                      </p:to>
+                                    </p:set>
+                                  </p:childTnLst>
+                                </p:cTn>
+                              </p:par>
+                              <p:par>
+                                <p:cTn id="19" presetID="1" presetClass="entr" presetSubtype="0" fill="hold" grpId="0" nodeType="withEffect">
+                                  <p:stCondLst>
+                                    <p:cond delay="0"/>
+                                  </p:stCondLst>
+                                  <p:childTnLst>
+                                    <p:set>
+                                      <p:cBhvr>
+                                        <p:cTn id="20" dur="1" fill="hold">
+                                          <p:stCondLst>
+                                            <p:cond delay="0"/>
+                                          </p:stCondLst>
+                                        </p:cTn>
+                                        <p:tgtEl>
+                                          <p:spTgt spid="27"/>
+                                        </p:tgtEl>
+                                        <p:attrNameLst>
+                                          <p:attrName>style.visibility</p:attrName>
+                                        </p:attrNameLst>
+                                      </p:cBhvr>
+                                      <p:to>
+                                        <p:strVal val="visible"/>
+                                      </p:to>
+                                    </p:set>
+                                  </p:childTnLst>
+                                </p:cTn>
+                              </p:par>
+                            </p:childTnLst>
+                          </p:cTn>
+                        </p:par>
+                      </p:childTnLst>
+                    </p:cTn>
+                  </p:par>
+                  <p:par>
+                    <p:cTn id="21" fill="hold">
+                      <p:stCondLst>
+                        <p:cond delay="indefinite"/>
+                      </p:stCondLst>
+                      <p:childTnLst>
+                        <p:par>
+                          <p:cTn id="22" fill="hold">
+                            <p:stCondLst>
+                              <p:cond delay="0"/>
+                            </p:stCondLst>
+                            <p:childTnLst>
+                              <p:par>
+                                <p:cTn id="23" presetID="1" presetClass="entr" presetSubtype="0" fill="hold" grpId="0" nodeType="clickEffect">
+                                  <p:stCondLst>
+                                    <p:cond delay="0"/>
+                                  </p:stCondLst>
+                                  <p:childTnLst>
+                                    <p:set>
+                                      <p:cBhvr>
+                                        <p:cTn id="24" dur="1" fill="hold">
+                                          <p:stCondLst>
+                                            <p:cond delay="0"/>
+                                          </p:stCondLst>
+                                        </p:cTn>
+                                        <p:tgtEl>
+                                          <p:spTgt spid="32"/>
+                                        </p:tgtEl>
+                                        <p:attrNameLst>
+                                          <p:attrName>style.visibility</p:attrName>
+                                        </p:attrNameLst>
+                                      </p:cBhvr>
+                                      <p:to>
+                                        <p:strVal val="visible"/>
+                                      </p:to>
+                                    </p:set>
+                                  </p:childTnLst>
+                                </p:cTn>
+                              </p:par>
+                            </p:childTnLst>
+                          </p:cTn>
+                        </p:par>
+                      </p:childTnLst>
+                    </p:cTn>
+                  </p:par>
+                </p:childTnLst>
+              </p:cTn>
+              <p:prevCondLst>
+                <p:cond evt="onPrev" delay="0">
+                  <p:tgtEl>
+                    <p:sldTgt/>
+                  </p:tgtEl>
+                </p:cond>
+              </p:prevCondLst>
+              <p:nextCondLst>
+                <p:cond evt="onNext" delay="0">
+                  <p:tgtEl>
+                    <p:sldTgt/>
+                  </p:tgtEl>
+                </p:cond>
+              </p:nextCondLst>
+            </p:seq>
+          </p:childTnLst>
+        </p:cTn>
       </p:par>
     </p:tnLst>
+    <p:bldLst>
+      <p:bldP spid="4" grpId="0"/>
+      <p:bldP spid="14" grpId="0"/>
+      <p:bldP spid="24" grpId="0"/>
+      <p:bldP spid="25" grpId="0"/>
+      <p:bldP spid="27" grpId="0"/>
+      <p:bldP spid="32" grpId="0"/>
+    </p:bldLst>
   </p:timing>
 </p:sld>
 </file>
@@ -14838,23 +16461,357 @@
           <a:lstStyle/>
           <a:p>
             <a:r>
+              <a:rPr lang="en-US" altLang="ko-KR" sz="2800" dirty="0" smtClean="0">
+                <a:latin typeface="+mn-ea"/>
+              </a:rPr>
+              <a:t>Optimization </a:t>
+            </a:r>
+            <a:r>
+              <a:rPr lang="en-US" altLang="ko-KR" sz="2800" dirty="0" smtClean="0">
+                <a:latin typeface="+mn-ea"/>
+              </a:rPr>
+              <a:t>1 (Append Record)</a:t>
+            </a:r>
+            <a:endParaRPr lang="en-US" altLang="ko-KR" sz="2800" dirty="0" smtClean="0">
+              <a:latin typeface="+mn-ea"/>
+            </a:endParaRPr>
+          </a:p>
+          <a:p>
+            <a:pPr lvl="1"/>
+            <a:r>
+              <a:rPr lang="en-US" altLang="ko-KR" sz="2000" dirty="0" smtClean="0">
+                <a:latin typeface="+mn-ea"/>
+              </a:rPr>
+              <a:t>Memory Mapped </a:t>
+            </a:r>
+            <a:r>
+              <a:rPr lang="en-US" altLang="ko-KR" sz="2000" dirty="0" smtClean="0">
+                <a:latin typeface="+mn-ea"/>
+              </a:rPr>
+              <a:t>File</a:t>
+            </a:r>
+          </a:p>
+          <a:p>
+            <a:pPr lvl="1"/>
+            <a:endParaRPr lang="en-US" altLang="ko-KR" sz="2400" dirty="0">
+              <a:latin typeface="+mn-ea"/>
+            </a:endParaRPr>
+          </a:p>
+          <a:p>
+            <a:pPr lvl="1"/>
+            <a:endParaRPr lang="en-US" altLang="ko-KR" sz="2400" dirty="0" smtClean="0">
+              <a:latin typeface="+mn-ea"/>
+            </a:endParaRPr>
+          </a:p>
+          <a:p>
+            <a:pPr marL="457200" lvl="1" indent="0">
+              <a:buNone/>
+            </a:pPr>
+            <a:endParaRPr lang="en-US" altLang="ko-KR" sz="1800" dirty="0" smtClean="0">
+              <a:latin typeface="+mn-ea"/>
+            </a:endParaRPr>
+          </a:p>
+          <a:p>
+            <a:pPr marL="457200" lvl="1" indent="0">
+              <a:buNone/>
+            </a:pPr>
+            <a:r>
+              <a:rPr lang="en-US" altLang="ko-KR" sz="1800" dirty="0" smtClean="0">
+                <a:latin typeface="+mj-lt"/>
+              </a:rPr>
+              <a:t>    </a:t>
+            </a:r>
+            <a:r>
+              <a:rPr lang="en-US" altLang="ko-KR" sz="1800" dirty="0" err="1" smtClean="0">
+                <a:latin typeface="+mj-lt"/>
+              </a:rPr>
+              <a:t>MappedByteBuffer</a:t>
+            </a:r>
+            <a:endParaRPr lang="en-US" altLang="ko-KR" sz="1800" dirty="0" smtClean="0">
+              <a:latin typeface="+mj-lt"/>
+            </a:endParaRPr>
+          </a:p>
+          <a:p>
+            <a:pPr lvl="1"/>
+            <a:endParaRPr lang="en-US" altLang="ko-KR" dirty="0" smtClean="0"/>
+          </a:p>
+        </p:txBody>
+      </p:sp>
+      <p:sp>
+        <p:nvSpPr>
+          <p:cNvPr id="3" name="모서리가 둥근 직사각형 2"/>
+          <p:cNvSpPr/>
+          <p:nvPr/>
+        </p:nvSpPr>
+        <p:spPr>
+          <a:xfrm>
+            <a:off x="7661094" y="3140968"/>
+            <a:ext cx="2041236" cy="1707212"/>
+          </a:xfrm>
+          <a:prstGeom prst="roundRect">
+            <a:avLst/>
+          </a:prstGeom>
+          <a:solidFill>
+            <a:schemeClr val="accent6"/>
+          </a:solidFill>
+          <a:ln>
+            <a:solidFill>
+              <a:schemeClr val="accent6">
+                <a:lumMod val="50000"/>
+              </a:schemeClr>
+            </a:solidFill>
+          </a:ln>
+        </p:spPr>
+        <p:style>
+          <a:lnRef idx="2">
+            <a:schemeClr val="accent1">
+              <a:shade val="50000"/>
+            </a:schemeClr>
+          </a:lnRef>
+          <a:fillRef idx="1">
+            <a:schemeClr val="accent1"/>
+          </a:fillRef>
+          <a:effectRef idx="0">
+            <a:schemeClr val="accent1"/>
+          </a:effectRef>
+          <a:fontRef idx="minor">
+            <a:schemeClr val="lt1"/>
+          </a:fontRef>
+        </p:style>
+        <p:txBody>
+          <a:bodyPr rtlCol="0" anchor="ctr"/>
+          <a:lstStyle/>
+          <a:p>
+            <a:pPr algn="ctr"/>
+            <a:r>
               <a:rPr lang="en-US" altLang="ko-KR" dirty="0" smtClean="0"/>
-              <a:t>Optimization 1</a:t>
-            </a:r>
-          </a:p>
-          <a:p>
-            <a:pPr lvl="1"/>
+              <a:t>File Region</a:t>
+            </a:r>
+            <a:endParaRPr lang="ko-KR" altLang="en-US" dirty="0"/>
+          </a:p>
+        </p:txBody>
+      </p:sp>
+      <p:sp>
+        <p:nvSpPr>
+          <p:cNvPr id="4" name="모서리가 둥근 직사각형 3"/>
+          <p:cNvSpPr/>
+          <p:nvPr/>
+        </p:nvSpPr>
+        <p:spPr>
+          <a:xfrm>
+            <a:off x="3800872" y="3140968"/>
+            <a:ext cx="2047586" cy="1707212"/>
+          </a:xfrm>
+          <a:prstGeom prst="roundRect">
+            <a:avLst/>
+          </a:prstGeom>
+          <a:solidFill>
+            <a:schemeClr val="accent6"/>
+          </a:solidFill>
+          <a:ln>
+            <a:solidFill>
+              <a:schemeClr val="accent6">
+                <a:lumMod val="50000"/>
+              </a:schemeClr>
+            </a:solidFill>
+          </a:ln>
+        </p:spPr>
+        <p:style>
+          <a:lnRef idx="2">
+            <a:schemeClr val="accent1">
+              <a:shade val="50000"/>
+            </a:schemeClr>
+          </a:lnRef>
+          <a:fillRef idx="1">
+            <a:schemeClr val="accent1"/>
+          </a:fillRef>
+          <a:effectRef idx="0">
+            <a:schemeClr val="accent1"/>
+          </a:effectRef>
+          <a:fontRef idx="minor">
+            <a:schemeClr val="lt1"/>
+          </a:fontRef>
+        </p:style>
+        <p:txBody>
+          <a:bodyPr rtlCol="0" anchor="ctr"/>
+          <a:lstStyle/>
+          <a:p>
+            <a:pPr algn="ctr"/>
             <a:r>
               <a:rPr lang="en-US" altLang="ko-KR" dirty="0" smtClean="0"/>
-              <a:t>Append Accumulating</a:t>
-            </a:r>
-          </a:p>
-        </p:txBody>
-      </p:sp>
+              <a:t>Memory Region</a:t>
+            </a:r>
+            <a:endParaRPr lang="ko-KR" altLang="en-US" dirty="0"/>
+          </a:p>
+        </p:txBody>
+      </p:sp>
+      <p:sp>
+        <p:nvSpPr>
+          <p:cNvPr id="5" name="왼쪽/오른쪽 화살표 4"/>
+          <p:cNvSpPr/>
+          <p:nvPr/>
+        </p:nvSpPr>
+        <p:spPr>
+          <a:xfrm>
+            <a:off x="6302194" y="3814465"/>
+            <a:ext cx="905163" cy="360218"/>
+          </a:xfrm>
+          <a:prstGeom prst="leftRightArrow">
+            <a:avLst/>
+          </a:prstGeom>
+          <a:solidFill>
+            <a:schemeClr val="accent6"/>
+          </a:solidFill>
+          <a:ln>
+            <a:solidFill>
+              <a:schemeClr val="accent6">
+                <a:lumMod val="50000"/>
+              </a:schemeClr>
+            </a:solidFill>
+          </a:ln>
+        </p:spPr>
+        <p:style>
+          <a:lnRef idx="2">
+            <a:schemeClr val="accent1">
+              <a:shade val="50000"/>
+            </a:schemeClr>
+          </a:lnRef>
+          <a:fillRef idx="1">
+            <a:schemeClr val="accent1"/>
+          </a:fillRef>
+          <a:effectRef idx="0">
+            <a:schemeClr val="accent1"/>
+          </a:effectRef>
+          <a:fontRef idx="minor">
+            <a:schemeClr val="lt1"/>
+          </a:fontRef>
+        </p:style>
+        <p:txBody>
+          <a:bodyPr rtlCol="0" anchor="ctr"/>
+          <a:lstStyle/>
+          <a:p>
+            <a:pPr algn="ctr"/>
+            <a:endParaRPr lang="ko-KR" altLang="en-US"/>
+          </a:p>
+        </p:txBody>
+      </p:sp>
+      <p:sp>
+        <p:nvSpPr>
+          <p:cNvPr id="6" name="TextBox 5"/>
+          <p:cNvSpPr txBox="1"/>
+          <p:nvPr/>
+        </p:nvSpPr>
+        <p:spPr>
+          <a:xfrm>
+            <a:off x="5972571" y="3168134"/>
+            <a:ext cx="1545936" cy="646331"/>
+          </a:xfrm>
+          <a:prstGeom prst="rect">
+            <a:avLst/>
+          </a:prstGeom>
+          <a:solidFill>
+            <a:schemeClr val="bg1"/>
+          </a:solidFill>
+          <a:ln>
+            <a:solidFill>
+              <a:schemeClr val="bg1"/>
+            </a:solidFill>
+          </a:ln>
+        </p:spPr>
+        <p:txBody>
+          <a:bodyPr wrap="square" rtlCol="0">
+            <a:spAutoFit/>
+          </a:bodyPr>
+          <a:lstStyle/>
+          <a:p>
+            <a:pPr algn="ctr"/>
+            <a:r>
+              <a:rPr lang="en-US" altLang="ko-KR" dirty="0" smtClean="0"/>
+              <a:t>Direct </a:t>
+            </a:r>
+          </a:p>
+          <a:p>
+            <a:pPr algn="ctr"/>
+            <a:r>
+              <a:rPr lang="en-US" altLang="ko-KR" dirty="0" smtClean="0"/>
+              <a:t>Byte Buffer</a:t>
+            </a:r>
+            <a:endParaRPr lang="ko-KR" altLang="en-US" dirty="0"/>
+          </a:p>
+        </p:txBody>
+      </p:sp>
+      <p:pic>
+        <p:nvPicPr>
+          <p:cNvPr id="7" name="그림 6"/>
+          <p:cNvPicPr>
+            <a:picLocks noChangeAspect="1"/>
+          </p:cNvPicPr>
+          <p:nvPr/>
+        </p:nvPicPr>
+        <p:blipFill>
+          <a:blip r:embed="rId2"/>
+          <a:stretch>
+            <a:fillRect/>
+          </a:stretch>
+        </p:blipFill>
+        <p:spPr>
+          <a:xfrm>
+            <a:off x="403911" y="4513720"/>
+            <a:ext cx="2943225" cy="733425"/>
+          </a:xfrm>
+          <a:prstGeom prst="rect">
+            <a:avLst/>
+          </a:prstGeom>
+          <a:solidFill>
+            <a:schemeClr val="accent6"/>
+          </a:solidFill>
+          <a:ln>
+            <a:solidFill>
+              <a:schemeClr val="accent6">
+                <a:lumMod val="50000"/>
+              </a:schemeClr>
+            </a:solidFill>
+          </a:ln>
+        </p:spPr>
+      </p:pic>
+      <p:pic>
+        <p:nvPicPr>
+          <p:cNvPr id="8" name="그림 7"/>
+          <p:cNvPicPr>
+            <a:picLocks noChangeAspect="1"/>
+          </p:cNvPicPr>
+          <p:nvPr/>
+        </p:nvPicPr>
+        <p:blipFill>
+          <a:blip r:embed="rId3"/>
+          <a:stretch>
+            <a:fillRect/>
+          </a:stretch>
+        </p:blipFill>
+        <p:spPr>
+          <a:xfrm>
+            <a:off x="403911" y="5359859"/>
+            <a:ext cx="5953125" cy="190500"/>
+          </a:xfrm>
+          <a:prstGeom prst="rect">
+            <a:avLst/>
+          </a:prstGeom>
+          <a:solidFill>
+            <a:schemeClr val="accent6"/>
+          </a:solidFill>
+          <a:ln>
+            <a:solidFill>
+              <a:schemeClr val="accent6">
+                <a:lumMod val="50000"/>
+              </a:schemeClr>
+            </a:solidFill>
+          </a:ln>
+        </p:spPr>
+      </p:pic>
     </p:spTree>
     <p:extLst>
       <p:ext uri="{BB962C8B-B14F-4D97-AF65-F5344CB8AC3E}">
-        <p14:creationId xmlns:p14="http://schemas.microsoft.com/office/powerpoint/2010/main" val="1697746235"/>
+        <p14:creationId xmlns:p14="http://schemas.microsoft.com/office/powerpoint/2010/main" val="1277777738"/>
       </p:ext>
     </p:extLst>
   </p:cSld>
@@ -14864,7 +16821,102 @@
   <p:timing>
     <p:tnLst>
       <p:par>
-        <p:cTn id="1" dur="indefinite" restart="never" nodeType="tmRoot"/>
+        <p:cTn id="1" dur="indefinite" restart="never" nodeType="tmRoot">
+          <p:childTnLst>
+            <p:seq concurrent="1" nextAc="seek">
+              <p:cTn id="2" dur="indefinite" nodeType="mainSeq">
+                <p:childTnLst>
+                  <p:par>
+                    <p:cTn id="3" fill="hold">
+                      <p:stCondLst>
+                        <p:cond delay="indefinite"/>
+                      </p:stCondLst>
+                      <p:childTnLst>
+                        <p:par>
+                          <p:cTn id="4" fill="hold">
+                            <p:stCondLst>
+                              <p:cond delay="0"/>
+                            </p:stCondLst>
+                            <p:childTnLst>
+                              <p:par>
+                                <p:cTn id="5" presetID="1" presetClass="entr" presetSubtype="0" fill="hold" nodeType="clickEffect">
+                                  <p:stCondLst>
+                                    <p:cond delay="0"/>
+                                  </p:stCondLst>
+                                  <p:childTnLst>
+                                    <p:set>
+                                      <p:cBhvr>
+                                        <p:cTn id="6" dur="1" fill="hold">
+                                          <p:stCondLst>
+                                            <p:cond delay="0"/>
+                                          </p:stCondLst>
+                                        </p:cTn>
+                                        <p:tgtEl>
+                                          <p:spTgt spid="8"/>
+                                        </p:tgtEl>
+                                        <p:attrNameLst>
+                                          <p:attrName>style.visibility</p:attrName>
+                                        </p:attrNameLst>
+                                      </p:cBhvr>
+                                      <p:to>
+                                        <p:strVal val="visible"/>
+                                      </p:to>
+                                    </p:set>
+                                  </p:childTnLst>
+                                </p:cTn>
+                              </p:par>
+                              <p:par>
+                                <p:cTn id="7" presetID="1" presetClass="entr" presetSubtype="0" fill="hold" nodeType="withEffect">
+                                  <p:stCondLst>
+                                    <p:cond delay="0"/>
+                                  </p:stCondLst>
+                                  <p:childTnLst>
+                                    <p:set>
+                                      <p:cBhvr>
+                                        <p:cTn id="8" dur="1" fill="hold">
+                                          <p:stCondLst>
+                                            <p:cond delay="0"/>
+                                          </p:stCondLst>
+                                        </p:cTn>
+                                        <p:tgtEl>
+                                          <p:spTgt spid="7"/>
+                                        </p:tgtEl>
+                                        <p:attrNameLst>
+                                          <p:attrName>style.visibility</p:attrName>
+                                        </p:attrNameLst>
+                                      </p:cBhvr>
+                                      <p:to>
+                                        <p:strVal val="visible"/>
+                                      </p:to>
+                                    </p:set>
+                                  </p:childTnLst>
+                                </p:cTn>
+                              </p:par>
+                            </p:childTnLst>
+                          </p:cTn>
+                        </p:par>
+                      </p:childTnLst>
+                    </p:cTn>
+                  </p:par>
+                </p:childTnLst>
+              </p:cTn>
+              <p:prevCondLst>
+                <p:cond evt="onPrev" delay="0">
+                  <p:tgtEl>
+                    <p:sldTgt/>
+                  </p:tgtEl>
+                </p:cond>
+              </p:prevCondLst>
+              <p:nextCondLst>
+                <p:cond evt="onNext" delay="0">
+                  <p:tgtEl>
+                    <p:sldTgt/>
+                  </p:tgtEl>
+                </p:cond>
+              </p:nextCondLst>
+            </p:seq>
+          </p:childTnLst>
+        </p:cTn>
       </p:par>
     </p:tnLst>
   </p:timing>
@@ -15244,318 +17296,60 @@
         </p:nvSpPr>
         <p:spPr/>
         <p:txBody>
-          <a:bodyPr/>
-          <a:lstStyle/>
-          <a:p>
-            <a:r>
-              <a:rPr lang="en-US" altLang="ko-KR" dirty="0" smtClean="0">
+          <a:bodyPr>
+            <a:normAutofit/>
+          </a:bodyPr>
+          <a:lstStyle/>
+          <a:p>
+            <a:r>
+              <a:rPr lang="en-US" altLang="ko-KR" sz="2800" dirty="0" smtClean="0">
                 <a:latin typeface="+mn-ea"/>
               </a:rPr>
               <a:t>Optimization </a:t>
             </a:r>
-          </a:p>
-          <a:p>
-            <a:pPr lvl="1"/>
-            <a:r>
-              <a:rPr lang="en-US" altLang="ko-KR" b="1" i="1" dirty="0" smtClean="0">
+            <a:r>
+              <a:rPr lang="en-US" altLang="ko-KR" sz="2800" dirty="0" smtClean="0">
                 <a:latin typeface="+mn-ea"/>
               </a:rPr>
-              <a:t>N-Way Merge sort</a:t>
-            </a:r>
-            <a:r>
-              <a:rPr lang="en-US" altLang="ko-KR" dirty="0" smtClean="0">
+              <a:t>1 (Append Record)</a:t>
+            </a:r>
+            <a:endParaRPr lang="en-US" altLang="ko-KR" sz="2800" dirty="0" smtClean="0">
+              <a:latin typeface="+mn-ea"/>
+            </a:endParaRPr>
+          </a:p>
+          <a:p>
+            <a:pPr lvl="1"/>
+            <a:r>
+              <a:rPr lang="en-US" altLang="ko-KR" sz="2000" dirty="0" smtClean="0">
                 <a:latin typeface="+mn-ea"/>
               </a:rPr>
-              <a:t> is slow</a:t>
-            </a:r>
-            <a:endParaRPr lang="ko-KR" altLang="en-US" dirty="0">
-              <a:latin typeface="+mn-ea"/>
-            </a:endParaRPr>
-          </a:p>
-        </p:txBody>
-      </p:sp>
-      <p:sp>
-        <p:nvSpPr>
-          <p:cNvPr id="3" name="직사각형 2"/>
+              <a:t>Append Accumulating</a:t>
+            </a:r>
+          </a:p>
+        </p:txBody>
+      </p:sp>
+      <p:sp>
+        <p:nvSpPr>
+          <p:cNvPr id="18" name="직사각형 17"/>
           <p:cNvSpPr/>
           <p:nvPr/>
         </p:nvSpPr>
         <p:spPr>
           <a:xfrm>
-            <a:off x="5469260" y="2856304"/>
-            <a:ext cx="3960440" cy="288032"/>
+            <a:off x="2216696" y="2924944"/>
+            <a:ext cx="2124364" cy="2475346"/>
           </a:xfrm>
           <a:prstGeom prst="rect">
             <a:avLst/>
           </a:prstGeom>
-        </p:spPr>
-        <p:style>
-          <a:lnRef idx="2">
-            <a:schemeClr val="accent6">
-              <a:shade val="50000"/>
-            </a:schemeClr>
-          </a:lnRef>
-          <a:fillRef idx="1">
+          <a:solidFill>
             <a:schemeClr val="accent6"/>
-          </a:fillRef>
-          <a:effectRef idx="0">
-            <a:schemeClr val="accent6"/>
-          </a:effectRef>
-          <a:fontRef idx="minor">
-            <a:schemeClr val="lt1"/>
-          </a:fontRef>
-        </p:style>
-        <p:txBody>
-          <a:bodyPr rtlCol="0" anchor="ctr"/>
-          <a:lstStyle/>
-          <a:p>
-            <a:pPr algn="ctr"/>
-            <a:r>
-              <a:rPr lang="en-US" altLang="ko-KR" dirty="0" smtClean="0"/>
-              <a:t>Sorted Run #1</a:t>
-            </a:r>
-            <a:endParaRPr lang="ko-KR" altLang="en-US" dirty="0"/>
-          </a:p>
-        </p:txBody>
-      </p:sp>
-      <p:sp>
-        <p:nvSpPr>
-          <p:cNvPr id="8" name="직사각형 7"/>
-          <p:cNvSpPr/>
-          <p:nvPr/>
-        </p:nvSpPr>
-        <p:spPr>
-          <a:xfrm>
-            <a:off x="5469260" y="3434502"/>
-            <a:ext cx="3960440" cy="288032"/>
-          </a:xfrm>
-          <a:prstGeom prst="rect">
-            <a:avLst/>
-          </a:prstGeom>
-        </p:spPr>
-        <p:style>
-          <a:lnRef idx="2">
-            <a:schemeClr val="accent6">
-              <a:shade val="50000"/>
-            </a:schemeClr>
-          </a:lnRef>
-          <a:fillRef idx="1">
-            <a:schemeClr val="accent6"/>
-          </a:fillRef>
-          <a:effectRef idx="0">
-            <a:schemeClr val="accent6"/>
-          </a:effectRef>
-          <a:fontRef idx="minor">
-            <a:schemeClr val="lt1"/>
-          </a:fontRef>
-        </p:style>
-        <p:txBody>
-          <a:bodyPr rtlCol="0" anchor="ctr"/>
-          <a:lstStyle/>
-          <a:p>
-            <a:pPr algn="ctr"/>
-            <a:r>
-              <a:rPr lang="en-US" altLang="ko-KR" dirty="0" smtClean="0"/>
-              <a:t>Sorted Run #2</a:t>
-            </a:r>
-            <a:endParaRPr lang="ko-KR" altLang="en-US" dirty="0"/>
-          </a:p>
-        </p:txBody>
-      </p:sp>
-      <p:sp>
-        <p:nvSpPr>
-          <p:cNvPr id="12" name="직사각형 11"/>
-          <p:cNvSpPr/>
-          <p:nvPr/>
-        </p:nvSpPr>
-        <p:spPr>
-          <a:xfrm>
-            <a:off x="5469260" y="4008732"/>
-            <a:ext cx="3960440" cy="288032"/>
-          </a:xfrm>
-          <a:prstGeom prst="rect">
-            <a:avLst/>
-          </a:prstGeom>
-        </p:spPr>
-        <p:style>
-          <a:lnRef idx="2">
-            <a:schemeClr val="accent6">
-              <a:shade val="50000"/>
-            </a:schemeClr>
-          </a:lnRef>
-          <a:fillRef idx="1">
-            <a:schemeClr val="accent6"/>
-          </a:fillRef>
-          <a:effectRef idx="0">
-            <a:schemeClr val="accent6"/>
-          </a:effectRef>
-          <a:fontRef idx="minor">
-            <a:schemeClr val="lt1"/>
-          </a:fontRef>
-        </p:style>
-        <p:txBody>
-          <a:bodyPr rtlCol="0" anchor="ctr"/>
-          <a:lstStyle/>
-          <a:p>
-            <a:pPr algn="ctr"/>
-            <a:r>
-              <a:rPr lang="en-US" altLang="ko-KR" dirty="0" smtClean="0"/>
-              <a:t>Sorted Run #3</a:t>
-            </a:r>
-            <a:endParaRPr lang="ko-KR" altLang="en-US" dirty="0"/>
-          </a:p>
-        </p:txBody>
-      </p:sp>
-      <p:sp>
-        <p:nvSpPr>
-          <p:cNvPr id="13" name="직사각형 12"/>
-          <p:cNvSpPr/>
-          <p:nvPr/>
-        </p:nvSpPr>
-        <p:spPr>
-          <a:xfrm>
-            <a:off x="5469260" y="4582962"/>
-            <a:ext cx="3960440" cy="288032"/>
-          </a:xfrm>
-          <a:prstGeom prst="rect">
-            <a:avLst/>
-          </a:prstGeom>
-        </p:spPr>
-        <p:style>
-          <a:lnRef idx="2">
-            <a:schemeClr val="accent6">
-              <a:shade val="50000"/>
-            </a:schemeClr>
-          </a:lnRef>
-          <a:fillRef idx="1">
-            <a:schemeClr val="accent6"/>
-          </a:fillRef>
-          <a:effectRef idx="0">
-            <a:schemeClr val="accent6"/>
-          </a:effectRef>
-          <a:fontRef idx="minor">
-            <a:schemeClr val="lt1"/>
-          </a:fontRef>
-        </p:style>
-        <p:txBody>
-          <a:bodyPr rtlCol="0" anchor="ctr"/>
-          <a:lstStyle/>
-          <a:p>
-            <a:pPr algn="ctr"/>
-            <a:r>
-              <a:rPr lang="en-US" altLang="ko-KR" dirty="0" smtClean="0"/>
-              <a:t>Sorted Run #4</a:t>
-            </a:r>
-            <a:endParaRPr lang="ko-KR" altLang="en-US" dirty="0"/>
-          </a:p>
-        </p:txBody>
-      </p:sp>
-      <p:sp>
-        <p:nvSpPr>
-          <p:cNvPr id="14" name="직사각형 13"/>
-          <p:cNvSpPr/>
-          <p:nvPr/>
-        </p:nvSpPr>
-        <p:spPr>
-          <a:xfrm>
-            <a:off x="5469260" y="5157192"/>
-            <a:ext cx="3960440" cy="288032"/>
-          </a:xfrm>
-          <a:prstGeom prst="rect">
-            <a:avLst/>
-          </a:prstGeom>
-        </p:spPr>
-        <p:style>
-          <a:lnRef idx="2">
-            <a:schemeClr val="accent6">
-              <a:shade val="50000"/>
-            </a:schemeClr>
-          </a:lnRef>
-          <a:fillRef idx="1">
-            <a:schemeClr val="accent6"/>
-          </a:fillRef>
-          <a:effectRef idx="0">
-            <a:schemeClr val="accent6"/>
-          </a:effectRef>
-          <a:fontRef idx="minor">
-            <a:schemeClr val="lt1"/>
-          </a:fontRef>
-        </p:style>
-        <p:txBody>
-          <a:bodyPr rtlCol="0" anchor="ctr"/>
-          <a:lstStyle/>
-          <a:p>
-            <a:pPr algn="ctr"/>
-            <a:r>
-              <a:rPr lang="en-US" altLang="ko-KR" dirty="0" smtClean="0"/>
-              <a:t>Sorted Run #5</a:t>
-            </a:r>
-            <a:endParaRPr lang="ko-KR" altLang="en-US" dirty="0"/>
-          </a:p>
-        </p:txBody>
-      </p:sp>
-      <p:sp>
-        <p:nvSpPr>
-          <p:cNvPr id="15" name="직사각형 14"/>
-          <p:cNvSpPr/>
-          <p:nvPr/>
-        </p:nvSpPr>
-        <p:spPr>
-          <a:xfrm>
-            <a:off x="704528" y="4243392"/>
-            <a:ext cx="1512168" cy="303784"/>
-          </a:xfrm>
-          <a:prstGeom prst="rect">
-            <a:avLst/>
-          </a:prstGeom>
-        </p:spPr>
-        <p:style>
-          <a:lnRef idx="2">
-            <a:schemeClr val="accent5">
-              <a:shade val="50000"/>
-            </a:schemeClr>
-          </a:lnRef>
-          <a:fillRef idx="1">
-            <a:schemeClr val="accent5"/>
-          </a:fillRef>
-          <a:effectRef idx="0">
-            <a:schemeClr val="accent5"/>
-          </a:effectRef>
-          <a:fontRef idx="minor">
-            <a:schemeClr val="lt1"/>
-          </a:fontRef>
-        </p:style>
-        <p:txBody>
-          <a:bodyPr rtlCol="0" anchor="ctr"/>
-          <a:lstStyle/>
-          <a:p>
-            <a:pPr algn="ctr"/>
-            <a:r>
-              <a:rPr lang="en-US" altLang="ko-KR" dirty="0" smtClean="0"/>
-              <a:t>Merged Run</a:t>
-            </a:r>
-            <a:endParaRPr lang="ko-KR" altLang="en-US" dirty="0"/>
-          </a:p>
-        </p:txBody>
-      </p:sp>
-      <p:sp>
-        <p:nvSpPr>
-          <p:cNvPr id="16" name="직사각형 15"/>
-          <p:cNvSpPr/>
-          <p:nvPr/>
-        </p:nvSpPr>
-        <p:spPr>
-          <a:xfrm>
-            <a:off x="5793296" y="2784296"/>
-            <a:ext cx="216024" cy="432048"/>
-          </a:xfrm>
-          <a:prstGeom prst="rect">
-            <a:avLst/>
-          </a:prstGeom>
-          <a:noFill/>
+          </a:solidFill>
           <a:ln>
             <a:solidFill>
-              <a:srgbClr val="FF0000"/>
+              <a:schemeClr val="accent6">
+                <a:lumMod val="50000"/>
+              </a:schemeClr>
             </a:solidFill>
           </a:ln>
         </p:spPr>
@@ -15586,24 +17380,54 @@
       </p:sp>
       <p:sp>
         <p:nvSpPr>
-          <p:cNvPr id="17" name="직사각형 16"/>
+          <p:cNvPr id="19" name="TextBox 18"/>
+          <p:cNvSpPr txBox="1"/>
+          <p:nvPr/>
+        </p:nvSpPr>
+        <p:spPr>
+          <a:xfrm>
+            <a:off x="2854826" y="5500480"/>
+            <a:ext cx="816249" cy="369332"/>
+          </a:xfrm>
+          <a:prstGeom prst="rect">
+            <a:avLst/>
+          </a:prstGeom>
+          <a:noFill/>
+        </p:spPr>
+        <p:txBody>
+          <a:bodyPr wrap="none" rtlCol="0">
+            <a:spAutoFit/>
+          </a:bodyPr>
+          <a:lstStyle/>
+          <a:p>
+            <a:r>
+              <a:rPr lang="en-US" altLang="ko-KR" dirty="0" smtClean="0"/>
+              <a:t>Cache</a:t>
+            </a:r>
+            <a:endParaRPr lang="ko-KR" altLang="en-US" dirty="0"/>
+          </a:p>
+        </p:txBody>
+      </p:sp>
+      <p:sp>
+        <p:nvSpPr>
+          <p:cNvPr id="20" name="모서리가 둥근 직사각형 19"/>
           <p:cNvSpPr/>
           <p:nvPr/>
         </p:nvSpPr>
         <p:spPr>
           <a:xfrm>
-            <a:off x="5685284" y="3362494"/>
-            <a:ext cx="216024" cy="432048"/>
-          </a:xfrm>
-          <a:prstGeom prst="rect">
-            <a:avLst/>
-          </a:prstGeom>
-          <a:noFill/>
-          <a:ln>
-            <a:solidFill>
-              <a:srgbClr val="FF0000"/>
-            </a:solidFill>
-          </a:ln>
+            <a:off x="2359858" y="5022682"/>
+            <a:ext cx="1838037" cy="277091"/>
+          </a:xfrm>
+          <a:prstGeom prst="roundRect">
+            <a:avLst/>
+          </a:prstGeom>
+          <a:solidFill>
+            <a:schemeClr val="accent2">
+              <a:lumMod val="20000"/>
+              <a:lumOff val="80000"/>
+            </a:schemeClr>
+          </a:solidFill>
         </p:spPr>
         <p:style>
           <a:lnRef idx="2">
@@ -15626,30 +17450,42 @@
           <a:lstStyle/>
           <a:p>
             <a:pPr algn="ctr"/>
-            <a:endParaRPr lang="ko-KR" altLang="en-US"/>
-          </a:p>
-        </p:txBody>
-      </p:sp>
-      <p:sp>
-        <p:nvSpPr>
-          <p:cNvPr id="18" name="직사각형 17"/>
+            <a:r>
+              <a:rPr lang="en-US" altLang="ko-KR" sz="1400" dirty="0" smtClean="0">
+                <a:solidFill>
+                  <a:schemeClr val="tx1"/>
+                </a:solidFill>
+              </a:rPr>
+              <a:t>Append Record 1</a:t>
+            </a:r>
+            <a:endParaRPr lang="ko-KR" altLang="en-US" sz="1400" dirty="0">
+              <a:solidFill>
+                <a:schemeClr val="tx1"/>
+              </a:solidFill>
+            </a:endParaRPr>
+          </a:p>
+        </p:txBody>
+      </p:sp>
+      <p:sp>
+        <p:nvSpPr>
+          <p:cNvPr id="21" name="모서리가 둥근 직사각형 20"/>
           <p:cNvSpPr/>
           <p:nvPr/>
         </p:nvSpPr>
         <p:spPr>
           <a:xfrm>
-            <a:off x="5901308" y="3970662"/>
-            <a:ext cx="216024" cy="432048"/>
-          </a:xfrm>
-          <a:prstGeom prst="rect">
-            <a:avLst/>
-          </a:prstGeom>
-          <a:noFill/>
-          <a:ln>
-            <a:solidFill>
-              <a:srgbClr val="FF0000"/>
-            </a:solidFill>
-          </a:ln>
+            <a:off x="2359859" y="4291906"/>
+            <a:ext cx="1838037" cy="277091"/>
+          </a:xfrm>
+          <a:prstGeom prst="roundRect">
+            <a:avLst/>
+          </a:prstGeom>
+          <a:solidFill>
+            <a:schemeClr val="accent2">
+              <a:lumMod val="20000"/>
+              <a:lumOff val="80000"/>
+            </a:schemeClr>
+          </a:solidFill>
         </p:spPr>
         <p:style>
           <a:lnRef idx="2">
@@ -15672,30 +17508,42 @@
           <a:lstStyle/>
           <a:p>
             <a:pPr algn="ctr"/>
-            <a:endParaRPr lang="ko-KR" altLang="en-US"/>
-          </a:p>
-        </p:txBody>
-      </p:sp>
-      <p:sp>
-        <p:nvSpPr>
-          <p:cNvPr id="19" name="직사각형 18"/>
+            <a:r>
+              <a:rPr lang="en-US" altLang="ko-KR" sz="1400" dirty="0" smtClean="0">
+                <a:solidFill>
+                  <a:schemeClr val="tx1"/>
+                </a:solidFill>
+              </a:rPr>
+              <a:t>Append Record 3</a:t>
+            </a:r>
+            <a:endParaRPr lang="ko-KR" altLang="en-US" sz="1400" dirty="0">
+              <a:solidFill>
+                <a:schemeClr val="tx1"/>
+              </a:solidFill>
+            </a:endParaRPr>
+          </a:p>
+        </p:txBody>
+      </p:sp>
+      <p:sp>
+        <p:nvSpPr>
+          <p:cNvPr id="22" name="모서리가 둥근 직사각형 21"/>
           <p:cNvSpPr/>
           <p:nvPr/>
         </p:nvSpPr>
         <p:spPr>
           <a:xfrm>
-            <a:off x="6009320" y="4510929"/>
-            <a:ext cx="216024" cy="432048"/>
-          </a:xfrm>
-          <a:prstGeom prst="rect">
-            <a:avLst/>
-          </a:prstGeom>
-          <a:noFill/>
-          <a:ln>
-            <a:solidFill>
-              <a:srgbClr val="FF0000"/>
-            </a:solidFill>
-          </a:ln>
+            <a:off x="2343931" y="4657457"/>
+            <a:ext cx="1838037" cy="277091"/>
+          </a:xfrm>
+          <a:prstGeom prst="roundRect">
+            <a:avLst/>
+          </a:prstGeom>
+          <a:solidFill>
+            <a:schemeClr val="accent2">
+              <a:lumMod val="20000"/>
+              <a:lumOff val="80000"/>
+            </a:schemeClr>
+          </a:solidFill>
         </p:spPr>
         <p:style>
           <a:lnRef idx="2">
@@ -15718,30 +17566,42 @@
           <a:lstStyle/>
           <a:p>
             <a:pPr algn="ctr"/>
-            <a:endParaRPr lang="ko-KR" altLang="en-US"/>
-          </a:p>
-        </p:txBody>
-      </p:sp>
-      <p:sp>
-        <p:nvSpPr>
-          <p:cNvPr id="20" name="직사각형 19"/>
+            <a:r>
+              <a:rPr lang="en-US" altLang="ko-KR" sz="1400" dirty="0" smtClean="0">
+                <a:solidFill>
+                  <a:schemeClr val="tx1"/>
+                </a:solidFill>
+              </a:rPr>
+              <a:t>Append Record 2</a:t>
+            </a:r>
+            <a:endParaRPr lang="ko-KR" altLang="en-US" sz="1400" dirty="0">
+              <a:solidFill>
+                <a:schemeClr val="tx1"/>
+              </a:solidFill>
+            </a:endParaRPr>
+          </a:p>
+        </p:txBody>
+      </p:sp>
+      <p:sp>
+        <p:nvSpPr>
+          <p:cNvPr id="23" name="모서리가 둥근 직사각형 22"/>
           <p:cNvSpPr/>
           <p:nvPr/>
         </p:nvSpPr>
         <p:spPr>
           <a:xfrm>
-            <a:off x="5891969" y="5123229"/>
-            <a:ext cx="216024" cy="432048"/>
-          </a:xfrm>
-          <a:prstGeom prst="rect">
-            <a:avLst/>
-          </a:prstGeom>
-          <a:noFill/>
-          <a:ln>
-            <a:solidFill>
-              <a:srgbClr val="FF0000"/>
-            </a:solidFill>
-          </a:ln>
+            <a:off x="2337004" y="3049249"/>
+            <a:ext cx="1838037" cy="277091"/>
+          </a:xfrm>
+          <a:prstGeom prst="roundRect">
+            <a:avLst/>
+          </a:prstGeom>
+          <a:solidFill>
+            <a:schemeClr val="accent2">
+              <a:lumMod val="20000"/>
+              <a:lumOff val="80000"/>
+            </a:schemeClr>
+          </a:solidFill>
         </p:spPr>
         <p:style>
           <a:lnRef idx="2">
@@ -15764,106 +17624,62 @@
           <a:lstStyle/>
           <a:p>
             <a:pPr algn="ctr"/>
-            <a:endParaRPr lang="ko-KR" altLang="en-US"/>
-          </a:p>
-        </p:txBody>
-      </p:sp>
-      <p:sp>
-        <p:nvSpPr>
-          <p:cNvPr id="21" name="TextBox 20"/>
-          <p:cNvSpPr txBox="1"/>
-          <p:nvPr/>
-        </p:nvSpPr>
-        <p:spPr>
-          <a:xfrm>
-            <a:off x="5434005" y="5805264"/>
-            <a:ext cx="1582677" cy="369332"/>
-          </a:xfrm>
-          <a:prstGeom prst="rect">
-            <a:avLst/>
-          </a:prstGeom>
-          <a:noFill/>
-        </p:spPr>
-        <p:txBody>
-          <a:bodyPr wrap="none" rtlCol="0">
-            <a:spAutoFit/>
-          </a:bodyPr>
-          <a:lstStyle/>
-          <a:p>
-            <a:r>
-              <a:rPr lang="en-US" altLang="ko-KR" dirty="0" smtClean="0">
-                <a:latin typeface="+mn-ea"/>
+            <a:r>
+              <a:rPr lang="en-US" altLang="ko-KR" sz="1400" dirty="0" smtClean="0">
+                <a:solidFill>
+                  <a:schemeClr val="tx1"/>
+                </a:solidFill>
               </a:rPr>
-              <a:t>File Pointer</a:t>
-            </a:r>
-            <a:endParaRPr lang="ko-KR" altLang="en-US" dirty="0">
-              <a:latin typeface="+mn-ea"/>
+              <a:t>Append Record N</a:t>
+            </a:r>
+            <a:endParaRPr lang="ko-KR" altLang="en-US" sz="1400" dirty="0">
+              <a:solidFill>
+                <a:schemeClr val="tx1"/>
+              </a:solidFill>
             </a:endParaRPr>
           </a:p>
         </p:txBody>
       </p:sp>
-      <p:cxnSp>
-        <p:nvCxnSpPr>
-          <p:cNvPr id="23" name="직선 화살표 연결선 22"/>
-          <p:cNvCxnSpPr/>
-          <p:nvPr/>
-        </p:nvCxnSpPr>
-        <p:spPr>
-          <a:xfrm flipV="1">
-            <a:off x="6009320" y="5589240"/>
-            <a:ext cx="0" cy="216024"/>
-          </a:xfrm>
-          <a:prstGeom prst="straightConnector1">
-            <a:avLst/>
-          </a:prstGeom>
-          <a:ln w="38100">
+      <p:sp>
+        <p:nvSpPr>
+          <p:cNvPr id="24" name="타원 23"/>
+          <p:cNvSpPr/>
+          <p:nvPr/>
+        </p:nvSpPr>
+        <p:spPr>
+          <a:xfrm>
+            <a:off x="3256022" y="3880519"/>
+            <a:ext cx="45719" cy="55418"/>
+          </a:xfrm>
+          <a:prstGeom prst="ellipse">
+            <a:avLst/>
+          </a:prstGeom>
+          <a:solidFill>
+            <a:schemeClr val="accent2">
+              <a:lumMod val="20000"/>
+              <a:lumOff val="80000"/>
+            </a:schemeClr>
+          </a:solidFill>
+          <a:ln>
             <a:solidFill>
-              <a:srgbClr val="FF0000"/>
+              <a:schemeClr val="accent2">
+                <a:lumMod val="20000"/>
+                <a:lumOff val="80000"/>
+              </a:schemeClr>
             </a:solidFill>
-            <a:tailEnd type="triangle"/>
           </a:ln>
-        </p:spPr>
-        <p:style>
-          <a:lnRef idx="1">
-            <a:schemeClr val="accent1"/>
-          </a:lnRef>
-          <a:fillRef idx="0">
-            <a:schemeClr val="accent1"/>
-          </a:fillRef>
-          <a:effectRef idx="0">
-            <a:schemeClr val="accent1"/>
-          </a:effectRef>
-          <a:fontRef idx="minor">
-            <a:schemeClr val="tx1"/>
-          </a:fontRef>
-        </p:style>
-      </p:cxnSp>
-      <p:sp>
-        <p:nvSpPr>
-          <p:cNvPr id="24" name="직사각형 23"/>
-          <p:cNvSpPr/>
-          <p:nvPr/>
-        </p:nvSpPr>
-        <p:spPr>
-          <a:xfrm>
-            <a:off x="2216696" y="4243392"/>
-            <a:ext cx="144016" cy="303784"/>
-          </a:xfrm>
-          <a:prstGeom prst="rect">
-            <a:avLst/>
-          </a:prstGeom>
         </p:spPr>
         <p:style>
           <a:lnRef idx="2">
-            <a:schemeClr val="accent5">
+            <a:schemeClr val="accent1">
               <a:shade val="50000"/>
             </a:schemeClr>
           </a:lnRef>
           <a:fillRef idx="1">
-            <a:schemeClr val="accent5"/>
+            <a:schemeClr val="accent1"/>
           </a:fillRef>
           <a:effectRef idx="0">
-            <a:schemeClr val="accent5"/>
+            <a:schemeClr val="accent1"/>
           </a:effectRef>
           <a:fontRef idx="minor">
             <a:schemeClr val="lt1"/>
@@ -15880,30 +17696,44 @@
       </p:sp>
       <p:sp>
         <p:nvSpPr>
-          <p:cNvPr id="25" name="직사각형 24"/>
+          <p:cNvPr id="25" name="타원 24"/>
           <p:cNvSpPr/>
           <p:nvPr/>
         </p:nvSpPr>
         <p:spPr>
           <a:xfrm>
-            <a:off x="2357761" y="4245801"/>
-            <a:ext cx="144016" cy="303784"/>
-          </a:xfrm>
-          <a:prstGeom prst="rect">
-            <a:avLst/>
-          </a:prstGeom>
+            <a:off x="3256019" y="3708421"/>
+            <a:ext cx="45719" cy="55418"/>
+          </a:xfrm>
+          <a:prstGeom prst="ellipse">
+            <a:avLst/>
+          </a:prstGeom>
+          <a:solidFill>
+            <a:schemeClr val="accent2">
+              <a:lumMod val="20000"/>
+              <a:lumOff val="80000"/>
+            </a:schemeClr>
+          </a:solidFill>
+          <a:ln>
+            <a:solidFill>
+              <a:schemeClr val="accent2">
+                <a:lumMod val="20000"/>
+                <a:lumOff val="80000"/>
+              </a:schemeClr>
+            </a:solidFill>
+          </a:ln>
         </p:spPr>
         <p:style>
           <a:lnRef idx="2">
-            <a:schemeClr val="accent5">
+            <a:schemeClr val="accent1">
               <a:shade val="50000"/>
             </a:schemeClr>
           </a:lnRef>
           <a:fillRef idx="1">
-            <a:schemeClr val="accent5"/>
+            <a:schemeClr val="accent1"/>
           </a:fillRef>
           <a:effectRef idx="0">
-            <a:schemeClr val="accent5"/>
+            <a:schemeClr val="accent1"/>
           </a:effectRef>
           <a:fontRef idx="minor">
             <a:schemeClr val="lt1"/>
@@ -15920,30 +17750,44 @@
       </p:sp>
       <p:sp>
         <p:nvSpPr>
-          <p:cNvPr id="31" name="직사각형 30"/>
+          <p:cNvPr id="26" name="타원 25"/>
           <p:cNvSpPr/>
           <p:nvPr/>
         </p:nvSpPr>
         <p:spPr>
           <a:xfrm>
-            <a:off x="4533907" y="2773089"/>
-            <a:ext cx="288032" cy="2791295"/>
-          </a:xfrm>
-          <a:prstGeom prst="rect">
-            <a:avLst/>
-          </a:prstGeom>
+            <a:off x="3256019" y="3531774"/>
+            <a:ext cx="45719" cy="55418"/>
+          </a:xfrm>
+          <a:prstGeom prst="ellipse">
+            <a:avLst/>
+          </a:prstGeom>
+          <a:solidFill>
+            <a:schemeClr val="accent2">
+              <a:lumMod val="20000"/>
+              <a:lumOff val="80000"/>
+            </a:schemeClr>
+          </a:solidFill>
+          <a:ln>
+            <a:solidFill>
+              <a:schemeClr val="accent2">
+                <a:lumMod val="20000"/>
+                <a:lumOff val="80000"/>
+              </a:schemeClr>
+            </a:solidFill>
+          </a:ln>
         </p:spPr>
         <p:style>
           <a:lnRef idx="2">
-            <a:schemeClr val="accent4">
+            <a:schemeClr val="accent1">
               <a:shade val="50000"/>
             </a:schemeClr>
           </a:lnRef>
           <a:fillRef idx="1">
-            <a:schemeClr val="accent4"/>
+            <a:schemeClr val="accent1"/>
           </a:fillRef>
           <a:effectRef idx="0">
-            <a:schemeClr val="accent4"/>
+            <a:schemeClr val="accent1"/>
           </a:effectRef>
           <a:fontRef idx="minor">
             <a:schemeClr val="lt1"/>
@@ -15958,232 +17802,165 @@
           </a:p>
         </p:txBody>
       </p:sp>
-      <p:cxnSp>
-        <p:nvCxnSpPr>
-          <p:cNvPr id="35" name="직선 화살표 연결선 34"/>
-          <p:cNvCxnSpPr/>
-          <p:nvPr/>
-        </p:nvCxnSpPr>
-        <p:spPr>
-          <a:xfrm flipH="1">
-            <a:off x="2799147" y="4224213"/>
-            <a:ext cx="1453115" cy="183264"/>
-          </a:xfrm>
-          <a:prstGeom prst="straightConnector1">
-            <a:avLst/>
-          </a:prstGeom>
-          <a:ln w="57150">
+      <p:sp>
+        <p:nvSpPr>
+          <p:cNvPr id="27" name="오른쪽 화살표 26"/>
+          <p:cNvSpPr/>
+          <p:nvPr/>
+        </p:nvSpPr>
+        <p:spPr>
+          <a:xfrm>
+            <a:off x="4823896" y="3908228"/>
+            <a:ext cx="1348509" cy="474093"/>
+          </a:xfrm>
+          <a:prstGeom prst="rightArrow">
+            <a:avLst/>
+          </a:prstGeom>
+          <a:solidFill>
+            <a:schemeClr val="accent6"/>
+          </a:solidFill>
+          <a:ln>
             <a:solidFill>
-              <a:schemeClr val="accent4"/>
+              <a:schemeClr val="accent6">
+                <a:lumMod val="50000"/>
+              </a:schemeClr>
             </a:solidFill>
-            <a:tailEnd type="triangle"/>
           </a:ln>
         </p:spPr>
         <p:style>
-          <a:lnRef idx="1">
-            <a:schemeClr val="accent1"/>
+          <a:lnRef idx="2">
+            <a:schemeClr val="accent1">
+              <a:shade val="50000"/>
+            </a:schemeClr>
           </a:lnRef>
-          <a:fillRef idx="0">
+          <a:fillRef idx="1">
             <a:schemeClr val="accent1"/>
           </a:fillRef>
           <a:effectRef idx="0">
             <a:schemeClr val="accent1"/>
           </a:effectRef>
           <a:fontRef idx="minor">
-            <a:schemeClr val="tx1"/>
+            <a:schemeClr val="lt1"/>
           </a:fontRef>
         </p:style>
-      </p:cxnSp>
-      <p:cxnSp>
-        <p:nvCxnSpPr>
-          <p:cNvPr id="36" name="직선 화살표 연결선 35"/>
-          <p:cNvCxnSpPr/>
-          <p:nvPr/>
-        </p:nvCxnSpPr>
-        <p:spPr>
-          <a:xfrm flipH="1">
-            <a:off x="4932040" y="3000320"/>
-            <a:ext cx="414709" cy="20378"/>
-          </a:xfrm>
-          <a:prstGeom prst="straightConnector1">
-            <a:avLst/>
-          </a:prstGeom>
-          <a:ln w="57150">
+        <p:txBody>
+          <a:bodyPr rtlCol="0" anchor="ctr"/>
+          <a:lstStyle/>
+          <a:p>
+            <a:pPr algn="ctr"/>
+            <a:endParaRPr lang="ko-KR" altLang="en-US"/>
+          </a:p>
+        </p:txBody>
+      </p:sp>
+      <p:sp>
+        <p:nvSpPr>
+          <p:cNvPr id="28" name="TextBox 27"/>
+          <p:cNvSpPr txBox="1"/>
+          <p:nvPr/>
+        </p:nvSpPr>
+        <p:spPr>
+          <a:xfrm>
+            <a:off x="4463673" y="2924944"/>
+            <a:ext cx="2133600" cy="923330"/>
+          </a:xfrm>
+          <a:prstGeom prst="rect">
+            <a:avLst/>
+          </a:prstGeom>
+          <a:noFill/>
+        </p:spPr>
+        <p:txBody>
+          <a:bodyPr wrap="square" rtlCol="0">
+            <a:spAutoFit/>
+          </a:bodyPr>
+          <a:lstStyle/>
+          <a:p>
+            <a:pPr algn="ctr"/>
+            <a:r>
+              <a:rPr lang="en-US" altLang="ko-KR" dirty="0" smtClean="0"/>
+              <a:t>If ( Cache is full</a:t>
+            </a:r>
+          </a:p>
+          <a:p>
+            <a:pPr algn="ctr"/>
+            <a:r>
+              <a:rPr lang="en-US" altLang="ko-KR" dirty="0" smtClean="0"/>
+              <a:t>Or </a:t>
+            </a:r>
+          </a:p>
+          <a:p>
+            <a:pPr algn="ctr"/>
+            <a:r>
+              <a:rPr lang="en-US" altLang="ko-KR" dirty="0" smtClean="0"/>
+              <a:t>Close File)</a:t>
+            </a:r>
+            <a:endParaRPr lang="ko-KR" altLang="en-US" dirty="0"/>
+          </a:p>
+        </p:txBody>
+      </p:sp>
+      <p:sp>
+        <p:nvSpPr>
+          <p:cNvPr id="29" name="직사각형 28"/>
+          <p:cNvSpPr/>
+          <p:nvPr/>
+        </p:nvSpPr>
+        <p:spPr>
+          <a:xfrm>
+            <a:off x="6809714" y="2924944"/>
+            <a:ext cx="2050237" cy="2403937"/>
+          </a:xfrm>
+          <a:prstGeom prst="rect">
+            <a:avLst/>
+          </a:prstGeom>
+          <a:solidFill>
+            <a:schemeClr val="accent6"/>
+          </a:solidFill>
+          <a:ln>
             <a:solidFill>
-              <a:schemeClr val="accent4"/>
+              <a:schemeClr val="accent6">
+                <a:lumMod val="50000"/>
+              </a:schemeClr>
             </a:solidFill>
-            <a:tailEnd type="triangle"/>
           </a:ln>
         </p:spPr>
         <p:style>
-          <a:lnRef idx="1">
-            <a:schemeClr val="accent1"/>
+          <a:lnRef idx="2">
+            <a:schemeClr val="accent1">
+              <a:shade val="50000"/>
+            </a:schemeClr>
           </a:lnRef>
-          <a:fillRef idx="0">
+          <a:fillRef idx="1">
             <a:schemeClr val="accent1"/>
           </a:fillRef>
           <a:effectRef idx="0">
             <a:schemeClr val="accent1"/>
           </a:effectRef>
           <a:fontRef idx="minor">
-            <a:schemeClr val="tx1"/>
+            <a:schemeClr val="lt1"/>
           </a:fontRef>
         </p:style>
-      </p:cxnSp>
-      <p:cxnSp>
-        <p:nvCxnSpPr>
-          <p:cNvPr id="38" name="직선 화살표 연결선 37"/>
-          <p:cNvCxnSpPr/>
-          <p:nvPr/>
-        </p:nvCxnSpPr>
-        <p:spPr>
-          <a:xfrm flipH="1">
-            <a:off x="4988786" y="3558140"/>
-            <a:ext cx="414709" cy="20378"/>
-          </a:xfrm>
-          <a:prstGeom prst="straightConnector1">
-            <a:avLst/>
-          </a:prstGeom>
-          <a:ln w="57150">
-            <a:solidFill>
-              <a:schemeClr val="accent4"/>
-            </a:solidFill>
-            <a:tailEnd type="triangle"/>
-          </a:ln>
-        </p:spPr>
-        <p:style>
-          <a:lnRef idx="1">
-            <a:schemeClr val="accent1"/>
-          </a:lnRef>
-          <a:fillRef idx="0">
-            <a:schemeClr val="accent1"/>
-          </a:fillRef>
-          <a:effectRef idx="0">
-            <a:schemeClr val="accent1"/>
-          </a:effectRef>
-          <a:fontRef idx="minor">
-            <a:schemeClr val="tx1"/>
-          </a:fontRef>
-        </p:style>
-      </p:cxnSp>
-      <p:cxnSp>
-        <p:nvCxnSpPr>
-          <p:cNvPr id="39" name="직선 화살표 연결선 38"/>
-          <p:cNvCxnSpPr/>
-          <p:nvPr/>
-        </p:nvCxnSpPr>
-        <p:spPr>
-          <a:xfrm flipH="1">
-            <a:off x="4953000" y="4169896"/>
-            <a:ext cx="414709" cy="20378"/>
-          </a:xfrm>
-          <a:prstGeom prst="straightConnector1">
-            <a:avLst/>
-          </a:prstGeom>
-          <a:ln w="57150">
-            <a:solidFill>
-              <a:schemeClr val="accent4"/>
-            </a:solidFill>
-            <a:tailEnd type="triangle"/>
-          </a:ln>
-        </p:spPr>
-        <p:style>
-          <a:lnRef idx="1">
-            <a:schemeClr val="accent1"/>
-          </a:lnRef>
-          <a:fillRef idx="0">
-            <a:schemeClr val="accent1"/>
-          </a:fillRef>
-          <a:effectRef idx="0">
-            <a:schemeClr val="accent1"/>
-          </a:effectRef>
-          <a:fontRef idx="minor">
-            <a:schemeClr val="tx1"/>
-          </a:fontRef>
-        </p:style>
-      </p:cxnSp>
-      <p:cxnSp>
-        <p:nvCxnSpPr>
-          <p:cNvPr id="40" name="직선 화살표 연결선 39"/>
-          <p:cNvCxnSpPr/>
-          <p:nvPr/>
-        </p:nvCxnSpPr>
-        <p:spPr>
-          <a:xfrm flipH="1">
-            <a:off x="4932039" y="4716764"/>
-            <a:ext cx="414709" cy="20378"/>
-          </a:xfrm>
-          <a:prstGeom prst="straightConnector1">
-            <a:avLst/>
-          </a:prstGeom>
-          <a:ln w="57150">
-            <a:solidFill>
-              <a:schemeClr val="accent4"/>
-            </a:solidFill>
-            <a:tailEnd type="triangle"/>
-          </a:ln>
-        </p:spPr>
-        <p:style>
-          <a:lnRef idx="1">
-            <a:schemeClr val="accent1"/>
-          </a:lnRef>
-          <a:fillRef idx="0">
-            <a:schemeClr val="accent1"/>
-          </a:fillRef>
-          <a:effectRef idx="0">
-            <a:schemeClr val="accent1"/>
-          </a:effectRef>
-          <a:fontRef idx="minor">
-            <a:schemeClr val="tx1"/>
-          </a:fontRef>
-        </p:style>
-      </p:cxnSp>
-      <p:cxnSp>
-        <p:nvCxnSpPr>
-          <p:cNvPr id="41" name="직선 화살표 연결선 40"/>
-          <p:cNvCxnSpPr/>
-          <p:nvPr/>
-        </p:nvCxnSpPr>
-        <p:spPr>
-          <a:xfrm flipH="1">
-            <a:off x="4986886" y="5274584"/>
-            <a:ext cx="414709" cy="20378"/>
-          </a:xfrm>
-          <a:prstGeom prst="straightConnector1">
-            <a:avLst/>
-          </a:prstGeom>
-          <a:ln w="57150">
-            <a:solidFill>
-              <a:schemeClr val="accent4"/>
-            </a:solidFill>
-            <a:tailEnd type="triangle"/>
-          </a:ln>
-        </p:spPr>
-        <p:style>
-          <a:lnRef idx="1">
-            <a:schemeClr val="accent1"/>
-          </a:lnRef>
-          <a:fillRef idx="0">
-            <a:schemeClr val="accent1"/>
-          </a:fillRef>
-          <a:effectRef idx="0">
-            <a:schemeClr val="accent1"/>
-          </a:effectRef>
-          <a:fontRef idx="minor">
-            <a:schemeClr val="tx1"/>
-          </a:fontRef>
-        </p:style>
-      </p:cxnSp>
-      <p:sp>
-        <p:nvSpPr>
-          <p:cNvPr id="42" name="TextBox 41"/>
+        <p:txBody>
+          <a:bodyPr rtlCol="0" anchor="ctr"/>
+          <a:lstStyle/>
+          <a:p>
+            <a:pPr algn="ctr"/>
+            <a:r>
+              <a:rPr lang="en-US" altLang="ko-KR" dirty="0" smtClean="0"/>
+              <a:t>Write</a:t>
+            </a:r>
+            <a:endParaRPr lang="ko-KR" altLang="en-US" dirty="0"/>
+          </a:p>
+        </p:txBody>
+      </p:sp>
+      <p:sp>
+        <p:nvSpPr>
+          <p:cNvPr id="30" name="TextBox 29"/>
           <p:cNvSpPr txBox="1"/>
           <p:nvPr/>
         </p:nvSpPr>
         <p:spPr>
           <a:xfrm>
-            <a:off x="3155837" y="3876299"/>
-            <a:ext cx="1029449" cy="276999"/>
+            <a:off x="7566970" y="5443867"/>
+            <a:ext cx="535724" cy="369332"/>
           </a:xfrm>
           <a:prstGeom prst="rect">
             <a:avLst/>
@@ -16197,55 +17974,17 @@
           <a:lstStyle/>
           <a:p>
             <a:r>
-              <a:rPr lang="en-US" altLang="ko-KR" sz="1200" dirty="0" smtClean="0">
-                <a:latin typeface="+mn-ea"/>
-              </a:rPr>
-              <a:t>select min</a:t>
-            </a:r>
-            <a:endParaRPr lang="ko-KR" altLang="en-US" sz="1200" dirty="0">
-              <a:latin typeface="+mn-ea"/>
-            </a:endParaRPr>
-          </a:p>
-        </p:txBody>
-      </p:sp>
-      <p:sp>
-        <p:nvSpPr>
-          <p:cNvPr id="43" name="TextBox 42"/>
-          <p:cNvSpPr txBox="1"/>
-          <p:nvPr/>
-        </p:nvSpPr>
-        <p:spPr>
-          <a:xfrm>
-            <a:off x="3713050" y="5589240"/>
-            <a:ext cx="1527982" cy="261610"/>
-          </a:xfrm>
-          <a:prstGeom prst="rect">
-            <a:avLst/>
-          </a:prstGeom>
-          <a:noFill/>
-        </p:spPr>
-        <p:txBody>
-          <a:bodyPr wrap="none" rtlCol="0">
-            <a:spAutoFit/>
-          </a:bodyPr>
-          <a:lstStyle/>
-          <a:p>
-            <a:r>
-              <a:rPr lang="en-US" altLang="ko-KR" sz="1100" dirty="0" smtClean="0">
-                <a:latin typeface="+mn-ea"/>
-              </a:rPr>
-              <a:t>List of min values</a:t>
-            </a:r>
-            <a:endParaRPr lang="ko-KR" altLang="en-US" sz="1100" dirty="0">
-              <a:latin typeface="+mn-ea"/>
-            </a:endParaRPr>
+              <a:rPr lang="en-US" altLang="ko-KR" dirty="0" smtClean="0"/>
+              <a:t>File</a:t>
+            </a:r>
+            <a:endParaRPr lang="ko-KR" altLang="en-US" dirty="0"/>
           </a:p>
         </p:txBody>
       </p:sp>
     </p:spTree>
     <p:extLst>
       <p:ext uri="{BB962C8B-B14F-4D97-AF65-F5344CB8AC3E}">
-        <p14:creationId xmlns:p14="http://schemas.microsoft.com/office/powerpoint/2010/main" val="4181993988"/>
+        <p14:creationId xmlns:p14="http://schemas.microsoft.com/office/powerpoint/2010/main" val="1697746235"/>
       </p:ext>
     </p:extLst>
   </p:cSld>
@@ -16255,9 +17994,164 @@
   <p:timing>
     <p:tnLst>
       <p:par>
-        <p:cTn id="1" dur="indefinite" restart="never" nodeType="tmRoot"/>
+        <p:cTn id="1" dur="indefinite" restart="never" nodeType="tmRoot">
+          <p:childTnLst>
+            <p:seq concurrent="1" nextAc="seek">
+              <p:cTn id="2" dur="indefinite" nodeType="mainSeq">
+                <p:childTnLst>
+                  <p:par>
+                    <p:cTn id="3" fill="hold">
+                      <p:stCondLst>
+                        <p:cond delay="indefinite"/>
+                      </p:stCondLst>
+                      <p:childTnLst>
+                        <p:par>
+                          <p:cTn id="4" fill="hold">
+                            <p:stCondLst>
+                              <p:cond delay="0"/>
+                            </p:stCondLst>
+                            <p:childTnLst>
+                              <p:par>
+                                <p:cTn id="5" presetID="1" presetClass="entr" presetSubtype="0" fill="hold" grpId="0" nodeType="clickEffect">
+                                  <p:stCondLst>
+                                    <p:cond delay="0"/>
+                                  </p:stCondLst>
+                                  <p:childTnLst>
+                                    <p:set>
+                                      <p:cBhvr>
+                                        <p:cTn id="6" dur="1" fill="hold">
+                                          <p:stCondLst>
+                                            <p:cond delay="0"/>
+                                          </p:stCondLst>
+                                        </p:cTn>
+                                        <p:tgtEl>
+                                          <p:spTgt spid="28"/>
+                                        </p:tgtEl>
+                                        <p:attrNameLst>
+                                          <p:attrName>style.visibility</p:attrName>
+                                        </p:attrNameLst>
+                                      </p:cBhvr>
+                                      <p:to>
+                                        <p:strVal val="visible"/>
+                                      </p:to>
+                                    </p:set>
+                                  </p:childTnLst>
+                                </p:cTn>
+                              </p:par>
+                              <p:par>
+                                <p:cTn id="7" presetID="1" presetClass="entr" presetSubtype="0" fill="hold" grpId="0" nodeType="withEffect">
+                                  <p:stCondLst>
+                                    <p:cond delay="0"/>
+                                  </p:stCondLst>
+                                  <p:childTnLst>
+                                    <p:set>
+                                      <p:cBhvr>
+                                        <p:cTn id="8" dur="1" fill="hold">
+                                          <p:stCondLst>
+                                            <p:cond delay="0"/>
+                                          </p:stCondLst>
+                                        </p:cTn>
+                                        <p:tgtEl>
+                                          <p:spTgt spid="27"/>
+                                        </p:tgtEl>
+                                        <p:attrNameLst>
+                                          <p:attrName>style.visibility</p:attrName>
+                                        </p:attrNameLst>
+                                      </p:cBhvr>
+                                      <p:to>
+                                        <p:strVal val="visible"/>
+                                      </p:to>
+                                    </p:set>
+                                  </p:childTnLst>
+                                </p:cTn>
+                              </p:par>
+                              <p:par>
+                                <p:cTn id="9" presetID="1" presetClass="entr" presetSubtype="0" fill="hold" grpId="0" nodeType="withEffect">
+                                  <p:stCondLst>
+                                    <p:cond delay="0"/>
+                                  </p:stCondLst>
+                                  <p:childTnLst>
+                                    <p:set>
+                                      <p:cBhvr>
+                                        <p:cTn id="10" dur="1" fill="hold">
+                                          <p:stCondLst>
+                                            <p:cond delay="0"/>
+                                          </p:stCondLst>
+                                        </p:cTn>
+                                        <p:tgtEl>
+                                          <p:spTgt spid="29"/>
+                                        </p:tgtEl>
+                                        <p:attrNameLst>
+                                          <p:attrName>style.visibility</p:attrName>
+                                        </p:attrNameLst>
+                                      </p:cBhvr>
+                                      <p:to>
+                                        <p:strVal val="visible"/>
+                                      </p:to>
+                                    </p:set>
+                                  </p:childTnLst>
+                                </p:cTn>
+                              </p:par>
+                              <p:par>
+                                <p:cTn id="11" presetID="1" presetClass="entr" presetSubtype="0" fill="hold" grpId="0" nodeType="withEffect">
+                                  <p:stCondLst>
+                                    <p:cond delay="0"/>
+                                  </p:stCondLst>
+                                  <p:childTnLst>
+                                    <p:set>
+                                      <p:cBhvr>
+                                        <p:cTn id="12" dur="1" fill="hold">
+                                          <p:stCondLst>
+                                            <p:cond delay="0"/>
+                                          </p:stCondLst>
+                                        </p:cTn>
+                                        <p:tgtEl>
+                                          <p:spTgt spid="30"/>
+                                        </p:tgtEl>
+                                        <p:attrNameLst>
+                                          <p:attrName>style.visibility</p:attrName>
+                                        </p:attrNameLst>
+                                      </p:cBhvr>
+                                      <p:to>
+                                        <p:strVal val="visible"/>
+                                      </p:to>
+                                    </p:set>
+                                  </p:childTnLst>
+                                </p:cTn>
+                              </p:par>
+                            </p:childTnLst>
+                          </p:cTn>
+                        </p:par>
+                      </p:childTnLst>
+                    </p:cTn>
+                  </p:par>
+                </p:childTnLst>
+              </p:cTn>
+              <p:prevCondLst>
+                <p:cond evt="onPrev" delay="0">
+                  <p:tgtEl>
+                    <p:sldTgt/>
+                  </p:tgtEl>
+                </p:cond>
+              </p:prevCondLst>
+              <p:nextCondLst>
+                <p:cond evt="onNext" delay="0">
+                  <p:tgtEl>
+                    <p:sldTgt/>
+                  </p:tgtEl>
+                </p:cond>
+              </p:nextCondLst>
+            </p:seq>
+          </p:childTnLst>
+        </p:cTn>
       </p:par>
     </p:tnLst>
+    <p:bldLst>
+      <p:bldP spid="27" grpId="0" animBg="1"/>
+      <p:bldP spid="28" grpId="0"/>
+      <p:bldP spid="29" grpId="0" animBg="1"/>
+      <p:bldP spid="30" grpId="0"/>
+    </p:bldLst>
   </p:timing>
 </p:sld>
 </file>
@@ -16295,29 +18189,2467 @@
           <a:lstStyle/>
           <a:p>
             <a:r>
-              <a:rPr lang="en-US" altLang="ko-KR" b="1" dirty="0" smtClean="0">
+              <a:rPr lang="en-US" altLang="ko-KR" sz="2800" dirty="0">
                 <a:latin typeface="+mn-ea"/>
               </a:rPr>
               <a:t>Optimization 2 </a:t>
             </a:r>
+            <a:r>
+              <a:rPr lang="en-US" altLang="ko-KR" sz="2800" dirty="0" smtClean="0">
+                <a:latin typeface="+mn-ea"/>
+              </a:rPr>
+              <a:t>(Read Record)</a:t>
+            </a:r>
+            <a:endParaRPr lang="en-US" altLang="ko-KR" sz="2800" dirty="0">
+              <a:latin typeface="+mn-ea"/>
+            </a:endParaRPr>
           </a:p>
           <a:p>
             <a:pPr lvl="1"/>
             <a:r>
-              <a:rPr lang="en-US" altLang="ko-KR" sz="2400" b="1" dirty="0" smtClean="0">
+              <a:rPr lang="en-US" altLang="ko-KR" sz="2000" dirty="0">
                 <a:latin typeface="+mn-ea"/>
               </a:rPr>
               <a:t>Record Cache ( to avoid too much disk seek </a:t>
             </a:r>
             <a:r>
-              <a:rPr lang="en-US" altLang="ko-KR" sz="2400" b="1" dirty="0" smtClean="0">
+              <a:rPr lang="en-US" altLang="ko-KR" sz="2000" dirty="0" smtClean="0">
                 <a:latin typeface="+mn-ea"/>
               </a:rPr>
               <a:t>)</a:t>
             </a:r>
-            <a:endParaRPr lang="en-US" altLang="ko-KR" sz="2400" b="1" dirty="0" smtClean="0">
+          </a:p>
+          <a:p>
+            <a:pPr lvl="1"/>
+            <a:endParaRPr lang="en-US" altLang="ko-KR" sz="2400" b="1" dirty="0">
               <a:latin typeface="+mn-ea"/>
             </a:endParaRPr>
+          </a:p>
+          <a:p>
+            <a:endParaRPr lang="ko-KR" altLang="en-US" dirty="0"/>
+          </a:p>
+        </p:txBody>
+      </p:sp>
+      <p:sp>
+        <p:nvSpPr>
+          <p:cNvPr id="3" name="직사각형 2"/>
+          <p:cNvSpPr/>
+          <p:nvPr/>
+        </p:nvSpPr>
+        <p:spPr>
+          <a:xfrm>
+            <a:off x="560512" y="2852936"/>
+            <a:ext cx="9107055" cy="435890"/>
+          </a:xfrm>
+          <a:prstGeom prst="rect">
+            <a:avLst/>
+          </a:prstGeom>
+          <a:solidFill>
+            <a:schemeClr val="accent6"/>
+          </a:solidFill>
+          <a:ln>
+            <a:solidFill>
+              <a:schemeClr val="accent6">
+                <a:lumMod val="50000"/>
+              </a:schemeClr>
+            </a:solidFill>
+          </a:ln>
+        </p:spPr>
+        <p:style>
+          <a:lnRef idx="2">
+            <a:schemeClr val="accent1">
+              <a:shade val="50000"/>
+            </a:schemeClr>
+          </a:lnRef>
+          <a:fillRef idx="1">
+            <a:schemeClr val="accent1"/>
+          </a:fillRef>
+          <a:effectRef idx="0">
+            <a:schemeClr val="accent1"/>
+          </a:effectRef>
+          <a:fontRef idx="minor">
+            <a:schemeClr val="lt1"/>
+          </a:fontRef>
+        </p:style>
+        <p:txBody>
+          <a:bodyPr rtlCol="0" anchor="ctr"/>
+          <a:lstStyle/>
+          <a:p>
+            <a:pPr algn="ctr"/>
+            <a:endParaRPr lang="ko-KR" altLang="en-US"/>
+          </a:p>
+        </p:txBody>
+      </p:sp>
+      <p:sp>
+        <p:nvSpPr>
+          <p:cNvPr id="4" name="직사각형 3"/>
+          <p:cNvSpPr/>
+          <p:nvPr/>
+        </p:nvSpPr>
+        <p:spPr>
+          <a:xfrm>
+            <a:off x="560512" y="4426671"/>
+            <a:ext cx="9107055" cy="435890"/>
+          </a:xfrm>
+          <a:prstGeom prst="rect">
+            <a:avLst/>
+          </a:prstGeom>
+          <a:solidFill>
+            <a:schemeClr val="accent6"/>
+          </a:solidFill>
+          <a:ln>
+            <a:solidFill>
+              <a:schemeClr val="accent6">
+                <a:lumMod val="50000"/>
+              </a:schemeClr>
+            </a:solidFill>
+          </a:ln>
+        </p:spPr>
+        <p:style>
+          <a:lnRef idx="2">
+            <a:schemeClr val="accent1">
+              <a:shade val="50000"/>
+            </a:schemeClr>
+          </a:lnRef>
+          <a:fillRef idx="1">
+            <a:schemeClr val="accent1"/>
+          </a:fillRef>
+          <a:effectRef idx="0">
+            <a:schemeClr val="accent1"/>
+          </a:effectRef>
+          <a:fontRef idx="minor">
+            <a:schemeClr val="lt1"/>
+          </a:fontRef>
+        </p:style>
+        <p:txBody>
+          <a:bodyPr rtlCol="0" anchor="ctr"/>
+          <a:lstStyle/>
+          <a:p>
+            <a:pPr algn="ctr"/>
+            <a:endParaRPr lang="ko-KR" altLang="en-US"/>
+          </a:p>
+        </p:txBody>
+      </p:sp>
+      <p:cxnSp>
+        <p:nvCxnSpPr>
+          <p:cNvPr id="5" name="직선 연결선 4"/>
+          <p:cNvCxnSpPr/>
+          <p:nvPr/>
+        </p:nvCxnSpPr>
+        <p:spPr>
+          <a:xfrm>
+            <a:off x="805334" y="2852936"/>
+            <a:ext cx="0" cy="435890"/>
+          </a:xfrm>
+          <a:prstGeom prst="line">
+            <a:avLst/>
+          </a:prstGeom>
+          <a:ln>
+            <a:solidFill>
+              <a:schemeClr val="tx1"/>
+            </a:solidFill>
+          </a:ln>
+        </p:spPr>
+        <p:style>
+          <a:lnRef idx="1">
+            <a:schemeClr val="accent1"/>
+          </a:lnRef>
+          <a:fillRef idx="0">
+            <a:schemeClr val="accent1"/>
+          </a:fillRef>
+          <a:effectRef idx="0">
+            <a:schemeClr val="accent1"/>
+          </a:effectRef>
+          <a:fontRef idx="minor">
+            <a:schemeClr val="tx1"/>
+          </a:fontRef>
+        </p:style>
+      </p:cxnSp>
+      <p:cxnSp>
+        <p:nvCxnSpPr>
+          <p:cNvPr id="6" name="직선 연결선 5"/>
+          <p:cNvCxnSpPr/>
+          <p:nvPr/>
+        </p:nvCxnSpPr>
+        <p:spPr>
+          <a:xfrm>
+            <a:off x="1023835" y="2852936"/>
+            <a:ext cx="0" cy="435890"/>
+          </a:xfrm>
+          <a:prstGeom prst="line">
+            <a:avLst/>
+          </a:prstGeom>
+          <a:ln>
+            <a:solidFill>
+              <a:schemeClr val="tx1"/>
+            </a:solidFill>
+          </a:ln>
+        </p:spPr>
+        <p:style>
+          <a:lnRef idx="1">
+            <a:schemeClr val="accent1"/>
+          </a:lnRef>
+          <a:fillRef idx="0">
+            <a:schemeClr val="accent1"/>
+          </a:fillRef>
+          <a:effectRef idx="0">
+            <a:schemeClr val="accent1"/>
+          </a:effectRef>
+          <a:fontRef idx="minor">
+            <a:schemeClr val="tx1"/>
+          </a:fontRef>
+        </p:style>
+      </p:cxnSp>
+      <p:cxnSp>
+        <p:nvCxnSpPr>
+          <p:cNvPr id="7" name="직선 연결선 6"/>
+          <p:cNvCxnSpPr/>
+          <p:nvPr/>
+        </p:nvCxnSpPr>
+        <p:spPr>
+          <a:xfrm>
+            <a:off x="1244173" y="2852936"/>
+            <a:ext cx="0" cy="435890"/>
+          </a:xfrm>
+          <a:prstGeom prst="line">
+            <a:avLst/>
+          </a:prstGeom>
+          <a:ln>
+            <a:solidFill>
+              <a:schemeClr val="tx1"/>
+            </a:solidFill>
+          </a:ln>
+        </p:spPr>
+        <p:style>
+          <a:lnRef idx="1">
+            <a:schemeClr val="accent1"/>
+          </a:lnRef>
+          <a:fillRef idx="0">
+            <a:schemeClr val="accent1"/>
+          </a:fillRef>
+          <a:effectRef idx="0">
+            <a:schemeClr val="accent1"/>
+          </a:effectRef>
+          <a:fontRef idx="minor">
+            <a:schemeClr val="tx1"/>
+          </a:fontRef>
+        </p:style>
+      </p:cxnSp>
+      <p:cxnSp>
+        <p:nvCxnSpPr>
+          <p:cNvPr id="8" name="직선 연결선 7"/>
+          <p:cNvCxnSpPr/>
+          <p:nvPr/>
+        </p:nvCxnSpPr>
+        <p:spPr>
+          <a:xfrm>
+            <a:off x="1453493" y="2852936"/>
+            <a:ext cx="0" cy="435890"/>
+          </a:xfrm>
+          <a:prstGeom prst="line">
+            <a:avLst/>
+          </a:prstGeom>
+          <a:ln>
+            <a:solidFill>
+              <a:schemeClr val="tx1"/>
+            </a:solidFill>
+          </a:ln>
+        </p:spPr>
+        <p:style>
+          <a:lnRef idx="1">
+            <a:schemeClr val="accent1"/>
+          </a:lnRef>
+          <a:fillRef idx="0">
+            <a:schemeClr val="accent1"/>
+          </a:fillRef>
+          <a:effectRef idx="0">
+            <a:schemeClr val="accent1"/>
+          </a:effectRef>
+          <a:fontRef idx="minor">
+            <a:schemeClr val="tx1"/>
+          </a:fontRef>
+        </p:style>
+      </p:cxnSp>
+      <p:cxnSp>
+        <p:nvCxnSpPr>
+          <p:cNvPr id="9" name="직선 연결선 8"/>
+          <p:cNvCxnSpPr/>
+          <p:nvPr/>
+        </p:nvCxnSpPr>
+        <p:spPr>
+          <a:xfrm>
+            <a:off x="1662814" y="2852936"/>
+            <a:ext cx="0" cy="435890"/>
+          </a:xfrm>
+          <a:prstGeom prst="line">
+            <a:avLst/>
+          </a:prstGeom>
+          <a:ln>
+            <a:solidFill>
+              <a:schemeClr val="tx1"/>
+            </a:solidFill>
+          </a:ln>
+        </p:spPr>
+        <p:style>
+          <a:lnRef idx="1">
+            <a:schemeClr val="accent1"/>
+          </a:lnRef>
+          <a:fillRef idx="0">
+            <a:schemeClr val="accent1"/>
+          </a:fillRef>
+          <a:effectRef idx="0">
+            <a:schemeClr val="accent1"/>
+          </a:effectRef>
+          <a:fontRef idx="minor">
+            <a:schemeClr val="tx1"/>
+          </a:fontRef>
+        </p:style>
+      </p:cxnSp>
+      <p:cxnSp>
+        <p:nvCxnSpPr>
+          <p:cNvPr id="10" name="직선 연결선 9"/>
+          <p:cNvCxnSpPr/>
+          <p:nvPr/>
+        </p:nvCxnSpPr>
+        <p:spPr>
+          <a:xfrm>
+            <a:off x="1872134" y="2852936"/>
+            <a:ext cx="0" cy="435890"/>
+          </a:xfrm>
+          <a:prstGeom prst="line">
+            <a:avLst/>
+          </a:prstGeom>
+          <a:ln>
+            <a:solidFill>
+              <a:schemeClr val="tx1"/>
+            </a:solidFill>
+          </a:ln>
+        </p:spPr>
+        <p:style>
+          <a:lnRef idx="1">
+            <a:schemeClr val="accent1"/>
+          </a:lnRef>
+          <a:fillRef idx="0">
+            <a:schemeClr val="accent1"/>
+          </a:fillRef>
+          <a:effectRef idx="0">
+            <a:schemeClr val="accent1"/>
+          </a:effectRef>
+          <a:fontRef idx="minor">
+            <a:schemeClr val="tx1"/>
+          </a:fontRef>
+        </p:style>
+      </p:cxnSp>
+      <p:cxnSp>
+        <p:nvCxnSpPr>
+          <p:cNvPr id="11" name="직선 연결선 10"/>
+          <p:cNvCxnSpPr/>
+          <p:nvPr/>
+        </p:nvCxnSpPr>
+        <p:spPr>
+          <a:xfrm>
+            <a:off x="2114505" y="2852936"/>
+            <a:ext cx="0" cy="435890"/>
+          </a:xfrm>
+          <a:prstGeom prst="line">
+            <a:avLst/>
+          </a:prstGeom>
+          <a:ln>
+            <a:solidFill>
+              <a:schemeClr val="tx1"/>
+            </a:solidFill>
+          </a:ln>
+        </p:spPr>
+        <p:style>
+          <a:lnRef idx="1">
+            <a:schemeClr val="accent1"/>
+          </a:lnRef>
+          <a:fillRef idx="0">
+            <a:schemeClr val="accent1"/>
+          </a:fillRef>
+          <a:effectRef idx="0">
+            <a:schemeClr val="accent1"/>
+          </a:effectRef>
+          <a:fontRef idx="minor">
+            <a:schemeClr val="tx1"/>
+          </a:fontRef>
+        </p:style>
+      </p:cxnSp>
+      <p:cxnSp>
+        <p:nvCxnSpPr>
+          <p:cNvPr id="12" name="직선 연결선 11"/>
+          <p:cNvCxnSpPr/>
+          <p:nvPr/>
+        </p:nvCxnSpPr>
+        <p:spPr>
+          <a:xfrm>
+            <a:off x="2367893" y="2846237"/>
+            <a:ext cx="0" cy="435890"/>
+          </a:xfrm>
+          <a:prstGeom prst="line">
+            <a:avLst/>
+          </a:prstGeom>
+          <a:ln>
+            <a:solidFill>
+              <a:schemeClr val="tx1"/>
+            </a:solidFill>
+          </a:ln>
+        </p:spPr>
+        <p:style>
+          <a:lnRef idx="1">
+            <a:schemeClr val="accent1"/>
+          </a:lnRef>
+          <a:fillRef idx="0">
+            <a:schemeClr val="accent1"/>
+          </a:fillRef>
+          <a:effectRef idx="0">
+            <a:schemeClr val="accent1"/>
+          </a:effectRef>
+          <a:fontRef idx="minor">
+            <a:schemeClr val="tx1"/>
+          </a:fontRef>
+        </p:style>
+      </p:cxnSp>
+      <p:cxnSp>
+        <p:nvCxnSpPr>
+          <p:cNvPr id="13" name="직선 연결선 12"/>
+          <p:cNvCxnSpPr/>
+          <p:nvPr/>
+        </p:nvCxnSpPr>
+        <p:spPr>
+          <a:xfrm>
+            <a:off x="2599247" y="2852936"/>
+            <a:ext cx="0" cy="435890"/>
+          </a:xfrm>
+          <a:prstGeom prst="line">
+            <a:avLst/>
+          </a:prstGeom>
+          <a:ln>
+            <a:solidFill>
+              <a:schemeClr val="tx1"/>
+            </a:solidFill>
+          </a:ln>
+        </p:spPr>
+        <p:style>
+          <a:lnRef idx="1">
+            <a:schemeClr val="accent1"/>
+          </a:lnRef>
+          <a:fillRef idx="0">
+            <a:schemeClr val="accent1"/>
+          </a:fillRef>
+          <a:effectRef idx="0">
+            <a:schemeClr val="accent1"/>
+          </a:effectRef>
+          <a:fontRef idx="minor">
+            <a:schemeClr val="tx1"/>
+          </a:fontRef>
+        </p:style>
+      </p:cxnSp>
+      <p:cxnSp>
+        <p:nvCxnSpPr>
+          <p:cNvPr id="14" name="직선 연결선 13"/>
+          <p:cNvCxnSpPr/>
+          <p:nvPr/>
+        </p:nvCxnSpPr>
+        <p:spPr>
+          <a:xfrm>
+            <a:off x="2841619" y="2852936"/>
+            <a:ext cx="0" cy="435890"/>
+          </a:xfrm>
+          <a:prstGeom prst="line">
+            <a:avLst/>
+          </a:prstGeom>
+          <a:ln>
+            <a:solidFill>
+              <a:schemeClr val="tx1"/>
+            </a:solidFill>
+          </a:ln>
+        </p:spPr>
+        <p:style>
+          <a:lnRef idx="1">
+            <a:schemeClr val="accent1"/>
+          </a:lnRef>
+          <a:fillRef idx="0">
+            <a:schemeClr val="accent1"/>
+          </a:fillRef>
+          <a:effectRef idx="0">
+            <a:schemeClr val="accent1"/>
+          </a:effectRef>
+          <a:fontRef idx="minor">
+            <a:schemeClr val="tx1"/>
+          </a:fontRef>
+        </p:style>
+      </p:cxnSp>
+      <p:cxnSp>
+        <p:nvCxnSpPr>
+          <p:cNvPr id="15" name="직선 연결선 14"/>
+          <p:cNvCxnSpPr/>
+          <p:nvPr/>
+        </p:nvCxnSpPr>
+        <p:spPr>
+          <a:xfrm>
+            <a:off x="3513648" y="4426671"/>
+            <a:ext cx="0" cy="435890"/>
+          </a:xfrm>
+          <a:prstGeom prst="line">
+            <a:avLst/>
+          </a:prstGeom>
+          <a:ln>
+            <a:solidFill>
+              <a:schemeClr val="tx1"/>
+            </a:solidFill>
+          </a:ln>
+        </p:spPr>
+        <p:style>
+          <a:lnRef idx="1">
+            <a:schemeClr val="accent1"/>
+          </a:lnRef>
+          <a:fillRef idx="0">
+            <a:schemeClr val="accent1"/>
+          </a:fillRef>
+          <a:effectRef idx="0">
+            <a:schemeClr val="accent1"/>
+          </a:effectRef>
+          <a:fontRef idx="minor">
+            <a:schemeClr val="tx1"/>
+          </a:fontRef>
+        </p:style>
+      </p:cxnSp>
+      <p:cxnSp>
+        <p:nvCxnSpPr>
+          <p:cNvPr id="16" name="직선 연결선 15"/>
+          <p:cNvCxnSpPr/>
+          <p:nvPr/>
+        </p:nvCxnSpPr>
+        <p:spPr>
+          <a:xfrm>
+            <a:off x="6300914" y="4426671"/>
+            <a:ext cx="0" cy="435890"/>
+          </a:xfrm>
+          <a:prstGeom prst="line">
+            <a:avLst/>
+          </a:prstGeom>
+          <a:ln>
+            <a:solidFill>
+              <a:schemeClr val="tx1"/>
+            </a:solidFill>
+          </a:ln>
+        </p:spPr>
+        <p:style>
+          <a:lnRef idx="1">
+            <a:schemeClr val="accent1"/>
+          </a:lnRef>
+          <a:fillRef idx="0">
+            <a:schemeClr val="accent1"/>
+          </a:fillRef>
+          <a:effectRef idx="0">
+            <a:schemeClr val="accent1"/>
+          </a:effectRef>
+          <a:fontRef idx="minor">
+            <a:schemeClr val="tx1"/>
+          </a:fontRef>
+        </p:style>
+      </p:cxnSp>
+      <p:sp>
+        <p:nvSpPr>
+          <p:cNvPr id="17" name="타원 16"/>
+          <p:cNvSpPr/>
+          <p:nvPr/>
+        </p:nvSpPr>
+        <p:spPr>
+          <a:xfrm>
+            <a:off x="3187758" y="3055104"/>
+            <a:ext cx="45719" cy="45719"/>
+          </a:xfrm>
+          <a:prstGeom prst="ellipse">
+            <a:avLst/>
+          </a:prstGeom>
+          <a:solidFill>
+            <a:schemeClr val="tx1"/>
+          </a:solidFill>
+          <a:ln>
+            <a:solidFill>
+              <a:schemeClr val="tx1"/>
+            </a:solidFill>
+          </a:ln>
+        </p:spPr>
+        <p:style>
+          <a:lnRef idx="2">
+            <a:schemeClr val="accent1">
+              <a:shade val="50000"/>
+            </a:schemeClr>
+          </a:lnRef>
+          <a:fillRef idx="1">
+            <a:schemeClr val="accent1"/>
+          </a:fillRef>
+          <a:effectRef idx="0">
+            <a:schemeClr val="accent1"/>
+          </a:effectRef>
+          <a:fontRef idx="minor">
+            <a:schemeClr val="lt1"/>
+          </a:fontRef>
+        </p:style>
+        <p:txBody>
+          <a:bodyPr rot="0" spcFirstLastPara="0" vertOverflow="overflow" horzOverflow="overflow" vert="horz" wrap="square" lIns="91440" tIns="45720" rIns="91440" bIns="45720" numCol="1" spcCol="0" rtlCol="0" fromWordArt="0" anchor="ctr" anchorCtr="0" forceAA="0" compatLnSpc="1">
+            <a:prstTxWarp prst="textNoShape">
+              <a:avLst/>
+            </a:prstTxWarp>
+            <a:noAutofit/>
+          </a:bodyPr>
+          <a:lstStyle/>
+          <a:p>
+            <a:pPr algn="ctr"/>
+            <a:endParaRPr lang="ko-KR" altLang="en-US"/>
+          </a:p>
+        </p:txBody>
+      </p:sp>
+      <p:sp>
+        <p:nvSpPr>
+          <p:cNvPr id="18" name="타원 17"/>
+          <p:cNvSpPr/>
+          <p:nvPr/>
+        </p:nvSpPr>
+        <p:spPr>
+          <a:xfrm>
+            <a:off x="3352210" y="3055104"/>
+            <a:ext cx="45719" cy="45719"/>
+          </a:xfrm>
+          <a:prstGeom prst="ellipse">
+            <a:avLst/>
+          </a:prstGeom>
+          <a:solidFill>
+            <a:schemeClr val="tx1"/>
+          </a:solidFill>
+          <a:ln>
+            <a:solidFill>
+              <a:schemeClr val="tx1"/>
+            </a:solidFill>
+          </a:ln>
+        </p:spPr>
+        <p:style>
+          <a:lnRef idx="2">
+            <a:schemeClr val="accent1">
+              <a:shade val="50000"/>
+            </a:schemeClr>
+          </a:lnRef>
+          <a:fillRef idx="1">
+            <a:schemeClr val="accent1"/>
+          </a:fillRef>
+          <a:effectRef idx="0">
+            <a:schemeClr val="accent1"/>
+          </a:effectRef>
+          <a:fontRef idx="minor">
+            <a:schemeClr val="lt1"/>
+          </a:fontRef>
+        </p:style>
+        <p:txBody>
+          <a:bodyPr rot="0" spcFirstLastPara="0" vertOverflow="overflow" horzOverflow="overflow" vert="horz" wrap="square" lIns="91440" tIns="45720" rIns="91440" bIns="45720" numCol="1" spcCol="0" rtlCol="0" fromWordArt="0" anchor="ctr" anchorCtr="0" forceAA="0" compatLnSpc="1">
+            <a:prstTxWarp prst="textNoShape">
+              <a:avLst/>
+            </a:prstTxWarp>
+            <a:noAutofit/>
+          </a:bodyPr>
+          <a:lstStyle/>
+          <a:p>
+            <a:pPr algn="ctr"/>
+            <a:endParaRPr lang="ko-KR" altLang="en-US"/>
+          </a:p>
+        </p:txBody>
+      </p:sp>
+      <p:sp>
+        <p:nvSpPr>
+          <p:cNvPr id="19" name="타원 18"/>
+          <p:cNvSpPr/>
+          <p:nvPr/>
+        </p:nvSpPr>
+        <p:spPr>
+          <a:xfrm>
+            <a:off x="3501876" y="3055105"/>
+            <a:ext cx="45719" cy="45719"/>
+          </a:xfrm>
+          <a:prstGeom prst="ellipse">
+            <a:avLst/>
+          </a:prstGeom>
+          <a:solidFill>
+            <a:schemeClr val="tx1"/>
+          </a:solidFill>
+          <a:ln>
+            <a:solidFill>
+              <a:schemeClr val="tx1"/>
+            </a:solidFill>
+          </a:ln>
+        </p:spPr>
+        <p:style>
+          <a:lnRef idx="2">
+            <a:schemeClr val="accent1">
+              <a:shade val="50000"/>
+            </a:schemeClr>
+          </a:lnRef>
+          <a:fillRef idx="1">
+            <a:schemeClr val="accent1"/>
+          </a:fillRef>
+          <a:effectRef idx="0">
+            <a:schemeClr val="accent1"/>
+          </a:effectRef>
+          <a:fontRef idx="minor">
+            <a:schemeClr val="lt1"/>
+          </a:fontRef>
+        </p:style>
+        <p:txBody>
+          <a:bodyPr rot="0" spcFirstLastPara="0" vertOverflow="overflow" horzOverflow="overflow" vert="horz" wrap="square" lIns="91440" tIns="45720" rIns="91440" bIns="45720" numCol="1" spcCol="0" rtlCol="0" fromWordArt="0" anchor="ctr" anchorCtr="0" forceAA="0" compatLnSpc="1">
+            <a:prstTxWarp prst="textNoShape">
+              <a:avLst/>
+            </a:prstTxWarp>
+            <a:noAutofit/>
+          </a:bodyPr>
+          <a:lstStyle/>
+          <a:p>
+            <a:pPr algn="ctr"/>
+            <a:endParaRPr lang="ko-KR" altLang="en-US"/>
+          </a:p>
+        </p:txBody>
+      </p:sp>
+      <p:sp>
+        <p:nvSpPr>
+          <p:cNvPr id="20" name="타원 19"/>
+          <p:cNvSpPr/>
+          <p:nvPr/>
+        </p:nvSpPr>
+        <p:spPr>
+          <a:xfrm>
+            <a:off x="3651542" y="3055105"/>
+            <a:ext cx="45719" cy="45719"/>
+          </a:xfrm>
+          <a:prstGeom prst="ellipse">
+            <a:avLst/>
+          </a:prstGeom>
+          <a:solidFill>
+            <a:schemeClr val="tx1"/>
+          </a:solidFill>
+          <a:ln>
+            <a:solidFill>
+              <a:schemeClr val="tx1"/>
+            </a:solidFill>
+          </a:ln>
+        </p:spPr>
+        <p:style>
+          <a:lnRef idx="2">
+            <a:schemeClr val="accent1">
+              <a:shade val="50000"/>
+            </a:schemeClr>
+          </a:lnRef>
+          <a:fillRef idx="1">
+            <a:schemeClr val="accent1"/>
+          </a:fillRef>
+          <a:effectRef idx="0">
+            <a:schemeClr val="accent1"/>
+          </a:effectRef>
+          <a:fontRef idx="minor">
+            <a:schemeClr val="lt1"/>
+          </a:fontRef>
+        </p:style>
+        <p:txBody>
+          <a:bodyPr rot="0" spcFirstLastPara="0" vertOverflow="overflow" horzOverflow="overflow" vert="horz" wrap="square" lIns="91440" tIns="45720" rIns="91440" bIns="45720" numCol="1" spcCol="0" rtlCol="0" fromWordArt="0" anchor="ctr" anchorCtr="0" forceAA="0" compatLnSpc="1">
+            <a:prstTxWarp prst="textNoShape">
+              <a:avLst/>
+            </a:prstTxWarp>
+            <a:noAutofit/>
+          </a:bodyPr>
+          <a:lstStyle/>
+          <a:p>
+            <a:pPr algn="ctr"/>
+            <a:endParaRPr lang="ko-KR" altLang="en-US"/>
+          </a:p>
+        </p:txBody>
+      </p:sp>
+      <p:cxnSp>
+        <p:nvCxnSpPr>
+          <p:cNvPr id="21" name="직선 화살표 연결선 20"/>
+          <p:cNvCxnSpPr/>
+          <p:nvPr/>
+        </p:nvCxnSpPr>
+        <p:spPr>
+          <a:xfrm flipH="1" flipV="1">
+            <a:off x="560512" y="3288826"/>
+            <a:ext cx="244822" cy="293694"/>
+          </a:xfrm>
+          <a:prstGeom prst="straightConnector1">
+            <a:avLst/>
+          </a:prstGeom>
+          <a:ln>
+            <a:tailEnd type="triangle"/>
+          </a:ln>
+        </p:spPr>
+        <p:style>
+          <a:lnRef idx="1">
+            <a:schemeClr val="accent1"/>
+          </a:lnRef>
+          <a:fillRef idx="0">
+            <a:schemeClr val="accent1"/>
+          </a:fillRef>
+          <a:effectRef idx="0">
+            <a:schemeClr val="accent1"/>
+          </a:effectRef>
+          <a:fontRef idx="minor">
+            <a:schemeClr val="tx1"/>
+          </a:fontRef>
+        </p:style>
+      </p:cxnSp>
+      <p:sp>
+        <p:nvSpPr>
+          <p:cNvPr id="22" name="TextBox 21"/>
+          <p:cNvSpPr txBox="1"/>
+          <p:nvPr/>
+        </p:nvSpPr>
+        <p:spPr>
+          <a:xfrm>
+            <a:off x="880617" y="3515127"/>
+            <a:ext cx="3064526" cy="369332"/>
+          </a:xfrm>
+          <a:prstGeom prst="rect">
+            <a:avLst/>
+          </a:prstGeom>
+          <a:noFill/>
+        </p:spPr>
+        <p:txBody>
+          <a:bodyPr wrap="square" rtlCol="0">
+            <a:spAutoFit/>
+          </a:bodyPr>
+          <a:lstStyle/>
+          <a:p>
+            <a:r>
+              <a:rPr lang="en-US" altLang="ko-KR" dirty="0" smtClean="0"/>
+              <a:t>Seek Point for each record</a:t>
+            </a:r>
+            <a:endParaRPr lang="ko-KR" altLang="en-US" dirty="0"/>
+          </a:p>
+        </p:txBody>
+      </p:sp>
+      <p:cxnSp>
+        <p:nvCxnSpPr>
+          <p:cNvPr id="23" name="직선 화살표 연결선 22"/>
+          <p:cNvCxnSpPr/>
+          <p:nvPr/>
+        </p:nvCxnSpPr>
+        <p:spPr>
+          <a:xfrm flipH="1" flipV="1">
+            <a:off x="805334" y="3288826"/>
+            <a:ext cx="244822" cy="293694"/>
+          </a:xfrm>
+          <a:prstGeom prst="straightConnector1">
+            <a:avLst/>
+          </a:prstGeom>
+          <a:ln>
+            <a:tailEnd type="triangle"/>
+          </a:ln>
+        </p:spPr>
+        <p:style>
+          <a:lnRef idx="1">
+            <a:schemeClr val="accent1"/>
+          </a:lnRef>
+          <a:fillRef idx="0">
+            <a:schemeClr val="accent1"/>
+          </a:fillRef>
+          <a:effectRef idx="0">
+            <a:schemeClr val="accent1"/>
+          </a:effectRef>
+          <a:fontRef idx="minor">
+            <a:schemeClr val="tx1"/>
+          </a:fontRef>
+        </p:style>
+      </p:cxnSp>
+      <p:cxnSp>
+        <p:nvCxnSpPr>
+          <p:cNvPr id="24" name="직선 화살표 연결선 23"/>
+          <p:cNvCxnSpPr/>
+          <p:nvPr/>
+        </p:nvCxnSpPr>
+        <p:spPr>
+          <a:xfrm flipH="1" flipV="1">
+            <a:off x="1023835" y="3295525"/>
+            <a:ext cx="244822" cy="293694"/>
+          </a:xfrm>
+          <a:prstGeom prst="straightConnector1">
+            <a:avLst/>
+          </a:prstGeom>
+          <a:ln>
+            <a:tailEnd type="triangle"/>
+          </a:ln>
+        </p:spPr>
+        <p:style>
+          <a:lnRef idx="1">
+            <a:schemeClr val="accent1"/>
+          </a:lnRef>
+          <a:fillRef idx="0">
+            <a:schemeClr val="accent1"/>
+          </a:fillRef>
+          <a:effectRef idx="0">
+            <a:schemeClr val="accent1"/>
+          </a:effectRef>
+          <a:fontRef idx="minor">
+            <a:schemeClr val="tx1"/>
+          </a:fontRef>
+        </p:style>
+      </p:cxnSp>
+      <p:sp>
+        <p:nvSpPr>
+          <p:cNvPr id="25" name="타원 24"/>
+          <p:cNvSpPr/>
+          <p:nvPr/>
+        </p:nvSpPr>
+        <p:spPr>
+          <a:xfrm>
+            <a:off x="1423454" y="3425738"/>
+            <a:ext cx="45719" cy="45719"/>
+          </a:xfrm>
+          <a:prstGeom prst="ellipse">
+            <a:avLst/>
+          </a:prstGeom>
+          <a:solidFill>
+            <a:schemeClr val="accent1">
+              <a:lumMod val="40000"/>
+              <a:lumOff val="60000"/>
+            </a:schemeClr>
+          </a:solidFill>
+          <a:ln>
+            <a:solidFill>
+              <a:schemeClr val="accent1">
+                <a:lumMod val="40000"/>
+                <a:lumOff val="60000"/>
+              </a:schemeClr>
+            </a:solidFill>
+          </a:ln>
+        </p:spPr>
+        <p:style>
+          <a:lnRef idx="2">
+            <a:schemeClr val="accent1">
+              <a:shade val="50000"/>
+            </a:schemeClr>
+          </a:lnRef>
+          <a:fillRef idx="1">
+            <a:schemeClr val="accent1"/>
+          </a:fillRef>
+          <a:effectRef idx="0">
+            <a:schemeClr val="accent1"/>
+          </a:effectRef>
+          <a:fontRef idx="minor">
+            <a:schemeClr val="lt1"/>
+          </a:fontRef>
+        </p:style>
+        <p:txBody>
+          <a:bodyPr rot="0" spcFirstLastPara="0" vertOverflow="overflow" horzOverflow="overflow" vert="horz" wrap="square" lIns="91440" tIns="45720" rIns="91440" bIns="45720" numCol="1" spcCol="0" rtlCol="0" fromWordArt="0" anchor="ctr" anchorCtr="0" forceAA="0" compatLnSpc="1">
+            <a:prstTxWarp prst="textNoShape">
+              <a:avLst/>
+            </a:prstTxWarp>
+            <a:noAutofit/>
+          </a:bodyPr>
+          <a:lstStyle/>
+          <a:p>
+            <a:pPr algn="ctr"/>
+            <a:endParaRPr lang="ko-KR" altLang="en-US"/>
+          </a:p>
+        </p:txBody>
+      </p:sp>
+      <p:sp>
+        <p:nvSpPr>
+          <p:cNvPr id="26" name="타원 25"/>
+          <p:cNvSpPr/>
+          <p:nvPr/>
+        </p:nvSpPr>
+        <p:spPr>
+          <a:xfrm>
+            <a:off x="1587906" y="3425738"/>
+            <a:ext cx="45719" cy="45719"/>
+          </a:xfrm>
+          <a:prstGeom prst="ellipse">
+            <a:avLst/>
+          </a:prstGeom>
+          <a:solidFill>
+            <a:schemeClr val="accent1">
+              <a:lumMod val="40000"/>
+              <a:lumOff val="60000"/>
+            </a:schemeClr>
+          </a:solidFill>
+          <a:ln>
+            <a:solidFill>
+              <a:schemeClr val="accent1">
+                <a:lumMod val="40000"/>
+                <a:lumOff val="60000"/>
+              </a:schemeClr>
+            </a:solidFill>
+          </a:ln>
+        </p:spPr>
+        <p:style>
+          <a:lnRef idx="2">
+            <a:schemeClr val="accent1">
+              <a:shade val="50000"/>
+            </a:schemeClr>
+          </a:lnRef>
+          <a:fillRef idx="1">
+            <a:schemeClr val="accent1"/>
+          </a:fillRef>
+          <a:effectRef idx="0">
+            <a:schemeClr val="accent1"/>
+          </a:effectRef>
+          <a:fontRef idx="minor">
+            <a:schemeClr val="lt1"/>
+          </a:fontRef>
+        </p:style>
+        <p:txBody>
+          <a:bodyPr rot="0" spcFirstLastPara="0" vertOverflow="overflow" horzOverflow="overflow" vert="horz" wrap="square" lIns="91440" tIns="45720" rIns="91440" bIns="45720" numCol="1" spcCol="0" rtlCol="0" fromWordArt="0" anchor="ctr" anchorCtr="0" forceAA="0" compatLnSpc="1">
+            <a:prstTxWarp prst="textNoShape">
+              <a:avLst/>
+            </a:prstTxWarp>
+            <a:noAutofit/>
+          </a:bodyPr>
+          <a:lstStyle/>
+          <a:p>
+            <a:pPr algn="ctr"/>
+            <a:endParaRPr lang="ko-KR" altLang="en-US"/>
+          </a:p>
+        </p:txBody>
+      </p:sp>
+      <p:sp>
+        <p:nvSpPr>
+          <p:cNvPr id="27" name="타원 26"/>
+          <p:cNvSpPr/>
+          <p:nvPr/>
+        </p:nvSpPr>
+        <p:spPr>
+          <a:xfrm>
+            <a:off x="1737572" y="3425739"/>
+            <a:ext cx="45719" cy="45719"/>
+          </a:xfrm>
+          <a:prstGeom prst="ellipse">
+            <a:avLst/>
+          </a:prstGeom>
+          <a:solidFill>
+            <a:schemeClr val="accent1">
+              <a:lumMod val="40000"/>
+              <a:lumOff val="60000"/>
+            </a:schemeClr>
+          </a:solidFill>
+          <a:ln>
+            <a:solidFill>
+              <a:schemeClr val="accent1">
+                <a:lumMod val="40000"/>
+                <a:lumOff val="60000"/>
+              </a:schemeClr>
+            </a:solidFill>
+          </a:ln>
+        </p:spPr>
+        <p:style>
+          <a:lnRef idx="2">
+            <a:schemeClr val="accent1">
+              <a:shade val="50000"/>
+            </a:schemeClr>
+          </a:lnRef>
+          <a:fillRef idx="1">
+            <a:schemeClr val="accent1"/>
+          </a:fillRef>
+          <a:effectRef idx="0">
+            <a:schemeClr val="accent1"/>
+          </a:effectRef>
+          <a:fontRef idx="minor">
+            <a:schemeClr val="lt1"/>
+          </a:fontRef>
+        </p:style>
+        <p:txBody>
+          <a:bodyPr rot="0" spcFirstLastPara="0" vertOverflow="overflow" horzOverflow="overflow" vert="horz" wrap="square" lIns="91440" tIns="45720" rIns="91440" bIns="45720" numCol="1" spcCol="0" rtlCol="0" fromWordArt="0" anchor="ctr" anchorCtr="0" forceAA="0" compatLnSpc="1">
+            <a:prstTxWarp prst="textNoShape">
+              <a:avLst/>
+            </a:prstTxWarp>
+            <a:noAutofit/>
+          </a:bodyPr>
+          <a:lstStyle/>
+          <a:p>
+            <a:pPr algn="ctr"/>
+            <a:endParaRPr lang="ko-KR" altLang="en-US"/>
+          </a:p>
+        </p:txBody>
+      </p:sp>
+      <p:sp>
+        <p:nvSpPr>
+          <p:cNvPr id="28" name="타원 27"/>
+          <p:cNvSpPr/>
+          <p:nvPr/>
+        </p:nvSpPr>
+        <p:spPr>
+          <a:xfrm>
+            <a:off x="1887238" y="3425739"/>
+            <a:ext cx="45719" cy="45719"/>
+          </a:xfrm>
+          <a:prstGeom prst="ellipse">
+            <a:avLst/>
+          </a:prstGeom>
+          <a:solidFill>
+            <a:schemeClr val="accent1">
+              <a:lumMod val="40000"/>
+              <a:lumOff val="60000"/>
+            </a:schemeClr>
+          </a:solidFill>
+          <a:ln>
+            <a:solidFill>
+              <a:schemeClr val="accent1">
+                <a:lumMod val="40000"/>
+                <a:lumOff val="60000"/>
+              </a:schemeClr>
+            </a:solidFill>
+          </a:ln>
+        </p:spPr>
+        <p:style>
+          <a:lnRef idx="2">
+            <a:schemeClr val="accent1">
+              <a:shade val="50000"/>
+            </a:schemeClr>
+          </a:lnRef>
+          <a:fillRef idx="1">
+            <a:schemeClr val="accent1"/>
+          </a:fillRef>
+          <a:effectRef idx="0">
+            <a:schemeClr val="accent1"/>
+          </a:effectRef>
+          <a:fontRef idx="minor">
+            <a:schemeClr val="lt1"/>
+          </a:fontRef>
+        </p:style>
+        <p:txBody>
+          <a:bodyPr rot="0" spcFirstLastPara="0" vertOverflow="overflow" horzOverflow="overflow" vert="horz" wrap="square" lIns="91440" tIns="45720" rIns="91440" bIns="45720" numCol="1" spcCol="0" rtlCol="0" fromWordArt="0" anchor="ctr" anchorCtr="0" forceAA="0" compatLnSpc="1">
+            <a:prstTxWarp prst="textNoShape">
+              <a:avLst/>
+            </a:prstTxWarp>
+            <a:noAutofit/>
+          </a:bodyPr>
+          <a:lstStyle/>
+          <a:p>
+            <a:pPr algn="ctr"/>
+            <a:endParaRPr lang="ko-KR" altLang="en-US"/>
+          </a:p>
+        </p:txBody>
+      </p:sp>
+      <p:cxnSp>
+        <p:nvCxnSpPr>
+          <p:cNvPr id="29" name="직선 화살표 연결선 28"/>
+          <p:cNvCxnSpPr/>
+          <p:nvPr/>
+        </p:nvCxnSpPr>
+        <p:spPr>
+          <a:xfrm flipH="1" flipV="1">
+            <a:off x="566888" y="4875959"/>
+            <a:ext cx="244822" cy="293694"/>
+          </a:xfrm>
+          <a:prstGeom prst="straightConnector1">
+            <a:avLst/>
+          </a:prstGeom>
+          <a:ln>
+            <a:tailEnd type="triangle"/>
+          </a:ln>
+        </p:spPr>
+        <p:style>
+          <a:lnRef idx="1">
+            <a:schemeClr val="accent1"/>
+          </a:lnRef>
+          <a:fillRef idx="0">
+            <a:schemeClr val="accent1"/>
+          </a:fillRef>
+          <a:effectRef idx="0">
+            <a:schemeClr val="accent1"/>
+          </a:effectRef>
+          <a:fontRef idx="minor">
+            <a:schemeClr val="tx1"/>
+          </a:fontRef>
+        </p:style>
+      </p:cxnSp>
+      <p:cxnSp>
+        <p:nvCxnSpPr>
+          <p:cNvPr id="30" name="직선 화살표 연결선 29"/>
+          <p:cNvCxnSpPr/>
+          <p:nvPr/>
+        </p:nvCxnSpPr>
+        <p:spPr>
+          <a:xfrm flipH="1" flipV="1">
+            <a:off x="3524735" y="4875959"/>
+            <a:ext cx="244822" cy="293694"/>
+          </a:xfrm>
+          <a:prstGeom prst="straightConnector1">
+            <a:avLst/>
+          </a:prstGeom>
+          <a:ln>
+            <a:tailEnd type="triangle"/>
+          </a:ln>
+        </p:spPr>
+        <p:style>
+          <a:lnRef idx="1">
+            <a:schemeClr val="accent1"/>
+          </a:lnRef>
+          <a:fillRef idx="0">
+            <a:schemeClr val="accent1"/>
+          </a:fillRef>
+          <a:effectRef idx="0">
+            <a:schemeClr val="accent1"/>
+          </a:effectRef>
+          <a:fontRef idx="minor">
+            <a:schemeClr val="tx1"/>
+          </a:fontRef>
+        </p:style>
+      </p:cxnSp>
+      <p:sp>
+        <p:nvSpPr>
+          <p:cNvPr id="31" name="TextBox 30"/>
+          <p:cNvSpPr txBox="1"/>
+          <p:nvPr/>
+        </p:nvSpPr>
+        <p:spPr>
+          <a:xfrm>
+            <a:off x="805334" y="5158551"/>
+            <a:ext cx="4616068" cy="369332"/>
+          </a:xfrm>
+          <a:prstGeom prst="rect">
+            <a:avLst/>
+          </a:prstGeom>
+          <a:noFill/>
+        </p:spPr>
+        <p:txBody>
+          <a:bodyPr wrap="square" rtlCol="0">
+            <a:spAutoFit/>
+          </a:bodyPr>
+          <a:lstStyle/>
+          <a:p>
+            <a:r>
+              <a:rPr lang="en-US" altLang="ko-KR" dirty="0" smtClean="0"/>
+              <a:t>Seek Point for each record cache </a:t>
+            </a:r>
+            <a:endParaRPr lang="ko-KR" altLang="en-US" dirty="0"/>
+          </a:p>
+        </p:txBody>
+      </p:sp>
+      <p:sp>
+        <p:nvSpPr>
+          <p:cNvPr id="32" name="TextBox 31"/>
+          <p:cNvSpPr txBox="1"/>
+          <p:nvPr/>
+        </p:nvSpPr>
+        <p:spPr>
+          <a:xfrm>
+            <a:off x="1171645" y="4463257"/>
+            <a:ext cx="3339947" cy="369332"/>
+          </a:xfrm>
+          <a:prstGeom prst="rect">
+            <a:avLst/>
+          </a:prstGeom>
+          <a:noFill/>
+        </p:spPr>
+        <p:txBody>
+          <a:bodyPr wrap="square" rtlCol="0">
+            <a:spAutoFit/>
+          </a:bodyPr>
+          <a:lstStyle/>
+          <a:p>
+            <a:r>
+              <a:rPr lang="en-US" altLang="ko-KR" dirty="0" smtClean="0">
+                <a:solidFill>
+                  <a:schemeClr val="accent2">
+                    <a:lumMod val="50000"/>
+                  </a:schemeClr>
+                </a:solidFill>
+              </a:rPr>
+              <a:t>record cache 1 </a:t>
+            </a:r>
+            <a:endParaRPr lang="ko-KR" altLang="en-US" dirty="0">
+              <a:solidFill>
+                <a:schemeClr val="accent2">
+                  <a:lumMod val="50000"/>
+                </a:schemeClr>
+              </a:solidFill>
+            </a:endParaRPr>
+          </a:p>
+        </p:txBody>
+      </p:sp>
+      <p:sp>
+        <p:nvSpPr>
+          <p:cNvPr id="33" name="TextBox 32"/>
+          <p:cNvSpPr txBox="1"/>
+          <p:nvPr/>
+        </p:nvSpPr>
+        <p:spPr>
+          <a:xfrm>
+            <a:off x="4045468" y="4450704"/>
+            <a:ext cx="3138635" cy="369332"/>
+          </a:xfrm>
+          <a:prstGeom prst="rect">
+            <a:avLst/>
+          </a:prstGeom>
+          <a:noFill/>
+        </p:spPr>
+        <p:txBody>
+          <a:bodyPr wrap="square" rtlCol="0">
+            <a:spAutoFit/>
+          </a:bodyPr>
+          <a:lstStyle/>
+          <a:p>
+            <a:r>
+              <a:rPr lang="en-US" altLang="ko-KR" dirty="0" smtClean="0">
+                <a:solidFill>
+                  <a:schemeClr val="accent2">
+                    <a:lumMod val="50000"/>
+                  </a:schemeClr>
+                </a:solidFill>
+              </a:rPr>
+              <a:t>record cache 2 </a:t>
+            </a:r>
+            <a:endParaRPr lang="ko-KR" altLang="en-US" dirty="0">
+              <a:solidFill>
+                <a:schemeClr val="accent2">
+                  <a:lumMod val="50000"/>
+                </a:schemeClr>
+              </a:solidFill>
+            </a:endParaRPr>
+          </a:p>
+        </p:txBody>
+      </p:sp>
+      <p:sp>
+        <p:nvSpPr>
+          <p:cNvPr id="34" name="TextBox 33"/>
+          <p:cNvSpPr txBox="1"/>
+          <p:nvPr/>
+        </p:nvSpPr>
+        <p:spPr>
+          <a:xfrm>
+            <a:off x="4058185" y="2883082"/>
+            <a:ext cx="3138635" cy="369332"/>
+          </a:xfrm>
+          <a:prstGeom prst="rect">
+            <a:avLst/>
+          </a:prstGeom>
+          <a:noFill/>
+        </p:spPr>
+        <p:txBody>
+          <a:bodyPr wrap="square" rtlCol="0">
+            <a:spAutoFit/>
+          </a:bodyPr>
+          <a:lstStyle/>
+          <a:p>
+            <a:r>
+              <a:rPr lang="en-US" altLang="ko-KR" dirty="0" smtClean="0">
+                <a:solidFill>
+                  <a:schemeClr val="accent2">
+                    <a:lumMod val="50000"/>
+                  </a:schemeClr>
+                </a:solidFill>
+              </a:rPr>
+              <a:t>Each block = record</a:t>
+            </a:r>
+            <a:endParaRPr lang="ko-KR" altLang="en-US" dirty="0">
+              <a:solidFill>
+                <a:schemeClr val="accent2">
+                  <a:lumMod val="50000"/>
+                </a:schemeClr>
+              </a:solidFill>
+            </a:endParaRPr>
+          </a:p>
+        </p:txBody>
+      </p:sp>
+      <p:sp>
+        <p:nvSpPr>
+          <p:cNvPr id="35" name="타원 34"/>
+          <p:cNvSpPr/>
+          <p:nvPr/>
+        </p:nvSpPr>
+        <p:spPr>
+          <a:xfrm>
+            <a:off x="6666457" y="4595630"/>
+            <a:ext cx="45719" cy="45719"/>
+          </a:xfrm>
+          <a:prstGeom prst="ellipse">
+            <a:avLst/>
+          </a:prstGeom>
+          <a:solidFill>
+            <a:schemeClr val="tx1"/>
+          </a:solidFill>
+          <a:ln>
+            <a:solidFill>
+              <a:schemeClr val="tx1"/>
+            </a:solidFill>
+          </a:ln>
+        </p:spPr>
+        <p:style>
+          <a:lnRef idx="2">
+            <a:schemeClr val="accent1">
+              <a:shade val="50000"/>
+            </a:schemeClr>
+          </a:lnRef>
+          <a:fillRef idx="1">
+            <a:schemeClr val="accent1"/>
+          </a:fillRef>
+          <a:effectRef idx="0">
+            <a:schemeClr val="accent1"/>
+          </a:effectRef>
+          <a:fontRef idx="minor">
+            <a:schemeClr val="lt1"/>
+          </a:fontRef>
+        </p:style>
+        <p:txBody>
+          <a:bodyPr rot="0" spcFirstLastPara="0" vertOverflow="overflow" horzOverflow="overflow" vert="horz" wrap="square" lIns="91440" tIns="45720" rIns="91440" bIns="45720" numCol="1" spcCol="0" rtlCol="0" fromWordArt="0" anchor="ctr" anchorCtr="0" forceAA="0" compatLnSpc="1">
+            <a:prstTxWarp prst="textNoShape">
+              <a:avLst/>
+            </a:prstTxWarp>
+            <a:noAutofit/>
+          </a:bodyPr>
+          <a:lstStyle/>
+          <a:p>
+            <a:pPr algn="ctr"/>
+            <a:endParaRPr lang="ko-KR" altLang="en-US"/>
+          </a:p>
+        </p:txBody>
+      </p:sp>
+      <p:sp>
+        <p:nvSpPr>
+          <p:cNvPr id="36" name="타원 35"/>
+          <p:cNvSpPr/>
+          <p:nvPr/>
+        </p:nvSpPr>
+        <p:spPr>
+          <a:xfrm>
+            <a:off x="6830909" y="4595630"/>
+            <a:ext cx="45719" cy="45719"/>
+          </a:xfrm>
+          <a:prstGeom prst="ellipse">
+            <a:avLst/>
+          </a:prstGeom>
+          <a:solidFill>
+            <a:schemeClr val="tx1"/>
+          </a:solidFill>
+          <a:ln>
+            <a:solidFill>
+              <a:schemeClr val="tx1"/>
+            </a:solidFill>
+          </a:ln>
+        </p:spPr>
+        <p:style>
+          <a:lnRef idx="2">
+            <a:schemeClr val="accent1">
+              <a:shade val="50000"/>
+            </a:schemeClr>
+          </a:lnRef>
+          <a:fillRef idx="1">
+            <a:schemeClr val="accent1"/>
+          </a:fillRef>
+          <a:effectRef idx="0">
+            <a:schemeClr val="accent1"/>
+          </a:effectRef>
+          <a:fontRef idx="minor">
+            <a:schemeClr val="lt1"/>
+          </a:fontRef>
+        </p:style>
+        <p:txBody>
+          <a:bodyPr rot="0" spcFirstLastPara="0" vertOverflow="overflow" horzOverflow="overflow" vert="horz" wrap="square" lIns="91440" tIns="45720" rIns="91440" bIns="45720" numCol="1" spcCol="0" rtlCol="0" fromWordArt="0" anchor="ctr" anchorCtr="0" forceAA="0" compatLnSpc="1">
+            <a:prstTxWarp prst="textNoShape">
+              <a:avLst/>
+            </a:prstTxWarp>
+            <a:noAutofit/>
+          </a:bodyPr>
+          <a:lstStyle/>
+          <a:p>
+            <a:pPr algn="ctr"/>
+            <a:endParaRPr lang="ko-KR" altLang="en-US"/>
+          </a:p>
+        </p:txBody>
+      </p:sp>
+      <p:sp>
+        <p:nvSpPr>
+          <p:cNvPr id="37" name="타원 36"/>
+          <p:cNvSpPr/>
+          <p:nvPr/>
+        </p:nvSpPr>
+        <p:spPr>
+          <a:xfrm>
+            <a:off x="6980575" y="4595631"/>
+            <a:ext cx="45719" cy="45719"/>
+          </a:xfrm>
+          <a:prstGeom prst="ellipse">
+            <a:avLst/>
+          </a:prstGeom>
+          <a:solidFill>
+            <a:schemeClr val="tx1"/>
+          </a:solidFill>
+          <a:ln>
+            <a:solidFill>
+              <a:schemeClr val="tx1"/>
+            </a:solidFill>
+          </a:ln>
+        </p:spPr>
+        <p:style>
+          <a:lnRef idx="2">
+            <a:schemeClr val="accent1">
+              <a:shade val="50000"/>
+            </a:schemeClr>
+          </a:lnRef>
+          <a:fillRef idx="1">
+            <a:schemeClr val="accent1"/>
+          </a:fillRef>
+          <a:effectRef idx="0">
+            <a:schemeClr val="accent1"/>
+          </a:effectRef>
+          <a:fontRef idx="minor">
+            <a:schemeClr val="lt1"/>
+          </a:fontRef>
+        </p:style>
+        <p:txBody>
+          <a:bodyPr rot="0" spcFirstLastPara="0" vertOverflow="overflow" horzOverflow="overflow" vert="horz" wrap="square" lIns="91440" tIns="45720" rIns="91440" bIns="45720" numCol="1" spcCol="0" rtlCol="0" fromWordArt="0" anchor="ctr" anchorCtr="0" forceAA="0" compatLnSpc="1">
+            <a:prstTxWarp prst="textNoShape">
+              <a:avLst/>
+            </a:prstTxWarp>
+            <a:noAutofit/>
+          </a:bodyPr>
+          <a:lstStyle/>
+          <a:p>
+            <a:pPr algn="ctr"/>
+            <a:endParaRPr lang="ko-KR" altLang="en-US"/>
+          </a:p>
+        </p:txBody>
+      </p:sp>
+      <p:sp>
+        <p:nvSpPr>
+          <p:cNvPr id="38" name="타원 37"/>
+          <p:cNvSpPr/>
+          <p:nvPr/>
+        </p:nvSpPr>
+        <p:spPr>
+          <a:xfrm>
+            <a:off x="7130241" y="4595631"/>
+            <a:ext cx="45719" cy="45719"/>
+          </a:xfrm>
+          <a:prstGeom prst="ellipse">
+            <a:avLst/>
+          </a:prstGeom>
+          <a:solidFill>
+            <a:schemeClr val="tx1"/>
+          </a:solidFill>
+          <a:ln>
+            <a:solidFill>
+              <a:schemeClr val="tx1"/>
+            </a:solidFill>
+          </a:ln>
+        </p:spPr>
+        <p:style>
+          <a:lnRef idx="2">
+            <a:schemeClr val="accent1">
+              <a:shade val="50000"/>
+            </a:schemeClr>
+          </a:lnRef>
+          <a:fillRef idx="1">
+            <a:schemeClr val="accent1"/>
+          </a:fillRef>
+          <a:effectRef idx="0">
+            <a:schemeClr val="accent1"/>
+          </a:effectRef>
+          <a:fontRef idx="minor">
+            <a:schemeClr val="lt1"/>
+          </a:fontRef>
+        </p:style>
+        <p:txBody>
+          <a:bodyPr rot="0" spcFirstLastPara="0" vertOverflow="overflow" horzOverflow="overflow" vert="horz" wrap="square" lIns="91440" tIns="45720" rIns="91440" bIns="45720" numCol="1" spcCol="0" rtlCol="0" fromWordArt="0" anchor="ctr" anchorCtr="0" forceAA="0" compatLnSpc="1">
+            <a:prstTxWarp prst="textNoShape">
+              <a:avLst/>
+            </a:prstTxWarp>
+            <a:noAutofit/>
+          </a:bodyPr>
+          <a:lstStyle/>
+          <a:p>
+            <a:pPr algn="ctr"/>
+            <a:endParaRPr lang="ko-KR" altLang="en-US"/>
+          </a:p>
+        </p:txBody>
+      </p:sp>
+      <p:sp>
+        <p:nvSpPr>
+          <p:cNvPr id="39" name="TextBox 38"/>
+          <p:cNvSpPr txBox="1"/>
+          <p:nvPr/>
+        </p:nvSpPr>
+        <p:spPr>
+          <a:xfrm>
+            <a:off x="9187027" y="3295525"/>
+            <a:ext cx="3064526" cy="307777"/>
+          </a:xfrm>
+          <a:prstGeom prst="rect">
+            <a:avLst/>
+          </a:prstGeom>
+          <a:noFill/>
+        </p:spPr>
+        <p:txBody>
+          <a:bodyPr wrap="square" rtlCol="0">
+            <a:spAutoFit/>
+          </a:bodyPr>
+          <a:lstStyle/>
+          <a:p>
+            <a:r>
+              <a:rPr lang="en-US" altLang="ko-KR" sz="1400" dirty="0" smtClean="0">
+                <a:solidFill>
+                  <a:schemeClr val="accent2">
+                    <a:lumMod val="50000"/>
+                  </a:schemeClr>
+                </a:solidFill>
+              </a:rPr>
+              <a:t>…EOF</a:t>
+            </a:r>
+            <a:endParaRPr lang="ko-KR" altLang="en-US" sz="1400" dirty="0">
+              <a:solidFill>
+                <a:schemeClr val="accent2">
+                  <a:lumMod val="50000"/>
+                </a:schemeClr>
+              </a:solidFill>
+            </a:endParaRPr>
+          </a:p>
+        </p:txBody>
+      </p:sp>
+      <p:sp>
+        <p:nvSpPr>
+          <p:cNvPr id="40" name="TextBox 39"/>
+          <p:cNvSpPr txBox="1"/>
+          <p:nvPr/>
+        </p:nvSpPr>
+        <p:spPr>
+          <a:xfrm>
+            <a:off x="57115" y="2924074"/>
+            <a:ext cx="3064526" cy="307777"/>
+          </a:xfrm>
+          <a:prstGeom prst="rect">
+            <a:avLst/>
+          </a:prstGeom>
+          <a:noFill/>
+        </p:spPr>
+        <p:txBody>
+          <a:bodyPr wrap="square" rtlCol="0">
+            <a:spAutoFit/>
+          </a:bodyPr>
+          <a:lstStyle/>
+          <a:p>
+            <a:r>
+              <a:rPr lang="en-US" altLang="ko-KR" sz="1400" dirty="0" smtClean="0">
+                <a:solidFill>
+                  <a:schemeClr val="accent2">
+                    <a:lumMod val="50000"/>
+                  </a:schemeClr>
+                </a:solidFill>
+              </a:rPr>
+              <a:t>File</a:t>
+            </a:r>
+            <a:endParaRPr lang="ko-KR" altLang="en-US" sz="1400" dirty="0">
+              <a:solidFill>
+                <a:schemeClr val="accent2">
+                  <a:lumMod val="50000"/>
+                </a:schemeClr>
+              </a:solidFill>
+            </a:endParaRPr>
+          </a:p>
+        </p:txBody>
+      </p:sp>
+      <p:sp>
+        <p:nvSpPr>
+          <p:cNvPr id="41" name="TextBox 40"/>
+          <p:cNvSpPr txBox="1"/>
+          <p:nvPr/>
+        </p:nvSpPr>
+        <p:spPr>
+          <a:xfrm>
+            <a:off x="9279820" y="5004662"/>
+            <a:ext cx="3064526" cy="307777"/>
+          </a:xfrm>
+          <a:prstGeom prst="rect">
+            <a:avLst/>
+          </a:prstGeom>
+          <a:noFill/>
+        </p:spPr>
+        <p:txBody>
+          <a:bodyPr wrap="square" rtlCol="0">
+            <a:spAutoFit/>
+          </a:bodyPr>
+          <a:lstStyle/>
+          <a:p>
+            <a:r>
+              <a:rPr lang="en-US" altLang="ko-KR" sz="1400" dirty="0" smtClean="0">
+                <a:solidFill>
+                  <a:schemeClr val="accent2">
+                    <a:lumMod val="50000"/>
+                  </a:schemeClr>
+                </a:solidFill>
+              </a:rPr>
+              <a:t>…EOF</a:t>
+            </a:r>
+            <a:endParaRPr lang="ko-KR" altLang="en-US" sz="1400" dirty="0">
+              <a:solidFill>
+                <a:schemeClr val="accent2">
+                  <a:lumMod val="50000"/>
+                </a:schemeClr>
+              </a:solidFill>
+            </a:endParaRPr>
+          </a:p>
+        </p:txBody>
+      </p:sp>
+      <p:sp>
+        <p:nvSpPr>
+          <p:cNvPr id="42" name="TextBox 41"/>
+          <p:cNvSpPr txBox="1"/>
+          <p:nvPr/>
+        </p:nvSpPr>
+        <p:spPr>
+          <a:xfrm>
+            <a:off x="57577" y="4490727"/>
+            <a:ext cx="3064526" cy="307777"/>
+          </a:xfrm>
+          <a:prstGeom prst="rect">
+            <a:avLst/>
+          </a:prstGeom>
+          <a:noFill/>
+        </p:spPr>
+        <p:txBody>
+          <a:bodyPr wrap="square" rtlCol="0">
+            <a:spAutoFit/>
+          </a:bodyPr>
+          <a:lstStyle/>
+          <a:p>
+            <a:r>
+              <a:rPr lang="en-US" altLang="ko-KR" sz="1400" dirty="0" smtClean="0">
+                <a:solidFill>
+                  <a:schemeClr val="accent2">
+                    <a:lumMod val="50000"/>
+                  </a:schemeClr>
+                </a:solidFill>
+              </a:rPr>
+              <a:t>File</a:t>
+            </a:r>
+            <a:endParaRPr lang="ko-KR" altLang="en-US" dirty="0">
+              <a:solidFill>
+                <a:schemeClr val="accent2">
+                  <a:lumMod val="50000"/>
+                </a:schemeClr>
+              </a:solidFill>
+            </a:endParaRPr>
+          </a:p>
+        </p:txBody>
+      </p:sp>
+      <p:sp>
+        <p:nvSpPr>
+          <p:cNvPr id="43" name="타원 42"/>
+          <p:cNvSpPr/>
+          <p:nvPr/>
+        </p:nvSpPr>
+        <p:spPr>
+          <a:xfrm>
+            <a:off x="622964" y="2859458"/>
+            <a:ext cx="2430445" cy="420549"/>
+          </a:xfrm>
+          <a:prstGeom prst="ellipse">
+            <a:avLst/>
+          </a:prstGeom>
+          <a:solidFill>
+            <a:srgbClr val="7030A0">
+              <a:alpha val="0"/>
+            </a:srgbClr>
+          </a:solidFill>
+          <a:ln>
+            <a:solidFill>
+              <a:srgbClr val="7030A0"/>
+            </a:solidFill>
+          </a:ln>
+        </p:spPr>
+        <p:style>
+          <a:lnRef idx="2">
+            <a:schemeClr val="accent1">
+              <a:shade val="50000"/>
+            </a:schemeClr>
+          </a:lnRef>
+          <a:fillRef idx="1">
+            <a:schemeClr val="accent1"/>
+          </a:fillRef>
+          <a:effectRef idx="0">
+            <a:schemeClr val="accent1"/>
+          </a:effectRef>
+          <a:fontRef idx="minor">
+            <a:schemeClr val="lt1"/>
+          </a:fontRef>
+        </p:style>
+        <p:txBody>
+          <a:bodyPr rtlCol="0" anchor="ctr"/>
+          <a:lstStyle/>
+          <a:p>
+            <a:pPr algn="ctr"/>
+            <a:endParaRPr lang="ko-KR" altLang="en-US"/>
+          </a:p>
+        </p:txBody>
+      </p:sp>
+      <p:sp>
+        <p:nvSpPr>
+          <p:cNvPr id="44" name="TextBox 43"/>
+          <p:cNvSpPr txBox="1"/>
+          <p:nvPr/>
+        </p:nvSpPr>
+        <p:spPr>
+          <a:xfrm>
+            <a:off x="2512295" y="3219887"/>
+            <a:ext cx="1728192" cy="369332"/>
+          </a:xfrm>
+          <a:prstGeom prst="rect">
+            <a:avLst/>
+          </a:prstGeom>
+          <a:noFill/>
+        </p:spPr>
+        <p:txBody>
+          <a:bodyPr wrap="square" rtlCol="0">
+            <a:spAutoFit/>
+          </a:bodyPr>
+          <a:lstStyle/>
+          <a:p>
+            <a:r>
+              <a:rPr lang="en-US" altLang="ko-KR" dirty="0" smtClean="0">
+                <a:solidFill>
+                  <a:schemeClr val="accent4"/>
+                </a:solidFill>
+              </a:rPr>
+              <a:t>Cache Entry</a:t>
+            </a:r>
+            <a:endParaRPr lang="ko-KR" altLang="en-US" dirty="0">
+              <a:solidFill>
+                <a:schemeClr val="accent4"/>
+              </a:solidFill>
+            </a:endParaRPr>
+          </a:p>
+        </p:txBody>
+      </p:sp>
+      <p:sp>
+        <p:nvSpPr>
+          <p:cNvPr id="45" name="아래쪽 화살표 44"/>
+          <p:cNvSpPr/>
+          <p:nvPr/>
+        </p:nvSpPr>
+        <p:spPr>
+          <a:xfrm>
+            <a:off x="4876066" y="3726275"/>
+            <a:ext cx="252378" cy="360040"/>
+          </a:xfrm>
+          <a:prstGeom prst="downArrow">
+            <a:avLst/>
+          </a:prstGeom>
+          <a:solidFill>
+            <a:schemeClr val="accent6"/>
+          </a:solidFill>
+          <a:ln>
+            <a:solidFill>
+              <a:schemeClr val="accent6">
+                <a:lumMod val="50000"/>
+              </a:schemeClr>
+            </a:solidFill>
+          </a:ln>
+        </p:spPr>
+        <p:style>
+          <a:lnRef idx="2">
+            <a:schemeClr val="accent1">
+              <a:shade val="50000"/>
+            </a:schemeClr>
+          </a:lnRef>
+          <a:fillRef idx="1">
+            <a:schemeClr val="accent1"/>
+          </a:fillRef>
+          <a:effectRef idx="0">
+            <a:schemeClr val="accent1"/>
+          </a:effectRef>
+          <a:fontRef idx="minor">
+            <a:schemeClr val="lt1"/>
+          </a:fontRef>
+        </p:style>
+        <p:txBody>
+          <a:bodyPr rtlCol="0" anchor="ctr"/>
+          <a:lstStyle/>
+          <a:p>
+            <a:pPr algn="ctr"/>
+            <a:endParaRPr lang="ko-KR" altLang="en-US"/>
+          </a:p>
+        </p:txBody>
+      </p:sp>
+    </p:spTree>
+    <p:extLst>
+      <p:ext uri="{BB962C8B-B14F-4D97-AF65-F5344CB8AC3E}">
+        <p14:creationId xmlns:p14="http://schemas.microsoft.com/office/powerpoint/2010/main" val="2521722066"/>
+      </p:ext>
+    </p:extLst>
+  </p:cSld>
+  <p:clrMapOvr>
+    <a:masterClrMapping/>
+  </p:clrMapOvr>
+  <p:timing>
+    <p:tnLst>
+      <p:par>
+        <p:cTn id="1" dur="indefinite" restart="never" nodeType="tmRoot">
+          <p:childTnLst>
+            <p:seq concurrent="1" nextAc="seek">
+              <p:cTn id="2" dur="indefinite" nodeType="mainSeq">
+                <p:childTnLst>
+                  <p:par>
+                    <p:cTn id="3" fill="hold">
+                      <p:stCondLst>
+                        <p:cond delay="indefinite"/>
+                      </p:stCondLst>
+                      <p:childTnLst>
+                        <p:par>
+                          <p:cTn id="4" fill="hold">
+                            <p:stCondLst>
+                              <p:cond delay="0"/>
+                            </p:stCondLst>
+                            <p:childTnLst>
+                              <p:par>
+                                <p:cTn id="5" presetID="1" presetClass="entr" presetSubtype="0" fill="hold" grpId="0" nodeType="clickEffect">
+                                  <p:stCondLst>
+                                    <p:cond delay="0"/>
+                                  </p:stCondLst>
+                                  <p:childTnLst>
+                                    <p:set>
+                                      <p:cBhvr>
+                                        <p:cTn id="6" dur="1" fill="hold">
+                                          <p:stCondLst>
+                                            <p:cond delay="0"/>
+                                          </p:stCondLst>
+                                        </p:cTn>
+                                        <p:tgtEl>
+                                          <p:spTgt spid="44"/>
+                                        </p:tgtEl>
+                                        <p:attrNameLst>
+                                          <p:attrName>style.visibility</p:attrName>
+                                        </p:attrNameLst>
+                                      </p:cBhvr>
+                                      <p:to>
+                                        <p:strVal val="visible"/>
+                                      </p:to>
+                                    </p:set>
+                                  </p:childTnLst>
+                                </p:cTn>
+                              </p:par>
+                              <p:par>
+                                <p:cTn id="7" presetID="1" presetClass="entr" presetSubtype="0" fill="hold" grpId="0" nodeType="withEffect">
+                                  <p:stCondLst>
+                                    <p:cond delay="0"/>
+                                  </p:stCondLst>
+                                  <p:childTnLst>
+                                    <p:set>
+                                      <p:cBhvr>
+                                        <p:cTn id="8" dur="1" fill="hold">
+                                          <p:stCondLst>
+                                            <p:cond delay="0"/>
+                                          </p:stCondLst>
+                                        </p:cTn>
+                                        <p:tgtEl>
+                                          <p:spTgt spid="43"/>
+                                        </p:tgtEl>
+                                        <p:attrNameLst>
+                                          <p:attrName>style.visibility</p:attrName>
+                                        </p:attrNameLst>
+                                      </p:cBhvr>
+                                      <p:to>
+                                        <p:strVal val="visible"/>
+                                      </p:to>
+                                    </p:set>
+                                  </p:childTnLst>
+                                </p:cTn>
+                              </p:par>
+                            </p:childTnLst>
+                          </p:cTn>
+                        </p:par>
+                      </p:childTnLst>
+                    </p:cTn>
+                  </p:par>
+                  <p:par>
+                    <p:cTn id="9" fill="hold">
+                      <p:stCondLst>
+                        <p:cond delay="indefinite"/>
+                      </p:stCondLst>
+                      <p:childTnLst>
+                        <p:par>
+                          <p:cTn id="10" fill="hold">
+                            <p:stCondLst>
+                              <p:cond delay="0"/>
+                            </p:stCondLst>
+                            <p:childTnLst>
+                              <p:par>
+                                <p:cTn id="11" presetID="1" presetClass="entr" presetSubtype="0" fill="hold" grpId="0" nodeType="clickEffect">
+                                  <p:stCondLst>
+                                    <p:cond delay="0"/>
+                                  </p:stCondLst>
+                                  <p:childTnLst>
+                                    <p:set>
+                                      <p:cBhvr>
+                                        <p:cTn id="12" dur="1" fill="hold">
+                                          <p:stCondLst>
+                                            <p:cond delay="0"/>
+                                          </p:stCondLst>
+                                        </p:cTn>
+                                        <p:tgtEl>
+                                          <p:spTgt spid="4"/>
+                                        </p:tgtEl>
+                                        <p:attrNameLst>
+                                          <p:attrName>style.visibility</p:attrName>
+                                        </p:attrNameLst>
+                                      </p:cBhvr>
+                                      <p:to>
+                                        <p:strVal val="visible"/>
+                                      </p:to>
+                                    </p:set>
+                                  </p:childTnLst>
+                                </p:cTn>
+                              </p:par>
+                              <p:par>
+                                <p:cTn id="13" presetID="1" presetClass="entr" presetSubtype="0" fill="hold" nodeType="withEffect">
+                                  <p:stCondLst>
+                                    <p:cond delay="0"/>
+                                  </p:stCondLst>
+                                  <p:childTnLst>
+                                    <p:set>
+                                      <p:cBhvr>
+                                        <p:cTn id="14" dur="1" fill="hold">
+                                          <p:stCondLst>
+                                            <p:cond delay="0"/>
+                                          </p:stCondLst>
+                                        </p:cTn>
+                                        <p:tgtEl>
+                                          <p:spTgt spid="15"/>
+                                        </p:tgtEl>
+                                        <p:attrNameLst>
+                                          <p:attrName>style.visibility</p:attrName>
+                                        </p:attrNameLst>
+                                      </p:cBhvr>
+                                      <p:to>
+                                        <p:strVal val="visible"/>
+                                      </p:to>
+                                    </p:set>
+                                  </p:childTnLst>
+                                </p:cTn>
+                              </p:par>
+                              <p:par>
+                                <p:cTn id="15" presetID="1" presetClass="entr" presetSubtype="0" fill="hold" nodeType="withEffect">
+                                  <p:stCondLst>
+                                    <p:cond delay="0"/>
+                                  </p:stCondLst>
+                                  <p:childTnLst>
+                                    <p:set>
+                                      <p:cBhvr>
+                                        <p:cTn id="16" dur="1" fill="hold">
+                                          <p:stCondLst>
+                                            <p:cond delay="0"/>
+                                          </p:stCondLst>
+                                        </p:cTn>
+                                        <p:tgtEl>
+                                          <p:spTgt spid="16"/>
+                                        </p:tgtEl>
+                                        <p:attrNameLst>
+                                          <p:attrName>style.visibility</p:attrName>
+                                        </p:attrNameLst>
+                                      </p:cBhvr>
+                                      <p:to>
+                                        <p:strVal val="visible"/>
+                                      </p:to>
+                                    </p:set>
+                                  </p:childTnLst>
+                                </p:cTn>
+                              </p:par>
+                              <p:par>
+                                <p:cTn id="17" presetID="1" presetClass="entr" presetSubtype="0" fill="hold" nodeType="withEffect">
+                                  <p:stCondLst>
+                                    <p:cond delay="0"/>
+                                  </p:stCondLst>
+                                  <p:childTnLst>
+                                    <p:set>
+                                      <p:cBhvr>
+                                        <p:cTn id="18" dur="1" fill="hold">
+                                          <p:stCondLst>
+                                            <p:cond delay="0"/>
+                                          </p:stCondLst>
+                                        </p:cTn>
+                                        <p:tgtEl>
+                                          <p:spTgt spid="29"/>
+                                        </p:tgtEl>
+                                        <p:attrNameLst>
+                                          <p:attrName>style.visibility</p:attrName>
+                                        </p:attrNameLst>
+                                      </p:cBhvr>
+                                      <p:to>
+                                        <p:strVal val="visible"/>
+                                      </p:to>
+                                    </p:set>
+                                  </p:childTnLst>
+                                </p:cTn>
+                              </p:par>
+                              <p:par>
+                                <p:cTn id="19" presetID="1" presetClass="entr" presetSubtype="0" fill="hold" nodeType="withEffect">
+                                  <p:stCondLst>
+                                    <p:cond delay="0"/>
+                                  </p:stCondLst>
+                                  <p:childTnLst>
+                                    <p:set>
+                                      <p:cBhvr>
+                                        <p:cTn id="20" dur="1" fill="hold">
+                                          <p:stCondLst>
+                                            <p:cond delay="0"/>
+                                          </p:stCondLst>
+                                        </p:cTn>
+                                        <p:tgtEl>
+                                          <p:spTgt spid="30"/>
+                                        </p:tgtEl>
+                                        <p:attrNameLst>
+                                          <p:attrName>style.visibility</p:attrName>
+                                        </p:attrNameLst>
+                                      </p:cBhvr>
+                                      <p:to>
+                                        <p:strVal val="visible"/>
+                                      </p:to>
+                                    </p:set>
+                                  </p:childTnLst>
+                                </p:cTn>
+                              </p:par>
+                              <p:par>
+                                <p:cTn id="21" presetID="1" presetClass="entr" presetSubtype="0" fill="hold" grpId="0" nodeType="withEffect">
+                                  <p:stCondLst>
+                                    <p:cond delay="0"/>
+                                  </p:stCondLst>
+                                  <p:childTnLst>
+                                    <p:set>
+                                      <p:cBhvr>
+                                        <p:cTn id="22" dur="1" fill="hold">
+                                          <p:stCondLst>
+                                            <p:cond delay="0"/>
+                                          </p:stCondLst>
+                                        </p:cTn>
+                                        <p:tgtEl>
+                                          <p:spTgt spid="31"/>
+                                        </p:tgtEl>
+                                        <p:attrNameLst>
+                                          <p:attrName>style.visibility</p:attrName>
+                                        </p:attrNameLst>
+                                      </p:cBhvr>
+                                      <p:to>
+                                        <p:strVal val="visible"/>
+                                      </p:to>
+                                    </p:set>
+                                  </p:childTnLst>
+                                </p:cTn>
+                              </p:par>
+                              <p:par>
+                                <p:cTn id="23" presetID="1" presetClass="entr" presetSubtype="0" fill="hold" grpId="0" nodeType="withEffect">
+                                  <p:stCondLst>
+                                    <p:cond delay="0"/>
+                                  </p:stCondLst>
+                                  <p:childTnLst>
+                                    <p:set>
+                                      <p:cBhvr>
+                                        <p:cTn id="24" dur="1" fill="hold">
+                                          <p:stCondLst>
+                                            <p:cond delay="0"/>
+                                          </p:stCondLst>
+                                        </p:cTn>
+                                        <p:tgtEl>
+                                          <p:spTgt spid="32"/>
+                                        </p:tgtEl>
+                                        <p:attrNameLst>
+                                          <p:attrName>style.visibility</p:attrName>
+                                        </p:attrNameLst>
+                                      </p:cBhvr>
+                                      <p:to>
+                                        <p:strVal val="visible"/>
+                                      </p:to>
+                                    </p:set>
+                                  </p:childTnLst>
+                                </p:cTn>
+                              </p:par>
+                              <p:par>
+                                <p:cTn id="25" presetID="1" presetClass="entr" presetSubtype="0" fill="hold" grpId="0" nodeType="withEffect">
+                                  <p:stCondLst>
+                                    <p:cond delay="0"/>
+                                  </p:stCondLst>
+                                  <p:childTnLst>
+                                    <p:set>
+                                      <p:cBhvr>
+                                        <p:cTn id="26" dur="1" fill="hold">
+                                          <p:stCondLst>
+                                            <p:cond delay="0"/>
+                                          </p:stCondLst>
+                                        </p:cTn>
+                                        <p:tgtEl>
+                                          <p:spTgt spid="33"/>
+                                        </p:tgtEl>
+                                        <p:attrNameLst>
+                                          <p:attrName>style.visibility</p:attrName>
+                                        </p:attrNameLst>
+                                      </p:cBhvr>
+                                      <p:to>
+                                        <p:strVal val="visible"/>
+                                      </p:to>
+                                    </p:set>
+                                  </p:childTnLst>
+                                </p:cTn>
+                              </p:par>
+                              <p:par>
+                                <p:cTn id="27" presetID="1" presetClass="entr" presetSubtype="0" fill="hold" grpId="0" nodeType="withEffect">
+                                  <p:stCondLst>
+                                    <p:cond delay="0"/>
+                                  </p:stCondLst>
+                                  <p:childTnLst>
+                                    <p:set>
+                                      <p:cBhvr>
+                                        <p:cTn id="28" dur="1" fill="hold">
+                                          <p:stCondLst>
+                                            <p:cond delay="0"/>
+                                          </p:stCondLst>
+                                        </p:cTn>
+                                        <p:tgtEl>
+                                          <p:spTgt spid="35"/>
+                                        </p:tgtEl>
+                                        <p:attrNameLst>
+                                          <p:attrName>style.visibility</p:attrName>
+                                        </p:attrNameLst>
+                                      </p:cBhvr>
+                                      <p:to>
+                                        <p:strVal val="visible"/>
+                                      </p:to>
+                                    </p:set>
+                                  </p:childTnLst>
+                                </p:cTn>
+                              </p:par>
+                              <p:par>
+                                <p:cTn id="29" presetID="1" presetClass="entr" presetSubtype="0" fill="hold" grpId="0" nodeType="withEffect">
+                                  <p:stCondLst>
+                                    <p:cond delay="0"/>
+                                  </p:stCondLst>
+                                  <p:childTnLst>
+                                    <p:set>
+                                      <p:cBhvr>
+                                        <p:cTn id="30" dur="1" fill="hold">
+                                          <p:stCondLst>
+                                            <p:cond delay="0"/>
+                                          </p:stCondLst>
+                                        </p:cTn>
+                                        <p:tgtEl>
+                                          <p:spTgt spid="36"/>
+                                        </p:tgtEl>
+                                        <p:attrNameLst>
+                                          <p:attrName>style.visibility</p:attrName>
+                                        </p:attrNameLst>
+                                      </p:cBhvr>
+                                      <p:to>
+                                        <p:strVal val="visible"/>
+                                      </p:to>
+                                    </p:set>
+                                  </p:childTnLst>
+                                </p:cTn>
+                              </p:par>
+                              <p:par>
+                                <p:cTn id="31" presetID="1" presetClass="entr" presetSubtype="0" fill="hold" grpId="0" nodeType="withEffect">
+                                  <p:stCondLst>
+                                    <p:cond delay="0"/>
+                                  </p:stCondLst>
+                                  <p:childTnLst>
+                                    <p:set>
+                                      <p:cBhvr>
+                                        <p:cTn id="32" dur="1" fill="hold">
+                                          <p:stCondLst>
+                                            <p:cond delay="0"/>
+                                          </p:stCondLst>
+                                        </p:cTn>
+                                        <p:tgtEl>
+                                          <p:spTgt spid="37"/>
+                                        </p:tgtEl>
+                                        <p:attrNameLst>
+                                          <p:attrName>style.visibility</p:attrName>
+                                        </p:attrNameLst>
+                                      </p:cBhvr>
+                                      <p:to>
+                                        <p:strVal val="visible"/>
+                                      </p:to>
+                                    </p:set>
+                                  </p:childTnLst>
+                                </p:cTn>
+                              </p:par>
+                              <p:par>
+                                <p:cTn id="33" presetID="1" presetClass="entr" presetSubtype="0" fill="hold" grpId="0" nodeType="withEffect">
+                                  <p:stCondLst>
+                                    <p:cond delay="0"/>
+                                  </p:stCondLst>
+                                  <p:childTnLst>
+                                    <p:set>
+                                      <p:cBhvr>
+                                        <p:cTn id="34" dur="1" fill="hold">
+                                          <p:stCondLst>
+                                            <p:cond delay="0"/>
+                                          </p:stCondLst>
+                                        </p:cTn>
+                                        <p:tgtEl>
+                                          <p:spTgt spid="38"/>
+                                        </p:tgtEl>
+                                        <p:attrNameLst>
+                                          <p:attrName>style.visibility</p:attrName>
+                                        </p:attrNameLst>
+                                      </p:cBhvr>
+                                      <p:to>
+                                        <p:strVal val="visible"/>
+                                      </p:to>
+                                    </p:set>
+                                  </p:childTnLst>
+                                </p:cTn>
+                              </p:par>
+                              <p:par>
+                                <p:cTn id="35" presetID="1" presetClass="entr" presetSubtype="0" fill="hold" grpId="0" nodeType="withEffect">
+                                  <p:stCondLst>
+                                    <p:cond delay="0"/>
+                                  </p:stCondLst>
+                                  <p:childTnLst>
+                                    <p:set>
+                                      <p:cBhvr>
+                                        <p:cTn id="36" dur="1" fill="hold">
+                                          <p:stCondLst>
+                                            <p:cond delay="0"/>
+                                          </p:stCondLst>
+                                        </p:cTn>
+                                        <p:tgtEl>
+                                          <p:spTgt spid="42"/>
+                                        </p:tgtEl>
+                                        <p:attrNameLst>
+                                          <p:attrName>style.visibility</p:attrName>
+                                        </p:attrNameLst>
+                                      </p:cBhvr>
+                                      <p:to>
+                                        <p:strVal val="visible"/>
+                                      </p:to>
+                                    </p:set>
+                                  </p:childTnLst>
+                                </p:cTn>
+                              </p:par>
+                              <p:par>
+                                <p:cTn id="37" presetID="1" presetClass="entr" presetSubtype="0" fill="hold" grpId="0" nodeType="withEffect">
+                                  <p:stCondLst>
+                                    <p:cond delay="0"/>
+                                  </p:stCondLst>
+                                  <p:childTnLst>
+                                    <p:set>
+                                      <p:cBhvr>
+                                        <p:cTn id="38" dur="1" fill="hold">
+                                          <p:stCondLst>
+                                            <p:cond delay="0"/>
+                                          </p:stCondLst>
+                                        </p:cTn>
+                                        <p:tgtEl>
+                                          <p:spTgt spid="45"/>
+                                        </p:tgtEl>
+                                        <p:attrNameLst>
+                                          <p:attrName>style.visibility</p:attrName>
+                                        </p:attrNameLst>
+                                      </p:cBhvr>
+                                      <p:to>
+                                        <p:strVal val="visible"/>
+                                      </p:to>
+                                    </p:set>
+                                  </p:childTnLst>
+                                </p:cTn>
+                              </p:par>
+                            </p:childTnLst>
+                          </p:cTn>
+                        </p:par>
+                      </p:childTnLst>
+                    </p:cTn>
+                  </p:par>
+                </p:childTnLst>
+              </p:cTn>
+              <p:prevCondLst>
+                <p:cond evt="onPrev" delay="0">
+                  <p:tgtEl>
+                    <p:sldTgt/>
+                  </p:tgtEl>
+                </p:cond>
+              </p:prevCondLst>
+              <p:nextCondLst>
+                <p:cond evt="onNext" delay="0">
+                  <p:tgtEl>
+                    <p:sldTgt/>
+                  </p:tgtEl>
+                </p:cond>
+              </p:nextCondLst>
+            </p:seq>
+          </p:childTnLst>
+        </p:cTn>
+      </p:par>
+    </p:tnLst>
+    <p:bldLst>
+      <p:bldP spid="4" grpId="0" animBg="1"/>
+      <p:bldP spid="31" grpId="0"/>
+      <p:bldP spid="32" grpId="0"/>
+      <p:bldP spid="33" grpId="0"/>
+      <p:bldP spid="35" grpId="0" animBg="1"/>
+      <p:bldP spid="36" grpId="0" animBg="1"/>
+      <p:bldP spid="37" grpId="0" animBg="1"/>
+      <p:bldP spid="38" grpId="0" animBg="1"/>
+      <p:bldP spid="42" grpId="0"/>
+      <p:bldP spid="43" grpId="0" animBg="1"/>
+      <p:bldP spid="44" grpId="0"/>
+      <p:bldP spid="45" grpId="0" animBg="1"/>
+    </p:bldLst>
+  </p:timing>
+</p:sld>
+</file>
+
+<file path=ppt/slides/slide22.xml><?xml version="1.0" encoding="utf-8"?>
+<p:sld xmlns:a="http://schemas.openxmlformats.org/drawingml/2006/main" xmlns:r="http://schemas.openxmlformats.org/officeDocument/2006/relationships" xmlns:p="http://schemas.openxmlformats.org/presentationml/2006/main">
+  <p:cSld>
+    <p:spTree>
+      <p:nvGrpSpPr>
+        <p:cNvPr id="1" name=""/>
+        <p:cNvGrpSpPr/>
+        <p:nvPr/>
+      </p:nvGrpSpPr>
+      <p:grpSpPr>
+        <a:xfrm>
+          <a:off x="0" y="0"/>
+          <a:ext cx="0" cy="0"/>
+          <a:chOff x="0" y="0"/>
+          <a:chExt cx="0" cy="0"/>
+        </a:xfrm>
+      </p:grpSpPr>
+      <p:sp>
+        <p:nvSpPr>
+          <p:cNvPr id="2" name="내용 개체 틀 1"/>
+          <p:cNvSpPr>
+            <a:spLocks noGrp="1"/>
+          </p:cNvSpPr>
+          <p:nvPr>
+            <p:ph idx="1"/>
+          </p:nvPr>
+        </p:nvSpPr>
+        <p:spPr/>
+        <p:txBody>
+          <a:bodyPr>
+            <a:normAutofit/>
+          </a:bodyPr>
+          <a:lstStyle/>
+          <a:p>
+            <a:r>
+              <a:rPr lang="en-US" altLang="ko-KR" sz="2800" dirty="0" smtClean="0">
+                <a:latin typeface="+mn-ea"/>
+              </a:rPr>
+              <a:t>Optimization </a:t>
+            </a:r>
+            <a:r>
+              <a:rPr lang="en-US" altLang="ko-KR" sz="2800" dirty="0">
+                <a:latin typeface="+mn-ea"/>
+              </a:rPr>
+              <a:t>2 (Read Record) </a:t>
+            </a:r>
+            <a:endParaRPr lang="en-US" altLang="ko-KR" sz="2800" dirty="0" smtClean="0">
+              <a:latin typeface="+mn-ea"/>
+            </a:endParaRPr>
+          </a:p>
+          <a:p>
+            <a:pPr lvl="1"/>
+            <a:r>
+              <a:rPr lang="en-US" altLang="ko-KR" sz="2000" dirty="0" smtClean="0">
+                <a:latin typeface="+mn-ea"/>
+              </a:rPr>
+              <a:t>Record Cache ( to avoid too much disk seek )</a:t>
+            </a:r>
           </a:p>
         </p:txBody>
       </p:sp>
@@ -16783,7 +21115,1059 @@
 </p:sld>
 </file>
 
-<file path=ppt/slides/slide22.xml><?xml version="1.0" encoding="utf-8"?>
+<file path=ppt/slides/slide23.xml><?xml version="1.0" encoding="utf-8"?>
+<p:sld xmlns:a="http://schemas.openxmlformats.org/drawingml/2006/main" xmlns:r="http://schemas.openxmlformats.org/officeDocument/2006/relationships" xmlns:p="http://schemas.openxmlformats.org/presentationml/2006/main">
+  <p:cSld>
+    <p:spTree>
+      <p:nvGrpSpPr>
+        <p:cNvPr id="1" name=""/>
+        <p:cNvGrpSpPr/>
+        <p:nvPr/>
+      </p:nvGrpSpPr>
+      <p:grpSpPr>
+        <a:xfrm>
+          <a:off x="0" y="0"/>
+          <a:ext cx="0" cy="0"/>
+          <a:chOff x="0" y="0"/>
+          <a:chExt cx="0" cy="0"/>
+        </a:xfrm>
+      </p:grpSpPr>
+      <p:sp>
+        <p:nvSpPr>
+          <p:cNvPr id="2" name="내용 개체 틀 1"/>
+          <p:cNvSpPr>
+            <a:spLocks noGrp="1"/>
+          </p:cNvSpPr>
+          <p:nvPr>
+            <p:ph idx="1"/>
+          </p:nvPr>
+        </p:nvSpPr>
+        <p:spPr/>
+        <p:txBody>
+          <a:bodyPr>
+            <a:normAutofit/>
+          </a:bodyPr>
+          <a:lstStyle/>
+          <a:p>
+            <a:r>
+              <a:rPr lang="en-US" altLang="ko-KR" sz="2800" dirty="0" smtClean="0">
+                <a:latin typeface="+mn-ea"/>
+              </a:rPr>
+              <a:t>Optimization </a:t>
+            </a:r>
+            <a:r>
+              <a:rPr lang="en-US" altLang="ko-KR" sz="2800" dirty="0" smtClean="0">
+                <a:latin typeface="+mn-ea"/>
+              </a:rPr>
+              <a:t>3</a:t>
+            </a:r>
+            <a:endParaRPr lang="en-US" altLang="ko-KR" sz="2800" dirty="0" smtClean="0">
+              <a:latin typeface="+mn-ea"/>
+            </a:endParaRPr>
+          </a:p>
+          <a:p>
+            <a:pPr lvl="1"/>
+            <a:r>
+              <a:rPr lang="en-US" altLang="ko-KR" sz="2000" dirty="0" smtClean="0">
+                <a:latin typeface="+mn-ea"/>
+              </a:rPr>
+              <a:t>N-Way Merge sort is slow</a:t>
+            </a:r>
+            <a:endParaRPr lang="ko-KR" altLang="en-US" sz="2000" dirty="0">
+              <a:latin typeface="+mn-ea"/>
+            </a:endParaRPr>
+          </a:p>
+        </p:txBody>
+      </p:sp>
+      <p:sp>
+        <p:nvSpPr>
+          <p:cNvPr id="3" name="직사각형 2"/>
+          <p:cNvSpPr/>
+          <p:nvPr/>
+        </p:nvSpPr>
+        <p:spPr>
+          <a:xfrm>
+            <a:off x="5469260" y="2856304"/>
+            <a:ext cx="3960440" cy="288032"/>
+          </a:xfrm>
+          <a:prstGeom prst="rect">
+            <a:avLst/>
+          </a:prstGeom>
+        </p:spPr>
+        <p:style>
+          <a:lnRef idx="2">
+            <a:schemeClr val="accent6">
+              <a:shade val="50000"/>
+            </a:schemeClr>
+          </a:lnRef>
+          <a:fillRef idx="1">
+            <a:schemeClr val="accent6"/>
+          </a:fillRef>
+          <a:effectRef idx="0">
+            <a:schemeClr val="accent6"/>
+          </a:effectRef>
+          <a:fontRef idx="minor">
+            <a:schemeClr val="lt1"/>
+          </a:fontRef>
+        </p:style>
+        <p:txBody>
+          <a:bodyPr rtlCol="0" anchor="ctr"/>
+          <a:lstStyle/>
+          <a:p>
+            <a:pPr algn="ctr"/>
+            <a:r>
+              <a:rPr lang="en-US" altLang="ko-KR" dirty="0" smtClean="0"/>
+              <a:t>Sorted Run #1</a:t>
+            </a:r>
+            <a:endParaRPr lang="ko-KR" altLang="en-US" dirty="0"/>
+          </a:p>
+        </p:txBody>
+      </p:sp>
+      <p:sp>
+        <p:nvSpPr>
+          <p:cNvPr id="8" name="직사각형 7"/>
+          <p:cNvSpPr/>
+          <p:nvPr/>
+        </p:nvSpPr>
+        <p:spPr>
+          <a:xfrm>
+            <a:off x="5469260" y="3434502"/>
+            <a:ext cx="3960440" cy="288032"/>
+          </a:xfrm>
+          <a:prstGeom prst="rect">
+            <a:avLst/>
+          </a:prstGeom>
+        </p:spPr>
+        <p:style>
+          <a:lnRef idx="2">
+            <a:schemeClr val="accent6">
+              <a:shade val="50000"/>
+            </a:schemeClr>
+          </a:lnRef>
+          <a:fillRef idx="1">
+            <a:schemeClr val="accent6"/>
+          </a:fillRef>
+          <a:effectRef idx="0">
+            <a:schemeClr val="accent6"/>
+          </a:effectRef>
+          <a:fontRef idx="minor">
+            <a:schemeClr val="lt1"/>
+          </a:fontRef>
+        </p:style>
+        <p:txBody>
+          <a:bodyPr rtlCol="0" anchor="ctr"/>
+          <a:lstStyle/>
+          <a:p>
+            <a:pPr algn="ctr"/>
+            <a:r>
+              <a:rPr lang="en-US" altLang="ko-KR" dirty="0" smtClean="0"/>
+              <a:t>Sorted Run #2</a:t>
+            </a:r>
+            <a:endParaRPr lang="ko-KR" altLang="en-US" dirty="0"/>
+          </a:p>
+        </p:txBody>
+      </p:sp>
+      <p:sp>
+        <p:nvSpPr>
+          <p:cNvPr id="12" name="직사각형 11"/>
+          <p:cNvSpPr/>
+          <p:nvPr/>
+        </p:nvSpPr>
+        <p:spPr>
+          <a:xfrm>
+            <a:off x="5469260" y="4008732"/>
+            <a:ext cx="3960440" cy="288032"/>
+          </a:xfrm>
+          <a:prstGeom prst="rect">
+            <a:avLst/>
+          </a:prstGeom>
+        </p:spPr>
+        <p:style>
+          <a:lnRef idx="2">
+            <a:schemeClr val="accent6">
+              <a:shade val="50000"/>
+            </a:schemeClr>
+          </a:lnRef>
+          <a:fillRef idx="1">
+            <a:schemeClr val="accent6"/>
+          </a:fillRef>
+          <a:effectRef idx="0">
+            <a:schemeClr val="accent6"/>
+          </a:effectRef>
+          <a:fontRef idx="minor">
+            <a:schemeClr val="lt1"/>
+          </a:fontRef>
+        </p:style>
+        <p:txBody>
+          <a:bodyPr rtlCol="0" anchor="ctr"/>
+          <a:lstStyle/>
+          <a:p>
+            <a:pPr algn="ctr"/>
+            <a:r>
+              <a:rPr lang="en-US" altLang="ko-KR" dirty="0" smtClean="0"/>
+              <a:t>Sorted Run #3</a:t>
+            </a:r>
+            <a:endParaRPr lang="ko-KR" altLang="en-US" dirty="0"/>
+          </a:p>
+        </p:txBody>
+      </p:sp>
+      <p:sp>
+        <p:nvSpPr>
+          <p:cNvPr id="13" name="직사각형 12"/>
+          <p:cNvSpPr/>
+          <p:nvPr/>
+        </p:nvSpPr>
+        <p:spPr>
+          <a:xfrm>
+            <a:off x="5469260" y="4582962"/>
+            <a:ext cx="3960440" cy="288032"/>
+          </a:xfrm>
+          <a:prstGeom prst="rect">
+            <a:avLst/>
+          </a:prstGeom>
+        </p:spPr>
+        <p:style>
+          <a:lnRef idx="2">
+            <a:schemeClr val="accent6">
+              <a:shade val="50000"/>
+            </a:schemeClr>
+          </a:lnRef>
+          <a:fillRef idx="1">
+            <a:schemeClr val="accent6"/>
+          </a:fillRef>
+          <a:effectRef idx="0">
+            <a:schemeClr val="accent6"/>
+          </a:effectRef>
+          <a:fontRef idx="minor">
+            <a:schemeClr val="lt1"/>
+          </a:fontRef>
+        </p:style>
+        <p:txBody>
+          <a:bodyPr rtlCol="0" anchor="ctr"/>
+          <a:lstStyle/>
+          <a:p>
+            <a:pPr algn="ctr"/>
+            <a:r>
+              <a:rPr lang="en-US" altLang="ko-KR" dirty="0" smtClean="0"/>
+              <a:t>Sorted Run #4</a:t>
+            </a:r>
+            <a:endParaRPr lang="ko-KR" altLang="en-US" dirty="0"/>
+          </a:p>
+        </p:txBody>
+      </p:sp>
+      <p:sp>
+        <p:nvSpPr>
+          <p:cNvPr id="14" name="직사각형 13"/>
+          <p:cNvSpPr/>
+          <p:nvPr/>
+        </p:nvSpPr>
+        <p:spPr>
+          <a:xfrm>
+            <a:off x="5469260" y="5157192"/>
+            <a:ext cx="3960440" cy="288032"/>
+          </a:xfrm>
+          <a:prstGeom prst="rect">
+            <a:avLst/>
+          </a:prstGeom>
+        </p:spPr>
+        <p:style>
+          <a:lnRef idx="2">
+            <a:schemeClr val="accent6">
+              <a:shade val="50000"/>
+            </a:schemeClr>
+          </a:lnRef>
+          <a:fillRef idx="1">
+            <a:schemeClr val="accent6"/>
+          </a:fillRef>
+          <a:effectRef idx="0">
+            <a:schemeClr val="accent6"/>
+          </a:effectRef>
+          <a:fontRef idx="minor">
+            <a:schemeClr val="lt1"/>
+          </a:fontRef>
+        </p:style>
+        <p:txBody>
+          <a:bodyPr rtlCol="0" anchor="ctr"/>
+          <a:lstStyle/>
+          <a:p>
+            <a:pPr algn="ctr"/>
+            <a:r>
+              <a:rPr lang="en-US" altLang="ko-KR" dirty="0" smtClean="0"/>
+              <a:t>Sorted Run #5</a:t>
+            </a:r>
+            <a:endParaRPr lang="ko-KR" altLang="en-US" dirty="0"/>
+          </a:p>
+        </p:txBody>
+      </p:sp>
+      <p:sp>
+        <p:nvSpPr>
+          <p:cNvPr id="15" name="직사각형 14"/>
+          <p:cNvSpPr/>
+          <p:nvPr/>
+        </p:nvSpPr>
+        <p:spPr>
+          <a:xfrm>
+            <a:off x="704528" y="4243392"/>
+            <a:ext cx="1512168" cy="303784"/>
+          </a:xfrm>
+          <a:prstGeom prst="rect">
+            <a:avLst/>
+          </a:prstGeom>
+        </p:spPr>
+        <p:style>
+          <a:lnRef idx="2">
+            <a:schemeClr val="accent5">
+              <a:shade val="50000"/>
+            </a:schemeClr>
+          </a:lnRef>
+          <a:fillRef idx="1">
+            <a:schemeClr val="accent5"/>
+          </a:fillRef>
+          <a:effectRef idx="0">
+            <a:schemeClr val="accent5"/>
+          </a:effectRef>
+          <a:fontRef idx="minor">
+            <a:schemeClr val="lt1"/>
+          </a:fontRef>
+        </p:style>
+        <p:txBody>
+          <a:bodyPr rtlCol="0" anchor="ctr"/>
+          <a:lstStyle/>
+          <a:p>
+            <a:pPr algn="ctr"/>
+            <a:r>
+              <a:rPr lang="en-US" altLang="ko-KR" dirty="0" smtClean="0"/>
+              <a:t>Merged Run</a:t>
+            </a:r>
+            <a:endParaRPr lang="ko-KR" altLang="en-US" dirty="0"/>
+          </a:p>
+        </p:txBody>
+      </p:sp>
+      <p:sp>
+        <p:nvSpPr>
+          <p:cNvPr id="16" name="직사각형 15"/>
+          <p:cNvSpPr/>
+          <p:nvPr/>
+        </p:nvSpPr>
+        <p:spPr>
+          <a:xfrm>
+            <a:off x="5793296" y="2784296"/>
+            <a:ext cx="216024" cy="432048"/>
+          </a:xfrm>
+          <a:prstGeom prst="rect">
+            <a:avLst/>
+          </a:prstGeom>
+          <a:noFill/>
+          <a:ln>
+            <a:solidFill>
+              <a:srgbClr val="FF0000"/>
+            </a:solidFill>
+          </a:ln>
+        </p:spPr>
+        <p:style>
+          <a:lnRef idx="2">
+            <a:schemeClr val="accent1">
+              <a:shade val="50000"/>
+            </a:schemeClr>
+          </a:lnRef>
+          <a:fillRef idx="1">
+            <a:schemeClr val="accent1"/>
+          </a:fillRef>
+          <a:effectRef idx="0">
+            <a:schemeClr val="accent1"/>
+          </a:effectRef>
+          <a:fontRef idx="minor">
+            <a:schemeClr val="lt1"/>
+          </a:fontRef>
+        </p:style>
+        <p:txBody>
+          <a:bodyPr rtlCol="0" anchor="ctr"/>
+          <a:lstStyle/>
+          <a:p>
+            <a:pPr algn="ctr"/>
+            <a:endParaRPr lang="ko-KR" altLang="en-US"/>
+          </a:p>
+        </p:txBody>
+      </p:sp>
+      <p:sp>
+        <p:nvSpPr>
+          <p:cNvPr id="17" name="직사각형 16"/>
+          <p:cNvSpPr/>
+          <p:nvPr/>
+        </p:nvSpPr>
+        <p:spPr>
+          <a:xfrm>
+            <a:off x="5685284" y="3362494"/>
+            <a:ext cx="216024" cy="432048"/>
+          </a:xfrm>
+          <a:prstGeom prst="rect">
+            <a:avLst/>
+          </a:prstGeom>
+          <a:noFill/>
+          <a:ln>
+            <a:solidFill>
+              <a:srgbClr val="FF0000"/>
+            </a:solidFill>
+          </a:ln>
+        </p:spPr>
+        <p:style>
+          <a:lnRef idx="2">
+            <a:schemeClr val="accent1">
+              <a:shade val="50000"/>
+            </a:schemeClr>
+          </a:lnRef>
+          <a:fillRef idx="1">
+            <a:schemeClr val="accent1"/>
+          </a:fillRef>
+          <a:effectRef idx="0">
+            <a:schemeClr val="accent1"/>
+          </a:effectRef>
+          <a:fontRef idx="minor">
+            <a:schemeClr val="lt1"/>
+          </a:fontRef>
+        </p:style>
+        <p:txBody>
+          <a:bodyPr rtlCol="0" anchor="ctr"/>
+          <a:lstStyle/>
+          <a:p>
+            <a:pPr algn="ctr"/>
+            <a:endParaRPr lang="ko-KR" altLang="en-US"/>
+          </a:p>
+        </p:txBody>
+      </p:sp>
+      <p:sp>
+        <p:nvSpPr>
+          <p:cNvPr id="18" name="직사각형 17"/>
+          <p:cNvSpPr/>
+          <p:nvPr/>
+        </p:nvSpPr>
+        <p:spPr>
+          <a:xfrm>
+            <a:off x="5901308" y="3970662"/>
+            <a:ext cx="216024" cy="432048"/>
+          </a:xfrm>
+          <a:prstGeom prst="rect">
+            <a:avLst/>
+          </a:prstGeom>
+          <a:noFill/>
+          <a:ln>
+            <a:solidFill>
+              <a:srgbClr val="FF0000"/>
+            </a:solidFill>
+          </a:ln>
+        </p:spPr>
+        <p:style>
+          <a:lnRef idx="2">
+            <a:schemeClr val="accent1">
+              <a:shade val="50000"/>
+            </a:schemeClr>
+          </a:lnRef>
+          <a:fillRef idx="1">
+            <a:schemeClr val="accent1"/>
+          </a:fillRef>
+          <a:effectRef idx="0">
+            <a:schemeClr val="accent1"/>
+          </a:effectRef>
+          <a:fontRef idx="minor">
+            <a:schemeClr val="lt1"/>
+          </a:fontRef>
+        </p:style>
+        <p:txBody>
+          <a:bodyPr rtlCol="0" anchor="ctr"/>
+          <a:lstStyle/>
+          <a:p>
+            <a:pPr algn="ctr"/>
+            <a:endParaRPr lang="ko-KR" altLang="en-US"/>
+          </a:p>
+        </p:txBody>
+      </p:sp>
+      <p:sp>
+        <p:nvSpPr>
+          <p:cNvPr id="19" name="직사각형 18"/>
+          <p:cNvSpPr/>
+          <p:nvPr/>
+        </p:nvSpPr>
+        <p:spPr>
+          <a:xfrm>
+            <a:off x="6009320" y="4510929"/>
+            <a:ext cx="216024" cy="432048"/>
+          </a:xfrm>
+          <a:prstGeom prst="rect">
+            <a:avLst/>
+          </a:prstGeom>
+          <a:noFill/>
+          <a:ln>
+            <a:solidFill>
+              <a:srgbClr val="FF0000"/>
+            </a:solidFill>
+          </a:ln>
+        </p:spPr>
+        <p:style>
+          <a:lnRef idx="2">
+            <a:schemeClr val="accent1">
+              <a:shade val="50000"/>
+            </a:schemeClr>
+          </a:lnRef>
+          <a:fillRef idx="1">
+            <a:schemeClr val="accent1"/>
+          </a:fillRef>
+          <a:effectRef idx="0">
+            <a:schemeClr val="accent1"/>
+          </a:effectRef>
+          <a:fontRef idx="minor">
+            <a:schemeClr val="lt1"/>
+          </a:fontRef>
+        </p:style>
+        <p:txBody>
+          <a:bodyPr rtlCol="0" anchor="ctr"/>
+          <a:lstStyle/>
+          <a:p>
+            <a:pPr algn="ctr"/>
+            <a:endParaRPr lang="ko-KR" altLang="en-US"/>
+          </a:p>
+        </p:txBody>
+      </p:sp>
+      <p:sp>
+        <p:nvSpPr>
+          <p:cNvPr id="20" name="직사각형 19"/>
+          <p:cNvSpPr/>
+          <p:nvPr/>
+        </p:nvSpPr>
+        <p:spPr>
+          <a:xfrm>
+            <a:off x="5891969" y="5123229"/>
+            <a:ext cx="216024" cy="432048"/>
+          </a:xfrm>
+          <a:prstGeom prst="rect">
+            <a:avLst/>
+          </a:prstGeom>
+          <a:noFill/>
+          <a:ln>
+            <a:solidFill>
+              <a:srgbClr val="FF0000"/>
+            </a:solidFill>
+          </a:ln>
+        </p:spPr>
+        <p:style>
+          <a:lnRef idx="2">
+            <a:schemeClr val="accent1">
+              <a:shade val="50000"/>
+            </a:schemeClr>
+          </a:lnRef>
+          <a:fillRef idx="1">
+            <a:schemeClr val="accent1"/>
+          </a:fillRef>
+          <a:effectRef idx="0">
+            <a:schemeClr val="accent1"/>
+          </a:effectRef>
+          <a:fontRef idx="minor">
+            <a:schemeClr val="lt1"/>
+          </a:fontRef>
+        </p:style>
+        <p:txBody>
+          <a:bodyPr rtlCol="0" anchor="ctr"/>
+          <a:lstStyle/>
+          <a:p>
+            <a:pPr algn="ctr"/>
+            <a:endParaRPr lang="ko-KR" altLang="en-US"/>
+          </a:p>
+        </p:txBody>
+      </p:sp>
+      <p:sp>
+        <p:nvSpPr>
+          <p:cNvPr id="21" name="TextBox 20"/>
+          <p:cNvSpPr txBox="1"/>
+          <p:nvPr/>
+        </p:nvSpPr>
+        <p:spPr>
+          <a:xfrm>
+            <a:off x="5434005" y="5805264"/>
+            <a:ext cx="1582677" cy="369332"/>
+          </a:xfrm>
+          <a:prstGeom prst="rect">
+            <a:avLst/>
+          </a:prstGeom>
+          <a:noFill/>
+        </p:spPr>
+        <p:txBody>
+          <a:bodyPr wrap="none" rtlCol="0">
+            <a:spAutoFit/>
+          </a:bodyPr>
+          <a:lstStyle/>
+          <a:p>
+            <a:r>
+              <a:rPr lang="en-US" altLang="ko-KR" dirty="0" smtClean="0">
+                <a:latin typeface="+mn-ea"/>
+              </a:rPr>
+              <a:t>File Pointer</a:t>
+            </a:r>
+            <a:endParaRPr lang="ko-KR" altLang="en-US" dirty="0">
+              <a:latin typeface="+mn-ea"/>
+            </a:endParaRPr>
+          </a:p>
+        </p:txBody>
+      </p:sp>
+      <p:cxnSp>
+        <p:nvCxnSpPr>
+          <p:cNvPr id="23" name="직선 화살표 연결선 22"/>
+          <p:cNvCxnSpPr/>
+          <p:nvPr/>
+        </p:nvCxnSpPr>
+        <p:spPr>
+          <a:xfrm flipV="1">
+            <a:off x="6009320" y="5589240"/>
+            <a:ext cx="0" cy="216024"/>
+          </a:xfrm>
+          <a:prstGeom prst="straightConnector1">
+            <a:avLst/>
+          </a:prstGeom>
+          <a:ln w="38100">
+            <a:solidFill>
+              <a:srgbClr val="FF0000"/>
+            </a:solidFill>
+            <a:tailEnd type="triangle"/>
+          </a:ln>
+        </p:spPr>
+        <p:style>
+          <a:lnRef idx="1">
+            <a:schemeClr val="accent1"/>
+          </a:lnRef>
+          <a:fillRef idx="0">
+            <a:schemeClr val="accent1"/>
+          </a:fillRef>
+          <a:effectRef idx="0">
+            <a:schemeClr val="accent1"/>
+          </a:effectRef>
+          <a:fontRef idx="minor">
+            <a:schemeClr val="tx1"/>
+          </a:fontRef>
+        </p:style>
+      </p:cxnSp>
+      <p:sp>
+        <p:nvSpPr>
+          <p:cNvPr id="24" name="직사각형 23"/>
+          <p:cNvSpPr/>
+          <p:nvPr/>
+        </p:nvSpPr>
+        <p:spPr>
+          <a:xfrm>
+            <a:off x="2216696" y="4243392"/>
+            <a:ext cx="144016" cy="303784"/>
+          </a:xfrm>
+          <a:prstGeom prst="rect">
+            <a:avLst/>
+          </a:prstGeom>
+        </p:spPr>
+        <p:style>
+          <a:lnRef idx="2">
+            <a:schemeClr val="accent5">
+              <a:shade val="50000"/>
+            </a:schemeClr>
+          </a:lnRef>
+          <a:fillRef idx="1">
+            <a:schemeClr val="accent5"/>
+          </a:fillRef>
+          <a:effectRef idx="0">
+            <a:schemeClr val="accent5"/>
+          </a:effectRef>
+          <a:fontRef idx="minor">
+            <a:schemeClr val="lt1"/>
+          </a:fontRef>
+        </p:style>
+        <p:txBody>
+          <a:bodyPr rtlCol="0" anchor="ctr"/>
+          <a:lstStyle/>
+          <a:p>
+            <a:pPr algn="ctr"/>
+            <a:endParaRPr lang="ko-KR" altLang="en-US"/>
+          </a:p>
+        </p:txBody>
+      </p:sp>
+      <p:sp>
+        <p:nvSpPr>
+          <p:cNvPr id="25" name="직사각형 24"/>
+          <p:cNvSpPr/>
+          <p:nvPr/>
+        </p:nvSpPr>
+        <p:spPr>
+          <a:xfrm>
+            <a:off x="2360712" y="4247540"/>
+            <a:ext cx="144016" cy="299636"/>
+          </a:xfrm>
+          <a:prstGeom prst="rect">
+            <a:avLst/>
+          </a:prstGeom>
+        </p:spPr>
+        <p:style>
+          <a:lnRef idx="2">
+            <a:schemeClr val="accent5">
+              <a:shade val="50000"/>
+            </a:schemeClr>
+          </a:lnRef>
+          <a:fillRef idx="1">
+            <a:schemeClr val="accent5"/>
+          </a:fillRef>
+          <a:effectRef idx="0">
+            <a:schemeClr val="accent5"/>
+          </a:effectRef>
+          <a:fontRef idx="minor">
+            <a:schemeClr val="lt1"/>
+          </a:fontRef>
+        </p:style>
+        <p:txBody>
+          <a:bodyPr rtlCol="0" anchor="ctr"/>
+          <a:lstStyle/>
+          <a:p>
+            <a:pPr algn="ctr"/>
+            <a:endParaRPr lang="ko-KR" altLang="en-US"/>
+          </a:p>
+        </p:txBody>
+      </p:sp>
+      <p:sp>
+        <p:nvSpPr>
+          <p:cNvPr id="31" name="직사각형 30"/>
+          <p:cNvSpPr/>
+          <p:nvPr/>
+        </p:nvSpPr>
+        <p:spPr>
+          <a:xfrm>
+            <a:off x="4533907" y="2773089"/>
+            <a:ext cx="288032" cy="2791295"/>
+          </a:xfrm>
+          <a:prstGeom prst="rect">
+            <a:avLst/>
+          </a:prstGeom>
+        </p:spPr>
+        <p:style>
+          <a:lnRef idx="2">
+            <a:schemeClr val="accent4">
+              <a:shade val="50000"/>
+            </a:schemeClr>
+          </a:lnRef>
+          <a:fillRef idx="1">
+            <a:schemeClr val="accent4"/>
+          </a:fillRef>
+          <a:effectRef idx="0">
+            <a:schemeClr val="accent4"/>
+          </a:effectRef>
+          <a:fontRef idx="minor">
+            <a:schemeClr val="lt1"/>
+          </a:fontRef>
+        </p:style>
+        <p:txBody>
+          <a:bodyPr rtlCol="0" anchor="ctr"/>
+          <a:lstStyle/>
+          <a:p>
+            <a:pPr algn="ctr"/>
+            <a:endParaRPr lang="ko-KR" altLang="en-US"/>
+          </a:p>
+        </p:txBody>
+      </p:sp>
+      <p:cxnSp>
+        <p:nvCxnSpPr>
+          <p:cNvPr id="35" name="직선 화살표 연결선 34"/>
+          <p:cNvCxnSpPr/>
+          <p:nvPr/>
+        </p:nvCxnSpPr>
+        <p:spPr>
+          <a:xfrm flipH="1">
+            <a:off x="2799147" y="4224213"/>
+            <a:ext cx="1453115" cy="183264"/>
+          </a:xfrm>
+          <a:prstGeom prst="straightConnector1">
+            <a:avLst/>
+          </a:prstGeom>
+          <a:ln w="57150">
+            <a:solidFill>
+              <a:schemeClr val="accent4"/>
+            </a:solidFill>
+            <a:tailEnd type="triangle"/>
+          </a:ln>
+        </p:spPr>
+        <p:style>
+          <a:lnRef idx="1">
+            <a:schemeClr val="accent1"/>
+          </a:lnRef>
+          <a:fillRef idx="0">
+            <a:schemeClr val="accent1"/>
+          </a:fillRef>
+          <a:effectRef idx="0">
+            <a:schemeClr val="accent1"/>
+          </a:effectRef>
+          <a:fontRef idx="minor">
+            <a:schemeClr val="tx1"/>
+          </a:fontRef>
+        </p:style>
+      </p:cxnSp>
+      <p:cxnSp>
+        <p:nvCxnSpPr>
+          <p:cNvPr id="36" name="직선 화살표 연결선 35"/>
+          <p:cNvCxnSpPr/>
+          <p:nvPr/>
+        </p:nvCxnSpPr>
+        <p:spPr>
+          <a:xfrm flipH="1">
+            <a:off x="4932040" y="3000320"/>
+            <a:ext cx="414709" cy="20378"/>
+          </a:xfrm>
+          <a:prstGeom prst="straightConnector1">
+            <a:avLst/>
+          </a:prstGeom>
+          <a:ln w="57150">
+            <a:solidFill>
+              <a:schemeClr val="accent4"/>
+            </a:solidFill>
+            <a:tailEnd type="triangle"/>
+          </a:ln>
+        </p:spPr>
+        <p:style>
+          <a:lnRef idx="1">
+            <a:schemeClr val="accent1"/>
+          </a:lnRef>
+          <a:fillRef idx="0">
+            <a:schemeClr val="accent1"/>
+          </a:fillRef>
+          <a:effectRef idx="0">
+            <a:schemeClr val="accent1"/>
+          </a:effectRef>
+          <a:fontRef idx="minor">
+            <a:schemeClr val="tx1"/>
+          </a:fontRef>
+        </p:style>
+      </p:cxnSp>
+      <p:cxnSp>
+        <p:nvCxnSpPr>
+          <p:cNvPr id="38" name="직선 화살표 연결선 37"/>
+          <p:cNvCxnSpPr/>
+          <p:nvPr/>
+        </p:nvCxnSpPr>
+        <p:spPr>
+          <a:xfrm flipH="1">
+            <a:off x="4988786" y="3558140"/>
+            <a:ext cx="414709" cy="20378"/>
+          </a:xfrm>
+          <a:prstGeom prst="straightConnector1">
+            <a:avLst/>
+          </a:prstGeom>
+          <a:ln w="57150">
+            <a:solidFill>
+              <a:schemeClr val="accent4"/>
+            </a:solidFill>
+            <a:tailEnd type="triangle"/>
+          </a:ln>
+        </p:spPr>
+        <p:style>
+          <a:lnRef idx="1">
+            <a:schemeClr val="accent1"/>
+          </a:lnRef>
+          <a:fillRef idx="0">
+            <a:schemeClr val="accent1"/>
+          </a:fillRef>
+          <a:effectRef idx="0">
+            <a:schemeClr val="accent1"/>
+          </a:effectRef>
+          <a:fontRef idx="minor">
+            <a:schemeClr val="tx1"/>
+          </a:fontRef>
+        </p:style>
+      </p:cxnSp>
+      <p:cxnSp>
+        <p:nvCxnSpPr>
+          <p:cNvPr id="39" name="직선 화살표 연결선 38"/>
+          <p:cNvCxnSpPr/>
+          <p:nvPr/>
+        </p:nvCxnSpPr>
+        <p:spPr>
+          <a:xfrm flipH="1">
+            <a:off x="4953000" y="4169896"/>
+            <a:ext cx="414709" cy="20378"/>
+          </a:xfrm>
+          <a:prstGeom prst="straightConnector1">
+            <a:avLst/>
+          </a:prstGeom>
+          <a:ln w="57150">
+            <a:solidFill>
+              <a:schemeClr val="accent4"/>
+            </a:solidFill>
+            <a:tailEnd type="triangle"/>
+          </a:ln>
+        </p:spPr>
+        <p:style>
+          <a:lnRef idx="1">
+            <a:schemeClr val="accent1"/>
+          </a:lnRef>
+          <a:fillRef idx="0">
+            <a:schemeClr val="accent1"/>
+          </a:fillRef>
+          <a:effectRef idx="0">
+            <a:schemeClr val="accent1"/>
+          </a:effectRef>
+          <a:fontRef idx="minor">
+            <a:schemeClr val="tx1"/>
+          </a:fontRef>
+        </p:style>
+      </p:cxnSp>
+      <p:cxnSp>
+        <p:nvCxnSpPr>
+          <p:cNvPr id="40" name="직선 화살표 연결선 39"/>
+          <p:cNvCxnSpPr/>
+          <p:nvPr/>
+        </p:nvCxnSpPr>
+        <p:spPr>
+          <a:xfrm flipH="1">
+            <a:off x="4932039" y="4716764"/>
+            <a:ext cx="414709" cy="20378"/>
+          </a:xfrm>
+          <a:prstGeom prst="straightConnector1">
+            <a:avLst/>
+          </a:prstGeom>
+          <a:ln w="57150">
+            <a:solidFill>
+              <a:schemeClr val="accent4"/>
+            </a:solidFill>
+            <a:tailEnd type="triangle"/>
+          </a:ln>
+        </p:spPr>
+        <p:style>
+          <a:lnRef idx="1">
+            <a:schemeClr val="accent1"/>
+          </a:lnRef>
+          <a:fillRef idx="0">
+            <a:schemeClr val="accent1"/>
+          </a:fillRef>
+          <a:effectRef idx="0">
+            <a:schemeClr val="accent1"/>
+          </a:effectRef>
+          <a:fontRef idx="minor">
+            <a:schemeClr val="tx1"/>
+          </a:fontRef>
+        </p:style>
+      </p:cxnSp>
+      <p:cxnSp>
+        <p:nvCxnSpPr>
+          <p:cNvPr id="41" name="직선 화살표 연결선 40"/>
+          <p:cNvCxnSpPr/>
+          <p:nvPr/>
+        </p:nvCxnSpPr>
+        <p:spPr>
+          <a:xfrm flipH="1">
+            <a:off x="4986886" y="5274584"/>
+            <a:ext cx="414709" cy="20378"/>
+          </a:xfrm>
+          <a:prstGeom prst="straightConnector1">
+            <a:avLst/>
+          </a:prstGeom>
+          <a:ln w="57150">
+            <a:solidFill>
+              <a:schemeClr val="accent4"/>
+            </a:solidFill>
+            <a:tailEnd type="triangle"/>
+          </a:ln>
+        </p:spPr>
+        <p:style>
+          <a:lnRef idx="1">
+            <a:schemeClr val="accent1"/>
+          </a:lnRef>
+          <a:fillRef idx="0">
+            <a:schemeClr val="accent1"/>
+          </a:fillRef>
+          <a:effectRef idx="0">
+            <a:schemeClr val="accent1"/>
+          </a:effectRef>
+          <a:fontRef idx="minor">
+            <a:schemeClr val="tx1"/>
+          </a:fontRef>
+        </p:style>
+      </p:cxnSp>
+      <p:sp>
+        <p:nvSpPr>
+          <p:cNvPr id="42" name="TextBox 41"/>
+          <p:cNvSpPr txBox="1"/>
+          <p:nvPr/>
+        </p:nvSpPr>
+        <p:spPr>
+          <a:xfrm>
+            <a:off x="3155837" y="3876299"/>
+            <a:ext cx="1029449" cy="276999"/>
+          </a:xfrm>
+          <a:prstGeom prst="rect">
+            <a:avLst/>
+          </a:prstGeom>
+          <a:noFill/>
+        </p:spPr>
+        <p:txBody>
+          <a:bodyPr wrap="none" rtlCol="0">
+            <a:spAutoFit/>
+          </a:bodyPr>
+          <a:lstStyle/>
+          <a:p>
+            <a:r>
+              <a:rPr lang="en-US" altLang="ko-KR" sz="1200" dirty="0" smtClean="0">
+                <a:latin typeface="+mn-ea"/>
+              </a:rPr>
+              <a:t>select min</a:t>
+            </a:r>
+            <a:endParaRPr lang="ko-KR" altLang="en-US" sz="1200" dirty="0">
+              <a:latin typeface="+mn-ea"/>
+            </a:endParaRPr>
+          </a:p>
+        </p:txBody>
+      </p:sp>
+      <p:sp>
+        <p:nvSpPr>
+          <p:cNvPr id="43" name="TextBox 42"/>
+          <p:cNvSpPr txBox="1"/>
+          <p:nvPr/>
+        </p:nvSpPr>
+        <p:spPr>
+          <a:xfrm>
+            <a:off x="3713050" y="5589240"/>
+            <a:ext cx="1527982" cy="261610"/>
+          </a:xfrm>
+          <a:prstGeom prst="rect">
+            <a:avLst/>
+          </a:prstGeom>
+          <a:noFill/>
+        </p:spPr>
+        <p:txBody>
+          <a:bodyPr wrap="none" rtlCol="0">
+            <a:spAutoFit/>
+          </a:bodyPr>
+          <a:lstStyle/>
+          <a:p>
+            <a:r>
+              <a:rPr lang="en-US" altLang="ko-KR" sz="1100" dirty="0" smtClean="0">
+                <a:latin typeface="+mn-ea"/>
+              </a:rPr>
+              <a:t>List of min values</a:t>
+            </a:r>
+            <a:endParaRPr lang="ko-KR" altLang="en-US" sz="1100" dirty="0">
+              <a:latin typeface="+mn-ea"/>
+            </a:endParaRPr>
+          </a:p>
+        </p:txBody>
+      </p:sp>
+    </p:spTree>
+    <p:extLst>
+      <p:ext uri="{BB962C8B-B14F-4D97-AF65-F5344CB8AC3E}">
+        <p14:creationId xmlns:p14="http://schemas.microsoft.com/office/powerpoint/2010/main" val="4181993988"/>
+      </p:ext>
+    </p:extLst>
+  </p:cSld>
+  <p:clrMapOvr>
+    <a:masterClrMapping/>
+  </p:clrMapOvr>
+  <p:timing>
+    <p:tnLst>
+      <p:par>
+        <p:cTn id="1" dur="indefinite" restart="never" nodeType="tmRoot"/>
+      </p:par>
+    </p:tnLst>
+  </p:timing>
+</p:sld>
+</file>
+
+<file path=ppt/slides/slide24.xml><?xml version="1.0" encoding="utf-8"?>
 <p:sld xmlns:a="http://schemas.openxmlformats.org/drawingml/2006/main" xmlns:r="http://schemas.openxmlformats.org/officeDocument/2006/relationships" xmlns:p="http://schemas.openxmlformats.org/presentationml/2006/main">
   <p:cSld>
     <p:spTree>
@@ -16857,7 +22241,7 @@
 </p:sld>
 </file>
 
-<file path=ppt/slides/slide23.xml><?xml version="1.0" encoding="utf-8"?>
+<file path=ppt/slides/slide25.xml><?xml version="1.0" encoding="utf-8"?>
 <p:sld xmlns:a="http://schemas.openxmlformats.org/drawingml/2006/main" xmlns:r="http://schemas.openxmlformats.org/officeDocument/2006/relationships" xmlns:p="http://schemas.openxmlformats.org/presentationml/2006/main">
   <p:cSld>
     <p:spTree>
@@ -16945,10 +22329,17 @@
   <p:clrMapOvr>
     <a:masterClrMapping/>
   </p:clrMapOvr>
+  <p:timing>
+    <p:tnLst>
+      <p:par>
+        <p:cTn id="1" dur="indefinite" restart="never" nodeType="tmRoot"/>
+      </p:par>
+    </p:tnLst>
+  </p:timing>
 </p:sld>
 </file>
 
-<file path=ppt/slides/slide24.xml><?xml version="1.0" encoding="utf-8"?>
+<file path=ppt/slides/slide26.xml><?xml version="1.0" encoding="utf-8"?>
 <p:sld xmlns:a="http://schemas.openxmlformats.org/drawingml/2006/main" xmlns:r="http://schemas.openxmlformats.org/officeDocument/2006/relationships" xmlns:p="http://schemas.openxmlformats.org/presentationml/2006/main">
   <p:cSld>
     <p:spTree>
@@ -17060,7 +22451,7 @@
 </p:sld>
 </file>
 
-<file path=ppt/slides/slide25.xml><?xml version="1.0" encoding="utf-8"?>
+<file path=ppt/slides/slide27.xml><?xml version="1.0" encoding="utf-8"?>
 <p:sld xmlns:a="http://schemas.openxmlformats.org/drawingml/2006/main" xmlns:r="http://schemas.openxmlformats.org/officeDocument/2006/relationships" xmlns:p="http://schemas.openxmlformats.org/presentationml/2006/main">
   <p:cSld>
     <p:bg>
@@ -17342,6 +22733,13 @@
   <p:clrMapOvr>
     <a:masterClrMapping/>
   </p:clrMapOvr>
+  <p:timing>
+    <p:tnLst>
+      <p:par>
+        <p:cTn id="1" dur="indefinite" restart="never" nodeType="tmRoot"/>
+      </p:par>
+    </p:tnLst>
+  </p:timing>
 </p:sld>
 </file>
 
@@ -18371,7 +23769,6 @@
                 <a:rPr lang="en-US" altLang="ko-KR" sz="1100" dirty="0" smtClean="0"/>
                 <a:t>() : Record</a:t>
               </a:r>
-              <a:endParaRPr lang="en-US" altLang="ko-KR" sz="1100" dirty="0" smtClean="0"/>
             </a:p>
             <a:p>
               <a:pPr algn="ctr"/>
@@ -18381,11 +23778,7 @@
               </a:r>
               <a:r>
                 <a:rPr lang="en-US" altLang="ko-KR" sz="1100" dirty="0" smtClean="0"/>
-                <a:t>() : </a:t>
-              </a:r>
-              <a:r>
-                <a:rPr lang="en-US" altLang="ko-KR" sz="1100" dirty="0" smtClean="0"/>
-                <a:t>Vector[Record]</a:t>
+                <a:t>() : Vector[Record]</a:t>
               </a:r>
               <a:endParaRPr lang="en-US" altLang="ko-KR" sz="1100" dirty="0"/>
             </a:p>
@@ -19280,6 +24673,13 @@
   <p:clrMapOvr>
     <a:masterClrMapping/>
   </p:clrMapOvr>
+  <p:timing>
+    <p:tnLst>
+      <p:par>
+        <p:cTn id="1" dur="indefinite" restart="never" nodeType="tmRoot"/>
+      </p:par>
+    </p:tnLst>
+  </p:timing>
 </p:sld>
 </file>
 
@@ -19319,7 +24719,7 @@
               <a:rPr lang="en-US" altLang="ko-KR" dirty="0" err="1" smtClean="0">
                 <a:latin typeface="+mn-ea"/>
               </a:rPr>
-              <a:t>SingleFile</a:t>
+              <a:t>MultiFile</a:t>
             </a:r>
             <a:endParaRPr lang="ko-KR" altLang="en-US" dirty="0">
               <a:latin typeface="+mn-ea"/>
@@ -19379,14 +24779,14 @@
       </p:sp>
       <p:sp>
         <p:nvSpPr>
-          <p:cNvPr id="5" name="직사각형 4"/>
+          <p:cNvPr id="4" name="직사각형 3"/>
           <p:cNvSpPr/>
           <p:nvPr/>
         </p:nvSpPr>
         <p:spPr>
           <a:xfrm>
-            <a:off x="2504728" y="3867976"/>
-            <a:ext cx="3960440" cy="564420"/>
+            <a:off x="2557340" y="4803995"/>
+            <a:ext cx="720080" cy="648072"/>
           </a:xfrm>
           <a:prstGeom prst="rect">
             <a:avLst/>
@@ -19414,8 +24814,8 @@
           <a:p>
             <a:pPr algn="ctr"/>
             <a:r>
-              <a:rPr lang="en-US" altLang="ko-KR" dirty="0" err="1" smtClean="0"/>
-              <a:t>IBigFile</a:t>
+              <a:rPr lang="en-US" altLang="ko-KR" dirty="0" smtClean="0"/>
+              <a:t>File1</a:t>
             </a:r>
             <a:endParaRPr lang="ko-KR" altLang="en-US" dirty="0"/>
           </a:p>
@@ -19423,202 +24823,16 @@
       </p:sp>
       <p:sp>
         <p:nvSpPr>
-          <p:cNvPr id="6" name="TextBox 5"/>
-          <p:cNvSpPr txBox="1"/>
-          <p:nvPr/>
-        </p:nvSpPr>
-        <p:spPr>
-          <a:xfrm>
-            <a:off x="128464" y="4869160"/>
-            <a:ext cx="1861407" cy="369332"/>
+          <p:cNvPr id="5" name="직사각형 4"/>
+          <p:cNvSpPr/>
+          <p:nvPr/>
+        </p:nvSpPr>
+        <p:spPr>
+          <a:xfrm>
+            <a:off x="2504728" y="3867976"/>
+            <a:ext cx="3960440" cy="564420"/>
           </a:xfrm>
           <a:prstGeom prst="rect">
-            <a:avLst/>
-          </a:prstGeom>
-          <a:noFill/>
-        </p:spPr>
-        <p:txBody>
-          <a:bodyPr wrap="none" rtlCol="0">
-            <a:spAutoFit/>
-          </a:bodyPr>
-          <a:lstStyle/>
-          <a:p>
-            <a:r>
-              <a:rPr lang="en-US" altLang="ko-KR" dirty="0" smtClean="0">
-                <a:latin typeface="+mn-ea"/>
-              </a:rPr>
-              <a:t>Physical View</a:t>
-            </a:r>
-            <a:endParaRPr lang="ko-KR" altLang="en-US" dirty="0">
-              <a:latin typeface="+mn-ea"/>
-            </a:endParaRPr>
-          </a:p>
-        </p:txBody>
-      </p:sp>
-      <p:sp>
-        <p:nvSpPr>
-          <p:cNvPr id="7" name="TextBox 6"/>
-          <p:cNvSpPr txBox="1"/>
-          <p:nvPr/>
-        </p:nvSpPr>
-        <p:spPr>
-          <a:xfrm>
-            <a:off x="128464" y="3965520"/>
-            <a:ext cx="1649811" cy="369332"/>
-          </a:xfrm>
-          <a:prstGeom prst="rect">
-            <a:avLst/>
-          </a:prstGeom>
-          <a:noFill/>
-        </p:spPr>
-        <p:txBody>
-          <a:bodyPr wrap="none" rtlCol="0">
-            <a:spAutoFit/>
-          </a:bodyPr>
-          <a:lstStyle/>
-          <a:p>
-            <a:r>
-              <a:rPr lang="en-US" altLang="ko-KR" dirty="0" smtClean="0">
-                <a:latin typeface="+mn-ea"/>
-              </a:rPr>
-              <a:t>Virtual View</a:t>
-            </a:r>
-            <a:endParaRPr lang="ko-KR" altLang="en-US" dirty="0">
-              <a:latin typeface="+mn-ea"/>
-            </a:endParaRPr>
-          </a:p>
-        </p:txBody>
-      </p:sp>
-      <p:sp>
-        <p:nvSpPr>
-          <p:cNvPr id="8" name="TextBox 7"/>
-          <p:cNvSpPr txBox="1"/>
-          <p:nvPr/>
-        </p:nvSpPr>
-        <p:spPr>
-          <a:xfrm>
-            <a:off x="495300" y="2598195"/>
-            <a:ext cx="753732" cy="369332"/>
-          </a:xfrm>
-          <a:prstGeom prst="rect">
-            <a:avLst/>
-          </a:prstGeom>
-          <a:noFill/>
-        </p:spPr>
-        <p:txBody>
-          <a:bodyPr wrap="none" rtlCol="0">
-            <a:spAutoFit/>
-          </a:bodyPr>
-          <a:lstStyle/>
-          <a:p>
-            <a:r>
-              <a:rPr lang="en-US" altLang="ko-KR" dirty="0" smtClean="0">
-                <a:latin typeface="+mn-ea"/>
-              </a:rPr>
-              <a:t>User</a:t>
-            </a:r>
-            <a:endParaRPr lang="ko-KR" altLang="en-US" dirty="0">
-              <a:latin typeface="+mn-ea"/>
-            </a:endParaRPr>
-          </a:p>
-        </p:txBody>
-      </p:sp>
-      <p:sp>
-        <p:nvSpPr>
-          <p:cNvPr id="9" name="모서리가 둥근 직사각형 8"/>
-          <p:cNvSpPr/>
-          <p:nvPr/>
-        </p:nvSpPr>
-        <p:spPr>
-          <a:xfrm>
-            <a:off x="3080792" y="2598195"/>
-            <a:ext cx="2376264" cy="479653"/>
-          </a:xfrm>
-          <a:prstGeom prst="roundRect">
-            <a:avLst/>
-          </a:prstGeom>
-        </p:spPr>
-        <p:style>
-          <a:lnRef idx="2">
-            <a:schemeClr val="accent1">
-              <a:shade val="50000"/>
-            </a:schemeClr>
-          </a:lnRef>
-          <a:fillRef idx="1">
-            <a:schemeClr val="accent1"/>
-          </a:fillRef>
-          <a:effectRef idx="0">
-            <a:schemeClr val="accent1"/>
-          </a:effectRef>
-          <a:fontRef idx="minor">
-            <a:schemeClr val="lt1"/>
-          </a:fontRef>
-        </p:style>
-        <p:txBody>
-          <a:bodyPr rtlCol="0" anchor="ctr"/>
-          <a:lstStyle/>
-          <a:p>
-            <a:pPr algn="ctr"/>
-            <a:r>
-              <a:rPr lang="en-US" altLang="ko-KR" dirty="0" smtClean="0"/>
-              <a:t>Merge Component</a:t>
-            </a:r>
-            <a:endParaRPr lang="ko-KR" altLang="en-US" dirty="0"/>
-          </a:p>
-        </p:txBody>
-      </p:sp>
-      <p:sp>
-        <p:nvSpPr>
-          <p:cNvPr id="10" name="아래쪽 화살표 9"/>
-          <p:cNvSpPr/>
-          <p:nvPr/>
-        </p:nvSpPr>
-        <p:spPr>
-          <a:xfrm>
-            <a:off x="4124908" y="3256888"/>
-            <a:ext cx="360040" cy="432048"/>
-          </a:xfrm>
-          <a:prstGeom prst="downArrow">
-            <a:avLst/>
-          </a:prstGeom>
-        </p:spPr>
-        <p:style>
-          <a:lnRef idx="2">
-            <a:schemeClr val="accent1">
-              <a:shade val="50000"/>
-            </a:schemeClr>
-          </a:lnRef>
-          <a:fillRef idx="1">
-            <a:schemeClr val="accent1"/>
-          </a:fillRef>
-          <a:effectRef idx="0">
-            <a:schemeClr val="accent1"/>
-          </a:effectRef>
-          <a:fontRef idx="minor">
-            <a:schemeClr val="lt1"/>
-          </a:fontRef>
-        </p:style>
-        <p:txBody>
-          <a:bodyPr rtlCol="0" anchor="ctr"/>
-          <a:lstStyle/>
-          <a:p>
-            <a:pPr algn="ctr"/>
-            <a:endParaRPr lang="ko-KR" altLang="en-US"/>
-          </a:p>
-        </p:txBody>
-      </p:sp>
-      <p:sp>
-        <p:nvSpPr>
-          <p:cNvPr id="15" name="아래쪽 화살표 14"/>
-          <p:cNvSpPr/>
-          <p:nvPr/>
-        </p:nvSpPr>
-        <p:spPr>
-          <a:xfrm>
-            <a:off x="4328509" y="4506830"/>
-            <a:ext cx="164206" cy="239499"/>
-          </a:xfrm>
-          <a:prstGeom prst="downArrow">
             <a:avLst/>
           </a:prstGeom>
         </p:spPr>
@@ -19643,58 +24857,212 @@
           <a:lstStyle/>
           <a:p>
             <a:pPr algn="ctr"/>
-            <a:endParaRPr lang="ko-KR" altLang="en-US"/>
-          </a:p>
-        </p:txBody>
-      </p:sp>
-      <p:cxnSp>
-        <p:nvCxnSpPr>
-          <p:cNvPr id="21" name="직선 연결선 20"/>
-          <p:cNvCxnSpPr/>
-          <p:nvPr/>
-        </p:nvCxnSpPr>
-        <p:spPr>
-          <a:xfrm>
-            <a:off x="164567" y="4581128"/>
-            <a:ext cx="7812769" cy="0"/>
-          </a:xfrm>
-          <a:prstGeom prst="line">
-            <a:avLst/>
-          </a:prstGeom>
-          <a:ln w="28575">
-            <a:solidFill>
-              <a:schemeClr val="accent4"/>
-            </a:solidFill>
-            <a:prstDash val="dash"/>
-          </a:ln>
+            <a:r>
+              <a:rPr lang="en-US" altLang="ko-KR" dirty="0" err="1" smtClean="0"/>
+              <a:t>IBigFile</a:t>
+            </a:r>
+            <a:endParaRPr lang="ko-KR" altLang="en-US" dirty="0"/>
+          </a:p>
+        </p:txBody>
+      </p:sp>
+      <p:sp>
+        <p:nvSpPr>
+          <p:cNvPr id="6" name="TextBox 5"/>
+          <p:cNvSpPr txBox="1"/>
+          <p:nvPr/>
+        </p:nvSpPr>
+        <p:spPr>
+          <a:xfrm>
+            <a:off x="128464" y="4869160"/>
+            <a:ext cx="1861407" cy="369332"/>
+          </a:xfrm>
+          <a:prstGeom prst="rect">
+            <a:avLst/>
+          </a:prstGeom>
+          <a:noFill/>
+        </p:spPr>
+        <p:txBody>
+          <a:bodyPr wrap="none" rtlCol="0">
+            <a:spAutoFit/>
+          </a:bodyPr>
+          <a:lstStyle/>
+          <a:p>
+            <a:r>
+              <a:rPr lang="en-US" altLang="ko-KR" dirty="0" smtClean="0">
+                <a:latin typeface="+mn-ea"/>
+              </a:rPr>
+              <a:t>Physical View</a:t>
+            </a:r>
+            <a:endParaRPr lang="ko-KR" altLang="en-US" dirty="0">
+              <a:latin typeface="+mn-ea"/>
+            </a:endParaRPr>
+          </a:p>
+        </p:txBody>
+      </p:sp>
+      <p:sp>
+        <p:nvSpPr>
+          <p:cNvPr id="7" name="TextBox 6"/>
+          <p:cNvSpPr txBox="1"/>
+          <p:nvPr/>
+        </p:nvSpPr>
+        <p:spPr>
+          <a:xfrm>
+            <a:off x="128464" y="3965520"/>
+            <a:ext cx="1649811" cy="369332"/>
+          </a:xfrm>
+          <a:prstGeom prst="rect">
+            <a:avLst/>
+          </a:prstGeom>
+          <a:noFill/>
+        </p:spPr>
+        <p:txBody>
+          <a:bodyPr wrap="none" rtlCol="0">
+            <a:spAutoFit/>
+          </a:bodyPr>
+          <a:lstStyle/>
+          <a:p>
+            <a:r>
+              <a:rPr lang="en-US" altLang="ko-KR" dirty="0" smtClean="0">
+                <a:latin typeface="+mn-ea"/>
+              </a:rPr>
+              <a:t>Virtual View</a:t>
+            </a:r>
+            <a:endParaRPr lang="ko-KR" altLang="en-US" dirty="0">
+              <a:latin typeface="+mn-ea"/>
+            </a:endParaRPr>
+          </a:p>
+        </p:txBody>
+      </p:sp>
+      <p:sp>
+        <p:nvSpPr>
+          <p:cNvPr id="8" name="TextBox 7"/>
+          <p:cNvSpPr txBox="1"/>
+          <p:nvPr/>
+        </p:nvSpPr>
+        <p:spPr>
+          <a:xfrm>
+            <a:off x="495300" y="2598195"/>
+            <a:ext cx="753732" cy="369332"/>
+          </a:xfrm>
+          <a:prstGeom prst="rect">
+            <a:avLst/>
+          </a:prstGeom>
+          <a:noFill/>
+        </p:spPr>
+        <p:txBody>
+          <a:bodyPr wrap="none" rtlCol="0">
+            <a:spAutoFit/>
+          </a:bodyPr>
+          <a:lstStyle/>
+          <a:p>
+            <a:r>
+              <a:rPr lang="en-US" altLang="ko-KR" dirty="0" smtClean="0">
+                <a:latin typeface="+mn-ea"/>
+              </a:rPr>
+              <a:t>User</a:t>
+            </a:r>
+            <a:endParaRPr lang="ko-KR" altLang="en-US" dirty="0">
+              <a:latin typeface="+mn-ea"/>
+            </a:endParaRPr>
+          </a:p>
+        </p:txBody>
+      </p:sp>
+      <p:sp>
+        <p:nvSpPr>
+          <p:cNvPr id="9" name="모서리가 둥근 직사각형 8"/>
+          <p:cNvSpPr/>
+          <p:nvPr/>
+        </p:nvSpPr>
+        <p:spPr>
+          <a:xfrm>
+            <a:off x="3080792" y="2598195"/>
+            <a:ext cx="2376264" cy="479653"/>
+          </a:xfrm>
+          <a:prstGeom prst="roundRect">
+            <a:avLst/>
+          </a:prstGeom>
         </p:spPr>
         <p:style>
-          <a:lnRef idx="1">
-            <a:schemeClr val="accent1"/>
+          <a:lnRef idx="2">
+            <a:schemeClr val="accent1">
+              <a:shade val="50000"/>
+            </a:schemeClr>
           </a:lnRef>
-          <a:fillRef idx="0">
+          <a:fillRef idx="1">
             <a:schemeClr val="accent1"/>
           </a:fillRef>
           <a:effectRef idx="0">
             <a:schemeClr val="accent1"/>
           </a:effectRef>
           <a:fontRef idx="minor">
-            <a:schemeClr val="tx1"/>
+            <a:schemeClr val="lt1"/>
           </a:fontRef>
         </p:style>
-      </p:cxnSp>
-      <p:sp>
-        <p:nvSpPr>
-          <p:cNvPr id="23" name="직사각형 22"/>
+        <p:txBody>
+          <a:bodyPr rtlCol="0" anchor="ctr"/>
+          <a:lstStyle/>
+          <a:p>
+            <a:pPr algn="ctr"/>
+            <a:r>
+              <a:rPr lang="en-US" altLang="ko-KR" dirty="0" smtClean="0"/>
+              <a:t>Sorter Component</a:t>
+            </a:r>
+            <a:endParaRPr lang="ko-KR" altLang="en-US" dirty="0"/>
+          </a:p>
+        </p:txBody>
+      </p:sp>
+      <p:sp>
+        <p:nvSpPr>
+          <p:cNvPr id="10" name="아래쪽 화살표 9"/>
           <p:cNvSpPr/>
           <p:nvPr/>
         </p:nvSpPr>
         <p:spPr>
           <a:xfrm>
-            <a:off x="2512495" y="4886108"/>
-            <a:ext cx="3960440" cy="564420"/>
-          </a:xfrm>
-          <a:prstGeom prst="rect">
+            <a:off x="4124908" y="3256888"/>
+            <a:ext cx="360040" cy="432048"/>
+          </a:xfrm>
+          <a:prstGeom prst="downArrow">
+            <a:avLst/>
+          </a:prstGeom>
+        </p:spPr>
+        <p:style>
+          <a:lnRef idx="2">
+            <a:schemeClr val="accent1">
+              <a:shade val="50000"/>
+            </a:schemeClr>
+          </a:lnRef>
+          <a:fillRef idx="1">
+            <a:schemeClr val="accent1"/>
+          </a:fillRef>
+          <a:effectRef idx="0">
+            <a:schemeClr val="accent1"/>
+          </a:effectRef>
+          <a:fontRef idx="minor">
+            <a:schemeClr val="lt1"/>
+          </a:fontRef>
+        </p:style>
+        <p:txBody>
+          <a:bodyPr rtlCol="0" anchor="ctr"/>
+          <a:lstStyle/>
+          <a:p>
+            <a:pPr algn="ctr"/>
+            <a:endParaRPr lang="ko-KR" altLang="en-US"/>
+          </a:p>
+        </p:txBody>
+      </p:sp>
+      <p:sp>
+        <p:nvSpPr>
+          <p:cNvPr id="11" name="아래쪽 화살표 10"/>
+          <p:cNvSpPr/>
+          <p:nvPr/>
+        </p:nvSpPr>
+        <p:spPr>
+          <a:xfrm>
+            <a:off x="2825182" y="4475501"/>
+            <a:ext cx="164206" cy="239499"/>
+          </a:xfrm>
+          <a:prstGeom prst="downArrow">
             <a:avLst/>
           </a:prstGeom>
         </p:spPr>
@@ -19719,24 +25087,355 @@
           <a:lstStyle/>
           <a:p>
             <a:pPr algn="ctr"/>
+            <a:endParaRPr lang="ko-KR" altLang="en-US"/>
+          </a:p>
+        </p:txBody>
+      </p:sp>
+      <p:sp>
+        <p:nvSpPr>
+          <p:cNvPr id="12" name="직사각형 11"/>
+          <p:cNvSpPr/>
+          <p:nvPr/>
+        </p:nvSpPr>
+        <p:spPr>
+          <a:xfrm>
+            <a:off x="3435313" y="4799964"/>
+            <a:ext cx="720080" cy="648072"/>
+          </a:xfrm>
+          <a:prstGeom prst="rect">
+            <a:avLst/>
+          </a:prstGeom>
+        </p:spPr>
+        <p:style>
+          <a:lnRef idx="2">
+            <a:schemeClr val="accent6">
+              <a:shade val="50000"/>
+            </a:schemeClr>
+          </a:lnRef>
+          <a:fillRef idx="1">
+            <a:schemeClr val="accent6"/>
+          </a:fillRef>
+          <a:effectRef idx="0">
+            <a:schemeClr val="accent6"/>
+          </a:effectRef>
+          <a:fontRef idx="minor">
+            <a:schemeClr val="lt1"/>
+          </a:fontRef>
+        </p:style>
+        <p:txBody>
+          <a:bodyPr rtlCol="0" anchor="ctr"/>
+          <a:lstStyle/>
+          <a:p>
+            <a:pPr algn="ctr"/>
             <a:r>
               <a:rPr lang="en-US" altLang="ko-KR" dirty="0" smtClean="0"/>
-              <a:t>File 1</a:t>
+              <a:t>File2</a:t>
             </a:r>
             <a:endParaRPr lang="ko-KR" altLang="en-US" dirty="0"/>
           </a:p>
         </p:txBody>
       </p:sp>
+      <p:sp>
+        <p:nvSpPr>
+          <p:cNvPr id="13" name="아래쪽 화살표 12"/>
+          <p:cNvSpPr/>
+          <p:nvPr/>
+        </p:nvSpPr>
+        <p:spPr>
+          <a:xfrm>
+            <a:off x="3703155" y="4471470"/>
+            <a:ext cx="164206" cy="239499"/>
+          </a:xfrm>
+          <a:prstGeom prst="downArrow">
+            <a:avLst/>
+          </a:prstGeom>
+        </p:spPr>
+        <p:style>
+          <a:lnRef idx="2">
+            <a:schemeClr val="accent6">
+              <a:shade val="50000"/>
+            </a:schemeClr>
+          </a:lnRef>
+          <a:fillRef idx="1">
+            <a:schemeClr val="accent6"/>
+          </a:fillRef>
+          <a:effectRef idx="0">
+            <a:schemeClr val="accent6"/>
+          </a:effectRef>
+          <a:fontRef idx="minor">
+            <a:schemeClr val="lt1"/>
+          </a:fontRef>
+        </p:style>
+        <p:txBody>
+          <a:bodyPr rtlCol="0" anchor="ctr"/>
+          <a:lstStyle/>
+          <a:p>
+            <a:pPr algn="ctr"/>
+            <a:endParaRPr lang="ko-KR" altLang="en-US"/>
+          </a:p>
+        </p:txBody>
+      </p:sp>
+      <p:sp>
+        <p:nvSpPr>
+          <p:cNvPr id="14" name="직사각형 13"/>
+          <p:cNvSpPr/>
+          <p:nvPr/>
+        </p:nvSpPr>
+        <p:spPr>
+          <a:xfrm>
+            <a:off x="4338219" y="4790439"/>
+            <a:ext cx="720080" cy="648072"/>
+          </a:xfrm>
+          <a:prstGeom prst="rect">
+            <a:avLst/>
+          </a:prstGeom>
+        </p:spPr>
+        <p:style>
+          <a:lnRef idx="2">
+            <a:schemeClr val="accent6">
+              <a:shade val="50000"/>
+            </a:schemeClr>
+          </a:lnRef>
+          <a:fillRef idx="1">
+            <a:schemeClr val="accent6"/>
+          </a:fillRef>
+          <a:effectRef idx="0">
+            <a:schemeClr val="accent6"/>
+          </a:effectRef>
+          <a:fontRef idx="minor">
+            <a:schemeClr val="lt1"/>
+          </a:fontRef>
+        </p:style>
+        <p:txBody>
+          <a:bodyPr rtlCol="0" anchor="ctr"/>
+          <a:lstStyle/>
+          <a:p>
+            <a:pPr algn="ctr"/>
+            <a:r>
+              <a:rPr lang="en-US" altLang="ko-KR" dirty="0" smtClean="0"/>
+              <a:t>File3</a:t>
+            </a:r>
+            <a:endParaRPr lang="ko-KR" altLang="en-US" dirty="0"/>
+          </a:p>
+        </p:txBody>
+      </p:sp>
+      <p:sp>
+        <p:nvSpPr>
+          <p:cNvPr id="15" name="아래쪽 화살표 14"/>
+          <p:cNvSpPr/>
+          <p:nvPr/>
+        </p:nvSpPr>
+        <p:spPr>
+          <a:xfrm>
+            <a:off x="4606061" y="4461945"/>
+            <a:ext cx="164206" cy="239499"/>
+          </a:xfrm>
+          <a:prstGeom prst="downArrow">
+            <a:avLst/>
+          </a:prstGeom>
+        </p:spPr>
+        <p:style>
+          <a:lnRef idx="2">
+            <a:schemeClr val="accent6">
+              <a:shade val="50000"/>
+            </a:schemeClr>
+          </a:lnRef>
+          <a:fillRef idx="1">
+            <a:schemeClr val="accent6"/>
+          </a:fillRef>
+          <a:effectRef idx="0">
+            <a:schemeClr val="accent6"/>
+          </a:effectRef>
+          <a:fontRef idx="minor">
+            <a:schemeClr val="lt1"/>
+          </a:fontRef>
+        </p:style>
+        <p:txBody>
+          <a:bodyPr rtlCol="0" anchor="ctr"/>
+          <a:lstStyle/>
+          <a:p>
+            <a:pPr algn="ctr"/>
+            <a:endParaRPr lang="ko-KR" altLang="en-US"/>
+          </a:p>
+        </p:txBody>
+      </p:sp>
+      <p:sp>
+        <p:nvSpPr>
+          <p:cNvPr id="18" name="직사각형 17"/>
+          <p:cNvSpPr/>
+          <p:nvPr/>
+        </p:nvSpPr>
+        <p:spPr>
+          <a:xfrm>
+            <a:off x="5798256" y="4810108"/>
+            <a:ext cx="720080" cy="648072"/>
+          </a:xfrm>
+          <a:prstGeom prst="rect">
+            <a:avLst/>
+          </a:prstGeom>
+        </p:spPr>
+        <p:style>
+          <a:lnRef idx="2">
+            <a:schemeClr val="accent6">
+              <a:shade val="50000"/>
+            </a:schemeClr>
+          </a:lnRef>
+          <a:fillRef idx="1">
+            <a:schemeClr val="accent6"/>
+          </a:fillRef>
+          <a:effectRef idx="0">
+            <a:schemeClr val="accent6"/>
+          </a:effectRef>
+          <a:fontRef idx="minor">
+            <a:schemeClr val="lt1"/>
+          </a:fontRef>
+        </p:style>
+        <p:txBody>
+          <a:bodyPr rtlCol="0" anchor="ctr"/>
+          <a:lstStyle/>
+          <a:p>
+            <a:pPr algn="ctr"/>
+            <a:r>
+              <a:rPr lang="en-US" altLang="ko-KR" dirty="0" err="1" smtClean="0"/>
+              <a:t>FileN</a:t>
+            </a:r>
+            <a:endParaRPr lang="ko-KR" altLang="en-US" dirty="0"/>
+          </a:p>
+        </p:txBody>
+      </p:sp>
+      <p:sp>
+        <p:nvSpPr>
+          <p:cNvPr id="19" name="아래쪽 화살표 18"/>
+          <p:cNvSpPr/>
+          <p:nvPr/>
+        </p:nvSpPr>
+        <p:spPr>
+          <a:xfrm>
+            <a:off x="6055631" y="4491686"/>
+            <a:ext cx="164206" cy="239499"/>
+          </a:xfrm>
+          <a:prstGeom prst="downArrow">
+            <a:avLst/>
+          </a:prstGeom>
+        </p:spPr>
+        <p:style>
+          <a:lnRef idx="2">
+            <a:schemeClr val="accent6">
+              <a:shade val="50000"/>
+            </a:schemeClr>
+          </a:lnRef>
+          <a:fillRef idx="1">
+            <a:schemeClr val="accent6"/>
+          </a:fillRef>
+          <a:effectRef idx="0">
+            <a:schemeClr val="accent6"/>
+          </a:effectRef>
+          <a:fontRef idx="minor">
+            <a:schemeClr val="lt1"/>
+          </a:fontRef>
+        </p:style>
+        <p:txBody>
+          <a:bodyPr rtlCol="0" anchor="ctr"/>
+          <a:lstStyle/>
+          <a:p>
+            <a:pPr algn="ctr"/>
+            <a:endParaRPr lang="ko-KR" altLang="en-US"/>
+          </a:p>
+        </p:txBody>
+      </p:sp>
+      <p:sp>
+        <p:nvSpPr>
+          <p:cNvPr id="20" name="TextBox 19"/>
+          <p:cNvSpPr txBox="1"/>
+          <p:nvPr/>
+        </p:nvSpPr>
+        <p:spPr>
+          <a:xfrm>
+            <a:off x="5082809" y="4949478"/>
+            <a:ext cx="655949" cy="369332"/>
+          </a:xfrm>
+          <a:prstGeom prst="rect">
+            <a:avLst/>
+          </a:prstGeom>
+          <a:noFill/>
+        </p:spPr>
+        <p:txBody>
+          <a:bodyPr wrap="none" rtlCol="0">
+            <a:spAutoFit/>
+          </a:bodyPr>
+          <a:lstStyle/>
+          <a:p>
+            <a:r>
+              <a:rPr lang="en-US" altLang="ko-KR" dirty="0" smtClean="0">
+                <a:solidFill>
+                  <a:schemeClr val="accent6"/>
+                </a:solidFill>
+                <a:latin typeface="+mn-ea"/>
+              </a:rPr>
+              <a:t>……</a:t>
+            </a:r>
+            <a:endParaRPr lang="ko-KR" altLang="en-US" dirty="0">
+              <a:solidFill>
+                <a:schemeClr val="accent6"/>
+              </a:solidFill>
+              <a:latin typeface="+mn-ea"/>
+            </a:endParaRPr>
+          </a:p>
+        </p:txBody>
+      </p:sp>
+      <p:cxnSp>
+        <p:nvCxnSpPr>
+          <p:cNvPr id="21" name="직선 연결선 20"/>
+          <p:cNvCxnSpPr/>
+          <p:nvPr/>
+        </p:nvCxnSpPr>
+        <p:spPr>
+          <a:xfrm>
+            <a:off x="164567" y="4581128"/>
+            <a:ext cx="7812769" cy="0"/>
+          </a:xfrm>
+          <a:prstGeom prst="line">
+            <a:avLst/>
+          </a:prstGeom>
+          <a:ln w="28575">
+            <a:solidFill>
+              <a:schemeClr val="accent4"/>
+            </a:solidFill>
+            <a:prstDash val="dash"/>
+          </a:ln>
+        </p:spPr>
+        <p:style>
+          <a:lnRef idx="1">
+            <a:schemeClr val="accent1"/>
+          </a:lnRef>
+          <a:fillRef idx="0">
+            <a:schemeClr val="accent1"/>
+          </a:fillRef>
+          <a:effectRef idx="0">
+            <a:schemeClr val="accent1"/>
+          </a:effectRef>
+          <a:fontRef idx="minor">
+            <a:schemeClr val="tx1"/>
+          </a:fontRef>
+        </p:style>
+      </p:cxnSp>
     </p:spTree>
     <p:extLst>
       <p:ext uri="{BB962C8B-B14F-4D97-AF65-F5344CB8AC3E}">
-        <p14:creationId xmlns:p14="http://schemas.microsoft.com/office/powerpoint/2010/main" val="3563830033"/>
+        <p14:creationId xmlns:p14="http://schemas.microsoft.com/office/powerpoint/2010/main" val="1695905513"/>
       </p:ext>
     </p:extLst>
   </p:cSld>
   <p:clrMapOvr>
     <a:masterClrMapping/>
   </p:clrMapOvr>
+  <p:timing>
+    <p:tnLst>
+      <p:par>
+        <p:cTn id="1" dur="indefinite" restart="never" nodeType="tmRoot"/>
+      </p:par>
+    </p:tnLst>
+  </p:timing>
 </p:sld>
 </file>
 
@@ -19776,7 +25475,7 @@
               <a:rPr lang="en-US" altLang="ko-KR" dirty="0" err="1" smtClean="0">
                 <a:latin typeface="+mn-ea"/>
               </a:rPr>
-              <a:t>MultiFile</a:t>
+              <a:t>SingleFile</a:t>
             </a:r>
             <a:endParaRPr lang="ko-KR" altLang="en-US" dirty="0">
               <a:latin typeface="+mn-ea"/>
@@ -19836,14 +25535,14 @@
       </p:sp>
       <p:sp>
         <p:nvSpPr>
-          <p:cNvPr id="4" name="직사각형 3"/>
+          <p:cNvPr id="5" name="직사각형 4"/>
           <p:cNvSpPr/>
           <p:nvPr/>
         </p:nvSpPr>
         <p:spPr>
           <a:xfrm>
-            <a:off x="2557340" y="4803995"/>
-            <a:ext cx="720080" cy="648072"/>
+            <a:off x="2504728" y="3867976"/>
+            <a:ext cx="3960440" cy="564420"/>
           </a:xfrm>
           <a:prstGeom prst="rect">
             <a:avLst/>
@@ -19871,8 +25570,154 @@
           <a:p>
             <a:pPr algn="ctr"/>
             <a:r>
+              <a:rPr lang="en-US" altLang="ko-KR" dirty="0" err="1" smtClean="0"/>
+              <a:t>IBigFile</a:t>
+            </a:r>
+            <a:endParaRPr lang="ko-KR" altLang="en-US" dirty="0"/>
+          </a:p>
+        </p:txBody>
+      </p:sp>
+      <p:sp>
+        <p:nvSpPr>
+          <p:cNvPr id="6" name="TextBox 5"/>
+          <p:cNvSpPr txBox="1"/>
+          <p:nvPr/>
+        </p:nvSpPr>
+        <p:spPr>
+          <a:xfrm>
+            <a:off x="128464" y="4869160"/>
+            <a:ext cx="1861407" cy="369332"/>
+          </a:xfrm>
+          <a:prstGeom prst="rect">
+            <a:avLst/>
+          </a:prstGeom>
+          <a:noFill/>
+        </p:spPr>
+        <p:txBody>
+          <a:bodyPr wrap="none" rtlCol="0">
+            <a:spAutoFit/>
+          </a:bodyPr>
+          <a:lstStyle/>
+          <a:p>
+            <a:r>
+              <a:rPr lang="en-US" altLang="ko-KR" dirty="0" smtClean="0">
+                <a:latin typeface="+mn-ea"/>
+              </a:rPr>
+              <a:t>Physical View</a:t>
+            </a:r>
+            <a:endParaRPr lang="ko-KR" altLang="en-US" dirty="0">
+              <a:latin typeface="+mn-ea"/>
+            </a:endParaRPr>
+          </a:p>
+        </p:txBody>
+      </p:sp>
+      <p:sp>
+        <p:nvSpPr>
+          <p:cNvPr id="7" name="TextBox 6"/>
+          <p:cNvSpPr txBox="1"/>
+          <p:nvPr/>
+        </p:nvSpPr>
+        <p:spPr>
+          <a:xfrm>
+            <a:off x="128464" y="3965520"/>
+            <a:ext cx="1649811" cy="369332"/>
+          </a:xfrm>
+          <a:prstGeom prst="rect">
+            <a:avLst/>
+          </a:prstGeom>
+          <a:noFill/>
+        </p:spPr>
+        <p:txBody>
+          <a:bodyPr wrap="none" rtlCol="0">
+            <a:spAutoFit/>
+          </a:bodyPr>
+          <a:lstStyle/>
+          <a:p>
+            <a:r>
+              <a:rPr lang="en-US" altLang="ko-KR" dirty="0" smtClean="0">
+                <a:latin typeface="+mn-ea"/>
+              </a:rPr>
+              <a:t>Virtual View</a:t>
+            </a:r>
+            <a:endParaRPr lang="ko-KR" altLang="en-US" dirty="0">
+              <a:latin typeface="+mn-ea"/>
+            </a:endParaRPr>
+          </a:p>
+        </p:txBody>
+      </p:sp>
+      <p:sp>
+        <p:nvSpPr>
+          <p:cNvPr id="8" name="TextBox 7"/>
+          <p:cNvSpPr txBox="1"/>
+          <p:nvPr/>
+        </p:nvSpPr>
+        <p:spPr>
+          <a:xfrm>
+            <a:off x="495300" y="2598195"/>
+            <a:ext cx="753732" cy="369332"/>
+          </a:xfrm>
+          <a:prstGeom prst="rect">
+            <a:avLst/>
+          </a:prstGeom>
+          <a:noFill/>
+        </p:spPr>
+        <p:txBody>
+          <a:bodyPr wrap="none" rtlCol="0">
+            <a:spAutoFit/>
+          </a:bodyPr>
+          <a:lstStyle/>
+          <a:p>
+            <a:r>
+              <a:rPr lang="en-US" altLang="ko-KR" dirty="0" smtClean="0">
+                <a:latin typeface="+mn-ea"/>
+              </a:rPr>
+              <a:t>User</a:t>
+            </a:r>
+            <a:endParaRPr lang="ko-KR" altLang="en-US" dirty="0">
+              <a:latin typeface="+mn-ea"/>
+            </a:endParaRPr>
+          </a:p>
+        </p:txBody>
+      </p:sp>
+      <p:sp>
+        <p:nvSpPr>
+          <p:cNvPr id="9" name="모서리가 둥근 직사각형 8"/>
+          <p:cNvSpPr/>
+          <p:nvPr/>
+        </p:nvSpPr>
+        <p:spPr>
+          <a:xfrm>
+            <a:off x="3080792" y="2598195"/>
+            <a:ext cx="2376264" cy="479653"/>
+          </a:xfrm>
+          <a:prstGeom prst="roundRect">
+            <a:avLst/>
+          </a:prstGeom>
+        </p:spPr>
+        <p:style>
+          <a:lnRef idx="2">
+            <a:schemeClr val="accent1">
+              <a:shade val="50000"/>
+            </a:schemeClr>
+          </a:lnRef>
+          <a:fillRef idx="1">
+            <a:schemeClr val="accent1"/>
+          </a:fillRef>
+          <a:effectRef idx="0">
+            <a:schemeClr val="accent1"/>
+          </a:effectRef>
+          <a:fontRef idx="minor">
+            <a:schemeClr val="lt1"/>
+          </a:fontRef>
+        </p:style>
+        <p:txBody>
+          <a:bodyPr rtlCol="0" anchor="ctr"/>
+          <a:lstStyle/>
+          <a:p>
+            <a:pPr algn="ctr"/>
+            <a:r>
               <a:rPr lang="en-US" altLang="ko-KR" dirty="0" smtClean="0"/>
-              <a:t>File1</a:t>
+              <a:t>Merge Component</a:t>
             </a:r>
             <a:endParaRPr lang="ko-KR" altLang="en-US" dirty="0"/>
           </a:p>
@@ -19880,16 +25725,56 @@
       </p:sp>
       <p:sp>
         <p:nvSpPr>
-          <p:cNvPr id="5" name="직사각형 4"/>
+          <p:cNvPr id="10" name="아래쪽 화살표 9"/>
           <p:cNvSpPr/>
           <p:nvPr/>
         </p:nvSpPr>
         <p:spPr>
           <a:xfrm>
-            <a:off x="2504728" y="3867976"/>
-            <a:ext cx="3960440" cy="564420"/>
-          </a:xfrm>
-          <a:prstGeom prst="rect">
+            <a:off x="4124908" y="3256888"/>
+            <a:ext cx="360040" cy="432048"/>
+          </a:xfrm>
+          <a:prstGeom prst="downArrow">
+            <a:avLst/>
+          </a:prstGeom>
+        </p:spPr>
+        <p:style>
+          <a:lnRef idx="2">
+            <a:schemeClr val="accent1">
+              <a:shade val="50000"/>
+            </a:schemeClr>
+          </a:lnRef>
+          <a:fillRef idx="1">
+            <a:schemeClr val="accent1"/>
+          </a:fillRef>
+          <a:effectRef idx="0">
+            <a:schemeClr val="accent1"/>
+          </a:effectRef>
+          <a:fontRef idx="minor">
+            <a:schemeClr val="lt1"/>
+          </a:fontRef>
+        </p:style>
+        <p:txBody>
+          <a:bodyPr rtlCol="0" anchor="ctr"/>
+          <a:lstStyle/>
+          <a:p>
+            <a:pPr algn="ctr"/>
+            <a:endParaRPr lang="ko-KR" altLang="en-US"/>
+          </a:p>
+        </p:txBody>
+      </p:sp>
+      <p:sp>
+        <p:nvSpPr>
+          <p:cNvPr id="15" name="아래쪽 화살표 14"/>
+          <p:cNvSpPr/>
+          <p:nvPr/>
+        </p:nvSpPr>
+        <p:spPr>
+          <a:xfrm>
+            <a:off x="4328509" y="4506830"/>
+            <a:ext cx="164206" cy="239499"/>
+          </a:xfrm>
+          <a:prstGeom prst="downArrow">
             <a:avLst/>
           </a:prstGeom>
         </p:spPr>
@@ -19914,212 +25799,58 @@
           <a:lstStyle/>
           <a:p>
             <a:pPr algn="ctr"/>
-            <a:r>
-              <a:rPr lang="en-US" altLang="ko-KR" dirty="0" err="1" smtClean="0"/>
-              <a:t>IBigFile</a:t>
-            </a:r>
-            <a:endParaRPr lang="ko-KR" altLang="en-US" dirty="0"/>
-          </a:p>
-        </p:txBody>
-      </p:sp>
-      <p:sp>
-        <p:nvSpPr>
-          <p:cNvPr id="6" name="TextBox 5"/>
-          <p:cNvSpPr txBox="1"/>
-          <p:nvPr/>
-        </p:nvSpPr>
-        <p:spPr>
-          <a:xfrm>
-            <a:off x="128464" y="4869160"/>
-            <a:ext cx="1861407" cy="369332"/>
-          </a:xfrm>
-          <a:prstGeom prst="rect">
-            <a:avLst/>
-          </a:prstGeom>
-          <a:noFill/>
-        </p:spPr>
-        <p:txBody>
-          <a:bodyPr wrap="none" rtlCol="0">
-            <a:spAutoFit/>
-          </a:bodyPr>
-          <a:lstStyle/>
-          <a:p>
-            <a:r>
-              <a:rPr lang="en-US" altLang="ko-KR" dirty="0" smtClean="0">
-                <a:latin typeface="+mn-ea"/>
-              </a:rPr>
-              <a:t>Physical View</a:t>
-            </a:r>
-            <a:endParaRPr lang="ko-KR" altLang="en-US" dirty="0">
-              <a:latin typeface="+mn-ea"/>
-            </a:endParaRPr>
-          </a:p>
-        </p:txBody>
-      </p:sp>
-      <p:sp>
-        <p:nvSpPr>
-          <p:cNvPr id="7" name="TextBox 6"/>
-          <p:cNvSpPr txBox="1"/>
-          <p:nvPr/>
-        </p:nvSpPr>
-        <p:spPr>
-          <a:xfrm>
-            <a:off x="128464" y="3965520"/>
-            <a:ext cx="1649811" cy="369332"/>
-          </a:xfrm>
-          <a:prstGeom prst="rect">
-            <a:avLst/>
-          </a:prstGeom>
-          <a:noFill/>
-        </p:spPr>
-        <p:txBody>
-          <a:bodyPr wrap="none" rtlCol="0">
-            <a:spAutoFit/>
-          </a:bodyPr>
-          <a:lstStyle/>
-          <a:p>
-            <a:r>
-              <a:rPr lang="en-US" altLang="ko-KR" dirty="0" smtClean="0">
-                <a:latin typeface="+mn-ea"/>
-              </a:rPr>
-              <a:t>Virtual View</a:t>
-            </a:r>
-            <a:endParaRPr lang="ko-KR" altLang="en-US" dirty="0">
-              <a:latin typeface="+mn-ea"/>
-            </a:endParaRPr>
-          </a:p>
-        </p:txBody>
-      </p:sp>
-      <p:sp>
-        <p:nvSpPr>
-          <p:cNvPr id="8" name="TextBox 7"/>
-          <p:cNvSpPr txBox="1"/>
-          <p:nvPr/>
-        </p:nvSpPr>
-        <p:spPr>
-          <a:xfrm>
-            <a:off x="495300" y="2598195"/>
-            <a:ext cx="753732" cy="369332"/>
-          </a:xfrm>
-          <a:prstGeom prst="rect">
-            <a:avLst/>
-          </a:prstGeom>
-          <a:noFill/>
-        </p:spPr>
-        <p:txBody>
-          <a:bodyPr wrap="none" rtlCol="0">
-            <a:spAutoFit/>
-          </a:bodyPr>
-          <a:lstStyle/>
-          <a:p>
-            <a:r>
-              <a:rPr lang="en-US" altLang="ko-KR" dirty="0" smtClean="0">
-                <a:latin typeface="+mn-ea"/>
-              </a:rPr>
-              <a:t>User</a:t>
-            </a:r>
-            <a:endParaRPr lang="ko-KR" altLang="en-US" dirty="0">
-              <a:latin typeface="+mn-ea"/>
-            </a:endParaRPr>
-          </a:p>
-        </p:txBody>
-      </p:sp>
-      <p:sp>
-        <p:nvSpPr>
-          <p:cNvPr id="9" name="모서리가 둥근 직사각형 8"/>
-          <p:cNvSpPr/>
-          <p:nvPr/>
-        </p:nvSpPr>
-        <p:spPr>
-          <a:xfrm>
-            <a:off x="3080792" y="2598195"/>
-            <a:ext cx="2376264" cy="479653"/>
-          </a:xfrm>
-          <a:prstGeom prst="roundRect">
-            <a:avLst/>
-          </a:prstGeom>
+            <a:endParaRPr lang="ko-KR" altLang="en-US"/>
+          </a:p>
+        </p:txBody>
+      </p:sp>
+      <p:cxnSp>
+        <p:nvCxnSpPr>
+          <p:cNvPr id="21" name="직선 연결선 20"/>
+          <p:cNvCxnSpPr/>
+          <p:nvPr/>
+        </p:nvCxnSpPr>
+        <p:spPr>
+          <a:xfrm>
+            <a:off x="164567" y="4581128"/>
+            <a:ext cx="7812769" cy="0"/>
+          </a:xfrm>
+          <a:prstGeom prst="line">
+            <a:avLst/>
+          </a:prstGeom>
+          <a:ln w="28575">
+            <a:solidFill>
+              <a:schemeClr val="accent4"/>
+            </a:solidFill>
+            <a:prstDash val="dash"/>
+          </a:ln>
         </p:spPr>
         <p:style>
-          <a:lnRef idx="2">
-            <a:schemeClr val="accent1">
-              <a:shade val="50000"/>
-            </a:schemeClr>
+          <a:lnRef idx="1">
+            <a:schemeClr val="accent1"/>
           </a:lnRef>
-          <a:fillRef idx="1">
+          <a:fillRef idx="0">
             <a:schemeClr val="accent1"/>
           </a:fillRef>
           <a:effectRef idx="0">
             <a:schemeClr val="accent1"/>
           </a:effectRef>
           <a:fontRef idx="minor">
-            <a:schemeClr val="lt1"/>
+            <a:schemeClr val="tx1"/>
           </a:fontRef>
         </p:style>
-        <p:txBody>
-          <a:bodyPr rtlCol="0" anchor="ctr"/>
-          <a:lstStyle/>
-          <a:p>
-            <a:pPr algn="ctr"/>
-            <a:r>
-              <a:rPr lang="en-US" altLang="ko-KR" dirty="0" smtClean="0"/>
-              <a:t>Sorter Component</a:t>
-            </a:r>
-            <a:endParaRPr lang="ko-KR" altLang="en-US" dirty="0"/>
-          </a:p>
-        </p:txBody>
-      </p:sp>
-      <p:sp>
-        <p:nvSpPr>
-          <p:cNvPr id="10" name="아래쪽 화살표 9"/>
+      </p:cxnSp>
+      <p:sp>
+        <p:nvSpPr>
+          <p:cNvPr id="23" name="직사각형 22"/>
           <p:cNvSpPr/>
           <p:nvPr/>
         </p:nvSpPr>
         <p:spPr>
           <a:xfrm>
-            <a:off x="4124908" y="3256888"/>
-            <a:ext cx="360040" cy="432048"/>
-          </a:xfrm>
-          <a:prstGeom prst="downArrow">
-            <a:avLst/>
-          </a:prstGeom>
-        </p:spPr>
-        <p:style>
-          <a:lnRef idx="2">
-            <a:schemeClr val="accent1">
-              <a:shade val="50000"/>
-            </a:schemeClr>
-          </a:lnRef>
-          <a:fillRef idx="1">
-            <a:schemeClr val="accent1"/>
-          </a:fillRef>
-          <a:effectRef idx="0">
-            <a:schemeClr val="accent1"/>
-          </a:effectRef>
-          <a:fontRef idx="minor">
-            <a:schemeClr val="lt1"/>
-          </a:fontRef>
-        </p:style>
-        <p:txBody>
-          <a:bodyPr rtlCol="0" anchor="ctr"/>
-          <a:lstStyle/>
-          <a:p>
-            <a:pPr algn="ctr"/>
-            <a:endParaRPr lang="ko-KR" altLang="en-US"/>
-          </a:p>
-        </p:txBody>
-      </p:sp>
-      <p:sp>
-        <p:nvSpPr>
-          <p:cNvPr id="11" name="아래쪽 화살표 10"/>
-          <p:cNvSpPr/>
-          <p:nvPr/>
-        </p:nvSpPr>
-        <p:spPr>
-          <a:xfrm>
-            <a:off x="2825182" y="4475501"/>
-            <a:ext cx="164206" cy="239499"/>
-          </a:xfrm>
-          <a:prstGeom prst="downArrow">
+            <a:off x="2512495" y="4886108"/>
+            <a:ext cx="3960440" cy="564420"/>
+          </a:xfrm>
+          <a:prstGeom prst="rect">
             <a:avLst/>
           </a:prstGeom>
         </p:spPr>
@@ -20144,348 +25875,31 @@
           <a:lstStyle/>
           <a:p>
             <a:pPr algn="ctr"/>
-            <a:endParaRPr lang="ko-KR" altLang="en-US"/>
-          </a:p>
-        </p:txBody>
-      </p:sp>
-      <p:sp>
-        <p:nvSpPr>
-          <p:cNvPr id="12" name="직사각형 11"/>
-          <p:cNvSpPr/>
-          <p:nvPr/>
-        </p:nvSpPr>
-        <p:spPr>
-          <a:xfrm>
-            <a:off x="3435313" y="4799964"/>
-            <a:ext cx="720080" cy="648072"/>
-          </a:xfrm>
-          <a:prstGeom prst="rect">
-            <a:avLst/>
-          </a:prstGeom>
-        </p:spPr>
-        <p:style>
-          <a:lnRef idx="2">
-            <a:schemeClr val="accent6">
-              <a:shade val="50000"/>
-            </a:schemeClr>
-          </a:lnRef>
-          <a:fillRef idx="1">
-            <a:schemeClr val="accent6"/>
-          </a:fillRef>
-          <a:effectRef idx="0">
-            <a:schemeClr val="accent6"/>
-          </a:effectRef>
-          <a:fontRef idx="minor">
-            <a:schemeClr val="lt1"/>
-          </a:fontRef>
-        </p:style>
-        <p:txBody>
-          <a:bodyPr rtlCol="0" anchor="ctr"/>
-          <a:lstStyle/>
-          <a:p>
-            <a:pPr algn="ctr"/>
             <a:r>
               <a:rPr lang="en-US" altLang="ko-KR" dirty="0" smtClean="0"/>
-              <a:t>File2</a:t>
+              <a:t>File 1</a:t>
             </a:r>
             <a:endParaRPr lang="ko-KR" altLang="en-US" dirty="0"/>
           </a:p>
         </p:txBody>
       </p:sp>
-      <p:sp>
-        <p:nvSpPr>
-          <p:cNvPr id="13" name="아래쪽 화살표 12"/>
-          <p:cNvSpPr/>
-          <p:nvPr/>
-        </p:nvSpPr>
-        <p:spPr>
-          <a:xfrm>
-            <a:off x="3703155" y="4471470"/>
-            <a:ext cx="164206" cy="239499"/>
-          </a:xfrm>
-          <a:prstGeom prst="downArrow">
-            <a:avLst/>
-          </a:prstGeom>
-        </p:spPr>
-        <p:style>
-          <a:lnRef idx="2">
-            <a:schemeClr val="accent6">
-              <a:shade val="50000"/>
-            </a:schemeClr>
-          </a:lnRef>
-          <a:fillRef idx="1">
-            <a:schemeClr val="accent6"/>
-          </a:fillRef>
-          <a:effectRef idx="0">
-            <a:schemeClr val="accent6"/>
-          </a:effectRef>
-          <a:fontRef idx="minor">
-            <a:schemeClr val="lt1"/>
-          </a:fontRef>
-        </p:style>
-        <p:txBody>
-          <a:bodyPr rtlCol="0" anchor="ctr"/>
-          <a:lstStyle/>
-          <a:p>
-            <a:pPr algn="ctr"/>
-            <a:endParaRPr lang="ko-KR" altLang="en-US"/>
-          </a:p>
-        </p:txBody>
-      </p:sp>
-      <p:sp>
-        <p:nvSpPr>
-          <p:cNvPr id="14" name="직사각형 13"/>
-          <p:cNvSpPr/>
-          <p:nvPr/>
-        </p:nvSpPr>
-        <p:spPr>
-          <a:xfrm>
-            <a:off x="4338219" y="4790439"/>
-            <a:ext cx="720080" cy="648072"/>
-          </a:xfrm>
-          <a:prstGeom prst="rect">
-            <a:avLst/>
-          </a:prstGeom>
-        </p:spPr>
-        <p:style>
-          <a:lnRef idx="2">
-            <a:schemeClr val="accent6">
-              <a:shade val="50000"/>
-            </a:schemeClr>
-          </a:lnRef>
-          <a:fillRef idx="1">
-            <a:schemeClr val="accent6"/>
-          </a:fillRef>
-          <a:effectRef idx="0">
-            <a:schemeClr val="accent6"/>
-          </a:effectRef>
-          <a:fontRef idx="minor">
-            <a:schemeClr val="lt1"/>
-          </a:fontRef>
-        </p:style>
-        <p:txBody>
-          <a:bodyPr rtlCol="0" anchor="ctr"/>
-          <a:lstStyle/>
-          <a:p>
-            <a:pPr algn="ctr"/>
-            <a:r>
-              <a:rPr lang="en-US" altLang="ko-KR" dirty="0" smtClean="0"/>
-              <a:t>File3</a:t>
-            </a:r>
-            <a:endParaRPr lang="ko-KR" altLang="en-US" dirty="0"/>
-          </a:p>
-        </p:txBody>
-      </p:sp>
-      <p:sp>
-        <p:nvSpPr>
-          <p:cNvPr id="15" name="아래쪽 화살표 14"/>
-          <p:cNvSpPr/>
-          <p:nvPr/>
-        </p:nvSpPr>
-        <p:spPr>
-          <a:xfrm>
-            <a:off x="4606061" y="4461945"/>
-            <a:ext cx="164206" cy="239499"/>
-          </a:xfrm>
-          <a:prstGeom prst="downArrow">
-            <a:avLst/>
-          </a:prstGeom>
-        </p:spPr>
-        <p:style>
-          <a:lnRef idx="2">
-            <a:schemeClr val="accent6">
-              <a:shade val="50000"/>
-            </a:schemeClr>
-          </a:lnRef>
-          <a:fillRef idx="1">
-            <a:schemeClr val="accent6"/>
-          </a:fillRef>
-          <a:effectRef idx="0">
-            <a:schemeClr val="accent6"/>
-          </a:effectRef>
-          <a:fontRef idx="minor">
-            <a:schemeClr val="lt1"/>
-          </a:fontRef>
-        </p:style>
-        <p:txBody>
-          <a:bodyPr rtlCol="0" anchor="ctr"/>
-          <a:lstStyle/>
-          <a:p>
-            <a:pPr algn="ctr"/>
-            <a:endParaRPr lang="ko-KR" altLang="en-US"/>
-          </a:p>
-        </p:txBody>
-      </p:sp>
-      <p:sp>
-        <p:nvSpPr>
-          <p:cNvPr id="18" name="직사각형 17"/>
-          <p:cNvSpPr/>
-          <p:nvPr/>
-        </p:nvSpPr>
-        <p:spPr>
-          <a:xfrm>
-            <a:off x="5798256" y="4810108"/>
-            <a:ext cx="720080" cy="648072"/>
-          </a:xfrm>
-          <a:prstGeom prst="rect">
-            <a:avLst/>
-          </a:prstGeom>
-        </p:spPr>
-        <p:style>
-          <a:lnRef idx="2">
-            <a:schemeClr val="accent6">
-              <a:shade val="50000"/>
-            </a:schemeClr>
-          </a:lnRef>
-          <a:fillRef idx="1">
-            <a:schemeClr val="accent6"/>
-          </a:fillRef>
-          <a:effectRef idx="0">
-            <a:schemeClr val="accent6"/>
-          </a:effectRef>
-          <a:fontRef idx="minor">
-            <a:schemeClr val="lt1"/>
-          </a:fontRef>
-        </p:style>
-        <p:txBody>
-          <a:bodyPr rtlCol="0" anchor="ctr"/>
-          <a:lstStyle/>
-          <a:p>
-            <a:pPr algn="ctr"/>
-            <a:r>
-              <a:rPr lang="en-US" altLang="ko-KR" dirty="0" err="1" smtClean="0"/>
-              <a:t>FileN</a:t>
-            </a:r>
-            <a:endParaRPr lang="ko-KR" altLang="en-US" dirty="0"/>
-          </a:p>
-        </p:txBody>
-      </p:sp>
-      <p:sp>
-        <p:nvSpPr>
-          <p:cNvPr id="19" name="아래쪽 화살표 18"/>
-          <p:cNvSpPr/>
-          <p:nvPr/>
-        </p:nvSpPr>
-        <p:spPr>
-          <a:xfrm>
-            <a:off x="6055631" y="4491686"/>
-            <a:ext cx="164206" cy="239499"/>
-          </a:xfrm>
-          <a:prstGeom prst="downArrow">
-            <a:avLst/>
-          </a:prstGeom>
-        </p:spPr>
-        <p:style>
-          <a:lnRef idx="2">
-            <a:schemeClr val="accent6">
-              <a:shade val="50000"/>
-            </a:schemeClr>
-          </a:lnRef>
-          <a:fillRef idx="1">
-            <a:schemeClr val="accent6"/>
-          </a:fillRef>
-          <a:effectRef idx="0">
-            <a:schemeClr val="accent6"/>
-          </a:effectRef>
-          <a:fontRef idx="minor">
-            <a:schemeClr val="lt1"/>
-          </a:fontRef>
-        </p:style>
-        <p:txBody>
-          <a:bodyPr rtlCol="0" anchor="ctr"/>
-          <a:lstStyle/>
-          <a:p>
-            <a:pPr algn="ctr"/>
-            <a:endParaRPr lang="ko-KR" altLang="en-US"/>
-          </a:p>
-        </p:txBody>
-      </p:sp>
-      <p:sp>
-        <p:nvSpPr>
-          <p:cNvPr id="20" name="TextBox 19"/>
-          <p:cNvSpPr txBox="1"/>
-          <p:nvPr/>
-        </p:nvSpPr>
-        <p:spPr>
-          <a:xfrm>
-            <a:off x="5082809" y="4949478"/>
-            <a:ext cx="655949" cy="369332"/>
-          </a:xfrm>
-          <a:prstGeom prst="rect">
-            <a:avLst/>
-          </a:prstGeom>
-          <a:noFill/>
-        </p:spPr>
-        <p:txBody>
-          <a:bodyPr wrap="none" rtlCol="0">
-            <a:spAutoFit/>
-          </a:bodyPr>
-          <a:lstStyle/>
-          <a:p>
-            <a:r>
-              <a:rPr lang="en-US" altLang="ko-KR" dirty="0" smtClean="0">
-                <a:solidFill>
-                  <a:schemeClr val="accent6"/>
-                </a:solidFill>
-                <a:latin typeface="+mn-ea"/>
-              </a:rPr>
-              <a:t>……</a:t>
-            </a:r>
-            <a:endParaRPr lang="ko-KR" altLang="en-US" dirty="0">
-              <a:solidFill>
-                <a:schemeClr val="accent6"/>
-              </a:solidFill>
-              <a:latin typeface="+mn-ea"/>
-            </a:endParaRPr>
-          </a:p>
-        </p:txBody>
-      </p:sp>
-      <p:cxnSp>
-        <p:nvCxnSpPr>
-          <p:cNvPr id="21" name="직선 연결선 20"/>
-          <p:cNvCxnSpPr/>
-          <p:nvPr/>
-        </p:nvCxnSpPr>
-        <p:spPr>
-          <a:xfrm>
-            <a:off x="164567" y="4581128"/>
-            <a:ext cx="7812769" cy="0"/>
-          </a:xfrm>
-          <a:prstGeom prst="line">
-            <a:avLst/>
-          </a:prstGeom>
-          <a:ln w="28575">
-            <a:solidFill>
-              <a:schemeClr val="accent4"/>
-            </a:solidFill>
-            <a:prstDash val="dash"/>
-          </a:ln>
-        </p:spPr>
-        <p:style>
-          <a:lnRef idx="1">
-            <a:schemeClr val="accent1"/>
-          </a:lnRef>
-          <a:fillRef idx="0">
-            <a:schemeClr val="accent1"/>
-          </a:fillRef>
-          <a:effectRef idx="0">
-            <a:schemeClr val="accent1"/>
-          </a:effectRef>
-          <a:fontRef idx="minor">
-            <a:schemeClr val="tx1"/>
-          </a:fontRef>
-        </p:style>
-      </p:cxnSp>
     </p:spTree>
     <p:extLst>
       <p:ext uri="{BB962C8B-B14F-4D97-AF65-F5344CB8AC3E}">
-        <p14:creationId xmlns:p14="http://schemas.microsoft.com/office/powerpoint/2010/main" val="1695905513"/>
+        <p14:creationId xmlns:p14="http://schemas.microsoft.com/office/powerpoint/2010/main" val="3563830033"/>
       </p:ext>
     </p:extLst>
   </p:cSld>
   <p:clrMapOvr>
     <a:masterClrMapping/>
   </p:clrMapOvr>
+  <p:timing>
+    <p:tnLst>
+      <p:par>
+        <p:cTn id="1" dur="indefinite" restart="never" nodeType="tmRoot"/>
+      </p:par>
+    </p:tnLst>
+  </p:timing>
 </p:sld>
 </file>
 

--- a/Document/orange_progress.pptx
+++ b/Document/orange_progress.pptx
@@ -5,7 +5,7 @@
     <p:sldMasterId id="2147483648" r:id="rId1"/>
   </p:sldMasterIdLst>
   <p:notesMasterIdLst>
-    <p:notesMasterId r:id="rId29"/>
+    <p:notesMasterId r:id="rId34"/>
   </p:notesMasterIdLst>
   <p:sldIdLst>
     <p:sldId id="274" r:id="rId2"/>
@@ -33,28 +33,33 @@
     <p:sldId id="302" r:id="rId24"/>
     <p:sldId id="300" r:id="rId25"/>
     <p:sldId id="301" r:id="rId26"/>
-    <p:sldId id="290" r:id="rId27"/>
-    <p:sldId id="262" r:id="rId28"/>
+    <p:sldId id="315" r:id="rId27"/>
+    <p:sldId id="316" r:id="rId28"/>
+    <p:sldId id="317" r:id="rId29"/>
+    <p:sldId id="318" r:id="rId30"/>
+    <p:sldId id="319" r:id="rId31"/>
+    <p:sldId id="290" r:id="rId32"/>
+    <p:sldId id="262" r:id="rId33"/>
   </p:sldIdLst>
   <p:sldSz cx="9906000" cy="6858000" type="A4"/>
   <p:notesSz cx="6858000" cy="9144000"/>
   <p:embeddedFontLst>
     <p:embeddedFont>
-      <p:font typeface="1훈점보맘보 B" panose="02020603020101020101" pitchFamily="18" charset="-127"/>
-      <p:regular r:id="rId30"/>
+      <p:font typeface="맑은 고딕" panose="020B0503020000020004" pitchFamily="50" charset="-127"/>
+      <p:regular r:id="rId35"/>
+      <p:bold r:id="rId36"/>
     </p:embeddedFont>
     <p:embeddedFont>
-      <p:font typeface="맑은 고딕" panose="020B0503020000020004" pitchFamily="50" charset="-127"/>
-      <p:regular r:id="rId31"/>
-      <p:bold r:id="rId32"/>
+      <p:font typeface="1훈점보맘보 B" panose="02020603020101020101" pitchFamily="18" charset="-127"/>
+      <p:regular r:id="rId37"/>
     </p:embeddedFont>
     <p:embeddedFont>
       <p:font typeface="a옛날목욕탕B" panose="02020600000000000000" pitchFamily="18" charset="-127"/>
-      <p:regular r:id="rId33"/>
+      <p:regular r:id="rId38"/>
     </p:embeddedFont>
     <p:embeddedFont>
       <p:font typeface="a장미다방" panose="02020600000000000000" pitchFamily="18" charset="-127"/>
-      <p:regular r:id="rId34"/>
+      <p:regular r:id="rId39"/>
     </p:embeddedFont>
   </p:embeddedFontLst>
   <p:defaultTextStyle>
@@ -180,6 +185,13 @@
     <p:extLst>
       <p:ext uri="{19B8F6BF-5375-455C-9EA6-DF929625EA0E}">
         <p15:presenceInfo xmlns:p15="http://schemas.microsoft.com/office/powerpoint/2012/main" userId="Sunlab" providerId="None"/>
+      </p:ext>
+    </p:extLst>
+  </p:cmAuthor>
+  <p:cmAuthor id="3" name="박소연(컴퓨터공학과)" initials="박" lastIdx="3" clrIdx="2">
+    <p:extLst>
+      <p:ext uri="{19B8F6BF-5375-455C-9EA6-DF929625EA0E}">
+        <p15:presenceInfo xmlns:p15="http://schemas.microsoft.com/office/powerpoint/2012/main" userId="박소연(컴퓨터공학과)" providerId="None"/>
       </p:ext>
     </p:extLst>
   </p:cmAuthor>
@@ -414,11 +426,11 @@
         </c:dLbls>
         <c:gapWidth val="219"/>
         <c:overlap val="-27"/>
-        <c:axId val="289143672"/>
-        <c:axId val="288063752"/>
+        <c:axId val="376725856"/>
+        <c:axId val="376727424"/>
       </c:barChart>
       <c:catAx>
-        <c:axId val="289143672"/>
+        <c:axId val="376725856"/>
         <c:scaling>
           <c:orientation val="minMax"/>
         </c:scaling>
@@ -458,7 +470,7 @@
             <a:endParaRPr lang="ko-KR"/>
           </a:p>
         </c:txPr>
-        <c:crossAx val="288063752"/>
+        <c:crossAx val="376727424"/>
         <c:crosses val="autoZero"/>
         <c:auto val="1"/>
         <c:lblAlgn val="ctr"/>
@@ -466,7 +478,7 @@
         <c:noMultiLvlLbl val="0"/>
       </c:catAx>
       <c:valAx>
-        <c:axId val="288063752"/>
+        <c:axId val="376727424"/>
         <c:scaling>
           <c:orientation val="minMax"/>
         </c:scaling>
@@ -476,7 +488,7 @@
         <c:majorTickMark val="none"/>
         <c:minorTickMark val="none"/>
         <c:tickLblPos val="nextTo"/>
-        <c:crossAx val="289143672"/>
+        <c:crossAx val="376725856"/>
         <c:crosses val="autoZero"/>
         <c:crossBetween val="between"/>
       </c:valAx>
@@ -1088,6 +1100,20 @@
     </cs:spPr>
   </cs:wall>
 </cs:chartStyle>
+</file>
+
+<file path=ppt/comments/comment1.xml><?xml version="1.0" encoding="utf-8"?>
+<p:cmLst xmlns:a="http://schemas.openxmlformats.org/drawingml/2006/main" xmlns:r="http://schemas.openxmlformats.org/officeDocument/2006/relationships" xmlns:p="http://schemas.openxmlformats.org/presentationml/2006/main">
+  <p:cm authorId="3" dt="2015-11-16T15:04:47.834" idx="1">
+    <p:pos x="4620" y="2826"/>
+    <p:text>merge sorting 안하고 send 함</p:text>
+    <p:extLst>
+      <p:ext uri="{C676402C-5697-4E1C-873F-D02D1690AC5C}">
+        <p15:threadingInfo xmlns:p15="http://schemas.microsoft.com/office/powerpoint/2012/main" timeZoneBias="-540"/>
+      </p:ext>
+    </p:extLst>
+  </p:cm>
+</p:cmLst>
 </file>
 
 <file path=ppt/diagrams/colors1.xml><?xml version="1.0" encoding="utf-8"?>
@@ -2511,8 +2537,8 @@
     <dgm:cxn modelId="{0E5A64C9-D5B5-4DE5-B66B-86562E4CC025}" type="presOf" srcId="{A070F197-9297-4B33-AAF3-B769E57878DE}" destId="{E27DB5A7-CC8E-4758-8453-18D24A0505C1}" srcOrd="0" destOrd="1" presId="urn:microsoft.com/office/officeart/2005/8/layout/vList4"/>
     <dgm:cxn modelId="{68A2E6B7-E57C-4874-A495-48BE22252A50}" type="presOf" srcId="{13688F96-5F1B-406B-BF52-A2A34FF3FA7C}" destId="{903AB6FC-EC3D-4AC0-8D25-671EEAD2081B}" srcOrd="0" destOrd="0" presId="urn:microsoft.com/office/officeart/2005/8/layout/vList4"/>
     <dgm:cxn modelId="{4B9DFD2A-69F9-4F94-9F16-270AA0C311EA}" type="presOf" srcId="{3AA82E58-53AB-4B6E-AB8B-047999B4F01D}" destId="{4A80448C-264F-4C0F-B3A7-608A0A6C83BD}" srcOrd="1" destOrd="0" presId="urn:microsoft.com/office/officeart/2005/8/layout/vList4"/>
+    <dgm:cxn modelId="{F4E8AB94-B46E-485C-BE13-49DB149ECED9}" type="presOf" srcId="{A070F197-9297-4B33-AAF3-B769E57878DE}" destId="{ABF0FDDA-3A10-44DB-B0D0-F5497810FA71}" srcOrd="1" destOrd="1" presId="urn:microsoft.com/office/officeart/2005/8/layout/vList4"/>
     <dgm:cxn modelId="{028940B8-EA3A-4CFC-80B9-CEE133DF58EE}" srcId="{BA10C49B-0280-4E65-A2D4-0A67B7446C28}" destId="{503B2025-20B9-4061-BEBB-DCF7405C1411}" srcOrd="2" destOrd="0" parTransId="{5E901687-878F-4FC4-8D3C-45A468B0CA71}" sibTransId="{16DE65A8-9D75-4790-BB1A-5ACF1547EFBB}"/>
-    <dgm:cxn modelId="{F4E8AB94-B46E-485C-BE13-49DB149ECED9}" type="presOf" srcId="{A070F197-9297-4B33-AAF3-B769E57878DE}" destId="{ABF0FDDA-3A10-44DB-B0D0-F5497810FA71}" srcOrd="1" destOrd="1" presId="urn:microsoft.com/office/officeart/2005/8/layout/vList4"/>
     <dgm:cxn modelId="{50C6101B-087D-4311-85EA-E51384F8D769}" type="presOf" srcId="{235E198F-200E-4BA7-8E70-8F6E8081A492}" destId="{202723C3-87C0-41BE-86CD-006D92A7DAA6}" srcOrd="0" destOrd="0" presId="urn:microsoft.com/office/officeart/2005/8/layout/vList4"/>
     <dgm:cxn modelId="{BC21A3DD-7914-45F7-BADB-F4A23D361F7F}" type="presOf" srcId="{BA10C49B-0280-4E65-A2D4-0A67B7446C28}" destId="{E27DB5A7-CC8E-4758-8453-18D24A0505C1}" srcOrd="0" destOrd="0" presId="urn:microsoft.com/office/officeart/2005/8/layout/vList4"/>
     <dgm:cxn modelId="{0FC85221-0158-4F8F-8716-5E605628B836}" srcId="{235E198F-200E-4BA7-8E70-8F6E8081A492}" destId="{E7217845-0FE2-44A5-A655-C9C9CBC5F088}" srcOrd="1" destOrd="0" parTransId="{D2A7A1BA-733B-46CE-B60C-9817C9F9BE4F}" sibTransId="{BBC1AF22-51A4-4DF2-B39C-62DB8E9C01D6}"/>
@@ -4400,7 +4426,7 @@
           <a:p>
             <a:fld id="{716CBC22-4D74-4D56-A03A-366EC60B9D92}" type="datetimeFigureOut">
               <a:rPr lang="ko-KR" altLang="en-US" smtClean="0"/>
-              <a:t>2015-11-14</a:t>
+              <a:t>2015-11-16</a:t>
             </a:fld>
             <a:endParaRPr lang="ko-KR" altLang="en-US"/>
           </a:p>
@@ -4752,6 +4778,258 @@
 </p:notes>
 </file>
 
+<file path=ppt/notesSlides/notesSlide10.xml><?xml version="1.0" encoding="utf-8"?>
+<p:notes xmlns:a="http://schemas.openxmlformats.org/drawingml/2006/main" xmlns:r="http://schemas.openxmlformats.org/officeDocument/2006/relationships" xmlns:p="http://schemas.openxmlformats.org/presentationml/2006/main">
+  <p:cSld>
+    <p:spTree>
+      <p:nvGrpSpPr>
+        <p:cNvPr id="1" name=""/>
+        <p:cNvGrpSpPr/>
+        <p:nvPr/>
+      </p:nvGrpSpPr>
+      <p:grpSpPr>
+        <a:xfrm>
+          <a:off x="0" y="0"/>
+          <a:ext cx="0" cy="0"/>
+          <a:chOff x="0" y="0"/>
+          <a:chExt cx="0" cy="0"/>
+        </a:xfrm>
+      </p:grpSpPr>
+      <p:sp>
+        <p:nvSpPr>
+          <p:cNvPr id="2" name="슬라이드 이미지 개체 틀 1"/>
+          <p:cNvSpPr>
+            <a:spLocks noGrp="1" noRot="1" noChangeAspect="1"/>
+          </p:cNvSpPr>
+          <p:nvPr>
+            <p:ph type="sldImg"/>
+          </p:nvPr>
+        </p:nvSpPr>
+        <p:spPr/>
+      </p:sp>
+      <p:sp>
+        <p:nvSpPr>
+          <p:cNvPr id="3" name="슬라이드 노트 개체 틀 2"/>
+          <p:cNvSpPr>
+            <a:spLocks noGrp="1"/>
+          </p:cNvSpPr>
+          <p:nvPr>
+            <p:ph type="body" idx="1"/>
+          </p:nvPr>
+        </p:nvSpPr>
+        <p:spPr/>
+        <p:txBody>
+          <a:bodyPr/>
+          <a:lstStyle/>
+          <a:p>
+            <a:endParaRPr lang="ko-KR" altLang="en-US" dirty="0"/>
+          </a:p>
+        </p:txBody>
+      </p:sp>
+      <p:sp>
+        <p:nvSpPr>
+          <p:cNvPr id="4" name="슬라이드 번호 개체 틀 3"/>
+          <p:cNvSpPr>
+            <a:spLocks noGrp="1"/>
+          </p:cNvSpPr>
+          <p:nvPr>
+            <p:ph type="sldNum" sz="quarter" idx="10"/>
+          </p:nvPr>
+        </p:nvSpPr>
+        <p:spPr/>
+        <p:txBody>
+          <a:bodyPr/>
+          <a:lstStyle/>
+          <a:p>
+            <a:fld id="{46D22BF3-38FA-481D-913B-266A10439B2E}" type="slidenum">
+              <a:rPr lang="ko-KR" altLang="en-US" smtClean="0"/>
+              <a:t>28</a:t>
+            </a:fld>
+            <a:endParaRPr lang="ko-KR" altLang="en-US"/>
+          </a:p>
+        </p:txBody>
+      </p:sp>
+    </p:spTree>
+    <p:extLst>
+      <p:ext uri="{BB962C8B-B14F-4D97-AF65-F5344CB8AC3E}">
+        <p14:creationId xmlns:p14="http://schemas.microsoft.com/office/powerpoint/2010/main" val="4043481416"/>
+      </p:ext>
+    </p:extLst>
+  </p:cSld>
+  <p:clrMapOvr>
+    <a:masterClrMapping/>
+  </p:clrMapOvr>
+</p:notes>
+</file>
+
+<file path=ppt/notesSlides/notesSlide11.xml><?xml version="1.0" encoding="utf-8"?>
+<p:notes xmlns:a="http://schemas.openxmlformats.org/drawingml/2006/main" xmlns:r="http://schemas.openxmlformats.org/officeDocument/2006/relationships" xmlns:p="http://schemas.openxmlformats.org/presentationml/2006/main">
+  <p:cSld>
+    <p:spTree>
+      <p:nvGrpSpPr>
+        <p:cNvPr id="1" name=""/>
+        <p:cNvGrpSpPr/>
+        <p:nvPr/>
+      </p:nvGrpSpPr>
+      <p:grpSpPr>
+        <a:xfrm>
+          <a:off x="0" y="0"/>
+          <a:ext cx="0" cy="0"/>
+          <a:chOff x="0" y="0"/>
+          <a:chExt cx="0" cy="0"/>
+        </a:xfrm>
+      </p:grpSpPr>
+      <p:sp>
+        <p:nvSpPr>
+          <p:cNvPr id="2" name="슬라이드 이미지 개체 틀 1"/>
+          <p:cNvSpPr>
+            <a:spLocks noGrp="1" noRot="1" noChangeAspect="1"/>
+          </p:cNvSpPr>
+          <p:nvPr>
+            <p:ph type="sldImg"/>
+          </p:nvPr>
+        </p:nvSpPr>
+        <p:spPr/>
+      </p:sp>
+      <p:sp>
+        <p:nvSpPr>
+          <p:cNvPr id="3" name="슬라이드 노트 개체 틀 2"/>
+          <p:cNvSpPr>
+            <a:spLocks noGrp="1"/>
+          </p:cNvSpPr>
+          <p:nvPr>
+            <p:ph type="body" idx="1"/>
+          </p:nvPr>
+        </p:nvSpPr>
+        <p:spPr/>
+        <p:txBody>
+          <a:bodyPr/>
+          <a:lstStyle/>
+          <a:p>
+            <a:endParaRPr lang="ko-KR" altLang="en-US" dirty="0"/>
+          </a:p>
+        </p:txBody>
+      </p:sp>
+      <p:sp>
+        <p:nvSpPr>
+          <p:cNvPr id="4" name="슬라이드 번호 개체 틀 3"/>
+          <p:cNvSpPr>
+            <a:spLocks noGrp="1"/>
+          </p:cNvSpPr>
+          <p:nvPr>
+            <p:ph type="sldNum" sz="quarter" idx="10"/>
+          </p:nvPr>
+        </p:nvSpPr>
+        <p:spPr/>
+        <p:txBody>
+          <a:bodyPr/>
+          <a:lstStyle/>
+          <a:p>
+            <a:fld id="{46D22BF3-38FA-481D-913B-266A10439B2E}" type="slidenum">
+              <a:rPr lang="ko-KR" altLang="en-US" smtClean="0"/>
+              <a:t>29</a:t>
+            </a:fld>
+            <a:endParaRPr lang="ko-KR" altLang="en-US"/>
+          </a:p>
+        </p:txBody>
+      </p:sp>
+    </p:spTree>
+    <p:extLst>
+      <p:ext uri="{BB962C8B-B14F-4D97-AF65-F5344CB8AC3E}">
+        <p14:creationId xmlns:p14="http://schemas.microsoft.com/office/powerpoint/2010/main" val="3454004817"/>
+      </p:ext>
+    </p:extLst>
+  </p:cSld>
+  <p:clrMapOvr>
+    <a:masterClrMapping/>
+  </p:clrMapOvr>
+</p:notes>
+</file>
+
+<file path=ppt/notesSlides/notesSlide12.xml><?xml version="1.0" encoding="utf-8"?>
+<p:notes xmlns:a="http://schemas.openxmlformats.org/drawingml/2006/main" xmlns:r="http://schemas.openxmlformats.org/officeDocument/2006/relationships" xmlns:p="http://schemas.openxmlformats.org/presentationml/2006/main">
+  <p:cSld>
+    <p:spTree>
+      <p:nvGrpSpPr>
+        <p:cNvPr id="1" name=""/>
+        <p:cNvGrpSpPr/>
+        <p:nvPr/>
+      </p:nvGrpSpPr>
+      <p:grpSpPr>
+        <a:xfrm>
+          <a:off x="0" y="0"/>
+          <a:ext cx="0" cy="0"/>
+          <a:chOff x="0" y="0"/>
+          <a:chExt cx="0" cy="0"/>
+        </a:xfrm>
+      </p:grpSpPr>
+      <p:sp>
+        <p:nvSpPr>
+          <p:cNvPr id="2" name="슬라이드 이미지 개체 틀 1"/>
+          <p:cNvSpPr>
+            <a:spLocks noGrp="1" noRot="1" noChangeAspect="1"/>
+          </p:cNvSpPr>
+          <p:nvPr>
+            <p:ph type="sldImg"/>
+          </p:nvPr>
+        </p:nvSpPr>
+        <p:spPr/>
+      </p:sp>
+      <p:sp>
+        <p:nvSpPr>
+          <p:cNvPr id="3" name="슬라이드 노트 개체 틀 2"/>
+          <p:cNvSpPr>
+            <a:spLocks noGrp="1"/>
+          </p:cNvSpPr>
+          <p:nvPr>
+            <p:ph type="body" idx="1"/>
+          </p:nvPr>
+        </p:nvSpPr>
+        <p:spPr/>
+        <p:txBody>
+          <a:bodyPr/>
+          <a:lstStyle/>
+          <a:p>
+            <a:endParaRPr lang="ko-KR" altLang="en-US" dirty="0"/>
+          </a:p>
+        </p:txBody>
+      </p:sp>
+      <p:sp>
+        <p:nvSpPr>
+          <p:cNvPr id="4" name="슬라이드 번호 개체 틀 3"/>
+          <p:cNvSpPr>
+            <a:spLocks noGrp="1"/>
+          </p:cNvSpPr>
+          <p:nvPr>
+            <p:ph type="sldNum" sz="quarter" idx="10"/>
+          </p:nvPr>
+        </p:nvSpPr>
+        <p:spPr/>
+        <p:txBody>
+          <a:bodyPr/>
+          <a:lstStyle/>
+          <a:p>
+            <a:fld id="{46D22BF3-38FA-481D-913B-266A10439B2E}" type="slidenum">
+              <a:rPr lang="ko-KR" altLang="en-US" smtClean="0"/>
+              <a:t>30</a:t>
+            </a:fld>
+            <a:endParaRPr lang="ko-KR" altLang="en-US"/>
+          </a:p>
+        </p:txBody>
+      </p:sp>
+    </p:spTree>
+    <p:extLst>
+      <p:ext uri="{BB962C8B-B14F-4D97-AF65-F5344CB8AC3E}">
+        <p14:creationId xmlns:p14="http://schemas.microsoft.com/office/powerpoint/2010/main" val="2246544244"/>
+      </p:ext>
+    </p:extLst>
+  </p:cSld>
+  <p:clrMapOvr>
+    <a:masterClrMapping/>
+  </p:clrMapOvr>
+</p:notes>
+</file>
+
 <file path=ppt/notesSlides/notesSlide2.xml><?xml version="1.0" encoding="utf-8"?>
 <p:notes xmlns:a="http://schemas.openxmlformats.org/drawingml/2006/main" xmlns:r="http://schemas.openxmlformats.org/officeDocument/2006/relationships" xmlns:p="http://schemas.openxmlformats.org/presentationml/2006/main">
   <p:cSld>
@@ -5512,6 +5790,174 @@
     <p:extLst>
       <p:ext uri="{BB962C8B-B14F-4D97-AF65-F5344CB8AC3E}">
         <p14:creationId xmlns:p14="http://schemas.microsoft.com/office/powerpoint/2010/main" val="2474704245"/>
+      </p:ext>
+    </p:extLst>
+  </p:cSld>
+  <p:clrMapOvr>
+    <a:masterClrMapping/>
+  </p:clrMapOvr>
+</p:notes>
+</file>
+
+<file path=ppt/notesSlides/notesSlide8.xml><?xml version="1.0" encoding="utf-8"?>
+<p:notes xmlns:a="http://schemas.openxmlformats.org/drawingml/2006/main" xmlns:r="http://schemas.openxmlformats.org/officeDocument/2006/relationships" xmlns:p="http://schemas.openxmlformats.org/presentationml/2006/main">
+  <p:cSld>
+    <p:spTree>
+      <p:nvGrpSpPr>
+        <p:cNvPr id="1" name=""/>
+        <p:cNvGrpSpPr/>
+        <p:nvPr/>
+      </p:nvGrpSpPr>
+      <p:grpSpPr>
+        <a:xfrm>
+          <a:off x="0" y="0"/>
+          <a:ext cx="0" cy="0"/>
+          <a:chOff x="0" y="0"/>
+          <a:chExt cx="0" cy="0"/>
+        </a:xfrm>
+      </p:grpSpPr>
+      <p:sp>
+        <p:nvSpPr>
+          <p:cNvPr id="2" name="슬라이드 이미지 개체 틀 1"/>
+          <p:cNvSpPr>
+            <a:spLocks noGrp="1" noRot="1" noChangeAspect="1"/>
+          </p:cNvSpPr>
+          <p:nvPr>
+            <p:ph type="sldImg"/>
+          </p:nvPr>
+        </p:nvSpPr>
+        <p:spPr/>
+      </p:sp>
+      <p:sp>
+        <p:nvSpPr>
+          <p:cNvPr id="3" name="슬라이드 노트 개체 틀 2"/>
+          <p:cNvSpPr>
+            <a:spLocks noGrp="1"/>
+          </p:cNvSpPr>
+          <p:nvPr>
+            <p:ph type="body" idx="1"/>
+          </p:nvPr>
+        </p:nvSpPr>
+        <p:spPr/>
+        <p:txBody>
+          <a:bodyPr/>
+          <a:lstStyle/>
+          <a:p>
+            <a:endParaRPr lang="ko-KR" altLang="en-US" dirty="0"/>
+          </a:p>
+        </p:txBody>
+      </p:sp>
+      <p:sp>
+        <p:nvSpPr>
+          <p:cNvPr id="4" name="슬라이드 번호 개체 틀 3"/>
+          <p:cNvSpPr>
+            <a:spLocks noGrp="1"/>
+          </p:cNvSpPr>
+          <p:nvPr>
+            <p:ph type="sldNum" sz="quarter" idx="10"/>
+          </p:nvPr>
+        </p:nvSpPr>
+        <p:spPr/>
+        <p:txBody>
+          <a:bodyPr/>
+          <a:lstStyle/>
+          <a:p>
+            <a:fld id="{46D22BF3-38FA-481D-913B-266A10439B2E}" type="slidenum">
+              <a:rPr lang="ko-KR" altLang="en-US" smtClean="0"/>
+              <a:t>26</a:t>
+            </a:fld>
+            <a:endParaRPr lang="ko-KR" altLang="en-US"/>
+          </a:p>
+        </p:txBody>
+      </p:sp>
+    </p:spTree>
+    <p:extLst>
+      <p:ext uri="{BB962C8B-B14F-4D97-AF65-F5344CB8AC3E}">
+        <p14:creationId xmlns:p14="http://schemas.microsoft.com/office/powerpoint/2010/main" val="1785960567"/>
+      </p:ext>
+    </p:extLst>
+  </p:cSld>
+  <p:clrMapOvr>
+    <a:masterClrMapping/>
+  </p:clrMapOvr>
+</p:notes>
+</file>
+
+<file path=ppt/notesSlides/notesSlide9.xml><?xml version="1.0" encoding="utf-8"?>
+<p:notes xmlns:a="http://schemas.openxmlformats.org/drawingml/2006/main" xmlns:r="http://schemas.openxmlformats.org/officeDocument/2006/relationships" xmlns:p="http://schemas.openxmlformats.org/presentationml/2006/main">
+  <p:cSld>
+    <p:spTree>
+      <p:nvGrpSpPr>
+        <p:cNvPr id="1" name=""/>
+        <p:cNvGrpSpPr/>
+        <p:nvPr/>
+      </p:nvGrpSpPr>
+      <p:grpSpPr>
+        <a:xfrm>
+          <a:off x="0" y="0"/>
+          <a:ext cx="0" cy="0"/>
+          <a:chOff x="0" y="0"/>
+          <a:chExt cx="0" cy="0"/>
+        </a:xfrm>
+      </p:grpSpPr>
+      <p:sp>
+        <p:nvSpPr>
+          <p:cNvPr id="2" name="슬라이드 이미지 개체 틀 1"/>
+          <p:cNvSpPr>
+            <a:spLocks noGrp="1" noRot="1" noChangeAspect="1"/>
+          </p:cNvSpPr>
+          <p:nvPr>
+            <p:ph type="sldImg"/>
+          </p:nvPr>
+        </p:nvSpPr>
+        <p:spPr/>
+      </p:sp>
+      <p:sp>
+        <p:nvSpPr>
+          <p:cNvPr id="3" name="슬라이드 노트 개체 틀 2"/>
+          <p:cNvSpPr>
+            <a:spLocks noGrp="1"/>
+          </p:cNvSpPr>
+          <p:nvPr>
+            <p:ph type="body" idx="1"/>
+          </p:nvPr>
+        </p:nvSpPr>
+        <p:spPr/>
+        <p:txBody>
+          <a:bodyPr/>
+          <a:lstStyle/>
+          <a:p>
+            <a:endParaRPr lang="ko-KR" altLang="en-US" dirty="0"/>
+          </a:p>
+        </p:txBody>
+      </p:sp>
+      <p:sp>
+        <p:nvSpPr>
+          <p:cNvPr id="4" name="슬라이드 번호 개체 틀 3"/>
+          <p:cNvSpPr>
+            <a:spLocks noGrp="1"/>
+          </p:cNvSpPr>
+          <p:nvPr>
+            <p:ph type="sldNum" sz="quarter" idx="10"/>
+          </p:nvPr>
+        </p:nvSpPr>
+        <p:spPr/>
+        <p:txBody>
+          <a:bodyPr/>
+          <a:lstStyle/>
+          <a:p>
+            <a:fld id="{46D22BF3-38FA-481D-913B-266A10439B2E}" type="slidenum">
+              <a:rPr lang="ko-KR" altLang="en-US" smtClean="0"/>
+              <a:t>27</a:t>
+            </a:fld>
+            <a:endParaRPr lang="ko-KR" altLang="en-US"/>
+          </a:p>
+        </p:txBody>
+      </p:sp>
+    </p:spTree>
+    <p:extLst>
+      <p:ext uri="{BB962C8B-B14F-4D97-AF65-F5344CB8AC3E}">
+        <p14:creationId xmlns:p14="http://schemas.microsoft.com/office/powerpoint/2010/main" val="3664721492"/>
       </p:ext>
     </p:extLst>
   </p:cSld>
@@ -5710,7 +6156,7 @@
           <a:p>
             <a:fld id="{B63F1667-DD0B-4DF4-9B5D-4AC61A8EA750}" type="datetimeFigureOut">
               <a:rPr lang="ko-KR" altLang="en-US" smtClean="0"/>
-              <a:t>2015-11-14</a:t>
+              <a:t>2015-11-16</a:t>
             </a:fld>
             <a:endParaRPr lang="ko-KR" altLang="en-US" dirty="0"/>
           </a:p>
@@ -5903,7 +6349,7 @@
           <a:p>
             <a:fld id="{B63F1667-DD0B-4DF4-9B5D-4AC61A8EA750}" type="datetimeFigureOut">
               <a:rPr lang="ko-KR" altLang="en-US" smtClean="0"/>
-              <a:t>2015-11-14</a:t>
+              <a:t>2015-11-16</a:t>
             </a:fld>
             <a:endParaRPr lang="ko-KR" altLang="en-US" dirty="0"/>
           </a:p>
@@ -6106,7 +6552,7 @@
           <a:p>
             <a:fld id="{B63F1667-DD0B-4DF4-9B5D-4AC61A8EA750}" type="datetimeFigureOut">
               <a:rPr lang="ko-KR" altLang="en-US" smtClean="0"/>
-              <a:t>2015-11-14</a:t>
+              <a:t>2015-11-16</a:t>
             </a:fld>
             <a:endParaRPr lang="ko-KR" altLang="en-US" dirty="0"/>
           </a:p>
@@ -7151,7 +7597,7 @@
           <a:p>
             <a:fld id="{B63F1667-DD0B-4DF4-9B5D-4AC61A8EA750}" type="datetimeFigureOut">
               <a:rPr lang="ko-KR" altLang="en-US" smtClean="0"/>
-              <a:t>2015-11-14</a:t>
+              <a:t>2015-11-16</a:t>
             </a:fld>
             <a:endParaRPr lang="ko-KR" altLang="en-US" dirty="0"/>
           </a:p>
@@ -7462,7 +7908,7 @@
           <a:p>
             <a:fld id="{B63F1667-DD0B-4DF4-9B5D-4AC61A8EA750}" type="datetimeFigureOut">
               <a:rPr lang="ko-KR" altLang="en-US" smtClean="0"/>
-              <a:t>2015-11-14</a:t>
+              <a:t>2015-11-16</a:t>
             </a:fld>
             <a:endParaRPr lang="ko-KR" altLang="en-US" dirty="0"/>
           </a:p>
@@ -7907,7 +8353,7 @@
           <a:p>
             <a:fld id="{B63F1667-DD0B-4DF4-9B5D-4AC61A8EA750}" type="datetimeFigureOut">
               <a:rPr lang="ko-KR" altLang="en-US" smtClean="0"/>
-              <a:t>2015-11-14</a:t>
+              <a:t>2015-11-16</a:t>
             </a:fld>
             <a:endParaRPr lang="ko-KR" altLang="en-US" dirty="0"/>
           </a:p>
@@ -8048,7 +8494,7 @@
           <a:p>
             <a:fld id="{B63F1667-DD0B-4DF4-9B5D-4AC61A8EA750}" type="datetimeFigureOut">
               <a:rPr lang="ko-KR" altLang="en-US" smtClean="0"/>
-              <a:t>2015-11-14</a:t>
+              <a:t>2015-11-16</a:t>
             </a:fld>
             <a:endParaRPr lang="ko-KR" altLang="en-US" dirty="0"/>
           </a:p>
@@ -8159,7 +8605,7 @@
           <a:p>
             <a:fld id="{B63F1667-DD0B-4DF4-9B5D-4AC61A8EA750}" type="datetimeFigureOut">
               <a:rPr lang="ko-KR" altLang="en-US" smtClean="0"/>
-              <a:t>2015-11-14</a:t>
+              <a:t>2015-11-16</a:t>
             </a:fld>
             <a:endParaRPr lang="ko-KR" altLang="en-US" dirty="0"/>
           </a:p>
@@ -8459,7 +8905,7 @@
           <a:p>
             <a:fld id="{B63F1667-DD0B-4DF4-9B5D-4AC61A8EA750}" type="datetimeFigureOut">
               <a:rPr lang="ko-KR" altLang="en-US" smtClean="0"/>
-              <a:t>2015-11-14</a:t>
+              <a:t>2015-11-16</a:t>
             </a:fld>
             <a:endParaRPr lang="ko-KR" altLang="en-US" dirty="0"/>
           </a:p>
@@ -8735,7 +9181,7 @@
           <a:p>
             <a:fld id="{B63F1667-DD0B-4DF4-9B5D-4AC61A8EA750}" type="datetimeFigureOut">
               <a:rPr lang="ko-KR" altLang="en-US" smtClean="0"/>
-              <a:t>2015-11-14</a:t>
+              <a:t>2015-11-16</a:t>
             </a:fld>
             <a:endParaRPr lang="ko-KR" altLang="en-US" dirty="0"/>
           </a:p>
@@ -12430,13 +12876,7 @@
               <a:rPr lang="en-US" altLang="ko-KR" dirty="0" smtClean="0">
                 <a:latin typeface="+mn-ea"/>
               </a:rPr>
-              <a:t>Merge Sorting </a:t>
-            </a:r>
-            <a:r>
-              <a:rPr lang="en-US" altLang="ko-KR" dirty="0" smtClean="0">
-                <a:latin typeface="+mn-ea"/>
-              </a:rPr>
-              <a:t>and File </a:t>
+              <a:t>Merge Sorting and File </a:t>
             </a:r>
             <a:r>
               <a:rPr lang="en-US" altLang="ko-KR" dirty="0">
@@ -12558,15 +12998,7 @@
                   <a:schemeClr val="bg1"/>
                 </a:solidFill>
               </a:rPr>
-              <a:t>(</a:t>
-            </a:r>
-            <a:r>
-              <a:rPr lang="en-US" altLang="ko-KR" dirty="0" smtClean="0">
-                <a:solidFill>
-                  <a:schemeClr val="bg1"/>
-                </a:solidFill>
-              </a:rPr>
-              <a:t>Virtual)N </a:t>
+              <a:t>(Virtual)N </a:t>
             </a:r>
             <a:r>
               <a:rPr lang="en-US" altLang="ko-KR" dirty="0" err="1" smtClean="0"/>
@@ -14980,9 +15412,6 @@
               </a:rPr>
               <a:t>offset</a:t>
             </a:r>
-            <a:endParaRPr lang="en-US" altLang="ko-KR" sz="2000" dirty="0" smtClean="0">
-              <a:latin typeface="+mn-ea"/>
-            </a:endParaRPr>
           </a:p>
           <a:p>
             <a:pPr marL="0" indent="0">
@@ -15896,7 +16325,6 @@
               <a:rPr lang="en-US" altLang="ko-KR" dirty="0" smtClean="0"/>
               <a:t> -&gt; constant 32MB</a:t>
             </a:r>
-            <a:endParaRPr lang="en-US" altLang="ko-KR" dirty="0" smtClean="0"/>
           </a:p>
           <a:p>
             <a:pPr algn="ctr"/>
@@ -15906,22 +16334,14 @@
             </a:r>
             <a:r>
               <a:rPr lang="en-US" altLang="ko-KR" dirty="0" smtClean="0"/>
-              <a:t> Index </a:t>
-            </a:r>
+              <a:t> Index = 10000</a:t>
+            </a:r>
+          </a:p>
+          <a:p>
+            <a:pPr algn="ctr"/>
             <a:r>
               <a:rPr lang="en-US" altLang="ko-KR" dirty="0" smtClean="0"/>
-              <a:t>= 10000</a:t>
-            </a:r>
-          </a:p>
-          <a:p>
-            <a:pPr algn="ctr"/>
-            <a:r>
-              <a:rPr lang="en-US" altLang="ko-KR" dirty="0" smtClean="0"/>
-              <a:t>File Index = </a:t>
-            </a:r>
-            <a:r>
-              <a:rPr lang="en-US" altLang="ko-KR" dirty="0" smtClean="0"/>
-              <a:t>10000/</a:t>
+              <a:t>File Index = 10000/</a:t>
             </a:r>
             <a:r>
               <a:rPr lang="en-US" altLang="ko-KR" dirty="0" err="1" smtClean="0"/>
@@ -15936,11 +16356,7 @@
             </a:br>
             <a:r>
               <a:rPr lang="en-US" altLang="ko-KR" dirty="0" smtClean="0"/>
-              <a:t>Record Index = </a:t>
-            </a:r>
-            <a:r>
-              <a:rPr lang="en-US" altLang="ko-KR" dirty="0" smtClean="0"/>
-              <a:t>10000%RecordsNumEachBlock</a:t>
+              <a:t>Record Index = 10000%RecordsNumEachBlock</a:t>
             </a:r>
             <a:endParaRPr lang="ko-KR" altLang="en-US" dirty="0"/>
           </a:p>
@@ -16464,17 +16880,8 @@
               <a:rPr lang="en-US" altLang="ko-KR" sz="2800" dirty="0" smtClean="0">
                 <a:latin typeface="+mn-ea"/>
               </a:rPr>
-              <a:t>Optimization </a:t>
-            </a:r>
-            <a:r>
-              <a:rPr lang="en-US" altLang="ko-KR" sz="2800" dirty="0" smtClean="0">
-                <a:latin typeface="+mn-ea"/>
-              </a:rPr>
-              <a:t>1 (Append Record)</a:t>
-            </a:r>
-            <a:endParaRPr lang="en-US" altLang="ko-KR" sz="2800" dirty="0" smtClean="0">
-              <a:latin typeface="+mn-ea"/>
-            </a:endParaRPr>
+              <a:t>Optimization 1 (Append Record)</a:t>
+            </a:r>
           </a:p>
           <a:p>
             <a:pPr lvl="1"/>
@@ -16482,13 +16889,7 @@
               <a:rPr lang="en-US" altLang="ko-KR" sz="2000" dirty="0" smtClean="0">
                 <a:latin typeface="+mn-ea"/>
               </a:rPr>
-              <a:t>Memory Mapped </a:t>
-            </a:r>
-            <a:r>
-              <a:rPr lang="en-US" altLang="ko-KR" sz="2000" dirty="0" smtClean="0">
-                <a:latin typeface="+mn-ea"/>
-              </a:rPr>
-              <a:t>File</a:t>
+              <a:t>Memory Mapped File</a:t>
             </a:r>
           </a:p>
           <a:p>
@@ -17305,17 +17706,8 @@
               <a:rPr lang="en-US" altLang="ko-KR" sz="2800" dirty="0" smtClean="0">
                 <a:latin typeface="+mn-ea"/>
               </a:rPr>
-              <a:t>Optimization </a:t>
-            </a:r>
-            <a:r>
-              <a:rPr lang="en-US" altLang="ko-KR" sz="2800" dirty="0" smtClean="0">
-                <a:latin typeface="+mn-ea"/>
-              </a:rPr>
-              <a:t>1 (Append Record)</a:t>
-            </a:r>
-            <a:endParaRPr lang="en-US" altLang="ko-KR" sz="2800" dirty="0" smtClean="0">
-              <a:latin typeface="+mn-ea"/>
-            </a:endParaRPr>
+              <a:t>Optimization 1 (Append Record)</a:t>
+            </a:r>
           </a:p>
           <a:p>
             <a:pPr lvl="1"/>
@@ -18288,7 +18680,7 @@
         </p:nvSpPr>
         <p:spPr>
           <a:xfrm>
-            <a:off x="560512" y="4426671"/>
+            <a:off x="560512" y="4433270"/>
             <a:ext cx="9107055" cy="435890"/>
           </a:xfrm>
           <a:prstGeom prst="rect">
@@ -21153,17 +21545,8 @@
               <a:rPr lang="en-US" altLang="ko-KR" sz="2800" dirty="0" smtClean="0">
                 <a:latin typeface="+mn-ea"/>
               </a:rPr>
-              <a:t>Optimization </a:t>
-            </a:r>
-            <a:r>
-              <a:rPr lang="en-US" altLang="ko-KR" sz="2800" dirty="0" smtClean="0">
-                <a:latin typeface="+mn-ea"/>
-              </a:rPr>
-              <a:t>3</a:t>
-            </a:r>
-            <a:endParaRPr lang="en-US" altLang="ko-KR" sz="2800" dirty="0" smtClean="0">
-              <a:latin typeface="+mn-ea"/>
-            </a:endParaRPr>
+              <a:t>Optimization 3</a:t>
+            </a:r>
           </a:p>
           <a:p>
             <a:pPr lvl="1"/>
@@ -22358,24 +22741,60 @@
       </p:grpSpPr>
       <p:sp>
         <p:nvSpPr>
-          <p:cNvPr id="5" name="이등변 삼각형 4"/>
+          <p:cNvPr id="2" name="내용 개체 틀 1"/>
+          <p:cNvSpPr>
+            <a:spLocks noGrp="1"/>
+          </p:cNvSpPr>
+          <p:nvPr>
+            <p:ph idx="1"/>
+          </p:nvPr>
+        </p:nvSpPr>
+        <p:spPr>
+          <a:xfrm>
+            <a:off x="529186" y="1171289"/>
+            <a:ext cx="4567830" cy="690785"/>
+          </a:xfrm>
+        </p:spPr>
+        <p:txBody>
+          <a:bodyPr>
+            <a:normAutofit/>
+          </a:bodyPr>
+          <a:lstStyle/>
+          <a:p>
+            <a:r>
+              <a:rPr lang="en-US" altLang="ko-KR" sz="2800" dirty="0" smtClean="0">
+                <a:latin typeface="+mn-ea"/>
+              </a:rPr>
+              <a:t>Network interface</a:t>
+            </a:r>
+            <a:endParaRPr lang="en-US" altLang="ko-KR" sz="2800" dirty="0" smtClean="0">
+              <a:latin typeface="+mn-ea"/>
+            </a:endParaRPr>
+          </a:p>
+        </p:txBody>
+      </p:sp>
+      <p:sp>
+        <p:nvSpPr>
+          <p:cNvPr id="27" name="직사각형 26"/>
           <p:cNvSpPr/>
           <p:nvPr/>
         </p:nvSpPr>
         <p:spPr>
-          <a:xfrm rot="13085118">
-            <a:off x="7838134" y="480652"/>
-            <a:ext cx="216024" cy="562372"/>
-          </a:xfrm>
-          <a:prstGeom prst="triangle">
+          <a:xfrm>
+            <a:off x="502893" y="1772816"/>
+            <a:ext cx="9107055" cy="435890"/>
+          </a:xfrm>
+          <a:prstGeom prst="rect">
             <a:avLst/>
           </a:prstGeom>
           <a:solidFill>
-            <a:srgbClr val="FBA01C"/>
+            <a:schemeClr val="accent6"/>
           </a:solidFill>
           <a:ln>
             <a:solidFill>
-              <a:srgbClr val="FBA01C"/>
+              <a:schemeClr val="accent6">
+                <a:lumMod val="50000"/>
+              </a:schemeClr>
             </a:solidFill>
           </a:ln>
         </p:spPr>
@@ -22400,10 +22819,800 @@
           <a:lstStyle/>
           <a:p>
             <a:pPr algn="ctr"/>
-            <a:endParaRPr lang="ko-KR" altLang="en-US" dirty="0"/>
-          </a:p>
-        </p:txBody>
-      </p:sp>
+            <a:r>
+              <a:rPr lang="en-US" altLang="ko-KR" sz="1400" dirty="0" smtClean="0">
+                <a:solidFill>
+                  <a:schemeClr val="bg1"/>
+                </a:solidFill>
+                <a:latin typeface="+mn-ea"/>
+              </a:rPr>
+              <a:t>Partitions                                                 </a:t>
+            </a:r>
+            <a:r>
+              <a:rPr lang="en-US" altLang="ko-KR" sz="1400" dirty="0" err="1" smtClean="0">
+                <a:solidFill>
+                  <a:schemeClr val="bg1"/>
+                </a:solidFill>
+                <a:latin typeface="+mn-ea"/>
+              </a:rPr>
+              <a:t>myIp</a:t>
+            </a:r>
+            <a:endParaRPr lang="ko-KR" altLang="en-US" sz="1400" dirty="0">
+              <a:solidFill>
+                <a:schemeClr val="bg1"/>
+              </a:solidFill>
+              <a:latin typeface="+mn-ea"/>
+            </a:endParaRPr>
+          </a:p>
+        </p:txBody>
+      </p:sp>
+      <p:cxnSp>
+        <p:nvCxnSpPr>
+          <p:cNvPr id="5" name="직선 연결선 4"/>
+          <p:cNvCxnSpPr/>
+          <p:nvPr/>
+        </p:nvCxnSpPr>
+        <p:spPr>
+          <a:xfrm>
+            <a:off x="6537176" y="1772816"/>
+            <a:ext cx="0" cy="435890"/>
+          </a:xfrm>
+          <a:prstGeom prst="line">
+            <a:avLst/>
+          </a:prstGeom>
+          <a:ln w="28575">
+            <a:solidFill>
+              <a:schemeClr val="bg1"/>
+            </a:solidFill>
+            <a:prstDash val="sysDot"/>
+          </a:ln>
+        </p:spPr>
+        <p:style>
+          <a:lnRef idx="1">
+            <a:schemeClr val="accent1"/>
+          </a:lnRef>
+          <a:fillRef idx="0">
+            <a:schemeClr val="accent1"/>
+          </a:fillRef>
+          <a:effectRef idx="0">
+            <a:schemeClr val="accent1"/>
+          </a:effectRef>
+          <a:fontRef idx="minor">
+            <a:schemeClr val="tx1"/>
+          </a:fontRef>
+        </p:style>
+      </p:cxnSp>
+      <p:cxnSp>
+        <p:nvCxnSpPr>
+          <p:cNvPr id="32" name="직선 연결선 31"/>
+          <p:cNvCxnSpPr/>
+          <p:nvPr/>
+        </p:nvCxnSpPr>
+        <p:spPr>
+          <a:xfrm>
+            <a:off x="7473280" y="1772816"/>
+            <a:ext cx="0" cy="435890"/>
+          </a:xfrm>
+          <a:prstGeom prst="line">
+            <a:avLst/>
+          </a:prstGeom>
+          <a:ln w="28575">
+            <a:solidFill>
+              <a:schemeClr val="bg1"/>
+            </a:solidFill>
+            <a:prstDash val="sysDot"/>
+          </a:ln>
+        </p:spPr>
+        <p:style>
+          <a:lnRef idx="1">
+            <a:schemeClr val="accent1"/>
+          </a:lnRef>
+          <a:fillRef idx="0">
+            <a:schemeClr val="accent1"/>
+          </a:fillRef>
+          <a:effectRef idx="0">
+            <a:schemeClr val="accent1"/>
+          </a:effectRef>
+          <a:fontRef idx="minor">
+            <a:schemeClr val="tx1"/>
+          </a:fontRef>
+        </p:style>
+      </p:cxnSp>
+      <p:sp>
+        <p:nvSpPr>
+          <p:cNvPr id="6" name="오른쪽 중괄호 5"/>
+          <p:cNvSpPr/>
+          <p:nvPr/>
+        </p:nvSpPr>
+        <p:spPr>
+          <a:xfrm rot="5400000">
+            <a:off x="3245149" y="-439092"/>
+            <a:ext cx="576064" cy="6007990"/>
+          </a:xfrm>
+          <a:prstGeom prst="rightBrace">
+            <a:avLst/>
+          </a:prstGeom>
+        </p:spPr>
+        <p:style>
+          <a:lnRef idx="2">
+            <a:schemeClr val="accent6"/>
+          </a:lnRef>
+          <a:fillRef idx="0">
+            <a:schemeClr val="accent6"/>
+          </a:fillRef>
+          <a:effectRef idx="1">
+            <a:schemeClr val="accent6"/>
+          </a:effectRef>
+          <a:fontRef idx="minor">
+            <a:schemeClr val="tx1"/>
+          </a:fontRef>
+        </p:style>
+        <p:txBody>
+          <a:bodyPr rtlCol="0" anchor="ctr"/>
+          <a:lstStyle/>
+          <a:p>
+            <a:pPr algn="ctr"/>
+            <a:endParaRPr lang="ko-KR" altLang="en-US"/>
+          </a:p>
+        </p:txBody>
+      </p:sp>
+      <p:sp>
+        <p:nvSpPr>
+          <p:cNvPr id="7" name="TextBox 6"/>
+          <p:cNvSpPr txBox="1"/>
+          <p:nvPr/>
+        </p:nvSpPr>
+        <p:spPr>
+          <a:xfrm>
+            <a:off x="2792760" y="2852936"/>
+            <a:ext cx="1512168" cy="400110"/>
+          </a:xfrm>
+          <a:prstGeom prst="rect">
+            <a:avLst/>
+          </a:prstGeom>
+          <a:noFill/>
+        </p:spPr>
+        <p:txBody>
+          <a:bodyPr wrap="square" rtlCol="0">
+            <a:spAutoFit/>
+          </a:bodyPr>
+          <a:lstStyle/>
+          <a:p>
+            <a:pPr algn="ctr"/>
+            <a:r>
+              <a:rPr lang="en-US" altLang="ko-KR" sz="2000" dirty="0">
+                <a:solidFill>
+                  <a:schemeClr val="accent6">
+                    <a:lumMod val="50000"/>
+                  </a:schemeClr>
+                </a:solidFill>
+                <a:latin typeface="+mn-ea"/>
+              </a:rPr>
+              <a:t>Server</a:t>
+            </a:r>
+            <a:endParaRPr lang="ko-KR" altLang="en-US" sz="2000" dirty="0">
+              <a:solidFill>
+                <a:schemeClr val="accent6">
+                  <a:lumMod val="50000"/>
+                </a:schemeClr>
+              </a:solidFill>
+              <a:latin typeface="+mn-ea"/>
+            </a:endParaRPr>
+          </a:p>
+        </p:txBody>
+      </p:sp>
+      <p:sp>
+        <p:nvSpPr>
+          <p:cNvPr id="34" name="오른쪽 중괄호 33"/>
+          <p:cNvSpPr/>
+          <p:nvPr/>
+        </p:nvSpPr>
+        <p:spPr>
+          <a:xfrm rot="5400000">
+            <a:off x="8227781" y="1522369"/>
+            <a:ext cx="576064" cy="2085067"/>
+          </a:xfrm>
+          <a:prstGeom prst="rightBrace">
+            <a:avLst/>
+          </a:prstGeom>
+        </p:spPr>
+        <p:style>
+          <a:lnRef idx="2">
+            <a:schemeClr val="accent6"/>
+          </a:lnRef>
+          <a:fillRef idx="0">
+            <a:schemeClr val="accent6"/>
+          </a:fillRef>
+          <a:effectRef idx="1">
+            <a:schemeClr val="accent6"/>
+          </a:effectRef>
+          <a:fontRef idx="minor">
+            <a:schemeClr val="tx1"/>
+          </a:fontRef>
+        </p:style>
+        <p:txBody>
+          <a:bodyPr rtlCol="0" anchor="ctr"/>
+          <a:lstStyle/>
+          <a:p>
+            <a:pPr algn="ctr"/>
+            <a:endParaRPr lang="ko-KR" altLang="en-US"/>
+          </a:p>
+        </p:txBody>
+      </p:sp>
+      <p:sp>
+        <p:nvSpPr>
+          <p:cNvPr id="37" name="TextBox 36"/>
+          <p:cNvSpPr txBox="1"/>
+          <p:nvPr/>
+        </p:nvSpPr>
+        <p:spPr>
+          <a:xfrm>
+            <a:off x="7903745" y="2852936"/>
+            <a:ext cx="1297727" cy="400110"/>
+          </a:xfrm>
+          <a:prstGeom prst="rect">
+            <a:avLst/>
+          </a:prstGeom>
+          <a:noFill/>
+        </p:spPr>
+        <p:txBody>
+          <a:bodyPr wrap="square" rtlCol="0">
+            <a:spAutoFit/>
+          </a:bodyPr>
+          <a:lstStyle/>
+          <a:p>
+            <a:pPr algn="ctr"/>
+            <a:r>
+              <a:rPr lang="en-US" altLang="ko-KR" sz="2000" dirty="0" smtClean="0">
+                <a:solidFill>
+                  <a:schemeClr val="accent6">
+                    <a:lumMod val="50000"/>
+                  </a:schemeClr>
+                </a:solidFill>
+                <a:latin typeface="+mn-ea"/>
+              </a:rPr>
+              <a:t>Client</a:t>
+            </a:r>
+            <a:endParaRPr lang="ko-KR" altLang="en-US" sz="2000" dirty="0">
+              <a:solidFill>
+                <a:schemeClr val="accent6">
+                  <a:lumMod val="50000"/>
+                </a:schemeClr>
+              </a:solidFill>
+              <a:latin typeface="+mn-ea"/>
+            </a:endParaRPr>
+          </a:p>
+        </p:txBody>
+      </p:sp>
+      <p:pic>
+        <p:nvPicPr>
+          <p:cNvPr id="9" name="그림 8"/>
+          <p:cNvPicPr>
+            <a:picLocks noChangeAspect="1"/>
+          </p:cNvPicPr>
+          <p:nvPr/>
+        </p:nvPicPr>
+        <p:blipFill rotWithShape="1">
+          <a:blip r:embed="rId3"/>
+          <a:srcRect b="93428"/>
+          <a:stretch/>
+        </p:blipFill>
+        <p:spPr>
+          <a:xfrm>
+            <a:off x="128464" y="3356993"/>
+            <a:ext cx="4856014" cy="144016"/>
+          </a:xfrm>
+          <a:prstGeom prst="rect">
+            <a:avLst/>
+          </a:prstGeom>
+        </p:spPr>
+      </p:pic>
+      <p:pic>
+        <p:nvPicPr>
+          <p:cNvPr id="10" name="그림 9"/>
+          <p:cNvPicPr>
+            <a:picLocks noChangeAspect="1"/>
+          </p:cNvPicPr>
+          <p:nvPr/>
+        </p:nvPicPr>
+        <p:blipFill rotWithShape="1">
+          <a:blip r:embed="rId4"/>
+          <a:srcRect b="92253"/>
+          <a:stretch/>
+        </p:blipFill>
+        <p:spPr>
+          <a:xfrm>
+            <a:off x="5385048" y="3366147"/>
+            <a:ext cx="4358540" cy="134861"/>
+          </a:xfrm>
+          <a:prstGeom prst="rect">
+            <a:avLst/>
+          </a:prstGeom>
+        </p:spPr>
+      </p:pic>
+      <p:grpSp>
+        <p:nvGrpSpPr>
+          <p:cNvPr id="57" name="그룹 56"/>
+          <p:cNvGrpSpPr/>
+          <p:nvPr/>
+        </p:nvGrpSpPr>
+        <p:grpSpPr>
+          <a:xfrm>
+            <a:off x="1712640" y="3677187"/>
+            <a:ext cx="5328592" cy="2272093"/>
+            <a:chOff x="1712640" y="3677187"/>
+            <a:chExt cx="5328592" cy="2272093"/>
+          </a:xfrm>
+        </p:grpSpPr>
+        <p:sp>
+          <p:nvSpPr>
+            <p:cNvPr id="11" name="타원 10"/>
+            <p:cNvSpPr/>
+            <p:nvPr/>
+          </p:nvSpPr>
+          <p:spPr>
+            <a:xfrm>
+              <a:off x="1712640" y="5301208"/>
+              <a:ext cx="648072" cy="648072"/>
+            </a:xfrm>
+            <a:prstGeom prst="ellipse">
+              <a:avLst/>
+            </a:prstGeom>
+          </p:spPr>
+          <p:style>
+            <a:lnRef idx="2">
+              <a:schemeClr val="accent4">
+                <a:shade val="50000"/>
+              </a:schemeClr>
+            </a:lnRef>
+            <a:fillRef idx="1">
+              <a:schemeClr val="accent4"/>
+            </a:fillRef>
+            <a:effectRef idx="0">
+              <a:schemeClr val="accent4"/>
+            </a:effectRef>
+            <a:fontRef idx="minor">
+              <a:schemeClr val="lt1"/>
+            </a:fontRef>
+          </p:style>
+          <p:txBody>
+            <a:bodyPr rtlCol="0" anchor="ctr"/>
+            <a:lstStyle/>
+            <a:p>
+              <a:pPr algn="ctr"/>
+              <a:r>
+                <a:rPr lang="en-US" altLang="ko-KR" dirty="0" smtClean="0"/>
+                <a:t>S</a:t>
+              </a:r>
+              <a:endParaRPr lang="ko-KR" altLang="en-US" dirty="0"/>
+            </a:p>
+          </p:txBody>
+        </p:sp>
+        <p:sp>
+          <p:nvSpPr>
+            <p:cNvPr id="44" name="타원 43"/>
+            <p:cNvSpPr/>
+            <p:nvPr/>
+          </p:nvSpPr>
+          <p:spPr>
+            <a:xfrm>
+              <a:off x="3980892" y="3677187"/>
+              <a:ext cx="648072" cy="648072"/>
+            </a:xfrm>
+            <a:prstGeom prst="ellipse">
+              <a:avLst/>
+            </a:prstGeom>
+          </p:spPr>
+          <p:style>
+            <a:lnRef idx="2">
+              <a:schemeClr val="accent3">
+                <a:shade val="50000"/>
+              </a:schemeClr>
+            </a:lnRef>
+            <a:fillRef idx="1">
+              <a:schemeClr val="accent3"/>
+            </a:fillRef>
+            <a:effectRef idx="0">
+              <a:schemeClr val="accent3"/>
+            </a:effectRef>
+            <a:fontRef idx="minor">
+              <a:schemeClr val="lt1"/>
+            </a:fontRef>
+          </p:style>
+          <p:txBody>
+            <a:bodyPr rtlCol="0" anchor="ctr"/>
+            <a:lstStyle/>
+            <a:p>
+              <a:pPr algn="ctr"/>
+              <a:r>
+                <a:rPr lang="en-US" altLang="ko-KR" dirty="0" smtClean="0"/>
+                <a:t>S</a:t>
+              </a:r>
+              <a:endParaRPr lang="ko-KR" altLang="en-US" dirty="0"/>
+            </a:p>
+          </p:txBody>
+        </p:sp>
+        <p:sp>
+          <p:nvSpPr>
+            <p:cNvPr id="45" name="타원 44"/>
+            <p:cNvSpPr/>
+            <p:nvPr/>
+          </p:nvSpPr>
+          <p:spPr>
+            <a:xfrm>
+              <a:off x="6393160" y="5301208"/>
+              <a:ext cx="648072" cy="648072"/>
+            </a:xfrm>
+            <a:prstGeom prst="ellipse">
+              <a:avLst/>
+            </a:prstGeom>
+          </p:spPr>
+          <p:style>
+            <a:lnRef idx="2">
+              <a:schemeClr val="accent5">
+                <a:shade val="50000"/>
+              </a:schemeClr>
+            </a:lnRef>
+            <a:fillRef idx="1">
+              <a:schemeClr val="accent5"/>
+            </a:fillRef>
+            <a:effectRef idx="0">
+              <a:schemeClr val="accent5"/>
+            </a:effectRef>
+            <a:fontRef idx="minor">
+              <a:schemeClr val="lt1"/>
+            </a:fontRef>
+          </p:style>
+          <p:txBody>
+            <a:bodyPr rtlCol="0" anchor="ctr"/>
+            <a:lstStyle/>
+            <a:p>
+              <a:pPr algn="ctr"/>
+              <a:r>
+                <a:rPr lang="en-US" altLang="ko-KR" dirty="0" smtClean="0"/>
+                <a:t>S</a:t>
+              </a:r>
+              <a:endParaRPr lang="ko-KR" altLang="en-US" dirty="0"/>
+            </a:p>
+          </p:txBody>
+        </p:sp>
+        <p:cxnSp>
+          <p:nvCxnSpPr>
+            <p:cNvPr id="26" name="직선 화살표 연결선 25"/>
+            <p:cNvCxnSpPr>
+              <a:stCxn id="11" idx="7"/>
+              <a:endCxn id="44" idx="3"/>
+            </p:cNvCxnSpPr>
+            <p:nvPr/>
+          </p:nvCxnSpPr>
+          <p:spPr>
+            <a:xfrm flipV="1">
+              <a:off x="2265804" y="4230351"/>
+              <a:ext cx="1809996" cy="1165765"/>
+            </a:xfrm>
+            <a:prstGeom prst="straightConnector1">
+              <a:avLst/>
+            </a:prstGeom>
+            <a:ln>
+              <a:tailEnd type="triangle"/>
+            </a:ln>
+          </p:spPr>
+          <p:style>
+            <a:lnRef idx="2">
+              <a:schemeClr val="accent4"/>
+            </a:lnRef>
+            <a:fillRef idx="0">
+              <a:schemeClr val="accent4"/>
+            </a:fillRef>
+            <a:effectRef idx="1">
+              <a:schemeClr val="accent4"/>
+            </a:effectRef>
+            <a:fontRef idx="minor">
+              <a:schemeClr val="tx1"/>
+            </a:fontRef>
+          </p:style>
+        </p:cxnSp>
+        <p:cxnSp>
+          <p:nvCxnSpPr>
+            <p:cNvPr id="29" name="직선 화살표 연결선 28"/>
+            <p:cNvCxnSpPr>
+              <a:stCxn id="11" idx="6"/>
+              <a:endCxn id="45" idx="2"/>
+            </p:cNvCxnSpPr>
+            <p:nvPr/>
+          </p:nvCxnSpPr>
+          <p:spPr>
+            <a:xfrm>
+              <a:off x="2360712" y="5625244"/>
+              <a:ext cx="4032448" cy="0"/>
+            </a:xfrm>
+            <a:prstGeom prst="straightConnector1">
+              <a:avLst/>
+            </a:prstGeom>
+            <a:ln>
+              <a:tailEnd type="triangle"/>
+            </a:ln>
+          </p:spPr>
+          <p:style>
+            <a:lnRef idx="2">
+              <a:schemeClr val="accent4"/>
+            </a:lnRef>
+            <a:fillRef idx="0">
+              <a:schemeClr val="accent4"/>
+            </a:fillRef>
+            <a:effectRef idx="1">
+              <a:schemeClr val="accent4"/>
+            </a:effectRef>
+            <a:fontRef idx="minor">
+              <a:schemeClr val="tx1"/>
+            </a:fontRef>
+          </p:style>
+        </p:cxnSp>
+        <p:cxnSp>
+          <p:nvCxnSpPr>
+            <p:cNvPr id="48" name="직선 화살표 연결선 47"/>
+            <p:cNvCxnSpPr>
+              <a:stCxn id="44" idx="5"/>
+              <a:endCxn id="45" idx="1"/>
+            </p:cNvCxnSpPr>
+            <p:nvPr/>
+          </p:nvCxnSpPr>
+          <p:spPr>
+            <a:xfrm>
+              <a:off x="4534056" y="4230351"/>
+              <a:ext cx="1954012" cy="1165765"/>
+            </a:xfrm>
+            <a:prstGeom prst="straightConnector1">
+              <a:avLst/>
+            </a:prstGeom>
+            <a:ln>
+              <a:tailEnd type="triangle"/>
+            </a:ln>
+          </p:spPr>
+          <p:style>
+            <a:lnRef idx="2">
+              <a:schemeClr val="accent3"/>
+            </a:lnRef>
+            <a:fillRef idx="0">
+              <a:schemeClr val="accent3"/>
+            </a:fillRef>
+            <a:effectRef idx="1">
+              <a:schemeClr val="accent3"/>
+            </a:effectRef>
+            <a:fontRef idx="minor">
+              <a:schemeClr val="tx1"/>
+            </a:fontRef>
+          </p:style>
+        </p:cxnSp>
+      </p:grpSp>
+      <p:sp>
+        <p:nvSpPr>
+          <p:cNvPr id="53" name="직사각형 52"/>
+          <p:cNvSpPr/>
+          <p:nvPr/>
+        </p:nvSpPr>
+        <p:spPr>
+          <a:xfrm>
+            <a:off x="2000672" y="4002975"/>
+            <a:ext cx="792088" cy="324036"/>
+          </a:xfrm>
+          <a:prstGeom prst="rect">
+            <a:avLst/>
+          </a:prstGeom>
+        </p:spPr>
+        <p:style>
+          <a:lnRef idx="2">
+            <a:schemeClr val="accent5">
+              <a:shade val="50000"/>
+            </a:schemeClr>
+          </a:lnRef>
+          <a:fillRef idx="1">
+            <a:schemeClr val="accent5"/>
+          </a:fillRef>
+          <a:effectRef idx="0">
+            <a:schemeClr val="accent5"/>
+          </a:effectRef>
+          <a:fontRef idx="minor">
+            <a:schemeClr val="lt1"/>
+          </a:fontRef>
+        </p:style>
+        <p:txBody>
+          <a:bodyPr rtlCol="0" anchor="ctr"/>
+          <a:lstStyle/>
+          <a:p>
+            <a:pPr algn="ctr"/>
+            <a:endParaRPr lang="ko-KR" altLang="en-US"/>
+          </a:p>
+        </p:txBody>
+      </p:sp>
+      <p:sp>
+        <p:nvSpPr>
+          <p:cNvPr id="54" name="직사각형 53"/>
+          <p:cNvSpPr/>
+          <p:nvPr/>
+        </p:nvSpPr>
+        <p:spPr>
+          <a:xfrm>
+            <a:off x="1208584" y="4001223"/>
+            <a:ext cx="792088" cy="324036"/>
+          </a:xfrm>
+          <a:prstGeom prst="rect">
+            <a:avLst/>
+          </a:prstGeom>
+        </p:spPr>
+        <p:style>
+          <a:lnRef idx="2">
+            <a:schemeClr val="accent3">
+              <a:shade val="50000"/>
+            </a:schemeClr>
+          </a:lnRef>
+          <a:fillRef idx="1">
+            <a:schemeClr val="accent3"/>
+          </a:fillRef>
+          <a:effectRef idx="0">
+            <a:schemeClr val="accent3"/>
+          </a:effectRef>
+          <a:fontRef idx="minor">
+            <a:schemeClr val="lt1"/>
+          </a:fontRef>
+        </p:style>
+        <p:txBody>
+          <a:bodyPr rtlCol="0" anchor="ctr"/>
+          <a:lstStyle/>
+          <a:p>
+            <a:pPr algn="ctr"/>
+            <a:endParaRPr lang="ko-KR" altLang="en-US"/>
+          </a:p>
+        </p:txBody>
+      </p:sp>
+      <p:sp>
+        <p:nvSpPr>
+          <p:cNvPr id="55" name="직사각형 54"/>
+          <p:cNvSpPr/>
+          <p:nvPr/>
+        </p:nvSpPr>
+        <p:spPr>
+          <a:xfrm>
+            <a:off x="416496" y="4001223"/>
+            <a:ext cx="792088" cy="324036"/>
+          </a:xfrm>
+          <a:prstGeom prst="rect">
+            <a:avLst/>
+          </a:prstGeom>
+        </p:spPr>
+        <p:style>
+          <a:lnRef idx="2">
+            <a:schemeClr val="accent4">
+              <a:shade val="50000"/>
+            </a:schemeClr>
+          </a:lnRef>
+          <a:fillRef idx="1">
+            <a:schemeClr val="accent4"/>
+          </a:fillRef>
+          <a:effectRef idx="0">
+            <a:schemeClr val="accent4"/>
+          </a:effectRef>
+          <a:fontRef idx="minor">
+            <a:schemeClr val="lt1"/>
+          </a:fontRef>
+        </p:style>
+        <p:txBody>
+          <a:bodyPr rtlCol="0" anchor="ctr"/>
+          <a:lstStyle/>
+          <a:p>
+            <a:pPr algn="ctr"/>
+            <a:endParaRPr lang="ko-KR" altLang="en-US"/>
+          </a:p>
+        </p:txBody>
+      </p:sp>
+    </p:spTree>
+    <p:extLst>
+      <p:ext uri="{BB962C8B-B14F-4D97-AF65-F5344CB8AC3E}">
+        <p14:creationId xmlns:p14="http://schemas.microsoft.com/office/powerpoint/2010/main" val="1856347466"/>
+      </p:ext>
+    </p:extLst>
+  </p:cSld>
+  <p:clrMapOvr>
+    <a:masterClrMapping/>
+  </p:clrMapOvr>
+  <p:timing>
+    <p:tnLst>
+      <p:par>
+        <p:cTn id="1" dur="indefinite" restart="never" nodeType="tmRoot">
+          <p:childTnLst>
+            <p:seq concurrent="1" nextAc="seek">
+              <p:cTn id="2" dur="indefinite" nodeType="mainSeq">
+                <p:childTnLst>
+                  <p:par>
+                    <p:cTn id="3" fill="hold">
+                      <p:stCondLst>
+                        <p:cond delay="indefinite"/>
+                        <p:cond evt="onBegin" delay="0">
+                          <p:tn val="2"/>
+                        </p:cond>
+                      </p:stCondLst>
+                      <p:childTnLst>
+                        <p:par>
+                          <p:cTn id="4" fill="hold">
+                            <p:stCondLst>
+                              <p:cond delay="0"/>
+                            </p:stCondLst>
+                            <p:childTnLst>
+                              <p:par>
+                                <p:cTn id="5" presetID="1" presetClass="entr" presetSubtype="0" fill="hold" nodeType="withEffect">
+                                  <p:stCondLst>
+                                    <p:cond delay="0"/>
+                                  </p:stCondLst>
+                                  <p:childTnLst>
+                                    <p:set>
+                                      <p:cBhvr>
+                                        <p:cTn id="6" dur="1" fill="hold">
+                                          <p:stCondLst>
+                                            <p:cond delay="0"/>
+                                          </p:stCondLst>
+                                        </p:cTn>
+                                        <p:tgtEl>
+                                          <p:spTgt spid="57"/>
+                                        </p:tgtEl>
+                                        <p:attrNameLst>
+                                          <p:attrName>style.visibility</p:attrName>
+                                        </p:attrNameLst>
+                                      </p:cBhvr>
+                                      <p:to>
+                                        <p:strVal val="visible"/>
+                                      </p:to>
+                                    </p:set>
+                                  </p:childTnLst>
+                                </p:cTn>
+                              </p:par>
+                            </p:childTnLst>
+                          </p:cTn>
+                        </p:par>
+                      </p:childTnLst>
+                    </p:cTn>
+                  </p:par>
+                </p:childTnLst>
+              </p:cTn>
+              <p:prevCondLst>
+                <p:cond evt="onPrev" delay="0">
+                  <p:tgtEl>
+                    <p:sldTgt/>
+                  </p:tgtEl>
+                </p:cond>
+              </p:prevCondLst>
+              <p:nextCondLst>
+                <p:cond evt="onNext" delay="0">
+                  <p:tgtEl>
+                    <p:sldTgt/>
+                  </p:tgtEl>
+                </p:cond>
+              </p:nextCondLst>
+            </p:seq>
+          </p:childTnLst>
+        </p:cTn>
+      </p:par>
+    </p:tnLst>
+  </p:timing>
+</p:sld>
+</file>
+
+<file path=ppt/slides/slide27.xml><?xml version="1.0" encoding="utf-8"?>
+<p:sld xmlns:a="http://schemas.openxmlformats.org/drawingml/2006/main" xmlns:r="http://schemas.openxmlformats.org/officeDocument/2006/relationships" xmlns:p="http://schemas.openxmlformats.org/presentationml/2006/main">
+  <p:cSld>
+    <p:spTree>
+      <p:nvGrpSpPr>
+        <p:cNvPr id="1" name=""/>
+        <p:cNvGrpSpPr/>
+        <p:nvPr/>
+      </p:nvGrpSpPr>
+      <p:grpSpPr>
+        <a:xfrm>
+          <a:off x="0" y="0"/>
+          <a:ext cx="0" cy="0"/>
+          <a:chOff x="0" y="0"/>
+          <a:chExt cx="0" cy="0"/>
+        </a:xfrm>
+      </p:grpSpPr>
       <p:sp>
         <p:nvSpPr>
           <p:cNvPr id="2" name="내용 개체 틀 1"/>
@@ -22414,27 +23623,324 @@
             <p:ph idx="1"/>
           </p:nvPr>
         </p:nvSpPr>
-        <p:spPr/>
-        <p:txBody>
-          <a:bodyPr/>
-          <a:lstStyle/>
-          <a:p>
-            <a:r>
-              <a:rPr lang="ko-KR" altLang="en-US" dirty="0" smtClean="0"/>
-              <a:t>결과를 동영상으로 만들어서 넣어보자</a:t>
-            </a:r>
-            <a:r>
-              <a:rPr lang="en-US" altLang="ko-KR" dirty="0" smtClean="0"/>
-              <a:t>.</a:t>
-            </a:r>
-            <a:endParaRPr lang="ko-KR" altLang="en-US" dirty="0"/>
-          </a:p>
-        </p:txBody>
-      </p:sp>
+        <p:spPr>
+          <a:xfrm>
+            <a:off x="529186" y="1171289"/>
+            <a:ext cx="4567830" cy="690785"/>
+          </a:xfrm>
+        </p:spPr>
+        <p:txBody>
+          <a:bodyPr>
+            <a:normAutofit/>
+          </a:bodyPr>
+          <a:lstStyle/>
+          <a:p>
+            <a:r>
+              <a:rPr lang="en-US" altLang="ko-KR" sz="2800" dirty="0" smtClean="0">
+                <a:latin typeface="+mn-ea"/>
+              </a:rPr>
+              <a:t>Network interface</a:t>
+            </a:r>
+            <a:endParaRPr lang="en-US" altLang="ko-KR" sz="2800" dirty="0" smtClean="0">
+              <a:latin typeface="+mn-ea"/>
+            </a:endParaRPr>
+          </a:p>
+        </p:txBody>
+      </p:sp>
+      <p:sp>
+        <p:nvSpPr>
+          <p:cNvPr id="27" name="직사각형 26"/>
+          <p:cNvSpPr/>
+          <p:nvPr/>
+        </p:nvSpPr>
+        <p:spPr>
+          <a:xfrm>
+            <a:off x="1204672" y="2708920"/>
+            <a:ext cx="1920644" cy="435890"/>
+          </a:xfrm>
+          <a:prstGeom prst="rect">
+            <a:avLst/>
+          </a:prstGeom>
+          <a:solidFill>
+            <a:schemeClr val="accent6">
+              <a:lumMod val="75000"/>
+            </a:schemeClr>
+          </a:solidFill>
+          <a:ln>
+            <a:solidFill>
+              <a:schemeClr val="accent6">
+                <a:lumMod val="50000"/>
+              </a:schemeClr>
+            </a:solidFill>
+          </a:ln>
+        </p:spPr>
+        <p:style>
+          <a:lnRef idx="2">
+            <a:schemeClr val="accent1">
+              <a:shade val="50000"/>
+            </a:schemeClr>
+          </a:lnRef>
+          <a:fillRef idx="1">
+            <a:schemeClr val="accent1"/>
+          </a:fillRef>
+          <a:effectRef idx="0">
+            <a:schemeClr val="accent1"/>
+          </a:effectRef>
+          <a:fontRef idx="minor">
+            <a:schemeClr val="lt1"/>
+          </a:fontRef>
+        </p:style>
+        <p:txBody>
+          <a:bodyPr rtlCol="0" anchor="ctr"/>
+          <a:lstStyle/>
+          <a:p>
+            <a:pPr algn="ctr"/>
+            <a:r>
+              <a:rPr lang="en-US" altLang="ko-KR" sz="1400" dirty="0" err="1" smtClean="0">
+                <a:solidFill>
+                  <a:schemeClr val="bg1"/>
+                </a:solidFill>
+                <a:latin typeface="+mn-ea"/>
+              </a:rPr>
+              <a:t>ShuffleSocket</a:t>
+            </a:r>
+            <a:endParaRPr lang="ko-KR" altLang="en-US" sz="1400" dirty="0">
+              <a:solidFill>
+                <a:schemeClr val="bg1"/>
+              </a:solidFill>
+              <a:latin typeface="+mn-ea"/>
+            </a:endParaRPr>
+          </a:p>
+        </p:txBody>
+      </p:sp>
+      <p:sp>
+        <p:nvSpPr>
+          <p:cNvPr id="12" name="직사각형 11"/>
+          <p:cNvSpPr/>
+          <p:nvPr/>
+        </p:nvSpPr>
+        <p:spPr>
+          <a:xfrm>
+            <a:off x="8020" y="3789040"/>
+            <a:ext cx="1920644" cy="435890"/>
+          </a:xfrm>
+          <a:prstGeom prst="rect">
+            <a:avLst/>
+          </a:prstGeom>
+          <a:solidFill>
+            <a:schemeClr val="accent6"/>
+          </a:solidFill>
+          <a:ln>
+            <a:solidFill>
+              <a:schemeClr val="accent6">
+                <a:lumMod val="50000"/>
+              </a:schemeClr>
+            </a:solidFill>
+          </a:ln>
+        </p:spPr>
+        <p:style>
+          <a:lnRef idx="2">
+            <a:schemeClr val="accent1">
+              <a:shade val="50000"/>
+            </a:schemeClr>
+          </a:lnRef>
+          <a:fillRef idx="1">
+            <a:schemeClr val="accent1"/>
+          </a:fillRef>
+          <a:effectRef idx="0">
+            <a:schemeClr val="accent1"/>
+          </a:effectRef>
+          <a:fontRef idx="minor">
+            <a:schemeClr val="lt1"/>
+          </a:fontRef>
+        </p:style>
+        <p:txBody>
+          <a:bodyPr rtlCol="0" anchor="ctr"/>
+          <a:lstStyle/>
+          <a:p>
+            <a:pPr algn="ctr"/>
+            <a:r>
+              <a:rPr lang="en-US" altLang="ko-KR" sz="1400" dirty="0" err="1" smtClean="0">
+                <a:solidFill>
+                  <a:schemeClr val="bg1"/>
+                </a:solidFill>
+                <a:latin typeface="+mn-ea"/>
+              </a:rPr>
+              <a:t>SlaveServerSock</a:t>
+            </a:r>
+            <a:endParaRPr lang="ko-KR" altLang="en-US" sz="1400" dirty="0">
+              <a:solidFill>
+                <a:schemeClr val="bg1"/>
+              </a:solidFill>
+              <a:latin typeface="+mn-ea"/>
+            </a:endParaRPr>
+          </a:p>
+        </p:txBody>
+      </p:sp>
+      <p:sp>
+        <p:nvSpPr>
+          <p:cNvPr id="13" name="직사각형 12"/>
+          <p:cNvSpPr/>
+          <p:nvPr/>
+        </p:nvSpPr>
+        <p:spPr>
+          <a:xfrm>
+            <a:off x="2384284" y="3789040"/>
+            <a:ext cx="1920644" cy="435890"/>
+          </a:xfrm>
+          <a:prstGeom prst="rect">
+            <a:avLst/>
+          </a:prstGeom>
+          <a:solidFill>
+            <a:schemeClr val="accent6"/>
+          </a:solidFill>
+          <a:ln>
+            <a:solidFill>
+              <a:schemeClr val="accent6">
+                <a:lumMod val="50000"/>
+              </a:schemeClr>
+            </a:solidFill>
+          </a:ln>
+        </p:spPr>
+        <p:style>
+          <a:lnRef idx="2">
+            <a:schemeClr val="accent1">
+              <a:shade val="50000"/>
+            </a:schemeClr>
+          </a:lnRef>
+          <a:fillRef idx="1">
+            <a:schemeClr val="accent1"/>
+          </a:fillRef>
+          <a:effectRef idx="0">
+            <a:schemeClr val="accent1"/>
+          </a:effectRef>
+          <a:fontRef idx="minor">
+            <a:schemeClr val="lt1"/>
+          </a:fontRef>
+        </p:style>
+        <p:txBody>
+          <a:bodyPr rtlCol="0" anchor="ctr"/>
+          <a:lstStyle/>
+          <a:p>
+            <a:pPr algn="ctr"/>
+            <a:r>
+              <a:rPr lang="en-US" altLang="ko-KR" sz="1400" dirty="0" err="1" smtClean="0">
+                <a:solidFill>
+                  <a:schemeClr val="bg1"/>
+                </a:solidFill>
+                <a:latin typeface="+mn-ea"/>
+              </a:rPr>
+              <a:t>SlaveClientSock</a:t>
+            </a:r>
+            <a:endParaRPr lang="ko-KR" altLang="en-US" sz="1400" dirty="0">
+              <a:solidFill>
+                <a:schemeClr val="bg1"/>
+              </a:solidFill>
+              <a:latin typeface="+mn-ea"/>
+            </a:endParaRPr>
+          </a:p>
+        </p:txBody>
+      </p:sp>
+      <p:pic>
+        <p:nvPicPr>
+          <p:cNvPr id="3" name="그림 2"/>
+          <p:cNvPicPr>
+            <a:picLocks noChangeAspect="1"/>
+          </p:cNvPicPr>
+          <p:nvPr/>
+        </p:nvPicPr>
+        <p:blipFill>
+          <a:blip r:embed="rId3"/>
+          <a:stretch>
+            <a:fillRect/>
+          </a:stretch>
+        </p:blipFill>
+        <p:spPr>
+          <a:xfrm>
+            <a:off x="4376936" y="2492896"/>
+            <a:ext cx="5434184" cy="2252593"/>
+          </a:xfrm>
+          <a:prstGeom prst="rect">
+            <a:avLst/>
+          </a:prstGeom>
+        </p:spPr>
+      </p:pic>
+      <p:cxnSp>
+        <p:nvCxnSpPr>
+          <p:cNvPr id="8" name="직선 화살표 연결선 7"/>
+          <p:cNvCxnSpPr>
+            <a:stCxn id="27" idx="2"/>
+            <a:endCxn id="12" idx="0"/>
+          </p:cNvCxnSpPr>
+          <p:nvPr/>
+        </p:nvCxnSpPr>
+        <p:spPr>
+          <a:xfrm flipH="1">
+            <a:off x="968342" y="3144810"/>
+            <a:ext cx="1196652" cy="644230"/>
+          </a:xfrm>
+          <a:prstGeom prst="straightConnector1">
+            <a:avLst/>
+          </a:prstGeom>
+          <a:ln>
+            <a:tailEnd type="triangle"/>
+          </a:ln>
+        </p:spPr>
+        <p:style>
+          <a:lnRef idx="2">
+            <a:schemeClr val="accent6"/>
+          </a:lnRef>
+          <a:fillRef idx="0">
+            <a:schemeClr val="accent6"/>
+          </a:fillRef>
+          <a:effectRef idx="1">
+            <a:schemeClr val="accent6"/>
+          </a:effectRef>
+          <a:fontRef idx="minor">
+            <a:schemeClr val="tx1"/>
+          </a:fontRef>
+        </p:style>
+      </p:cxnSp>
+      <p:cxnSp>
+        <p:nvCxnSpPr>
+          <p:cNvPr id="14" name="직선 화살표 연결선 13"/>
+          <p:cNvCxnSpPr>
+            <a:stCxn id="27" idx="2"/>
+            <a:endCxn id="13" idx="0"/>
+          </p:cNvCxnSpPr>
+          <p:nvPr/>
+        </p:nvCxnSpPr>
+        <p:spPr>
+          <a:xfrm>
+            <a:off x="2164994" y="3144810"/>
+            <a:ext cx="1179612" cy="644230"/>
+          </a:xfrm>
+          <a:prstGeom prst="straightConnector1">
+            <a:avLst/>
+          </a:prstGeom>
+          <a:ln>
+            <a:tailEnd type="triangle"/>
+          </a:ln>
+        </p:spPr>
+        <p:style>
+          <a:lnRef idx="2">
+            <a:schemeClr val="accent6"/>
+          </a:lnRef>
+          <a:fillRef idx="0">
+            <a:schemeClr val="accent6"/>
+          </a:fillRef>
+          <a:effectRef idx="1">
+            <a:schemeClr val="accent6"/>
+          </a:effectRef>
+          <a:fontRef idx="minor">
+            <a:schemeClr val="tx1"/>
+          </a:fontRef>
+        </p:style>
+      </p:cxnSp>
     </p:spTree>
     <p:extLst>
       <p:ext uri="{BB962C8B-B14F-4D97-AF65-F5344CB8AC3E}">
-        <p14:creationId xmlns:p14="http://schemas.microsoft.com/office/powerpoint/2010/main" val="4171866702"/>
+        <p14:creationId xmlns:p14="http://schemas.microsoft.com/office/powerpoint/2010/main" val="3293302512"/>
       </p:ext>
     </p:extLst>
   </p:cSld>
@@ -22451,22 +23957,9 @@
 </p:sld>
 </file>
 
-<file path=ppt/slides/slide27.xml><?xml version="1.0" encoding="utf-8"?>
+<file path=ppt/slides/slide28.xml><?xml version="1.0" encoding="utf-8"?>
 <p:sld xmlns:a="http://schemas.openxmlformats.org/drawingml/2006/main" xmlns:r="http://schemas.openxmlformats.org/officeDocument/2006/relationships" xmlns:p="http://schemas.openxmlformats.org/presentationml/2006/main">
   <p:cSld>
-    <p:bg>
-      <p:bgPr>
-        <a:pattFill prst="dashHorz">
-          <a:fgClr>
-            <a:schemeClr val="bg1"/>
-          </a:fgClr>
-          <a:bgClr>
-            <a:srgbClr val="FBA01C"/>
-          </a:bgClr>
-        </a:pattFill>
-        <a:effectLst/>
-      </p:bgPr>
-    </p:bg>
     <p:spTree>
       <p:nvGrpSpPr>
         <p:cNvPr id="1" name=""/>
@@ -22483,82 +23976,849 @@
       </p:grpSpPr>
       <p:sp>
         <p:nvSpPr>
-          <p:cNvPr id="2" name="TextBox 1"/>
-          <p:cNvSpPr txBox="1"/>
-          <p:nvPr/>
-        </p:nvSpPr>
-        <p:spPr>
-          <a:xfrm>
-            <a:off x="2576736" y="1129968"/>
-            <a:ext cx="4392488" cy="1938992"/>
+          <p:cNvPr id="2" name="내용 개체 틀 1"/>
+          <p:cNvSpPr>
+            <a:spLocks noGrp="1"/>
+          </p:cNvSpPr>
+          <p:nvPr>
+            <p:ph idx="1"/>
+          </p:nvPr>
+        </p:nvSpPr>
+        <p:spPr>
+          <a:xfrm>
+            <a:off x="529186" y="1171289"/>
+            <a:ext cx="4567830" cy="690785"/>
+          </a:xfrm>
+        </p:spPr>
+        <p:txBody>
+          <a:bodyPr>
+            <a:normAutofit/>
+          </a:bodyPr>
+          <a:lstStyle/>
+          <a:p>
+            <a:r>
+              <a:rPr lang="en-US" altLang="ko-KR" sz="2800" dirty="0" smtClean="0">
+                <a:latin typeface="+mn-ea"/>
+              </a:rPr>
+              <a:t>Network protocol</a:t>
+            </a:r>
+            <a:endParaRPr lang="en-US" altLang="ko-KR" sz="2800" dirty="0" smtClean="0">
+              <a:latin typeface="+mn-ea"/>
+            </a:endParaRPr>
+          </a:p>
+        </p:txBody>
+      </p:sp>
+      <p:grpSp>
+        <p:nvGrpSpPr>
+          <p:cNvPr id="10" name="그룹 9"/>
+          <p:cNvGrpSpPr/>
+          <p:nvPr/>
+        </p:nvGrpSpPr>
+        <p:grpSpPr>
+          <a:xfrm>
+            <a:off x="992560" y="2708920"/>
+            <a:ext cx="7848872" cy="936104"/>
+            <a:chOff x="992560" y="2708920"/>
+            <a:chExt cx="7848872" cy="936104"/>
+          </a:xfrm>
+        </p:grpSpPr>
+        <p:sp>
+          <p:nvSpPr>
+            <p:cNvPr id="4" name="직사각형 3"/>
+            <p:cNvSpPr/>
+            <p:nvPr/>
+          </p:nvSpPr>
+          <p:spPr>
+            <a:xfrm>
+              <a:off x="992560" y="2708920"/>
+              <a:ext cx="720080" cy="936104"/>
+            </a:xfrm>
+            <a:prstGeom prst="rect">
+              <a:avLst/>
+            </a:prstGeom>
+          </p:spPr>
+          <p:style>
+            <a:lnRef idx="2">
+              <a:schemeClr val="accent4">
+                <a:shade val="50000"/>
+              </a:schemeClr>
+            </a:lnRef>
+            <a:fillRef idx="1">
+              <a:schemeClr val="accent4"/>
+            </a:fillRef>
+            <a:effectRef idx="0">
+              <a:schemeClr val="accent4"/>
+            </a:effectRef>
+            <a:fontRef idx="minor">
+              <a:schemeClr val="lt1"/>
+            </a:fontRef>
+          </p:style>
+          <p:txBody>
+            <a:bodyPr rtlCol="0" anchor="ctr"/>
+            <a:lstStyle/>
+            <a:p>
+              <a:pPr algn="ctr"/>
+              <a:r>
+                <a:rPr lang="en-US" altLang="ko-KR" sz="1400" dirty="0" smtClean="0">
+                  <a:latin typeface="+mn-ea"/>
+                </a:rPr>
+                <a:t>Total size</a:t>
+              </a:r>
+              <a:endParaRPr lang="ko-KR" altLang="en-US" sz="1400" dirty="0">
+                <a:latin typeface="+mn-ea"/>
+              </a:endParaRPr>
+            </a:p>
+          </p:txBody>
+        </p:sp>
+        <p:grpSp>
+          <p:nvGrpSpPr>
+            <p:cNvPr id="9" name="그룹 8"/>
+            <p:cNvGrpSpPr/>
+            <p:nvPr/>
+          </p:nvGrpSpPr>
+          <p:grpSpPr>
+            <a:xfrm>
+              <a:off x="1683023" y="2708920"/>
+              <a:ext cx="2405882" cy="936104"/>
+              <a:chOff x="1683023" y="2708920"/>
+              <a:chExt cx="2405882" cy="936104"/>
+            </a:xfrm>
+          </p:grpSpPr>
+          <p:sp>
+            <p:nvSpPr>
+              <p:cNvPr id="5" name="직사각형 4"/>
+              <p:cNvSpPr/>
+              <p:nvPr/>
+            </p:nvSpPr>
+            <p:spPr>
+              <a:xfrm>
+                <a:off x="1724621" y="2708920"/>
+                <a:ext cx="360040" cy="936104"/>
+              </a:xfrm>
+              <a:prstGeom prst="rect">
+                <a:avLst/>
+              </a:prstGeom>
+            </p:spPr>
+            <p:style>
+              <a:lnRef idx="2">
+                <a:schemeClr val="accent3">
+                  <a:shade val="50000"/>
+                </a:schemeClr>
+              </a:lnRef>
+              <a:fillRef idx="1">
+                <a:schemeClr val="accent3"/>
+              </a:fillRef>
+              <a:effectRef idx="0">
+                <a:schemeClr val="accent3"/>
+              </a:effectRef>
+              <a:fontRef idx="minor">
+                <a:schemeClr val="lt1"/>
+              </a:fontRef>
+            </p:style>
+            <p:txBody>
+              <a:bodyPr rtlCol="0" anchor="ctr"/>
+              <a:lstStyle/>
+              <a:p>
+                <a:pPr algn="ctr"/>
+                <a:endParaRPr lang="ko-KR" altLang="en-US" dirty="0"/>
+              </a:p>
+            </p:txBody>
+          </p:sp>
+          <p:sp>
+            <p:nvSpPr>
+              <p:cNvPr id="27" name="직사각형 26"/>
+              <p:cNvSpPr/>
+              <p:nvPr/>
+            </p:nvSpPr>
+            <p:spPr>
+              <a:xfrm>
+                <a:off x="2102297" y="2708920"/>
+                <a:ext cx="1986608" cy="936104"/>
+              </a:xfrm>
+              <a:prstGeom prst="rect">
+                <a:avLst/>
+              </a:prstGeom>
+              <a:solidFill>
+                <a:schemeClr val="accent6">
+                  <a:lumMod val="75000"/>
+                </a:schemeClr>
+              </a:solidFill>
+              <a:ln>
+                <a:solidFill>
+                  <a:schemeClr val="accent6">
+                    <a:lumMod val="50000"/>
+                  </a:schemeClr>
+                </a:solidFill>
+              </a:ln>
+            </p:spPr>
+            <p:style>
+              <a:lnRef idx="2">
+                <a:schemeClr val="accent1">
+                  <a:shade val="50000"/>
+                </a:schemeClr>
+              </a:lnRef>
+              <a:fillRef idx="1">
+                <a:schemeClr val="accent1"/>
+              </a:fillRef>
+              <a:effectRef idx="0">
+                <a:schemeClr val="accent1"/>
+              </a:effectRef>
+              <a:fontRef idx="minor">
+                <a:schemeClr val="lt1"/>
+              </a:fontRef>
+            </p:style>
+            <p:txBody>
+              <a:bodyPr rtlCol="0" anchor="ctr"/>
+              <a:lstStyle/>
+              <a:p>
+                <a:pPr algn="ctr"/>
+                <a:r>
+                  <a:rPr lang="en-US" altLang="ko-KR" dirty="0" err="1" smtClean="0">
+                    <a:latin typeface="+mn-ea"/>
+                  </a:rPr>
+                  <a:t>SortedData</a:t>
+                </a:r>
+                <a:endParaRPr lang="ko-KR" altLang="en-US" dirty="0">
+                  <a:latin typeface="+mn-ea"/>
+                </a:endParaRPr>
+              </a:p>
+            </p:txBody>
+          </p:sp>
+          <p:sp>
+            <p:nvSpPr>
+              <p:cNvPr id="6" name="TextBox 5"/>
+              <p:cNvSpPr txBox="1"/>
+              <p:nvPr/>
+            </p:nvSpPr>
+            <p:spPr>
+              <a:xfrm>
+                <a:off x="1683023" y="2708920"/>
+                <a:ext cx="461665" cy="864096"/>
+              </a:xfrm>
+              <a:prstGeom prst="rect">
+                <a:avLst/>
+              </a:prstGeom>
+              <a:noFill/>
+            </p:spPr>
+            <p:txBody>
+              <a:bodyPr vert="eaVert" wrap="square" rtlCol="0">
+                <a:spAutoFit/>
+              </a:bodyPr>
+              <a:lstStyle/>
+              <a:p>
+                <a:pPr algn="ctr"/>
+                <a:r>
+                  <a:rPr lang="en-US" altLang="ko-KR" dirty="0" smtClean="0">
+                    <a:solidFill>
+                      <a:schemeClr val="bg1"/>
+                    </a:solidFill>
+                    <a:latin typeface="+mn-ea"/>
+                  </a:rPr>
+                  <a:t>size</a:t>
+                </a:r>
+                <a:endParaRPr lang="ko-KR" altLang="en-US" dirty="0">
+                  <a:solidFill>
+                    <a:schemeClr val="bg1"/>
+                  </a:solidFill>
+                  <a:latin typeface="+mn-ea"/>
+                </a:endParaRPr>
+              </a:p>
+            </p:txBody>
+          </p:sp>
+        </p:grpSp>
+        <p:grpSp>
+          <p:nvGrpSpPr>
+            <p:cNvPr id="18" name="그룹 17"/>
+            <p:cNvGrpSpPr/>
+            <p:nvPr/>
+          </p:nvGrpSpPr>
+          <p:grpSpPr>
+            <a:xfrm>
+              <a:off x="4059286" y="2708920"/>
+              <a:ext cx="2405882" cy="936104"/>
+              <a:chOff x="1683023" y="2708920"/>
+              <a:chExt cx="2405882" cy="936104"/>
+            </a:xfrm>
+          </p:grpSpPr>
+          <p:sp>
+            <p:nvSpPr>
+              <p:cNvPr id="19" name="직사각형 18"/>
+              <p:cNvSpPr/>
+              <p:nvPr/>
+            </p:nvSpPr>
+            <p:spPr>
+              <a:xfrm>
+                <a:off x="1724621" y="2708920"/>
+                <a:ext cx="360040" cy="936104"/>
+              </a:xfrm>
+              <a:prstGeom prst="rect">
+                <a:avLst/>
+              </a:prstGeom>
+            </p:spPr>
+            <p:style>
+              <a:lnRef idx="2">
+                <a:schemeClr val="accent3">
+                  <a:shade val="50000"/>
+                </a:schemeClr>
+              </a:lnRef>
+              <a:fillRef idx="1">
+                <a:schemeClr val="accent3"/>
+              </a:fillRef>
+              <a:effectRef idx="0">
+                <a:schemeClr val="accent3"/>
+              </a:effectRef>
+              <a:fontRef idx="minor">
+                <a:schemeClr val="lt1"/>
+              </a:fontRef>
+            </p:style>
+            <p:txBody>
+              <a:bodyPr rtlCol="0" anchor="ctr"/>
+              <a:lstStyle/>
+              <a:p>
+                <a:pPr algn="ctr"/>
+                <a:endParaRPr lang="ko-KR" altLang="en-US" dirty="0"/>
+              </a:p>
+            </p:txBody>
+          </p:sp>
+          <p:sp>
+            <p:nvSpPr>
+              <p:cNvPr id="20" name="직사각형 19"/>
+              <p:cNvSpPr/>
+              <p:nvPr/>
+            </p:nvSpPr>
+            <p:spPr>
+              <a:xfrm>
+                <a:off x="2102297" y="2708920"/>
+                <a:ext cx="1986608" cy="936104"/>
+              </a:xfrm>
+              <a:prstGeom prst="rect">
+                <a:avLst/>
+              </a:prstGeom>
+              <a:solidFill>
+                <a:schemeClr val="accent6">
+                  <a:lumMod val="75000"/>
+                </a:schemeClr>
+              </a:solidFill>
+              <a:ln>
+                <a:solidFill>
+                  <a:schemeClr val="accent6">
+                    <a:lumMod val="50000"/>
+                  </a:schemeClr>
+                </a:solidFill>
+              </a:ln>
+            </p:spPr>
+            <p:style>
+              <a:lnRef idx="2">
+                <a:schemeClr val="accent1">
+                  <a:shade val="50000"/>
+                </a:schemeClr>
+              </a:lnRef>
+              <a:fillRef idx="1">
+                <a:schemeClr val="accent1"/>
+              </a:fillRef>
+              <a:effectRef idx="0">
+                <a:schemeClr val="accent1"/>
+              </a:effectRef>
+              <a:fontRef idx="minor">
+                <a:schemeClr val="lt1"/>
+              </a:fontRef>
+            </p:style>
+            <p:txBody>
+              <a:bodyPr rtlCol="0" anchor="ctr"/>
+              <a:lstStyle/>
+              <a:p>
+                <a:pPr algn="ctr"/>
+                <a:r>
+                  <a:rPr lang="en-US" altLang="ko-KR" dirty="0" err="1" smtClean="0">
+                    <a:latin typeface="+mn-ea"/>
+                  </a:rPr>
+                  <a:t>SortedData</a:t>
+                </a:r>
+                <a:endParaRPr lang="ko-KR" altLang="en-US" dirty="0">
+                  <a:latin typeface="+mn-ea"/>
+                </a:endParaRPr>
+              </a:p>
+            </p:txBody>
+          </p:sp>
+          <p:sp>
+            <p:nvSpPr>
+              <p:cNvPr id="21" name="TextBox 20"/>
+              <p:cNvSpPr txBox="1"/>
+              <p:nvPr/>
+            </p:nvSpPr>
+            <p:spPr>
+              <a:xfrm>
+                <a:off x="1683023" y="2708920"/>
+                <a:ext cx="461665" cy="864096"/>
+              </a:xfrm>
+              <a:prstGeom prst="rect">
+                <a:avLst/>
+              </a:prstGeom>
+              <a:noFill/>
+            </p:spPr>
+            <p:txBody>
+              <a:bodyPr vert="eaVert" wrap="square" rtlCol="0">
+                <a:spAutoFit/>
+              </a:bodyPr>
+              <a:lstStyle/>
+              <a:p>
+                <a:pPr algn="ctr"/>
+                <a:r>
+                  <a:rPr lang="en-US" altLang="ko-KR" dirty="0" smtClean="0">
+                    <a:solidFill>
+                      <a:schemeClr val="bg1"/>
+                    </a:solidFill>
+                    <a:latin typeface="+mn-ea"/>
+                  </a:rPr>
+                  <a:t>size</a:t>
+                </a:r>
+                <a:endParaRPr lang="ko-KR" altLang="en-US" dirty="0">
+                  <a:solidFill>
+                    <a:schemeClr val="bg1"/>
+                  </a:solidFill>
+                  <a:latin typeface="+mn-ea"/>
+                </a:endParaRPr>
+              </a:p>
+            </p:txBody>
+          </p:sp>
+        </p:grpSp>
+        <p:grpSp>
+          <p:nvGrpSpPr>
+            <p:cNvPr id="22" name="그룹 21"/>
+            <p:cNvGrpSpPr/>
+            <p:nvPr/>
+          </p:nvGrpSpPr>
+          <p:grpSpPr>
+            <a:xfrm>
+              <a:off x="6435550" y="2708920"/>
+              <a:ext cx="2405882" cy="936104"/>
+              <a:chOff x="1683023" y="2708920"/>
+              <a:chExt cx="2405882" cy="936104"/>
+            </a:xfrm>
+          </p:grpSpPr>
+          <p:sp>
+            <p:nvSpPr>
+              <p:cNvPr id="23" name="직사각형 22"/>
+              <p:cNvSpPr/>
+              <p:nvPr/>
+            </p:nvSpPr>
+            <p:spPr>
+              <a:xfrm>
+                <a:off x="1724621" y="2708920"/>
+                <a:ext cx="360040" cy="936104"/>
+              </a:xfrm>
+              <a:prstGeom prst="rect">
+                <a:avLst/>
+              </a:prstGeom>
+            </p:spPr>
+            <p:style>
+              <a:lnRef idx="2">
+                <a:schemeClr val="accent3">
+                  <a:shade val="50000"/>
+                </a:schemeClr>
+              </a:lnRef>
+              <a:fillRef idx="1">
+                <a:schemeClr val="accent3"/>
+              </a:fillRef>
+              <a:effectRef idx="0">
+                <a:schemeClr val="accent3"/>
+              </a:effectRef>
+              <a:fontRef idx="minor">
+                <a:schemeClr val="lt1"/>
+              </a:fontRef>
+            </p:style>
+            <p:txBody>
+              <a:bodyPr rtlCol="0" anchor="ctr"/>
+              <a:lstStyle/>
+              <a:p>
+                <a:pPr algn="ctr"/>
+                <a:endParaRPr lang="ko-KR" altLang="en-US" dirty="0"/>
+              </a:p>
+            </p:txBody>
+          </p:sp>
+          <p:sp>
+            <p:nvSpPr>
+              <p:cNvPr id="24" name="직사각형 23"/>
+              <p:cNvSpPr/>
+              <p:nvPr/>
+            </p:nvSpPr>
+            <p:spPr>
+              <a:xfrm>
+                <a:off x="2102297" y="2708920"/>
+                <a:ext cx="1986608" cy="936104"/>
+              </a:xfrm>
+              <a:prstGeom prst="rect">
+                <a:avLst/>
+              </a:prstGeom>
+              <a:solidFill>
+                <a:schemeClr val="accent6">
+                  <a:lumMod val="75000"/>
+                </a:schemeClr>
+              </a:solidFill>
+              <a:ln>
+                <a:solidFill>
+                  <a:schemeClr val="accent6">
+                    <a:lumMod val="50000"/>
+                  </a:schemeClr>
+                </a:solidFill>
+              </a:ln>
+            </p:spPr>
+            <p:style>
+              <a:lnRef idx="2">
+                <a:schemeClr val="accent1">
+                  <a:shade val="50000"/>
+                </a:schemeClr>
+              </a:lnRef>
+              <a:fillRef idx="1">
+                <a:schemeClr val="accent1"/>
+              </a:fillRef>
+              <a:effectRef idx="0">
+                <a:schemeClr val="accent1"/>
+              </a:effectRef>
+              <a:fontRef idx="minor">
+                <a:schemeClr val="lt1"/>
+              </a:fontRef>
+            </p:style>
+            <p:txBody>
+              <a:bodyPr rtlCol="0" anchor="ctr"/>
+              <a:lstStyle/>
+              <a:p>
+                <a:pPr algn="ctr"/>
+                <a:r>
+                  <a:rPr lang="en-US" altLang="ko-KR" dirty="0" err="1" smtClean="0">
+                    <a:latin typeface="+mn-ea"/>
+                  </a:rPr>
+                  <a:t>SortedData</a:t>
+                </a:r>
+                <a:endParaRPr lang="ko-KR" altLang="en-US" dirty="0">
+                  <a:latin typeface="+mn-ea"/>
+                </a:endParaRPr>
+              </a:p>
+            </p:txBody>
+          </p:sp>
+          <p:sp>
+            <p:nvSpPr>
+              <p:cNvPr id="25" name="TextBox 24"/>
+              <p:cNvSpPr txBox="1"/>
+              <p:nvPr/>
+            </p:nvSpPr>
+            <p:spPr>
+              <a:xfrm>
+                <a:off x="1683023" y="2708920"/>
+                <a:ext cx="461665" cy="864096"/>
+              </a:xfrm>
+              <a:prstGeom prst="rect">
+                <a:avLst/>
+              </a:prstGeom>
+              <a:noFill/>
+            </p:spPr>
+            <p:txBody>
+              <a:bodyPr vert="eaVert" wrap="square" rtlCol="0">
+                <a:spAutoFit/>
+              </a:bodyPr>
+              <a:lstStyle/>
+              <a:p>
+                <a:pPr algn="ctr"/>
+                <a:r>
+                  <a:rPr lang="en-US" altLang="ko-KR" dirty="0" smtClean="0">
+                    <a:solidFill>
+                      <a:schemeClr val="bg1"/>
+                    </a:solidFill>
+                    <a:latin typeface="+mn-ea"/>
+                  </a:rPr>
+                  <a:t>size</a:t>
+                </a:r>
+                <a:endParaRPr lang="ko-KR" altLang="en-US" dirty="0">
+                  <a:solidFill>
+                    <a:schemeClr val="bg1"/>
+                  </a:solidFill>
+                  <a:latin typeface="+mn-ea"/>
+                </a:endParaRPr>
+              </a:p>
+            </p:txBody>
+          </p:sp>
+        </p:grpSp>
+      </p:grpSp>
+    </p:spTree>
+    <p:extLst>
+      <p:ext uri="{BB962C8B-B14F-4D97-AF65-F5344CB8AC3E}">
+        <p14:creationId xmlns:p14="http://schemas.microsoft.com/office/powerpoint/2010/main" val="1873625796"/>
+      </p:ext>
+    </p:extLst>
+  </p:cSld>
+  <p:clrMapOvr>
+    <a:masterClrMapping/>
+  </p:clrMapOvr>
+  <p:timing>
+    <p:tnLst>
+      <p:par>
+        <p:cTn id="1" dur="indefinite" restart="never" nodeType="tmRoot"/>
+      </p:par>
+    </p:tnLst>
+  </p:timing>
+</p:sld>
+</file>
+
+<file path=ppt/slides/slide29.xml><?xml version="1.0" encoding="utf-8"?>
+<p:sld xmlns:a="http://schemas.openxmlformats.org/drawingml/2006/main" xmlns:r="http://schemas.openxmlformats.org/officeDocument/2006/relationships" xmlns:p="http://schemas.openxmlformats.org/presentationml/2006/main">
+  <p:cSld>
+    <p:spTree>
+      <p:nvGrpSpPr>
+        <p:cNvPr id="1" name=""/>
+        <p:cNvGrpSpPr/>
+        <p:nvPr/>
+      </p:nvGrpSpPr>
+      <p:grpSpPr>
+        <a:xfrm>
+          <a:off x="0" y="0"/>
+          <a:ext cx="0" cy="0"/>
+          <a:chOff x="0" y="0"/>
+          <a:chExt cx="0" cy="0"/>
+        </a:xfrm>
+      </p:grpSpPr>
+      <p:sp>
+        <p:nvSpPr>
+          <p:cNvPr id="2" name="내용 개체 틀 1"/>
+          <p:cNvSpPr>
+            <a:spLocks noGrp="1"/>
+          </p:cNvSpPr>
+          <p:nvPr>
+            <p:ph idx="1"/>
+          </p:nvPr>
+        </p:nvSpPr>
+        <p:spPr>
+          <a:xfrm>
+            <a:off x="529185" y="1171289"/>
+            <a:ext cx="8024215" cy="690785"/>
+          </a:xfrm>
+        </p:spPr>
+        <p:txBody>
+          <a:bodyPr>
+            <a:normAutofit/>
+          </a:bodyPr>
+          <a:lstStyle/>
+          <a:p>
+            <a:r>
+              <a:rPr lang="en-US" altLang="ko-KR" sz="2800" dirty="0" smtClean="0">
+                <a:latin typeface="+mn-ea"/>
+              </a:rPr>
+              <a:t>Asynchronous </a:t>
+            </a:r>
+            <a:r>
+              <a:rPr lang="en-US" altLang="ko-KR" sz="2800" dirty="0" err="1" smtClean="0">
+                <a:latin typeface="+mn-ea"/>
+              </a:rPr>
+              <a:t>recieve</a:t>
+            </a:r>
+            <a:r>
+              <a:rPr lang="en-US" altLang="ko-KR" sz="2800" dirty="0" smtClean="0">
+                <a:latin typeface="+mn-ea"/>
+              </a:rPr>
+              <a:t> with natty</a:t>
+            </a:r>
+            <a:endParaRPr lang="en-US" altLang="ko-KR" sz="2800" dirty="0" smtClean="0">
+              <a:latin typeface="+mn-ea"/>
+            </a:endParaRPr>
+          </a:p>
+        </p:txBody>
+      </p:sp>
+      <p:pic>
+        <p:nvPicPr>
+          <p:cNvPr id="3" name="그림 2"/>
+          <p:cNvPicPr>
+            <a:picLocks noChangeAspect="1"/>
+          </p:cNvPicPr>
+          <p:nvPr/>
+        </p:nvPicPr>
+        <p:blipFill>
+          <a:blip r:embed="rId3"/>
+          <a:stretch>
+            <a:fillRect/>
+          </a:stretch>
+        </p:blipFill>
+        <p:spPr>
+          <a:xfrm>
+            <a:off x="920552" y="1869317"/>
+            <a:ext cx="3614720" cy="4140497"/>
           </a:xfrm>
           <a:prstGeom prst="rect">
             <a:avLst/>
           </a:prstGeom>
-          <a:noFill/>
-        </p:spPr>
-        <p:txBody>
-          <a:bodyPr wrap="square" rtlCol="0">
-            <a:spAutoFit/>
-          </a:bodyPr>
+        </p:spPr>
+      </p:pic>
+      <p:cxnSp>
+        <p:nvCxnSpPr>
+          <p:cNvPr id="8" name="직선 연결선 7"/>
+          <p:cNvCxnSpPr/>
+          <p:nvPr/>
+        </p:nvCxnSpPr>
+        <p:spPr>
+          <a:xfrm>
+            <a:off x="1568624" y="4221088"/>
+            <a:ext cx="2448272" cy="0"/>
+          </a:xfrm>
+          <a:prstGeom prst="line">
+            <a:avLst/>
+          </a:prstGeom>
+        </p:spPr>
+        <p:style>
+          <a:lnRef idx="2">
+            <a:schemeClr val="accent2"/>
+          </a:lnRef>
+          <a:fillRef idx="0">
+            <a:schemeClr val="accent2"/>
+          </a:fillRef>
+          <a:effectRef idx="1">
+            <a:schemeClr val="accent2"/>
+          </a:effectRef>
+          <a:fontRef idx="minor">
+            <a:schemeClr val="tx1"/>
+          </a:fontRef>
+        </p:style>
+      </p:cxnSp>
+      <p:cxnSp>
+        <p:nvCxnSpPr>
+          <p:cNvPr id="26" name="직선 연결선 25"/>
+          <p:cNvCxnSpPr/>
+          <p:nvPr/>
+        </p:nvCxnSpPr>
+        <p:spPr>
+          <a:xfrm>
+            <a:off x="1568624" y="4365104"/>
+            <a:ext cx="1944216" cy="0"/>
+          </a:xfrm>
+          <a:prstGeom prst="line">
+            <a:avLst/>
+          </a:prstGeom>
+        </p:spPr>
+        <p:style>
+          <a:lnRef idx="2">
+            <a:schemeClr val="accent2"/>
+          </a:lnRef>
+          <a:fillRef idx="0">
+            <a:schemeClr val="accent2"/>
+          </a:fillRef>
+          <a:effectRef idx="1">
+            <a:schemeClr val="accent2"/>
+          </a:effectRef>
+          <a:fontRef idx="minor">
+            <a:schemeClr val="tx1"/>
+          </a:fontRef>
+        </p:style>
+      </p:cxnSp>
+      <p:sp>
+        <p:nvSpPr>
+          <p:cNvPr id="29" name="직사각형 28"/>
+          <p:cNvSpPr/>
+          <p:nvPr/>
+        </p:nvSpPr>
+        <p:spPr>
+          <a:xfrm>
+            <a:off x="5109964" y="2060848"/>
+            <a:ext cx="409587" cy="492582"/>
+          </a:xfrm>
+          <a:prstGeom prst="rect">
+            <a:avLst/>
+          </a:prstGeom>
+        </p:spPr>
+        <p:style>
+          <a:lnRef idx="2">
+            <a:schemeClr val="accent4">
+              <a:shade val="50000"/>
+            </a:schemeClr>
+          </a:lnRef>
+          <a:fillRef idx="1">
+            <a:schemeClr val="accent4"/>
+          </a:fillRef>
+          <a:effectRef idx="0">
+            <a:schemeClr val="accent4"/>
+          </a:effectRef>
+          <a:fontRef idx="minor">
+            <a:schemeClr val="lt1"/>
+          </a:fontRef>
+        </p:style>
+        <p:txBody>
+          <a:bodyPr rtlCol="0" anchor="ctr"/>
           <a:lstStyle/>
           <a:p>
             <a:pPr algn="ctr"/>
             <a:r>
-              <a:rPr lang="en-US" altLang="ko-KR" sz="6000" dirty="0" smtClean="0">
-                <a:solidFill>
-                  <a:schemeClr val="bg1"/>
-                </a:solidFill>
-                <a:latin typeface="a장미다방" panose="02020600000000000000" pitchFamily="18" charset="-127"/>
-                <a:ea typeface="a장미다방" panose="02020600000000000000" pitchFamily="18" charset="-127"/>
+              <a:rPr lang="en-US" altLang="ko-KR" sz="800" dirty="0" smtClean="0">
+                <a:latin typeface="+mn-ea"/>
               </a:rPr>
-              <a:t>THANK </a:t>
-            </a:r>
-          </a:p>
+              <a:t>Total size</a:t>
+            </a:r>
+            <a:endParaRPr lang="ko-KR" altLang="en-US" sz="800" dirty="0">
+              <a:latin typeface="+mn-ea"/>
+            </a:endParaRPr>
+          </a:p>
+        </p:txBody>
+      </p:sp>
+      <p:sp>
+        <p:nvSpPr>
+          <p:cNvPr id="39" name="직사각형 38"/>
+          <p:cNvSpPr/>
+          <p:nvPr/>
+        </p:nvSpPr>
+        <p:spPr>
+          <a:xfrm>
+            <a:off x="5526366" y="2060848"/>
+            <a:ext cx="204793" cy="492582"/>
+          </a:xfrm>
+          <a:prstGeom prst="rect">
+            <a:avLst/>
+          </a:prstGeom>
+        </p:spPr>
+        <p:style>
+          <a:lnRef idx="2">
+            <a:schemeClr val="accent3">
+              <a:shade val="50000"/>
+            </a:schemeClr>
+          </a:lnRef>
+          <a:fillRef idx="1">
+            <a:schemeClr val="accent3"/>
+          </a:fillRef>
+          <a:effectRef idx="0">
+            <a:schemeClr val="accent3"/>
+          </a:effectRef>
+          <a:fontRef idx="minor">
+            <a:schemeClr val="lt1"/>
+          </a:fontRef>
+        </p:style>
+        <p:txBody>
+          <a:bodyPr rtlCol="0" anchor="ctr"/>
+          <a:lstStyle/>
           <a:p>
             <a:pPr algn="ctr"/>
-            <a:r>
-              <a:rPr lang="en-US" altLang="ko-KR" sz="6000" dirty="0" smtClean="0">
-                <a:solidFill>
-                  <a:schemeClr val="bg1"/>
-                </a:solidFill>
-                <a:latin typeface="a장미다방" panose="02020600000000000000" pitchFamily="18" charset="-127"/>
-                <a:ea typeface="a장미다방" panose="02020600000000000000" pitchFamily="18" charset="-127"/>
-              </a:rPr>
-              <a:t>YOU</a:t>
-            </a:r>
-            <a:endParaRPr lang="ko-KR" altLang="en-US" sz="6000" dirty="0">
-              <a:solidFill>
-                <a:schemeClr val="bg1"/>
-              </a:solidFill>
-              <a:latin typeface="a장미다방" panose="02020600000000000000" pitchFamily="18" charset="-127"/>
-              <a:ea typeface="a장미다방" panose="02020600000000000000" pitchFamily="18" charset="-127"/>
-            </a:endParaRPr>
-          </a:p>
-        </p:txBody>
-      </p:sp>
-      <p:sp>
-        <p:nvSpPr>
-          <p:cNvPr id="3" name="직사각형 2"/>
+            <a:endParaRPr lang="ko-KR" altLang="en-US" dirty="0"/>
+          </a:p>
+        </p:txBody>
+      </p:sp>
+      <p:sp>
+        <p:nvSpPr>
+          <p:cNvPr id="40" name="직사각형 39"/>
           <p:cNvSpPr/>
           <p:nvPr/>
         </p:nvSpPr>
         <p:spPr>
           <a:xfrm>
-            <a:off x="1784648" y="3041129"/>
-            <a:ext cx="6192688" cy="2044055"/>
+            <a:off x="5741191" y="2060848"/>
+            <a:ext cx="1129997" cy="492582"/>
           </a:xfrm>
           <a:prstGeom prst="rect">
             <a:avLst/>
           </a:prstGeom>
           <a:solidFill>
-            <a:schemeClr val="bg1"/>
+            <a:schemeClr val="accent6">
+              <a:lumMod val="75000"/>
+            </a:schemeClr>
           </a:solidFill>
-          <a:ln w="76200">
+          <a:ln>
             <a:solidFill>
-              <a:schemeClr val="bg1"/>
+              <a:schemeClr val="accent6">
+                <a:lumMod val="50000"/>
+              </a:schemeClr>
             </a:solidFill>
-            <a:prstDash val="dash"/>
           </a:ln>
         </p:spPr>
         <p:style>
@@ -22582,20 +24842,612 @@
           <a:lstStyle/>
           <a:p>
             <a:pPr algn="ctr"/>
+            <a:r>
+              <a:rPr lang="en-US" altLang="ko-KR" sz="1200" dirty="0" err="1" smtClean="0">
+                <a:latin typeface="+mn-ea"/>
+              </a:rPr>
+              <a:t>SortedData</a:t>
+            </a:r>
+            <a:endParaRPr lang="ko-KR" altLang="en-US" sz="1200" dirty="0">
+              <a:latin typeface="+mn-ea"/>
+            </a:endParaRPr>
+          </a:p>
+        </p:txBody>
+      </p:sp>
+      <p:sp>
+        <p:nvSpPr>
+          <p:cNvPr id="41" name="TextBox 40"/>
+          <p:cNvSpPr txBox="1"/>
+          <p:nvPr/>
+        </p:nvSpPr>
+        <p:spPr>
+          <a:xfrm>
+            <a:off x="5626274" y="2060848"/>
+            <a:ext cx="190822" cy="454691"/>
+          </a:xfrm>
+          <a:prstGeom prst="rect">
+            <a:avLst/>
+          </a:prstGeom>
+          <a:noFill/>
+        </p:spPr>
+        <p:txBody>
+          <a:bodyPr vert="eaVert" wrap="square" rtlCol="0">
+            <a:spAutoFit/>
+          </a:bodyPr>
+          <a:lstStyle/>
+          <a:p>
+            <a:pPr algn="ctr"/>
+            <a:r>
+              <a:rPr lang="en-US" altLang="ko-KR" sz="1200" dirty="0" smtClean="0">
+                <a:solidFill>
+                  <a:schemeClr val="bg1"/>
+                </a:solidFill>
+                <a:latin typeface="+mn-ea"/>
+              </a:rPr>
+              <a:t>size</a:t>
+            </a:r>
+            <a:endParaRPr lang="ko-KR" altLang="en-US" sz="1200" dirty="0">
+              <a:solidFill>
+                <a:schemeClr val="bg1"/>
+              </a:solidFill>
+              <a:latin typeface="+mn-ea"/>
+            </a:endParaRPr>
+          </a:p>
+        </p:txBody>
+      </p:sp>
+      <p:sp>
+        <p:nvSpPr>
+          <p:cNvPr id="36" name="직사각형 35"/>
+          <p:cNvSpPr/>
+          <p:nvPr/>
+        </p:nvSpPr>
+        <p:spPr>
+          <a:xfrm>
+            <a:off x="6878002" y="2060848"/>
+            <a:ext cx="204793" cy="492582"/>
+          </a:xfrm>
+          <a:prstGeom prst="rect">
+            <a:avLst/>
+          </a:prstGeom>
+        </p:spPr>
+        <p:style>
+          <a:lnRef idx="2">
+            <a:schemeClr val="accent3">
+              <a:shade val="50000"/>
+            </a:schemeClr>
+          </a:lnRef>
+          <a:fillRef idx="1">
+            <a:schemeClr val="accent3"/>
+          </a:fillRef>
+          <a:effectRef idx="0">
+            <a:schemeClr val="accent3"/>
+          </a:effectRef>
+          <a:fontRef idx="minor">
+            <a:schemeClr val="lt1"/>
+          </a:fontRef>
+        </p:style>
+        <p:txBody>
+          <a:bodyPr rtlCol="0" anchor="ctr"/>
+          <a:lstStyle/>
+          <a:p>
+            <a:pPr algn="ctr"/>
+            <a:endParaRPr lang="ko-KR" altLang="en-US" dirty="0"/>
+          </a:p>
+        </p:txBody>
+      </p:sp>
+      <p:sp>
+        <p:nvSpPr>
+          <p:cNvPr id="37" name="직사각형 36"/>
+          <p:cNvSpPr/>
+          <p:nvPr/>
+        </p:nvSpPr>
+        <p:spPr>
+          <a:xfrm>
+            <a:off x="7092827" y="2060848"/>
+            <a:ext cx="1129997" cy="492582"/>
+          </a:xfrm>
+          <a:prstGeom prst="rect">
+            <a:avLst/>
+          </a:prstGeom>
+          <a:solidFill>
+            <a:schemeClr val="accent6">
+              <a:lumMod val="75000"/>
+            </a:schemeClr>
+          </a:solidFill>
+          <a:ln>
+            <a:solidFill>
+              <a:schemeClr val="accent6">
+                <a:lumMod val="50000"/>
+              </a:schemeClr>
+            </a:solidFill>
+          </a:ln>
+        </p:spPr>
+        <p:style>
+          <a:lnRef idx="2">
+            <a:schemeClr val="accent1">
+              <a:shade val="50000"/>
+            </a:schemeClr>
+          </a:lnRef>
+          <a:fillRef idx="1">
+            <a:schemeClr val="accent1"/>
+          </a:fillRef>
+          <a:effectRef idx="0">
+            <a:schemeClr val="accent1"/>
+          </a:effectRef>
+          <a:fontRef idx="minor">
+            <a:schemeClr val="lt1"/>
+          </a:fontRef>
+        </p:style>
+        <p:txBody>
+          <a:bodyPr rtlCol="0" anchor="ctr"/>
+          <a:lstStyle/>
+          <a:p>
+            <a:pPr algn="ctr"/>
+            <a:r>
+              <a:rPr lang="en-US" altLang="ko-KR" sz="1200" dirty="0" err="1" smtClean="0">
+                <a:latin typeface="+mn-ea"/>
+              </a:rPr>
+              <a:t>SortedData</a:t>
+            </a:r>
+            <a:endParaRPr lang="ko-KR" altLang="en-US" sz="1200" dirty="0">
+              <a:latin typeface="+mn-ea"/>
+            </a:endParaRPr>
+          </a:p>
+        </p:txBody>
+      </p:sp>
+      <p:sp>
+        <p:nvSpPr>
+          <p:cNvPr id="38" name="TextBox 37"/>
+          <p:cNvSpPr txBox="1"/>
+          <p:nvPr/>
+        </p:nvSpPr>
+        <p:spPr>
+          <a:xfrm>
+            <a:off x="6994426" y="2060848"/>
+            <a:ext cx="190822" cy="454691"/>
+          </a:xfrm>
+          <a:prstGeom prst="rect">
+            <a:avLst/>
+          </a:prstGeom>
+          <a:noFill/>
+        </p:spPr>
+        <p:txBody>
+          <a:bodyPr vert="eaVert" wrap="square" rtlCol="0">
+            <a:spAutoFit/>
+          </a:bodyPr>
+          <a:lstStyle/>
+          <a:p>
+            <a:pPr algn="ctr"/>
+            <a:r>
+              <a:rPr lang="en-US" altLang="ko-KR" sz="1200" dirty="0" smtClean="0">
+                <a:solidFill>
+                  <a:schemeClr val="bg1"/>
+                </a:solidFill>
+                <a:latin typeface="+mn-ea"/>
+              </a:rPr>
+              <a:t>size</a:t>
+            </a:r>
+            <a:endParaRPr lang="ko-KR" altLang="en-US" sz="1200" dirty="0">
+              <a:solidFill>
+                <a:schemeClr val="bg1"/>
+              </a:solidFill>
+              <a:latin typeface="+mn-ea"/>
+            </a:endParaRPr>
+          </a:p>
+        </p:txBody>
+      </p:sp>
+      <p:sp>
+        <p:nvSpPr>
+          <p:cNvPr id="33" name="직사각형 32"/>
+          <p:cNvSpPr/>
+          <p:nvPr/>
+        </p:nvSpPr>
+        <p:spPr>
+          <a:xfrm>
+            <a:off x="8229638" y="2060848"/>
+            <a:ext cx="204793" cy="492582"/>
+          </a:xfrm>
+          <a:prstGeom prst="rect">
+            <a:avLst/>
+          </a:prstGeom>
+        </p:spPr>
+        <p:style>
+          <a:lnRef idx="2">
+            <a:schemeClr val="accent3">
+              <a:shade val="50000"/>
+            </a:schemeClr>
+          </a:lnRef>
+          <a:fillRef idx="1">
+            <a:schemeClr val="accent3"/>
+          </a:fillRef>
+          <a:effectRef idx="0">
+            <a:schemeClr val="accent3"/>
+          </a:effectRef>
+          <a:fontRef idx="minor">
+            <a:schemeClr val="lt1"/>
+          </a:fontRef>
+        </p:style>
+        <p:txBody>
+          <a:bodyPr rtlCol="0" anchor="ctr"/>
+          <a:lstStyle/>
+          <a:p>
+            <a:pPr algn="ctr"/>
+            <a:endParaRPr lang="ko-KR" altLang="en-US" dirty="0"/>
+          </a:p>
+        </p:txBody>
+      </p:sp>
+      <p:sp>
+        <p:nvSpPr>
+          <p:cNvPr id="34" name="직사각형 33"/>
+          <p:cNvSpPr/>
+          <p:nvPr/>
+        </p:nvSpPr>
+        <p:spPr>
+          <a:xfrm>
+            <a:off x="8444463" y="2060848"/>
+            <a:ext cx="1129997" cy="492582"/>
+          </a:xfrm>
+          <a:prstGeom prst="rect">
+            <a:avLst/>
+          </a:prstGeom>
+          <a:solidFill>
+            <a:schemeClr val="accent6">
+              <a:lumMod val="75000"/>
+            </a:schemeClr>
+          </a:solidFill>
+          <a:ln>
+            <a:solidFill>
+              <a:schemeClr val="accent6">
+                <a:lumMod val="50000"/>
+              </a:schemeClr>
+            </a:solidFill>
+          </a:ln>
+        </p:spPr>
+        <p:style>
+          <a:lnRef idx="2">
+            <a:schemeClr val="accent1">
+              <a:shade val="50000"/>
+            </a:schemeClr>
+          </a:lnRef>
+          <a:fillRef idx="1">
+            <a:schemeClr val="accent1"/>
+          </a:fillRef>
+          <a:effectRef idx="0">
+            <a:schemeClr val="accent1"/>
+          </a:effectRef>
+          <a:fontRef idx="minor">
+            <a:schemeClr val="lt1"/>
+          </a:fontRef>
+        </p:style>
+        <p:txBody>
+          <a:bodyPr rtlCol="0" anchor="ctr"/>
+          <a:lstStyle/>
+          <a:p>
+            <a:pPr algn="ctr"/>
+            <a:r>
+              <a:rPr lang="en-US" altLang="ko-KR" sz="1200" dirty="0" err="1" smtClean="0">
+                <a:latin typeface="+mn-ea"/>
+              </a:rPr>
+              <a:t>SortedData</a:t>
+            </a:r>
+            <a:endParaRPr lang="ko-KR" altLang="en-US" sz="1200" dirty="0">
+              <a:latin typeface="+mn-ea"/>
+            </a:endParaRPr>
+          </a:p>
+        </p:txBody>
+      </p:sp>
+      <p:sp>
+        <p:nvSpPr>
+          <p:cNvPr id="35" name="TextBox 34"/>
+          <p:cNvSpPr txBox="1"/>
+          <p:nvPr/>
+        </p:nvSpPr>
+        <p:spPr>
+          <a:xfrm>
+            <a:off x="8362578" y="2060848"/>
+            <a:ext cx="190822" cy="454691"/>
+          </a:xfrm>
+          <a:prstGeom prst="rect">
+            <a:avLst/>
+          </a:prstGeom>
+          <a:noFill/>
+        </p:spPr>
+        <p:txBody>
+          <a:bodyPr vert="eaVert" wrap="square" rtlCol="0">
+            <a:spAutoFit/>
+          </a:bodyPr>
+          <a:lstStyle/>
+          <a:p>
+            <a:pPr algn="ctr"/>
+            <a:r>
+              <a:rPr lang="en-US" altLang="ko-KR" sz="1200" dirty="0" smtClean="0">
+                <a:solidFill>
+                  <a:schemeClr val="bg1"/>
+                </a:solidFill>
+                <a:latin typeface="+mn-ea"/>
+              </a:rPr>
+              <a:t>size</a:t>
+            </a:r>
+            <a:endParaRPr lang="ko-KR" altLang="en-US" sz="1200" dirty="0">
+              <a:solidFill>
+                <a:schemeClr val="bg1"/>
+              </a:solidFill>
+              <a:latin typeface="+mn-ea"/>
+            </a:endParaRPr>
+          </a:p>
+        </p:txBody>
+      </p:sp>
+      <p:sp>
+        <p:nvSpPr>
+          <p:cNvPr id="12" name="직사각형 11"/>
+          <p:cNvSpPr/>
+          <p:nvPr/>
+        </p:nvSpPr>
+        <p:spPr>
+          <a:xfrm>
+            <a:off x="5097016" y="2060848"/>
+            <a:ext cx="4477444" cy="492582"/>
+          </a:xfrm>
+          <a:prstGeom prst="rect">
+            <a:avLst/>
+          </a:prstGeom>
+          <a:solidFill>
+            <a:srgbClr val="FFFFFF">
+              <a:alpha val="32941"/>
+            </a:srgbClr>
+          </a:solidFill>
+          <a:ln>
+            <a:solidFill>
+              <a:schemeClr val="accent2">
+                <a:lumMod val="75000"/>
+              </a:schemeClr>
+            </a:solidFill>
+          </a:ln>
+        </p:spPr>
+        <p:style>
+          <a:lnRef idx="2">
+            <a:schemeClr val="accent1">
+              <a:shade val="50000"/>
+            </a:schemeClr>
+          </a:lnRef>
+          <a:fillRef idx="1">
+            <a:schemeClr val="accent1"/>
+          </a:fillRef>
+          <a:effectRef idx="0">
+            <a:schemeClr val="accent1"/>
+          </a:effectRef>
+          <a:fontRef idx="minor">
+            <a:schemeClr val="lt1"/>
+          </a:fontRef>
+        </p:style>
+        <p:txBody>
+          <a:bodyPr rtlCol="0" anchor="ctr"/>
+          <a:lstStyle/>
+          <a:p>
+            <a:pPr algn="ctr"/>
             <a:endParaRPr lang="ko-KR" altLang="en-US"/>
           </a:p>
         </p:txBody>
       </p:sp>
       <p:sp>
         <p:nvSpPr>
-          <p:cNvPr id="4" name="TextBox 3"/>
+          <p:cNvPr id="42" name="직사각형 41"/>
+          <p:cNvSpPr/>
+          <p:nvPr/>
+        </p:nvSpPr>
+        <p:spPr>
+          <a:xfrm>
+            <a:off x="5097016" y="3368946"/>
+            <a:ext cx="4477444" cy="468674"/>
+          </a:xfrm>
+          <a:prstGeom prst="rect">
+            <a:avLst/>
+          </a:prstGeom>
+          <a:solidFill>
+            <a:srgbClr val="FFFFFF">
+              <a:alpha val="32941"/>
+            </a:srgbClr>
+          </a:solidFill>
+          <a:ln>
+            <a:solidFill>
+              <a:schemeClr val="accent2">
+                <a:lumMod val="75000"/>
+              </a:schemeClr>
+            </a:solidFill>
+          </a:ln>
+        </p:spPr>
+        <p:style>
+          <a:lnRef idx="2">
+            <a:schemeClr val="accent1">
+              <a:shade val="50000"/>
+            </a:schemeClr>
+          </a:lnRef>
+          <a:fillRef idx="1">
+            <a:schemeClr val="accent1"/>
+          </a:fillRef>
+          <a:effectRef idx="0">
+            <a:schemeClr val="accent1"/>
+          </a:effectRef>
+          <a:fontRef idx="minor">
+            <a:schemeClr val="lt1"/>
+          </a:fontRef>
+        </p:style>
+        <p:txBody>
+          <a:bodyPr rtlCol="0" anchor="ctr"/>
+          <a:lstStyle/>
+          <a:p>
+            <a:pPr algn="ctr"/>
+            <a:r>
+              <a:rPr lang="en-US" altLang="ko-KR" dirty="0" smtClean="0">
+                <a:solidFill>
+                  <a:schemeClr val="accent2">
+                    <a:lumMod val="50000"/>
+                  </a:schemeClr>
+                </a:solidFill>
+                <a:latin typeface="+mn-ea"/>
+              </a:rPr>
+              <a:t>Vector[Record]</a:t>
+            </a:r>
+            <a:endParaRPr lang="ko-KR" altLang="en-US" dirty="0">
+              <a:solidFill>
+                <a:schemeClr val="accent2">
+                  <a:lumMod val="50000"/>
+                </a:schemeClr>
+              </a:solidFill>
+              <a:latin typeface="+mn-ea"/>
+            </a:endParaRPr>
+          </a:p>
+        </p:txBody>
+      </p:sp>
+      <p:sp>
+        <p:nvSpPr>
+          <p:cNvPr id="44" name="직사각형 43"/>
+          <p:cNvSpPr/>
+          <p:nvPr/>
+        </p:nvSpPr>
+        <p:spPr>
+          <a:xfrm>
+            <a:off x="5097016" y="4629894"/>
+            <a:ext cx="4477444" cy="468674"/>
+          </a:xfrm>
+          <a:prstGeom prst="rect">
+            <a:avLst/>
+          </a:prstGeom>
+          <a:solidFill>
+            <a:srgbClr val="FFFFFF">
+              <a:alpha val="32941"/>
+            </a:srgbClr>
+          </a:solidFill>
+          <a:ln>
+            <a:solidFill>
+              <a:schemeClr val="accent2">
+                <a:lumMod val="75000"/>
+              </a:schemeClr>
+            </a:solidFill>
+          </a:ln>
+        </p:spPr>
+        <p:style>
+          <a:lnRef idx="2">
+            <a:schemeClr val="accent1">
+              <a:shade val="50000"/>
+            </a:schemeClr>
+          </a:lnRef>
+          <a:fillRef idx="1">
+            <a:schemeClr val="accent1"/>
+          </a:fillRef>
+          <a:effectRef idx="0">
+            <a:schemeClr val="accent1"/>
+          </a:effectRef>
+          <a:fontRef idx="minor">
+            <a:schemeClr val="lt1"/>
+          </a:fontRef>
+        </p:style>
+        <p:txBody>
+          <a:bodyPr rtlCol="0" anchor="ctr"/>
+          <a:lstStyle/>
+          <a:p>
+            <a:pPr algn="ctr"/>
+            <a:r>
+              <a:rPr lang="en-US" altLang="ko-KR" dirty="0" err="1" smtClean="0">
+                <a:solidFill>
+                  <a:schemeClr val="accent2">
+                    <a:lumMod val="50000"/>
+                  </a:schemeClr>
+                </a:solidFill>
+                <a:latin typeface="+mn-ea"/>
+              </a:rPr>
+              <a:t>BigOutputFile</a:t>
+            </a:r>
+            <a:endParaRPr lang="ko-KR" altLang="en-US" dirty="0">
+              <a:solidFill>
+                <a:schemeClr val="accent2">
+                  <a:lumMod val="50000"/>
+                </a:schemeClr>
+              </a:solidFill>
+              <a:latin typeface="+mn-ea"/>
+            </a:endParaRPr>
+          </a:p>
+        </p:txBody>
+      </p:sp>
+      <p:cxnSp>
+        <p:nvCxnSpPr>
+          <p:cNvPr id="14" name="직선 화살표 연결선 13"/>
+          <p:cNvCxnSpPr>
+            <a:stCxn id="12" idx="2"/>
+            <a:endCxn id="42" idx="0"/>
+          </p:cNvCxnSpPr>
+          <p:nvPr/>
+        </p:nvCxnSpPr>
+        <p:spPr>
+          <a:xfrm>
+            <a:off x="7335738" y="2553430"/>
+            <a:ext cx="0" cy="815516"/>
+          </a:xfrm>
+          <a:prstGeom prst="straightConnector1">
+            <a:avLst/>
+          </a:prstGeom>
+          <a:ln>
+            <a:tailEnd type="triangle"/>
+          </a:ln>
+        </p:spPr>
+        <p:style>
+          <a:lnRef idx="2">
+            <a:schemeClr val="accent2"/>
+          </a:lnRef>
+          <a:fillRef idx="0">
+            <a:schemeClr val="accent2"/>
+          </a:fillRef>
+          <a:effectRef idx="1">
+            <a:schemeClr val="accent2"/>
+          </a:effectRef>
+          <a:fontRef idx="minor">
+            <a:schemeClr val="tx1"/>
+          </a:fontRef>
+        </p:style>
+      </p:cxnSp>
+      <p:cxnSp>
+        <p:nvCxnSpPr>
+          <p:cNvPr id="45" name="직선 화살표 연결선 44"/>
+          <p:cNvCxnSpPr/>
+          <p:nvPr/>
+        </p:nvCxnSpPr>
+        <p:spPr>
+          <a:xfrm>
+            <a:off x="7335738" y="3837620"/>
+            <a:ext cx="0" cy="815516"/>
+          </a:xfrm>
+          <a:prstGeom prst="straightConnector1">
+            <a:avLst/>
+          </a:prstGeom>
+          <a:ln>
+            <a:tailEnd type="triangle"/>
+          </a:ln>
+        </p:spPr>
+        <p:style>
+          <a:lnRef idx="2">
+            <a:schemeClr val="accent2"/>
+          </a:lnRef>
+          <a:fillRef idx="0">
+            <a:schemeClr val="accent2"/>
+          </a:fillRef>
+          <a:effectRef idx="1">
+            <a:schemeClr val="accent2"/>
+          </a:effectRef>
+          <a:fontRef idx="minor">
+            <a:schemeClr val="tx1"/>
+          </a:fontRef>
+        </p:style>
+      </p:cxnSp>
+      <p:sp>
+        <p:nvSpPr>
+          <p:cNvPr id="15" name="TextBox 14"/>
           <p:cNvSpPr txBox="1"/>
           <p:nvPr/>
         </p:nvSpPr>
         <p:spPr>
           <a:xfrm>
-            <a:off x="2584723" y="3421449"/>
-            <a:ext cx="4392488" cy="1015663"/>
+            <a:off x="5719886" y="2780928"/>
+            <a:ext cx="3409578" cy="369332"/>
           </a:xfrm>
           <a:prstGeom prst="rect">
             <a:avLst/>
@@ -22608,23 +25460,49 @@
           </a:bodyPr>
           <a:lstStyle/>
           <a:p>
+            <a:r>
+              <a:rPr lang="en-US" altLang="ko-KR" dirty="0" smtClean="0">
+                <a:latin typeface="+mn-ea"/>
+              </a:rPr>
+              <a:t>Buf2VectorRecordDecode</a:t>
+            </a:r>
+            <a:endParaRPr lang="ko-KR" altLang="en-US" dirty="0">
+              <a:latin typeface="+mn-ea"/>
+            </a:endParaRPr>
+          </a:p>
+        </p:txBody>
+      </p:sp>
+      <p:sp>
+        <p:nvSpPr>
+          <p:cNvPr id="46" name="TextBox 45"/>
+          <p:cNvSpPr txBox="1"/>
+          <p:nvPr/>
+        </p:nvSpPr>
+        <p:spPr>
+          <a:xfrm>
+            <a:off x="5719886" y="4056306"/>
+            <a:ext cx="3409578" cy="369332"/>
+          </a:xfrm>
+          <a:prstGeom prst="rect">
+            <a:avLst/>
+          </a:prstGeom>
+          <a:noFill/>
+        </p:spPr>
+        <p:txBody>
+          <a:bodyPr wrap="square" rtlCol="0">
+            <a:spAutoFit/>
+          </a:bodyPr>
+          <a:lstStyle/>
+          <a:p>
             <a:pPr algn="ctr"/>
             <a:r>
-              <a:rPr lang="en-US" altLang="ko-KR" sz="6000" dirty="0" smtClean="0">
-                <a:solidFill>
-                  <a:srgbClr val="FDAA03"/>
-                </a:solidFill>
-                <a:latin typeface="a장미다방" panose="02020600000000000000" pitchFamily="18" charset="-127"/>
-                <a:ea typeface="a장미다방" panose="02020600000000000000" pitchFamily="18" charset="-127"/>
+              <a:rPr lang="en-US" altLang="ko-KR" dirty="0" err="1" smtClean="0">
+                <a:latin typeface="+mn-ea"/>
               </a:rPr>
-              <a:t>Q&amp;A</a:t>
-            </a:r>
-            <a:endParaRPr lang="ko-KR" altLang="en-US" sz="6000" dirty="0">
-              <a:solidFill>
-                <a:srgbClr val="FDAA03"/>
-              </a:solidFill>
-              <a:latin typeface="a장미다방" panose="02020600000000000000" pitchFamily="18" charset="-127"/>
-              <a:ea typeface="a장미다방" panose="02020600000000000000" pitchFamily="18" charset="-127"/>
+              <a:t>ServerHandler</a:t>
+            </a:r>
+            <a:endParaRPr lang="ko-KR" altLang="en-US" dirty="0">
+              <a:latin typeface="+mn-ea"/>
             </a:endParaRPr>
           </a:p>
         </p:txBody>
@@ -22632,7 +25510,7 @@
     </p:spTree>
     <p:extLst>
       <p:ext uri="{BB962C8B-B14F-4D97-AF65-F5344CB8AC3E}">
-        <p14:creationId xmlns:p14="http://schemas.microsoft.com/office/powerpoint/2010/main" val="4265243214"/>
+        <p14:creationId xmlns:p14="http://schemas.microsoft.com/office/powerpoint/2010/main" val="3090106378"/>
       </p:ext>
     </p:extLst>
   </p:cSld>
@@ -22727,6 +25605,1902 @@
     <p:extLst>
       <p:ext uri="{BB962C8B-B14F-4D97-AF65-F5344CB8AC3E}">
         <p14:creationId xmlns:p14="http://schemas.microsoft.com/office/powerpoint/2010/main" val="3624970592"/>
+      </p:ext>
+    </p:extLst>
+  </p:cSld>
+  <p:clrMapOvr>
+    <a:masterClrMapping/>
+  </p:clrMapOvr>
+  <p:timing>
+    <p:tnLst>
+      <p:par>
+        <p:cTn id="1" dur="indefinite" restart="never" nodeType="tmRoot"/>
+      </p:par>
+    </p:tnLst>
+  </p:timing>
+</p:sld>
+</file>
+
+<file path=ppt/slides/slide30.xml><?xml version="1.0" encoding="utf-8"?>
+<p:sld xmlns:a="http://schemas.openxmlformats.org/drawingml/2006/main" xmlns:r="http://schemas.openxmlformats.org/officeDocument/2006/relationships" xmlns:p="http://schemas.openxmlformats.org/presentationml/2006/main">
+  <p:cSld>
+    <p:spTree>
+      <p:nvGrpSpPr>
+        <p:cNvPr id="1" name=""/>
+        <p:cNvGrpSpPr/>
+        <p:nvPr/>
+      </p:nvGrpSpPr>
+      <p:grpSpPr>
+        <a:xfrm>
+          <a:off x="0" y="0"/>
+          <a:ext cx="0" cy="0"/>
+          <a:chOff x="0" y="0"/>
+          <a:chExt cx="0" cy="0"/>
+        </a:xfrm>
+      </p:grpSpPr>
+      <p:pic>
+        <p:nvPicPr>
+          <p:cNvPr id="11" name="그림 10"/>
+          <p:cNvPicPr>
+            <a:picLocks noChangeAspect="1"/>
+          </p:cNvPicPr>
+          <p:nvPr/>
+        </p:nvPicPr>
+        <p:blipFill>
+          <a:blip r:embed="rId3"/>
+          <a:stretch>
+            <a:fillRect/>
+          </a:stretch>
+        </p:blipFill>
+        <p:spPr>
+          <a:xfrm>
+            <a:off x="632520" y="2636912"/>
+            <a:ext cx="6134100" cy="2162175"/>
+          </a:xfrm>
+          <a:prstGeom prst="rect">
+            <a:avLst/>
+          </a:prstGeom>
+        </p:spPr>
+      </p:pic>
+      <p:sp>
+        <p:nvSpPr>
+          <p:cNvPr id="2" name="내용 개체 틀 1"/>
+          <p:cNvSpPr>
+            <a:spLocks noGrp="1"/>
+          </p:cNvSpPr>
+          <p:nvPr>
+            <p:ph idx="1"/>
+          </p:nvPr>
+        </p:nvSpPr>
+        <p:spPr>
+          <a:xfrm>
+            <a:off x="529186" y="1171289"/>
+            <a:ext cx="6944094" cy="690785"/>
+          </a:xfrm>
+        </p:spPr>
+        <p:txBody>
+          <a:bodyPr>
+            <a:normAutofit/>
+          </a:bodyPr>
+          <a:lstStyle/>
+          <a:p>
+            <a:r>
+              <a:rPr lang="en-US" altLang="ko-KR" sz="2800" dirty="0" smtClean="0">
+                <a:latin typeface="+mn-ea"/>
+              </a:rPr>
+              <a:t>Asynchronous send data</a:t>
+            </a:r>
+            <a:endParaRPr lang="en-US" altLang="ko-KR" sz="2800" dirty="0" smtClean="0">
+              <a:latin typeface="+mn-ea"/>
+            </a:endParaRPr>
+          </a:p>
+        </p:txBody>
+      </p:sp>
+      <p:pic>
+        <p:nvPicPr>
+          <p:cNvPr id="5" name="그림 4"/>
+          <p:cNvPicPr>
+            <a:picLocks noChangeAspect="1"/>
+          </p:cNvPicPr>
+          <p:nvPr/>
+        </p:nvPicPr>
+        <p:blipFill>
+          <a:blip r:embed="rId4"/>
+          <a:stretch>
+            <a:fillRect/>
+          </a:stretch>
+        </p:blipFill>
+        <p:spPr>
+          <a:xfrm>
+            <a:off x="488504" y="1995314"/>
+            <a:ext cx="6829425" cy="209550"/>
+          </a:xfrm>
+          <a:prstGeom prst="rect">
+            <a:avLst/>
+          </a:prstGeom>
+        </p:spPr>
+      </p:pic>
+      <p:sp>
+        <p:nvSpPr>
+          <p:cNvPr id="6" name="직사각형 5"/>
+          <p:cNvSpPr/>
+          <p:nvPr/>
+        </p:nvSpPr>
+        <p:spPr>
+          <a:xfrm>
+            <a:off x="1640632" y="1990262"/>
+            <a:ext cx="2088232" cy="209550"/>
+          </a:xfrm>
+          <a:prstGeom prst="rect">
+            <a:avLst/>
+          </a:prstGeom>
+          <a:noFill/>
+          <a:ln>
+            <a:solidFill>
+              <a:srgbClr val="FF0000"/>
+            </a:solidFill>
+          </a:ln>
+        </p:spPr>
+        <p:style>
+          <a:lnRef idx="2">
+            <a:schemeClr val="accent1">
+              <a:shade val="50000"/>
+            </a:schemeClr>
+          </a:lnRef>
+          <a:fillRef idx="1">
+            <a:schemeClr val="accent1"/>
+          </a:fillRef>
+          <a:effectRef idx="0">
+            <a:schemeClr val="accent1"/>
+          </a:effectRef>
+          <a:fontRef idx="minor">
+            <a:schemeClr val="lt1"/>
+          </a:fontRef>
+        </p:style>
+        <p:txBody>
+          <a:bodyPr rtlCol="0" anchor="ctr"/>
+          <a:lstStyle/>
+          <a:p>
+            <a:pPr algn="ctr"/>
+            <a:endParaRPr lang="ko-KR" altLang="en-US"/>
+          </a:p>
+        </p:txBody>
+      </p:sp>
+      <p:cxnSp>
+        <p:nvCxnSpPr>
+          <p:cNvPr id="9" name="직선 연결선 8"/>
+          <p:cNvCxnSpPr/>
+          <p:nvPr/>
+        </p:nvCxnSpPr>
+        <p:spPr>
+          <a:xfrm>
+            <a:off x="992560" y="3193987"/>
+            <a:ext cx="1296144" cy="0"/>
+          </a:xfrm>
+          <a:prstGeom prst="line">
+            <a:avLst/>
+          </a:prstGeom>
+          <a:ln>
+            <a:solidFill>
+              <a:srgbClr val="FF0000"/>
+            </a:solidFill>
+          </a:ln>
+        </p:spPr>
+        <p:style>
+          <a:lnRef idx="1">
+            <a:schemeClr val="accent1"/>
+          </a:lnRef>
+          <a:fillRef idx="0">
+            <a:schemeClr val="accent1"/>
+          </a:fillRef>
+          <a:effectRef idx="0">
+            <a:schemeClr val="accent1"/>
+          </a:effectRef>
+          <a:fontRef idx="minor">
+            <a:schemeClr val="tx1"/>
+          </a:fontRef>
+        </p:style>
+      </p:cxnSp>
+      <p:cxnSp>
+        <p:nvCxnSpPr>
+          <p:cNvPr id="28" name="직선 연결선 27"/>
+          <p:cNvCxnSpPr/>
+          <p:nvPr/>
+        </p:nvCxnSpPr>
+        <p:spPr>
+          <a:xfrm>
+            <a:off x="2862174" y="3720663"/>
+            <a:ext cx="2952328" cy="0"/>
+          </a:xfrm>
+          <a:prstGeom prst="line">
+            <a:avLst/>
+          </a:prstGeom>
+          <a:ln>
+            <a:solidFill>
+              <a:srgbClr val="FF0000"/>
+            </a:solidFill>
+          </a:ln>
+        </p:spPr>
+        <p:style>
+          <a:lnRef idx="1">
+            <a:schemeClr val="accent1"/>
+          </a:lnRef>
+          <a:fillRef idx="0">
+            <a:schemeClr val="accent1"/>
+          </a:fillRef>
+          <a:effectRef idx="0">
+            <a:schemeClr val="accent1"/>
+          </a:effectRef>
+          <a:fontRef idx="minor">
+            <a:schemeClr val="tx1"/>
+          </a:fontRef>
+        </p:style>
+      </p:cxnSp>
+      <p:grpSp>
+        <p:nvGrpSpPr>
+          <p:cNvPr id="31" name="그룹 30"/>
+          <p:cNvGrpSpPr/>
+          <p:nvPr/>
+        </p:nvGrpSpPr>
+        <p:grpSpPr>
+          <a:xfrm>
+            <a:off x="445790" y="5013176"/>
+            <a:ext cx="6566148" cy="1023939"/>
+            <a:chOff x="1582615" y="4630444"/>
+            <a:chExt cx="8763009" cy="1239963"/>
+          </a:xfrm>
+        </p:grpSpPr>
+        <p:sp>
+          <p:nvSpPr>
+            <p:cNvPr id="32" name="직사각형 31"/>
+            <p:cNvSpPr/>
+            <p:nvPr/>
+          </p:nvSpPr>
+          <p:spPr>
+            <a:xfrm>
+              <a:off x="1582615" y="5011609"/>
+              <a:ext cx="3478247" cy="146538"/>
+            </a:xfrm>
+            <a:prstGeom prst="rect">
+              <a:avLst/>
+            </a:prstGeom>
+          </p:spPr>
+          <p:style>
+            <a:lnRef idx="2">
+              <a:schemeClr val="accent1">
+                <a:shade val="50000"/>
+              </a:schemeClr>
+            </a:lnRef>
+            <a:fillRef idx="1">
+              <a:schemeClr val="accent1"/>
+            </a:fillRef>
+            <a:effectRef idx="0">
+              <a:schemeClr val="accent1"/>
+            </a:effectRef>
+            <a:fontRef idx="minor">
+              <a:schemeClr val="lt1"/>
+            </a:fontRef>
+          </p:style>
+          <p:txBody>
+            <a:bodyPr rtlCol="0" anchor="ctr"/>
+            <a:lstStyle>
+              <a:defPPr>
+                <a:defRPr lang="ko-KR"/>
+              </a:defPPr>
+              <a:lvl1pPr algn="l" rtl="0" fontAlgn="base" latinLnBrk="1">
+                <a:spcBef>
+                  <a:spcPct val="0"/>
+                </a:spcBef>
+                <a:spcAft>
+                  <a:spcPct val="0"/>
+                </a:spcAft>
+                <a:defRPr kumimoji="1" kern="1200">
+                  <a:solidFill>
+                    <a:schemeClr val="lt1"/>
+                  </a:solidFill>
+                  <a:latin typeface="+mn-lt"/>
+                  <a:ea typeface="+mn-ea"/>
+                  <a:cs typeface="+mn-cs"/>
+                </a:defRPr>
+              </a:lvl1pPr>
+              <a:lvl2pPr marL="457200" algn="l" rtl="0" fontAlgn="base" latinLnBrk="1">
+                <a:spcBef>
+                  <a:spcPct val="0"/>
+                </a:spcBef>
+                <a:spcAft>
+                  <a:spcPct val="0"/>
+                </a:spcAft>
+                <a:defRPr kumimoji="1" kern="1200">
+                  <a:solidFill>
+                    <a:schemeClr val="lt1"/>
+                  </a:solidFill>
+                  <a:latin typeface="+mn-lt"/>
+                  <a:ea typeface="+mn-ea"/>
+                  <a:cs typeface="+mn-cs"/>
+                </a:defRPr>
+              </a:lvl2pPr>
+              <a:lvl3pPr marL="914400" algn="l" rtl="0" fontAlgn="base" latinLnBrk="1">
+                <a:spcBef>
+                  <a:spcPct val="0"/>
+                </a:spcBef>
+                <a:spcAft>
+                  <a:spcPct val="0"/>
+                </a:spcAft>
+                <a:defRPr kumimoji="1" kern="1200">
+                  <a:solidFill>
+                    <a:schemeClr val="lt1"/>
+                  </a:solidFill>
+                  <a:latin typeface="+mn-lt"/>
+                  <a:ea typeface="+mn-ea"/>
+                  <a:cs typeface="+mn-cs"/>
+                </a:defRPr>
+              </a:lvl3pPr>
+              <a:lvl4pPr marL="1371600" algn="l" rtl="0" fontAlgn="base" latinLnBrk="1">
+                <a:spcBef>
+                  <a:spcPct val="0"/>
+                </a:spcBef>
+                <a:spcAft>
+                  <a:spcPct val="0"/>
+                </a:spcAft>
+                <a:defRPr kumimoji="1" kern="1200">
+                  <a:solidFill>
+                    <a:schemeClr val="lt1"/>
+                  </a:solidFill>
+                  <a:latin typeface="+mn-lt"/>
+                  <a:ea typeface="+mn-ea"/>
+                  <a:cs typeface="+mn-cs"/>
+                </a:defRPr>
+              </a:lvl4pPr>
+              <a:lvl5pPr marL="1828800" algn="l" rtl="0" fontAlgn="base" latinLnBrk="1">
+                <a:spcBef>
+                  <a:spcPct val="0"/>
+                </a:spcBef>
+                <a:spcAft>
+                  <a:spcPct val="0"/>
+                </a:spcAft>
+                <a:defRPr kumimoji="1" kern="1200">
+                  <a:solidFill>
+                    <a:schemeClr val="lt1"/>
+                  </a:solidFill>
+                  <a:latin typeface="+mn-lt"/>
+                  <a:ea typeface="+mn-ea"/>
+                  <a:cs typeface="+mn-cs"/>
+                </a:defRPr>
+              </a:lvl5pPr>
+              <a:lvl6pPr marL="2286000" algn="l" defTabSz="914400" rtl="0" eaLnBrk="1" latinLnBrk="1" hangingPunct="1">
+                <a:defRPr kumimoji="1" kern="1200">
+                  <a:solidFill>
+                    <a:schemeClr val="lt1"/>
+                  </a:solidFill>
+                  <a:latin typeface="+mn-lt"/>
+                  <a:ea typeface="+mn-ea"/>
+                  <a:cs typeface="+mn-cs"/>
+                </a:defRPr>
+              </a:lvl6pPr>
+              <a:lvl7pPr marL="2743200" algn="l" defTabSz="914400" rtl="0" eaLnBrk="1" latinLnBrk="1" hangingPunct="1">
+                <a:defRPr kumimoji="1" kern="1200">
+                  <a:solidFill>
+                    <a:schemeClr val="lt1"/>
+                  </a:solidFill>
+                  <a:latin typeface="+mn-lt"/>
+                  <a:ea typeface="+mn-ea"/>
+                  <a:cs typeface="+mn-cs"/>
+                </a:defRPr>
+              </a:lvl7pPr>
+              <a:lvl8pPr marL="3200400" algn="l" defTabSz="914400" rtl="0" eaLnBrk="1" latinLnBrk="1" hangingPunct="1">
+                <a:defRPr kumimoji="1" kern="1200">
+                  <a:solidFill>
+                    <a:schemeClr val="lt1"/>
+                  </a:solidFill>
+                  <a:latin typeface="+mn-lt"/>
+                  <a:ea typeface="+mn-ea"/>
+                  <a:cs typeface="+mn-cs"/>
+                </a:defRPr>
+              </a:lvl8pPr>
+              <a:lvl9pPr marL="3657600" algn="l" defTabSz="914400" rtl="0" eaLnBrk="1" latinLnBrk="1" hangingPunct="1">
+                <a:defRPr kumimoji="1" kern="1200">
+                  <a:solidFill>
+                    <a:schemeClr val="lt1"/>
+                  </a:solidFill>
+                  <a:latin typeface="+mn-lt"/>
+                  <a:ea typeface="+mn-ea"/>
+                  <a:cs typeface="+mn-cs"/>
+                </a:defRPr>
+              </a:lvl9pPr>
+            </a:lstStyle>
+            <a:p>
+              <a:pPr algn="ctr"/>
+              <a:endParaRPr lang="ko-KR" altLang="en-US"/>
+            </a:p>
+          </p:txBody>
+        </p:sp>
+        <p:sp>
+          <p:nvSpPr>
+            <p:cNvPr id="43" name="직사각형 42"/>
+            <p:cNvSpPr/>
+            <p:nvPr/>
+          </p:nvSpPr>
+          <p:spPr>
+            <a:xfrm>
+              <a:off x="3961653" y="5348675"/>
+              <a:ext cx="3746270" cy="146538"/>
+            </a:xfrm>
+            <a:prstGeom prst="rect">
+              <a:avLst/>
+            </a:prstGeom>
+          </p:spPr>
+          <p:style>
+            <a:lnRef idx="3">
+              <a:schemeClr val="lt1"/>
+            </a:lnRef>
+            <a:fillRef idx="1">
+              <a:schemeClr val="accent4"/>
+            </a:fillRef>
+            <a:effectRef idx="1">
+              <a:schemeClr val="accent4"/>
+            </a:effectRef>
+            <a:fontRef idx="minor">
+              <a:schemeClr val="lt1"/>
+            </a:fontRef>
+          </p:style>
+          <p:txBody>
+            <a:bodyPr rtlCol="0" anchor="ctr"/>
+            <a:lstStyle>
+              <a:defPPr>
+                <a:defRPr lang="ko-KR"/>
+              </a:defPPr>
+              <a:lvl1pPr algn="l" rtl="0" fontAlgn="base" latinLnBrk="1">
+                <a:spcBef>
+                  <a:spcPct val="0"/>
+                </a:spcBef>
+                <a:spcAft>
+                  <a:spcPct val="0"/>
+                </a:spcAft>
+                <a:defRPr kumimoji="1" kern="1200">
+                  <a:solidFill>
+                    <a:schemeClr val="lt1"/>
+                  </a:solidFill>
+                  <a:latin typeface="+mn-lt"/>
+                  <a:ea typeface="+mn-ea"/>
+                  <a:cs typeface="+mn-cs"/>
+                </a:defRPr>
+              </a:lvl1pPr>
+              <a:lvl2pPr marL="457200" algn="l" rtl="0" fontAlgn="base" latinLnBrk="1">
+                <a:spcBef>
+                  <a:spcPct val="0"/>
+                </a:spcBef>
+                <a:spcAft>
+                  <a:spcPct val="0"/>
+                </a:spcAft>
+                <a:defRPr kumimoji="1" kern="1200">
+                  <a:solidFill>
+                    <a:schemeClr val="lt1"/>
+                  </a:solidFill>
+                  <a:latin typeface="+mn-lt"/>
+                  <a:ea typeface="+mn-ea"/>
+                  <a:cs typeface="+mn-cs"/>
+                </a:defRPr>
+              </a:lvl2pPr>
+              <a:lvl3pPr marL="914400" algn="l" rtl="0" fontAlgn="base" latinLnBrk="1">
+                <a:spcBef>
+                  <a:spcPct val="0"/>
+                </a:spcBef>
+                <a:spcAft>
+                  <a:spcPct val="0"/>
+                </a:spcAft>
+                <a:defRPr kumimoji="1" kern="1200">
+                  <a:solidFill>
+                    <a:schemeClr val="lt1"/>
+                  </a:solidFill>
+                  <a:latin typeface="+mn-lt"/>
+                  <a:ea typeface="+mn-ea"/>
+                  <a:cs typeface="+mn-cs"/>
+                </a:defRPr>
+              </a:lvl3pPr>
+              <a:lvl4pPr marL="1371600" algn="l" rtl="0" fontAlgn="base" latinLnBrk="1">
+                <a:spcBef>
+                  <a:spcPct val="0"/>
+                </a:spcBef>
+                <a:spcAft>
+                  <a:spcPct val="0"/>
+                </a:spcAft>
+                <a:defRPr kumimoji="1" kern="1200">
+                  <a:solidFill>
+                    <a:schemeClr val="lt1"/>
+                  </a:solidFill>
+                  <a:latin typeface="+mn-lt"/>
+                  <a:ea typeface="+mn-ea"/>
+                  <a:cs typeface="+mn-cs"/>
+                </a:defRPr>
+              </a:lvl4pPr>
+              <a:lvl5pPr marL="1828800" algn="l" rtl="0" fontAlgn="base" latinLnBrk="1">
+                <a:spcBef>
+                  <a:spcPct val="0"/>
+                </a:spcBef>
+                <a:spcAft>
+                  <a:spcPct val="0"/>
+                </a:spcAft>
+                <a:defRPr kumimoji="1" kern="1200">
+                  <a:solidFill>
+                    <a:schemeClr val="lt1"/>
+                  </a:solidFill>
+                  <a:latin typeface="+mn-lt"/>
+                  <a:ea typeface="+mn-ea"/>
+                  <a:cs typeface="+mn-cs"/>
+                </a:defRPr>
+              </a:lvl5pPr>
+              <a:lvl6pPr marL="2286000" algn="l" defTabSz="914400" rtl="0" eaLnBrk="1" latinLnBrk="1" hangingPunct="1">
+                <a:defRPr kumimoji="1" kern="1200">
+                  <a:solidFill>
+                    <a:schemeClr val="lt1"/>
+                  </a:solidFill>
+                  <a:latin typeface="+mn-lt"/>
+                  <a:ea typeface="+mn-ea"/>
+                  <a:cs typeface="+mn-cs"/>
+                </a:defRPr>
+              </a:lvl6pPr>
+              <a:lvl7pPr marL="2743200" algn="l" defTabSz="914400" rtl="0" eaLnBrk="1" latinLnBrk="1" hangingPunct="1">
+                <a:defRPr kumimoji="1" kern="1200">
+                  <a:solidFill>
+                    <a:schemeClr val="lt1"/>
+                  </a:solidFill>
+                  <a:latin typeface="+mn-lt"/>
+                  <a:ea typeface="+mn-ea"/>
+                  <a:cs typeface="+mn-cs"/>
+                </a:defRPr>
+              </a:lvl7pPr>
+              <a:lvl8pPr marL="3200400" algn="l" defTabSz="914400" rtl="0" eaLnBrk="1" latinLnBrk="1" hangingPunct="1">
+                <a:defRPr kumimoji="1" kern="1200">
+                  <a:solidFill>
+                    <a:schemeClr val="lt1"/>
+                  </a:solidFill>
+                  <a:latin typeface="+mn-lt"/>
+                  <a:ea typeface="+mn-ea"/>
+                  <a:cs typeface="+mn-cs"/>
+                </a:defRPr>
+              </a:lvl8pPr>
+              <a:lvl9pPr marL="3657600" algn="l" defTabSz="914400" rtl="0" eaLnBrk="1" latinLnBrk="1" hangingPunct="1">
+                <a:defRPr kumimoji="1" kern="1200">
+                  <a:solidFill>
+                    <a:schemeClr val="lt1"/>
+                  </a:solidFill>
+                  <a:latin typeface="+mn-lt"/>
+                  <a:ea typeface="+mn-ea"/>
+                  <a:cs typeface="+mn-cs"/>
+                </a:defRPr>
+              </a:lvl9pPr>
+            </a:lstStyle>
+            <a:p>
+              <a:pPr algn="ctr"/>
+              <a:endParaRPr lang="ko-KR" altLang="en-US"/>
+            </a:p>
+          </p:txBody>
+        </p:sp>
+        <p:sp>
+          <p:nvSpPr>
+            <p:cNvPr id="47" name="직사각형 46"/>
+            <p:cNvSpPr/>
+            <p:nvPr/>
+          </p:nvSpPr>
+          <p:spPr>
+            <a:xfrm>
+              <a:off x="7719655" y="5017471"/>
+              <a:ext cx="2625969" cy="146538"/>
+            </a:xfrm>
+            <a:prstGeom prst="rect">
+              <a:avLst/>
+            </a:prstGeom>
+          </p:spPr>
+          <p:style>
+            <a:lnRef idx="1">
+              <a:schemeClr val="dk1"/>
+            </a:lnRef>
+            <a:fillRef idx="2">
+              <a:schemeClr val="dk1"/>
+            </a:fillRef>
+            <a:effectRef idx="1">
+              <a:schemeClr val="dk1"/>
+            </a:effectRef>
+            <a:fontRef idx="minor">
+              <a:schemeClr val="dk1"/>
+            </a:fontRef>
+          </p:style>
+          <p:txBody>
+            <a:bodyPr rtlCol="0" anchor="ctr"/>
+            <a:lstStyle>
+              <a:defPPr>
+                <a:defRPr lang="ko-KR"/>
+              </a:defPPr>
+              <a:lvl1pPr algn="l" rtl="0" fontAlgn="base" latinLnBrk="1">
+                <a:spcBef>
+                  <a:spcPct val="0"/>
+                </a:spcBef>
+                <a:spcAft>
+                  <a:spcPct val="0"/>
+                </a:spcAft>
+                <a:defRPr kumimoji="1" kern="1200">
+                  <a:solidFill>
+                    <a:schemeClr val="dk1"/>
+                  </a:solidFill>
+                  <a:latin typeface="+mn-lt"/>
+                  <a:ea typeface="+mn-ea"/>
+                  <a:cs typeface="+mn-cs"/>
+                </a:defRPr>
+              </a:lvl1pPr>
+              <a:lvl2pPr marL="457200" algn="l" rtl="0" fontAlgn="base" latinLnBrk="1">
+                <a:spcBef>
+                  <a:spcPct val="0"/>
+                </a:spcBef>
+                <a:spcAft>
+                  <a:spcPct val="0"/>
+                </a:spcAft>
+                <a:defRPr kumimoji="1" kern="1200">
+                  <a:solidFill>
+                    <a:schemeClr val="dk1"/>
+                  </a:solidFill>
+                  <a:latin typeface="+mn-lt"/>
+                  <a:ea typeface="+mn-ea"/>
+                  <a:cs typeface="+mn-cs"/>
+                </a:defRPr>
+              </a:lvl2pPr>
+              <a:lvl3pPr marL="914400" algn="l" rtl="0" fontAlgn="base" latinLnBrk="1">
+                <a:spcBef>
+                  <a:spcPct val="0"/>
+                </a:spcBef>
+                <a:spcAft>
+                  <a:spcPct val="0"/>
+                </a:spcAft>
+                <a:defRPr kumimoji="1" kern="1200">
+                  <a:solidFill>
+                    <a:schemeClr val="dk1"/>
+                  </a:solidFill>
+                  <a:latin typeface="+mn-lt"/>
+                  <a:ea typeface="+mn-ea"/>
+                  <a:cs typeface="+mn-cs"/>
+                </a:defRPr>
+              </a:lvl3pPr>
+              <a:lvl4pPr marL="1371600" algn="l" rtl="0" fontAlgn="base" latinLnBrk="1">
+                <a:spcBef>
+                  <a:spcPct val="0"/>
+                </a:spcBef>
+                <a:spcAft>
+                  <a:spcPct val="0"/>
+                </a:spcAft>
+                <a:defRPr kumimoji="1" kern="1200">
+                  <a:solidFill>
+                    <a:schemeClr val="dk1"/>
+                  </a:solidFill>
+                  <a:latin typeface="+mn-lt"/>
+                  <a:ea typeface="+mn-ea"/>
+                  <a:cs typeface="+mn-cs"/>
+                </a:defRPr>
+              </a:lvl4pPr>
+              <a:lvl5pPr marL="1828800" algn="l" rtl="0" fontAlgn="base" latinLnBrk="1">
+                <a:spcBef>
+                  <a:spcPct val="0"/>
+                </a:spcBef>
+                <a:spcAft>
+                  <a:spcPct val="0"/>
+                </a:spcAft>
+                <a:defRPr kumimoji="1" kern="1200">
+                  <a:solidFill>
+                    <a:schemeClr val="dk1"/>
+                  </a:solidFill>
+                  <a:latin typeface="+mn-lt"/>
+                  <a:ea typeface="+mn-ea"/>
+                  <a:cs typeface="+mn-cs"/>
+                </a:defRPr>
+              </a:lvl5pPr>
+              <a:lvl6pPr marL="2286000" algn="l" defTabSz="914400" rtl="0" eaLnBrk="1" latinLnBrk="1" hangingPunct="1">
+                <a:defRPr kumimoji="1" kern="1200">
+                  <a:solidFill>
+                    <a:schemeClr val="dk1"/>
+                  </a:solidFill>
+                  <a:latin typeface="+mn-lt"/>
+                  <a:ea typeface="+mn-ea"/>
+                  <a:cs typeface="+mn-cs"/>
+                </a:defRPr>
+              </a:lvl6pPr>
+              <a:lvl7pPr marL="2743200" algn="l" defTabSz="914400" rtl="0" eaLnBrk="1" latinLnBrk="1" hangingPunct="1">
+                <a:defRPr kumimoji="1" kern="1200">
+                  <a:solidFill>
+                    <a:schemeClr val="dk1"/>
+                  </a:solidFill>
+                  <a:latin typeface="+mn-lt"/>
+                  <a:ea typeface="+mn-ea"/>
+                  <a:cs typeface="+mn-cs"/>
+                </a:defRPr>
+              </a:lvl7pPr>
+              <a:lvl8pPr marL="3200400" algn="l" defTabSz="914400" rtl="0" eaLnBrk="1" latinLnBrk="1" hangingPunct="1">
+                <a:defRPr kumimoji="1" kern="1200">
+                  <a:solidFill>
+                    <a:schemeClr val="dk1"/>
+                  </a:solidFill>
+                  <a:latin typeface="+mn-lt"/>
+                  <a:ea typeface="+mn-ea"/>
+                  <a:cs typeface="+mn-cs"/>
+                </a:defRPr>
+              </a:lvl8pPr>
+              <a:lvl9pPr marL="3657600" algn="l" defTabSz="914400" rtl="0" eaLnBrk="1" latinLnBrk="1" hangingPunct="1">
+                <a:defRPr kumimoji="1" kern="1200">
+                  <a:solidFill>
+                    <a:schemeClr val="dk1"/>
+                  </a:solidFill>
+                  <a:latin typeface="+mn-lt"/>
+                  <a:ea typeface="+mn-ea"/>
+                  <a:cs typeface="+mn-cs"/>
+                </a:defRPr>
+              </a:lvl9pPr>
+            </a:lstStyle>
+            <a:p>
+              <a:pPr algn="ctr"/>
+              <a:endParaRPr lang="ko-KR" altLang="en-US"/>
+            </a:p>
+          </p:txBody>
+        </p:sp>
+        <p:sp>
+          <p:nvSpPr>
+            <p:cNvPr id="48" name="TextBox 15"/>
+            <p:cNvSpPr txBox="1"/>
+            <p:nvPr/>
+          </p:nvSpPr>
+          <p:spPr>
+            <a:xfrm>
+              <a:off x="2394749" y="4630444"/>
+              <a:ext cx="1675780" cy="369332"/>
+            </a:xfrm>
+            <a:prstGeom prst="rect">
+              <a:avLst/>
+            </a:prstGeom>
+            <a:noFill/>
+          </p:spPr>
+          <p:txBody>
+            <a:bodyPr wrap="none" rtlCol="0">
+              <a:spAutoFit/>
+            </a:bodyPr>
+            <a:lstStyle>
+              <a:defPPr>
+                <a:defRPr lang="ko-KR"/>
+              </a:defPPr>
+              <a:lvl1pPr algn="l" rtl="0" fontAlgn="base" latinLnBrk="1">
+                <a:spcBef>
+                  <a:spcPct val="0"/>
+                </a:spcBef>
+                <a:spcAft>
+                  <a:spcPct val="0"/>
+                </a:spcAft>
+                <a:defRPr kumimoji="1" kern="1200">
+                  <a:solidFill>
+                    <a:schemeClr val="tx1"/>
+                  </a:solidFill>
+                  <a:latin typeface="굴림" charset="-127"/>
+                  <a:ea typeface="굴림" charset="-127"/>
+                  <a:cs typeface="+mn-cs"/>
+                </a:defRPr>
+              </a:lvl1pPr>
+              <a:lvl2pPr marL="457200" algn="l" rtl="0" fontAlgn="base" latinLnBrk="1">
+                <a:spcBef>
+                  <a:spcPct val="0"/>
+                </a:spcBef>
+                <a:spcAft>
+                  <a:spcPct val="0"/>
+                </a:spcAft>
+                <a:defRPr kumimoji="1" kern="1200">
+                  <a:solidFill>
+                    <a:schemeClr val="tx1"/>
+                  </a:solidFill>
+                  <a:latin typeface="굴림" charset="-127"/>
+                  <a:ea typeface="굴림" charset="-127"/>
+                  <a:cs typeface="+mn-cs"/>
+                </a:defRPr>
+              </a:lvl2pPr>
+              <a:lvl3pPr marL="914400" algn="l" rtl="0" fontAlgn="base" latinLnBrk="1">
+                <a:spcBef>
+                  <a:spcPct val="0"/>
+                </a:spcBef>
+                <a:spcAft>
+                  <a:spcPct val="0"/>
+                </a:spcAft>
+                <a:defRPr kumimoji="1" kern="1200">
+                  <a:solidFill>
+                    <a:schemeClr val="tx1"/>
+                  </a:solidFill>
+                  <a:latin typeface="굴림" charset="-127"/>
+                  <a:ea typeface="굴림" charset="-127"/>
+                  <a:cs typeface="+mn-cs"/>
+                </a:defRPr>
+              </a:lvl3pPr>
+              <a:lvl4pPr marL="1371600" algn="l" rtl="0" fontAlgn="base" latinLnBrk="1">
+                <a:spcBef>
+                  <a:spcPct val="0"/>
+                </a:spcBef>
+                <a:spcAft>
+                  <a:spcPct val="0"/>
+                </a:spcAft>
+                <a:defRPr kumimoji="1" kern="1200">
+                  <a:solidFill>
+                    <a:schemeClr val="tx1"/>
+                  </a:solidFill>
+                  <a:latin typeface="굴림" charset="-127"/>
+                  <a:ea typeface="굴림" charset="-127"/>
+                  <a:cs typeface="+mn-cs"/>
+                </a:defRPr>
+              </a:lvl4pPr>
+              <a:lvl5pPr marL="1828800" algn="l" rtl="0" fontAlgn="base" latinLnBrk="1">
+                <a:spcBef>
+                  <a:spcPct val="0"/>
+                </a:spcBef>
+                <a:spcAft>
+                  <a:spcPct val="0"/>
+                </a:spcAft>
+                <a:defRPr kumimoji="1" kern="1200">
+                  <a:solidFill>
+                    <a:schemeClr val="tx1"/>
+                  </a:solidFill>
+                  <a:latin typeface="굴림" charset="-127"/>
+                  <a:ea typeface="굴림" charset="-127"/>
+                  <a:cs typeface="+mn-cs"/>
+                </a:defRPr>
+              </a:lvl5pPr>
+              <a:lvl6pPr marL="2286000" algn="l" defTabSz="914400" rtl="0" eaLnBrk="1" latinLnBrk="1" hangingPunct="1">
+                <a:defRPr kumimoji="1" kern="1200">
+                  <a:solidFill>
+                    <a:schemeClr val="tx1"/>
+                  </a:solidFill>
+                  <a:latin typeface="굴림" charset="-127"/>
+                  <a:ea typeface="굴림" charset="-127"/>
+                  <a:cs typeface="+mn-cs"/>
+                </a:defRPr>
+              </a:lvl6pPr>
+              <a:lvl7pPr marL="2743200" algn="l" defTabSz="914400" rtl="0" eaLnBrk="1" latinLnBrk="1" hangingPunct="1">
+                <a:defRPr kumimoji="1" kern="1200">
+                  <a:solidFill>
+                    <a:schemeClr val="tx1"/>
+                  </a:solidFill>
+                  <a:latin typeface="굴림" charset="-127"/>
+                  <a:ea typeface="굴림" charset="-127"/>
+                  <a:cs typeface="+mn-cs"/>
+                </a:defRPr>
+              </a:lvl7pPr>
+              <a:lvl8pPr marL="3200400" algn="l" defTabSz="914400" rtl="0" eaLnBrk="1" latinLnBrk="1" hangingPunct="1">
+                <a:defRPr kumimoji="1" kern="1200">
+                  <a:solidFill>
+                    <a:schemeClr val="tx1"/>
+                  </a:solidFill>
+                  <a:latin typeface="굴림" charset="-127"/>
+                  <a:ea typeface="굴림" charset="-127"/>
+                  <a:cs typeface="+mn-cs"/>
+                </a:defRPr>
+              </a:lvl8pPr>
+              <a:lvl9pPr marL="3657600" algn="l" defTabSz="914400" rtl="0" eaLnBrk="1" latinLnBrk="1" hangingPunct="1">
+                <a:defRPr kumimoji="1" kern="1200">
+                  <a:solidFill>
+                    <a:schemeClr val="tx1"/>
+                  </a:solidFill>
+                  <a:latin typeface="굴림" charset="-127"/>
+                  <a:ea typeface="굴림" charset="-127"/>
+                  <a:cs typeface="+mn-cs"/>
+                </a:defRPr>
+              </a:lvl9pPr>
+            </a:lstStyle>
+            <a:p>
+              <a:r>
+                <a:rPr lang="en-US" altLang="ko-KR" b="1" dirty="0" smtClean="0">
+                  <a:latin typeface="+mn-lt"/>
+                </a:rPr>
+                <a:t>sort/partition</a:t>
+              </a:r>
+              <a:endParaRPr lang="ko-KR" altLang="en-US" b="1" dirty="0">
+                <a:latin typeface="+mn-lt"/>
+              </a:endParaRPr>
+            </a:p>
+          </p:txBody>
+        </p:sp>
+        <p:sp>
+          <p:nvSpPr>
+            <p:cNvPr id="49" name="TextBox 16"/>
+            <p:cNvSpPr txBox="1"/>
+            <p:nvPr/>
+          </p:nvSpPr>
+          <p:spPr>
+            <a:xfrm>
+              <a:off x="5060863" y="4996873"/>
+              <a:ext cx="937501" cy="369332"/>
+            </a:xfrm>
+            <a:prstGeom prst="rect">
+              <a:avLst/>
+            </a:prstGeom>
+            <a:noFill/>
+          </p:spPr>
+          <p:txBody>
+            <a:bodyPr wrap="none" rtlCol="0">
+              <a:spAutoFit/>
+            </a:bodyPr>
+            <a:lstStyle>
+              <a:defPPr>
+                <a:defRPr lang="ko-KR"/>
+              </a:defPPr>
+              <a:lvl1pPr algn="l" rtl="0" fontAlgn="base" latinLnBrk="1">
+                <a:spcBef>
+                  <a:spcPct val="0"/>
+                </a:spcBef>
+                <a:spcAft>
+                  <a:spcPct val="0"/>
+                </a:spcAft>
+                <a:defRPr kumimoji="1" kern="1200">
+                  <a:solidFill>
+                    <a:schemeClr val="tx1"/>
+                  </a:solidFill>
+                  <a:latin typeface="굴림" charset="-127"/>
+                  <a:ea typeface="굴림" charset="-127"/>
+                  <a:cs typeface="+mn-cs"/>
+                </a:defRPr>
+              </a:lvl1pPr>
+              <a:lvl2pPr marL="457200" algn="l" rtl="0" fontAlgn="base" latinLnBrk="1">
+                <a:spcBef>
+                  <a:spcPct val="0"/>
+                </a:spcBef>
+                <a:spcAft>
+                  <a:spcPct val="0"/>
+                </a:spcAft>
+                <a:defRPr kumimoji="1" kern="1200">
+                  <a:solidFill>
+                    <a:schemeClr val="tx1"/>
+                  </a:solidFill>
+                  <a:latin typeface="굴림" charset="-127"/>
+                  <a:ea typeface="굴림" charset="-127"/>
+                  <a:cs typeface="+mn-cs"/>
+                </a:defRPr>
+              </a:lvl2pPr>
+              <a:lvl3pPr marL="914400" algn="l" rtl="0" fontAlgn="base" latinLnBrk="1">
+                <a:spcBef>
+                  <a:spcPct val="0"/>
+                </a:spcBef>
+                <a:spcAft>
+                  <a:spcPct val="0"/>
+                </a:spcAft>
+                <a:defRPr kumimoji="1" kern="1200">
+                  <a:solidFill>
+                    <a:schemeClr val="tx1"/>
+                  </a:solidFill>
+                  <a:latin typeface="굴림" charset="-127"/>
+                  <a:ea typeface="굴림" charset="-127"/>
+                  <a:cs typeface="+mn-cs"/>
+                </a:defRPr>
+              </a:lvl3pPr>
+              <a:lvl4pPr marL="1371600" algn="l" rtl="0" fontAlgn="base" latinLnBrk="1">
+                <a:spcBef>
+                  <a:spcPct val="0"/>
+                </a:spcBef>
+                <a:spcAft>
+                  <a:spcPct val="0"/>
+                </a:spcAft>
+                <a:defRPr kumimoji="1" kern="1200">
+                  <a:solidFill>
+                    <a:schemeClr val="tx1"/>
+                  </a:solidFill>
+                  <a:latin typeface="굴림" charset="-127"/>
+                  <a:ea typeface="굴림" charset="-127"/>
+                  <a:cs typeface="+mn-cs"/>
+                </a:defRPr>
+              </a:lvl4pPr>
+              <a:lvl5pPr marL="1828800" algn="l" rtl="0" fontAlgn="base" latinLnBrk="1">
+                <a:spcBef>
+                  <a:spcPct val="0"/>
+                </a:spcBef>
+                <a:spcAft>
+                  <a:spcPct val="0"/>
+                </a:spcAft>
+                <a:defRPr kumimoji="1" kern="1200">
+                  <a:solidFill>
+                    <a:schemeClr val="tx1"/>
+                  </a:solidFill>
+                  <a:latin typeface="굴림" charset="-127"/>
+                  <a:ea typeface="굴림" charset="-127"/>
+                  <a:cs typeface="+mn-cs"/>
+                </a:defRPr>
+              </a:lvl5pPr>
+              <a:lvl6pPr marL="2286000" algn="l" defTabSz="914400" rtl="0" eaLnBrk="1" latinLnBrk="1" hangingPunct="1">
+                <a:defRPr kumimoji="1" kern="1200">
+                  <a:solidFill>
+                    <a:schemeClr val="tx1"/>
+                  </a:solidFill>
+                  <a:latin typeface="굴림" charset="-127"/>
+                  <a:ea typeface="굴림" charset="-127"/>
+                  <a:cs typeface="+mn-cs"/>
+                </a:defRPr>
+              </a:lvl6pPr>
+              <a:lvl7pPr marL="2743200" algn="l" defTabSz="914400" rtl="0" eaLnBrk="1" latinLnBrk="1" hangingPunct="1">
+                <a:defRPr kumimoji="1" kern="1200">
+                  <a:solidFill>
+                    <a:schemeClr val="tx1"/>
+                  </a:solidFill>
+                  <a:latin typeface="굴림" charset="-127"/>
+                  <a:ea typeface="굴림" charset="-127"/>
+                  <a:cs typeface="+mn-cs"/>
+                </a:defRPr>
+              </a:lvl7pPr>
+              <a:lvl8pPr marL="3200400" algn="l" defTabSz="914400" rtl="0" eaLnBrk="1" latinLnBrk="1" hangingPunct="1">
+                <a:defRPr kumimoji="1" kern="1200">
+                  <a:solidFill>
+                    <a:schemeClr val="tx1"/>
+                  </a:solidFill>
+                  <a:latin typeface="굴림" charset="-127"/>
+                  <a:ea typeface="굴림" charset="-127"/>
+                  <a:cs typeface="+mn-cs"/>
+                </a:defRPr>
+              </a:lvl8pPr>
+              <a:lvl9pPr marL="3657600" algn="l" defTabSz="914400" rtl="0" eaLnBrk="1" latinLnBrk="1" hangingPunct="1">
+                <a:defRPr kumimoji="1" kern="1200">
+                  <a:solidFill>
+                    <a:schemeClr val="tx1"/>
+                  </a:solidFill>
+                  <a:latin typeface="굴림" charset="-127"/>
+                  <a:ea typeface="굴림" charset="-127"/>
+                  <a:cs typeface="+mn-cs"/>
+                </a:defRPr>
+              </a:lvl9pPr>
+            </a:lstStyle>
+            <a:p>
+              <a:r>
+                <a:rPr lang="en-US" altLang="ko-KR" b="1" dirty="0" smtClean="0">
+                  <a:latin typeface="+mn-lt"/>
+                </a:rPr>
+                <a:t>shuffle</a:t>
+              </a:r>
+              <a:endParaRPr lang="ko-KR" altLang="en-US" b="1" dirty="0">
+                <a:latin typeface="+mn-lt"/>
+              </a:endParaRPr>
+            </a:p>
+          </p:txBody>
+        </p:sp>
+        <p:sp>
+          <p:nvSpPr>
+            <p:cNvPr id="50" name="TextBox 17"/>
+            <p:cNvSpPr txBox="1"/>
+            <p:nvPr/>
+          </p:nvSpPr>
+          <p:spPr>
+            <a:xfrm>
+              <a:off x="8563888" y="4653890"/>
+              <a:ext cx="885627" cy="369332"/>
+            </a:xfrm>
+            <a:prstGeom prst="rect">
+              <a:avLst/>
+            </a:prstGeom>
+            <a:noFill/>
+          </p:spPr>
+          <p:txBody>
+            <a:bodyPr wrap="none" rtlCol="0">
+              <a:spAutoFit/>
+            </a:bodyPr>
+            <a:lstStyle>
+              <a:defPPr>
+                <a:defRPr lang="ko-KR"/>
+              </a:defPPr>
+              <a:lvl1pPr algn="l" rtl="0" fontAlgn="base" latinLnBrk="1">
+                <a:spcBef>
+                  <a:spcPct val="0"/>
+                </a:spcBef>
+                <a:spcAft>
+                  <a:spcPct val="0"/>
+                </a:spcAft>
+                <a:defRPr kumimoji="1" kern="1200">
+                  <a:solidFill>
+                    <a:schemeClr val="tx1"/>
+                  </a:solidFill>
+                  <a:latin typeface="굴림" charset="-127"/>
+                  <a:ea typeface="굴림" charset="-127"/>
+                  <a:cs typeface="+mn-cs"/>
+                </a:defRPr>
+              </a:lvl1pPr>
+              <a:lvl2pPr marL="457200" algn="l" rtl="0" fontAlgn="base" latinLnBrk="1">
+                <a:spcBef>
+                  <a:spcPct val="0"/>
+                </a:spcBef>
+                <a:spcAft>
+                  <a:spcPct val="0"/>
+                </a:spcAft>
+                <a:defRPr kumimoji="1" kern="1200">
+                  <a:solidFill>
+                    <a:schemeClr val="tx1"/>
+                  </a:solidFill>
+                  <a:latin typeface="굴림" charset="-127"/>
+                  <a:ea typeface="굴림" charset="-127"/>
+                  <a:cs typeface="+mn-cs"/>
+                </a:defRPr>
+              </a:lvl2pPr>
+              <a:lvl3pPr marL="914400" algn="l" rtl="0" fontAlgn="base" latinLnBrk="1">
+                <a:spcBef>
+                  <a:spcPct val="0"/>
+                </a:spcBef>
+                <a:spcAft>
+                  <a:spcPct val="0"/>
+                </a:spcAft>
+                <a:defRPr kumimoji="1" kern="1200">
+                  <a:solidFill>
+                    <a:schemeClr val="tx1"/>
+                  </a:solidFill>
+                  <a:latin typeface="굴림" charset="-127"/>
+                  <a:ea typeface="굴림" charset="-127"/>
+                  <a:cs typeface="+mn-cs"/>
+                </a:defRPr>
+              </a:lvl3pPr>
+              <a:lvl4pPr marL="1371600" algn="l" rtl="0" fontAlgn="base" latinLnBrk="1">
+                <a:spcBef>
+                  <a:spcPct val="0"/>
+                </a:spcBef>
+                <a:spcAft>
+                  <a:spcPct val="0"/>
+                </a:spcAft>
+                <a:defRPr kumimoji="1" kern="1200">
+                  <a:solidFill>
+                    <a:schemeClr val="tx1"/>
+                  </a:solidFill>
+                  <a:latin typeface="굴림" charset="-127"/>
+                  <a:ea typeface="굴림" charset="-127"/>
+                  <a:cs typeface="+mn-cs"/>
+                </a:defRPr>
+              </a:lvl4pPr>
+              <a:lvl5pPr marL="1828800" algn="l" rtl="0" fontAlgn="base" latinLnBrk="1">
+                <a:spcBef>
+                  <a:spcPct val="0"/>
+                </a:spcBef>
+                <a:spcAft>
+                  <a:spcPct val="0"/>
+                </a:spcAft>
+                <a:defRPr kumimoji="1" kern="1200">
+                  <a:solidFill>
+                    <a:schemeClr val="tx1"/>
+                  </a:solidFill>
+                  <a:latin typeface="굴림" charset="-127"/>
+                  <a:ea typeface="굴림" charset="-127"/>
+                  <a:cs typeface="+mn-cs"/>
+                </a:defRPr>
+              </a:lvl5pPr>
+              <a:lvl6pPr marL="2286000" algn="l" defTabSz="914400" rtl="0" eaLnBrk="1" latinLnBrk="1" hangingPunct="1">
+                <a:defRPr kumimoji="1" kern="1200">
+                  <a:solidFill>
+                    <a:schemeClr val="tx1"/>
+                  </a:solidFill>
+                  <a:latin typeface="굴림" charset="-127"/>
+                  <a:ea typeface="굴림" charset="-127"/>
+                  <a:cs typeface="+mn-cs"/>
+                </a:defRPr>
+              </a:lvl6pPr>
+              <a:lvl7pPr marL="2743200" algn="l" defTabSz="914400" rtl="0" eaLnBrk="1" latinLnBrk="1" hangingPunct="1">
+                <a:defRPr kumimoji="1" kern="1200">
+                  <a:solidFill>
+                    <a:schemeClr val="tx1"/>
+                  </a:solidFill>
+                  <a:latin typeface="굴림" charset="-127"/>
+                  <a:ea typeface="굴림" charset="-127"/>
+                  <a:cs typeface="+mn-cs"/>
+                </a:defRPr>
+              </a:lvl7pPr>
+              <a:lvl8pPr marL="3200400" algn="l" defTabSz="914400" rtl="0" eaLnBrk="1" latinLnBrk="1" hangingPunct="1">
+                <a:defRPr kumimoji="1" kern="1200">
+                  <a:solidFill>
+                    <a:schemeClr val="tx1"/>
+                  </a:solidFill>
+                  <a:latin typeface="굴림" charset="-127"/>
+                  <a:ea typeface="굴림" charset="-127"/>
+                  <a:cs typeface="+mn-cs"/>
+                </a:defRPr>
+              </a:lvl8pPr>
+              <a:lvl9pPr marL="3657600" algn="l" defTabSz="914400" rtl="0" eaLnBrk="1" latinLnBrk="1" hangingPunct="1">
+                <a:defRPr kumimoji="1" kern="1200">
+                  <a:solidFill>
+                    <a:schemeClr val="tx1"/>
+                  </a:solidFill>
+                  <a:latin typeface="굴림" charset="-127"/>
+                  <a:ea typeface="굴림" charset="-127"/>
+                  <a:cs typeface="+mn-cs"/>
+                </a:defRPr>
+              </a:lvl9pPr>
+            </a:lstStyle>
+            <a:p>
+              <a:r>
+                <a:rPr lang="en-US" altLang="ko-KR" b="1" dirty="0" smtClean="0">
+                  <a:latin typeface="+mn-lt"/>
+                </a:rPr>
+                <a:t>merge</a:t>
+              </a:r>
+              <a:endParaRPr lang="ko-KR" altLang="en-US" b="1" dirty="0">
+                <a:latin typeface="+mn-lt"/>
+              </a:endParaRPr>
+            </a:p>
+          </p:txBody>
+        </p:sp>
+        <p:sp>
+          <p:nvSpPr>
+            <p:cNvPr id="51" name="TextBox 18"/>
+            <p:cNvSpPr txBox="1"/>
+            <p:nvPr/>
+          </p:nvSpPr>
+          <p:spPr>
+            <a:xfrm>
+              <a:off x="2019610" y="5181539"/>
+              <a:ext cx="1566904" cy="369332"/>
+            </a:xfrm>
+            <a:prstGeom prst="rect">
+              <a:avLst/>
+            </a:prstGeom>
+            <a:noFill/>
+          </p:spPr>
+          <p:txBody>
+            <a:bodyPr wrap="none" rtlCol="0">
+              <a:spAutoFit/>
+            </a:bodyPr>
+            <a:lstStyle>
+              <a:defPPr>
+                <a:defRPr lang="ko-KR"/>
+              </a:defPPr>
+              <a:lvl1pPr algn="l" rtl="0" fontAlgn="base" latinLnBrk="1">
+                <a:spcBef>
+                  <a:spcPct val="0"/>
+                </a:spcBef>
+                <a:spcAft>
+                  <a:spcPct val="0"/>
+                </a:spcAft>
+                <a:defRPr kumimoji="1" kern="1200">
+                  <a:solidFill>
+                    <a:schemeClr val="tx1"/>
+                  </a:solidFill>
+                  <a:latin typeface="굴림" charset="-127"/>
+                  <a:ea typeface="굴림" charset="-127"/>
+                  <a:cs typeface="+mn-cs"/>
+                </a:defRPr>
+              </a:lvl1pPr>
+              <a:lvl2pPr marL="457200" algn="l" rtl="0" fontAlgn="base" latinLnBrk="1">
+                <a:spcBef>
+                  <a:spcPct val="0"/>
+                </a:spcBef>
+                <a:spcAft>
+                  <a:spcPct val="0"/>
+                </a:spcAft>
+                <a:defRPr kumimoji="1" kern="1200">
+                  <a:solidFill>
+                    <a:schemeClr val="tx1"/>
+                  </a:solidFill>
+                  <a:latin typeface="굴림" charset="-127"/>
+                  <a:ea typeface="굴림" charset="-127"/>
+                  <a:cs typeface="+mn-cs"/>
+                </a:defRPr>
+              </a:lvl2pPr>
+              <a:lvl3pPr marL="914400" algn="l" rtl="0" fontAlgn="base" latinLnBrk="1">
+                <a:spcBef>
+                  <a:spcPct val="0"/>
+                </a:spcBef>
+                <a:spcAft>
+                  <a:spcPct val="0"/>
+                </a:spcAft>
+                <a:defRPr kumimoji="1" kern="1200">
+                  <a:solidFill>
+                    <a:schemeClr val="tx1"/>
+                  </a:solidFill>
+                  <a:latin typeface="굴림" charset="-127"/>
+                  <a:ea typeface="굴림" charset="-127"/>
+                  <a:cs typeface="+mn-cs"/>
+                </a:defRPr>
+              </a:lvl3pPr>
+              <a:lvl4pPr marL="1371600" algn="l" rtl="0" fontAlgn="base" latinLnBrk="1">
+                <a:spcBef>
+                  <a:spcPct val="0"/>
+                </a:spcBef>
+                <a:spcAft>
+                  <a:spcPct val="0"/>
+                </a:spcAft>
+                <a:defRPr kumimoji="1" kern="1200">
+                  <a:solidFill>
+                    <a:schemeClr val="tx1"/>
+                  </a:solidFill>
+                  <a:latin typeface="굴림" charset="-127"/>
+                  <a:ea typeface="굴림" charset="-127"/>
+                  <a:cs typeface="+mn-cs"/>
+                </a:defRPr>
+              </a:lvl4pPr>
+              <a:lvl5pPr marL="1828800" algn="l" rtl="0" fontAlgn="base" latinLnBrk="1">
+                <a:spcBef>
+                  <a:spcPct val="0"/>
+                </a:spcBef>
+                <a:spcAft>
+                  <a:spcPct val="0"/>
+                </a:spcAft>
+                <a:defRPr kumimoji="1" kern="1200">
+                  <a:solidFill>
+                    <a:schemeClr val="tx1"/>
+                  </a:solidFill>
+                  <a:latin typeface="굴림" charset="-127"/>
+                  <a:ea typeface="굴림" charset="-127"/>
+                  <a:cs typeface="+mn-cs"/>
+                </a:defRPr>
+              </a:lvl5pPr>
+              <a:lvl6pPr marL="2286000" algn="l" defTabSz="914400" rtl="0" eaLnBrk="1" latinLnBrk="1" hangingPunct="1">
+                <a:defRPr kumimoji="1" kern="1200">
+                  <a:solidFill>
+                    <a:schemeClr val="tx1"/>
+                  </a:solidFill>
+                  <a:latin typeface="굴림" charset="-127"/>
+                  <a:ea typeface="굴림" charset="-127"/>
+                  <a:cs typeface="+mn-cs"/>
+                </a:defRPr>
+              </a:lvl6pPr>
+              <a:lvl7pPr marL="2743200" algn="l" defTabSz="914400" rtl="0" eaLnBrk="1" latinLnBrk="1" hangingPunct="1">
+                <a:defRPr kumimoji="1" kern="1200">
+                  <a:solidFill>
+                    <a:schemeClr val="tx1"/>
+                  </a:solidFill>
+                  <a:latin typeface="굴림" charset="-127"/>
+                  <a:ea typeface="굴림" charset="-127"/>
+                  <a:cs typeface="+mn-cs"/>
+                </a:defRPr>
+              </a:lvl7pPr>
+              <a:lvl8pPr marL="3200400" algn="l" defTabSz="914400" rtl="0" eaLnBrk="1" latinLnBrk="1" hangingPunct="1">
+                <a:defRPr kumimoji="1" kern="1200">
+                  <a:solidFill>
+                    <a:schemeClr val="tx1"/>
+                  </a:solidFill>
+                  <a:latin typeface="굴림" charset="-127"/>
+                  <a:ea typeface="굴림" charset="-127"/>
+                  <a:cs typeface="+mn-cs"/>
+                </a:defRPr>
+              </a:lvl8pPr>
+              <a:lvl9pPr marL="3657600" algn="l" defTabSz="914400" rtl="0" eaLnBrk="1" latinLnBrk="1" hangingPunct="1">
+                <a:defRPr kumimoji="1" kern="1200">
+                  <a:solidFill>
+                    <a:schemeClr val="tx1"/>
+                  </a:solidFill>
+                  <a:latin typeface="굴림" charset="-127"/>
+                  <a:ea typeface="굴림" charset="-127"/>
+                  <a:cs typeface="+mn-cs"/>
+                </a:defRPr>
+              </a:lvl9pPr>
+            </a:lstStyle>
+            <a:p>
+              <a:r>
+                <a:rPr lang="en-US" altLang="ko-KR" b="1" dirty="0" smtClean="0">
+                  <a:latin typeface="+mn-lt"/>
+                </a:rPr>
+                <a:t>network idle</a:t>
+              </a:r>
+              <a:endParaRPr lang="ko-KR" altLang="en-US" b="1" dirty="0">
+                <a:latin typeface="+mn-lt"/>
+              </a:endParaRPr>
+            </a:p>
+          </p:txBody>
+        </p:sp>
+        <p:sp>
+          <p:nvSpPr>
+            <p:cNvPr id="52" name="TextBox 19"/>
+            <p:cNvSpPr txBox="1"/>
+            <p:nvPr/>
+          </p:nvSpPr>
+          <p:spPr>
+            <a:xfrm>
+              <a:off x="4746162" y="5501075"/>
+              <a:ext cx="1683923" cy="369332"/>
+            </a:xfrm>
+            <a:prstGeom prst="rect">
+              <a:avLst/>
+            </a:prstGeom>
+            <a:noFill/>
+          </p:spPr>
+          <p:txBody>
+            <a:bodyPr wrap="none" rtlCol="0">
+              <a:spAutoFit/>
+            </a:bodyPr>
+            <a:lstStyle>
+              <a:defPPr>
+                <a:defRPr lang="ko-KR"/>
+              </a:defPPr>
+              <a:lvl1pPr algn="l" rtl="0" fontAlgn="base" latinLnBrk="1">
+                <a:spcBef>
+                  <a:spcPct val="0"/>
+                </a:spcBef>
+                <a:spcAft>
+                  <a:spcPct val="0"/>
+                </a:spcAft>
+                <a:defRPr kumimoji="1" kern="1200">
+                  <a:solidFill>
+                    <a:schemeClr val="tx1"/>
+                  </a:solidFill>
+                  <a:latin typeface="굴림" charset="-127"/>
+                  <a:ea typeface="굴림" charset="-127"/>
+                  <a:cs typeface="+mn-cs"/>
+                </a:defRPr>
+              </a:lvl1pPr>
+              <a:lvl2pPr marL="457200" algn="l" rtl="0" fontAlgn="base" latinLnBrk="1">
+                <a:spcBef>
+                  <a:spcPct val="0"/>
+                </a:spcBef>
+                <a:spcAft>
+                  <a:spcPct val="0"/>
+                </a:spcAft>
+                <a:defRPr kumimoji="1" kern="1200">
+                  <a:solidFill>
+                    <a:schemeClr val="tx1"/>
+                  </a:solidFill>
+                  <a:latin typeface="굴림" charset="-127"/>
+                  <a:ea typeface="굴림" charset="-127"/>
+                  <a:cs typeface="+mn-cs"/>
+                </a:defRPr>
+              </a:lvl2pPr>
+              <a:lvl3pPr marL="914400" algn="l" rtl="0" fontAlgn="base" latinLnBrk="1">
+                <a:spcBef>
+                  <a:spcPct val="0"/>
+                </a:spcBef>
+                <a:spcAft>
+                  <a:spcPct val="0"/>
+                </a:spcAft>
+                <a:defRPr kumimoji="1" kern="1200">
+                  <a:solidFill>
+                    <a:schemeClr val="tx1"/>
+                  </a:solidFill>
+                  <a:latin typeface="굴림" charset="-127"/>
+                  <a:ea typeface="굴림" charset="-127"/>
+                  <a:cs typeface="+mn-cs"/>
+                </a:defRPr>
+              </a:lvl3pPr>
+              <a:lvl4pPr marL="1371600" algn="l" rtl="0" fontAlgn="base" latinLnBrk="1">
+                <a:spcBef>
+                  <a:spcPct val="0"/>
+                </a:spcBef>
+                <a:spcAft>
+                  <a:spcPct val="0"/>
+                </a:spcAft>
+                <a:defRPr kumimoji="1" kern="1200">
+                  <a:solidFill>
+                    <a:schemeClr val="tx1"/>
+                  </a:solidFill>
+                  <a:latin typeface="굴림" charset="-127"/>
+                  <a:ea typeface="굴림" charset="-127"/>
+                  <a:cs typeface="+mn-cs"/>
+                </a:defRPr>
+              </a:lvl4pPr>
+              <a:lvl5pPr marL="1828800" algn="l" rtl="0" fontAlgn="base" latinLnBrk="1">
+                <a:spcBef>
+                  <a:spcPct val="0"/>
+                </a:spcBef>
+                <a:spcAft>
+                  <a:spcPct val="0"/>
+                </a:spcAft>
+                <a:defRPr kumimoji="1" kern="1200">
+                  <a:solidFill>
+                    <a:schemeClr val="tx1"/>
+                  </a:solidFill>
+                  <a:latin typeface="굴림" charset="-127"/>
+                  <a:ea typeface="굴림" charset="-127"/>
+                  <a:cs typeface="+mn-cs"/>
+                </a:defRPr>
+              </a:lvl5pPr>
+              <a:lvl6pPr marL="2286000" algn="l" defTabSz="914400" rtl="0" eaLnBrk="1" latinLnBrk="1" hangingPunct="1">
+                <a:defRPr kumimoji="1" kern="1200">
+                  <a:solidFill>
+                    <a:schemeClr val="tx1"/>
+                  </a:solidFill>
+                  <a:latin typeface="굴림" charset="-127"/>
+                  <a:ea typeface="굴림" charset="-127"/>
+                  <a:cs typeface="+mn-cs"/>
+                </a:defRPr>
+              </a:lvl6pPr>
+              <a:lvl7pPr marL="2743200" algn="l" defTabSz="914400" rtl="0" eaLnBrk="1" latinLnBrk="1" hangingPunct="1">
+                <a:defRPr kumimoji="1" kern="1200">
+                  <a:solidFill>
+                    <a:schemeClr val="tx1"/>
+                  </a:solidFill>
+                  <a:latin typeface="굴림" charset="-127"/>
+                  <a:ea typeface="굴림" charset="-127"/>
+                  <a:cs typeface="+mn-cs"/>
+                </a:defRPr>
+              </a:lvl7pPr>
+              <a:lvl8pPr marL="3200400" algn="l" defTabSz="914400" rtl="0" eaLnBrk="1" latinLnBrk="1" hangingPunct="1">
+                <a:defRPr kumimoji="1" kern="1200">
+                  <a:solidFill>
+                    <a:schemeClr val="tx1"/>
+                  </a:solidFill>
+                  <a:latin typeface="굴림" charset="-127"/>
+                  <a:ea typeface="굴림" charset="-127"/>
+                  <a:cs typeface="+mn-cs"/>
+                </a:defRPr>
+              </a:lvl8pPr>
+              <a:lvl9pPr marL="3657600" algn="l" defTabSz="914400" rtl="0" eaLnBrk="1" latinLnBrk="1" hangingPunct="1">
+                <a:defRPr kumimoji="1" kern="1200">
+                  <a:solidFill>
+                    <a:schemeClr val="tx1"/>
+                  </a:solidFill>
+                  <a:latin typeface="굴림" charset="-127"/>
+                  <a:ea typeface="굴림" charset="-127"/>
+                  <a:cs typeface="+mn-cs"/>
+                </a:defRPr>
+              </a:lvl9pPr>
+            </a:lstStyle>
+            <a:p>
+              <a:r>
+                <a:rPr lang="en-US" altLang="ko-KR" b="1" dirty="0" smtClean="0">
+                  <a:latin typeface="+mn-lt"/>
+                </a:rPr>
+                <a:t>network busy</a:t>
+              </a:r>
+              <a:endParaRPr lang="ko-KR" altLang="en-US" b="1" dirty="0">
+                <a:latin typeface="+mn-lt"/>
+              </a:endParaRPr>
+            </a:p>
+          </p:txBody>
+        </p:sp>
+      </p:grpSp>
+      <p:sp>
+        <p:nvSpPr>
+          <p:cNvPr id="13" name="TextBox 12"/>
+          <p:cNvSpPr txBox="1"/>
+          <p:nvPr/>
+        </p:nvSpPr>
+        <p:spPr>
+          <a:xfrm>
+            <a:off x="6897216" y="3136147"/>
+            <a:ext cx="2938908" cy="1200329"/>
+          </a:xfrm>
+          <a:prstGeom prst="rect">
+            <a:avLst/>
+          </a:prstGeom>
+          <a:noFill/>
+        </p:spPr>
+        <p:txBody>
+          <a:bodyPr wrap="square" rtlCol="0">
+            <a:spAutoFit/>
+          </a:bodyPr>
+          <a:lstStyle/>
+          <a:p>
+            <a:r>
+              <a:rPr lang="en-US" altLang="ko-KR" dirty="0" smtClean="0">
+                <a:latin typeface="+mn-ea"/>
+              </a:rPr>
+              <a:t>After one </a:t>
+            </a:r>
+            <a:r>
+              <a:rPr lang="en-US" altLang="ko-KR" dirty="0" err="1" smtClean="0">
+                <a:latin typeface="+mn-ea"/>
+              </a:rPr>
+              <a:t>IBigFile</a:t>
+            </a:r>
+            <a:r>
+              <a:rPr lang="en-US" altLang="ko-KR" dirty="0" smtClean="0">
+                <a:latin typeface="+mn-ea"/>
+              </a:rPr>
+              <a:t> sort, directly send without wait all </a:t>
+            </a:r>
+            <a:r>
+              <a:rPr lang="en-US" altLang="ko-KR" dirty="0" err="1" smtClean="0">
+                <a:latin typeface="+mn-ea"/>
+              </a:rPr>
+              <a:t>IBigFile</a:t>
+            </a:r>
+            <a:r>
+              <a:rPr lang="en-US" altLang="ko-KR" dirty="0" smtClean="0">
+                <a:latin typeface="+mn-ea"/>
+              </a:rPr>
+              <a:t> sort process</a:t>
+            </a:r>
+            <a:endParaRPr lang="ko-KR" altLang="en-US" dirty="0">
+              <a:latin typeface="+mn-ea"/>
+            </a:endParaRPr>
+          </a:p>
+        </p:txBody>
+      </p:sp>
+    </p:spTree>
+    <p:extLst>
+      <p:ext uri="{BB962C8B-B14F-4D97-AF65-F5344CB8AC3E}">
+        <p14:creationId xmlns:p14="http://schemas.microsoft.com/office/powerpoint/2010/main" val="22202240"/>
+      </p:ext>
+    </p:extLst>
+  </p:cSld>
+  <p:clrMapOvr>
+    <a:masterClrMapping/>
+  </p:clrMapOvr>
+  <p:timing>
+    <p:tnLst>
+      <p:par>
+        <p:cTn id="1" dur="indefinite" restart="never" nodeType="tmRoot"/>
+      </p:par>
+    </p:tnLst>
+  </p:timing>
+</p:sld>
+</file>
+
+<file path=ppt/slides/slide31.xml><?xml version="1.0" encoding="utf-8"?>
+<p:sld xmlns:a="http://schemas.openxmlformats.org/drawingml/2006/main" xmlns:r="http://schemas.openxmlformats.org/officeDocument/2006/relationships" xmlns:p="http://schemas.openxmlformats.org/presentationml/2006/main">
+  <p:cSld>
+    <p:spTree>
+      <p:nvGrpSpPr>
+        <p:cNvPr id="1" name=""/>
+        <p:cNvGrpSpPr/>
+        <p:nvPr/>
+      </p:nvGrpSpPr>
+      <p:grpSpPr>
+        <a:xfrm>
+          <a:off x="0" y="0"/>
+          <a:ext cx="0" cy="0"/>
+          <a:chOff x="0" y="0"/>
+          <a:chExt cx="0" cy="0"/>
+        </a:xfrm>
+      </p:grpSpPr>
+      <p:sp>
+        <p:nvSpPr>
+          <p:cNvPr id="5" name="이등변 삼각형 4"/>
+          <p:cNvSpPr/>
+          <p:nvPr/>
+        </p:nvSpPr>
+        <p:spPr>
+          <a:xfrm rot="13085118">
+            <a:off x="7838134" y="480652"/>
+            <a:ext cx="216024" cy="562372"/>
+          </a:xfrm>
+          <a:prstGeom prst="triangle">
+            <a:avLst/>
+          </a:prstGeom>
+          <a:solidFill>
+            <a:srgbClr val="FBA01C"/>
+          </a:solidFill>
+          <a:ln>
+            <a:solidFill>
+              <a:srgbClr val="FBA01C"/>
+            </a:solidFill>
+          </a:ln>
+        </p:spPr>
+        <p:style>
+          <a:lnRef idx="2">
+            <a:schemeClr val="accent1">
+              <a:shade val="50000"/>
+            </a:schemeClr>
+          </a:lnRef>
+          <a:fillRef idx="1">
+            <a:schemeClr val="accent1"/>
+          </a:fillRef>
+          <a:effectRef idx="0">
+            <a:schemeClr val="accent1"/>
+          </a:effectRef>
+          <a:fontRef idx="minor">
+            <a:schemeClr val="lt1"/>
+          </a:fontRef>
+        </p:style>
+        <p:txBody>
+          <a:bodyPr rtlCol="0" anchor="ctr"/>
+          <a:lstStyle/>
+          <a:p>
+            <a:pPr algn="ctr"/>
+            <a:endParaRPr lang="ko-KR" altLang="en-US" dirty="0"/>
+          </a:p>
+        </p:txBody>
+      </p:sp>
+      <p:sp>
+        <p:nvSpPr>
+          <p:cNvPr id="2" name="내용 개체 틀 1"/>
+          <p:cNvSpPr>
+            <a:spLocks noGrp="1"/>
+          </p:cNvSpPr>
+          <p:nvPr>
+            <p:ph idx="1"/>
+          </p:nvPr>
+        </p:nvSpPr>
+        <p:spPr/>
+        <p:txBody>
+          <a:bodyPr/>
+          <a:lstStyle/>
+          <a:p>
+            <a:r>
+              <a:rPr lang="ko-KR" altLang="en-US" dirty="0" smtClean="0"/>
+              <a:t>결과를 동영상으로 만들어서 넣어보자</a:t>
+            </a:r>
+            <a:r>
+              <a:rPr lang="en-US" altLang="ko-KR" dirty="0" smtClean="0"/>
+              <a:t>.</a:t>
+            </a:r>
+            <a:endParaRPr lang="ko-KR" altLang="en-US" dirty="0"/>
+          </a:p>
+        </p:txBody>
+      </p:sp>
+    </p:spTree>
+    <p:extLst>
+      <p:ext uri="{BB962C8B-B14F-4D97-AF65-F5344CB8AC3E}">
+        <p14:creationId xmlns:p14="http://schemas.microsoft.com/office/powerpoint/2010/main" val="4171866702"/>
+      </p:ext>
+    </p:extLst>
+  </p:cSld>
+  <p:clrMapOvr>
+    <a:masterClrMapping/>
+  </p:clrMapOvr>
+  <p:timing>
+    <p:tnLst>
+      <p:par>
+        <p:cTn id="1" dur="indefinite" restart="never" nodeType="tmRoot"/>
+      </p:par>
+    </p:tnLst>
+  </p:timing>
+</p:sld>
+</file>
+
+<file path=ppt/slides/slide32.xml><?xml version="1.0" encoding="utf-8"?>
+<p:sld xmlns:a="http://schemas.openxmlformats.org/drawingml/2006/main" xmlns:r="http://schemas.openxmlformats.org/officeDocument/2006/relationships" xmlns:p="http://schemas.openxmlformats.org/presentationml/2006/main">
+  <p:cSld>
+    <p:bg>
+      <p:bgPr>
+        <a:pattFill prst="dashHorz">
+          <a:fgClr>
+            <a:schemeClr val="bg1"/>
+          </a:fgClr>
+          <a:bgClr>
+            <a:srgbClr val="FBA01C"/>
+          </a:bgClr>
+        </a:pattFill>
+        <a:effectLst/>
+      </p:bgPr>
+    </p:bg>
+    <p:spTree>
+      <p:nvGrpSpPr>
+        <p:cNvPr id="1" name=""/>
+        <p:cNvGrpSpPr/>
+        <p:nvPr/>
+      </p:nvGrpSpPr>
+      <p:grpSpPr>
+        <a:xfrm>
+          <a:off x="0" y="0"/>
+          <a:ext cx="0" cy="0"/>
+          <a:chOff x="0" y="0"/>
+          <a:chExt cx="0" cy="0"/>
+        </a:xfrm>
+      </p:grpSpPr>
+      <p:sp>
+        <p:nvSpPr>
+          <p:cNvPr id="2" name="TextBox 1"/>
+          <p:cNvSpPr txBox="1"/>
+          <p:nvPr/>
+        </p:nvSpPr>
+        <p:spPr>
+          <a:xfrm>
+            <a:off x="2576736" y="1129968"/>
+            <a:ext cx="4392488" cy="1938992"/>
+          </a:xfrm>
+          <a:prstGeom prst="rect">
+            <a:avLst/>
+          </a:prstGeom>
+          <a:noFill/>
+        </p:spPr>
+        <p:txBody>
+          <a:bodyPr wrap="square" rtlCol="0">
+            <a:spAutoFit/>
+          </a:bodyPr>
+          <a:lstStyle/>
+          <a:p>
+            <a:pPr algn="ctr"/>
+            <a:r>
+              <a:rPr lang="en-US" altLang="ko-KR" sz="6000" dirty="0" smtClean="0">
+                <a:solidFill>
+                  <a:schemeClr val="bg1"/>
+                </a:solidFill>
+                <a:latin typeface="a장미다방" panose="02020600000000000000" pitchFamily="18" charset="-127"/>
+                <a:ea typeface="a장미다방" panose="02020600000000000000" pitchFamily="18" charset="-127"/>
+              </a:rPr>
+              <a:t>THANK </a:t>
+            </a:r>
+          </a:p>
+          <a:p>
+            <a:pPr algn="ctr"/>
+            <a:r>
+              <a:rPr lang="en-US" altLang="ko-KR" sz="6000" dirty="0" smtClean="0">
+                <a:solidFill>
+                  <a:schemeClr val="bg1"/>
+                </a:solidFill>
+                <a:latin typeface="a장미다방" panose="02020600000000000000" pitchFamily="18" charset="-127"/>
+                <a:ea typeface="a장미다방" panose="02020600000000000000" pitchFamily="18" charset="-127"/>
+              </a:rPr>
+              <a:t>YOU</a:t>
+            </a:r>
+            <a:endParaRPr lang="ko-KR" altLang="en-US" sz="6000" dirty="0">
+              <a:solidFill>
+                <a:schemeClr val="bg1"/>
+              </a:solidFill>
+              <a:latin typeface="a장미다방" panose="02020600000000000000" pitchFamily="18" charset="-127"/>
+              <a:ea typeface="a장미다방" panose="02020600000000000000" pitchFamily="18" charset="-127"/>
+            </a:endParaRPr>
+          </a:p>
+        </p:txBody>
+      </p:sp>
+      <p:sp>
+        <p:nvSpPr>
+          <p:cNvPr id="3" name="직사각형 2"/>
+          <p:cNvSpPr/>
+          <p:nvPr/>
+        </p:nvSpPr>
+        <p:spPr>
+          <a:xfrm>
+            <a:off x="1784648" y="3041129"/>
+            <a:ext cx="6192688" cy="2044055"/>
+          </a:xfrm>
+          <a:prstGeom prst="rect">
+            <a:avLst/>
+          </a:prstGeom>
+          <a:solidFill>
+            <a:schemeClr val="bg1"/>
+          </a:solidFill>
+          <a:ln w="76200">
+            <a:solidFill>
+              <a:schemeClr val="bg1"/>
+            </a:solidFill>
+            <a:prstDash val="dash"/>
+          </a:ln>
+        </p:spPr>
+        <p:style>
+          <a:lnRef idx="2">
+            <a:schemeClr val="accent1">
+              <a:shade val="50000"/>
+            </a:schemeClr>
+          </a:lnRef>
+          <a:fillRef idx="1">
+            <a:schemeClr val="accent1"/>
+          </a:fillRef>
+          <a:effectRef idx="0">
+            <a:schemeClr val="accent1"/>
+          </a:effectRef>
+          <a:fontRef idx="minor">
+            <a:schemeClr val="lt1"/>
+          </a:fontRef>
+        </p:style>
+        <p:txBody>
+          <a:bodyPr rtlCol="0" anchor="ctr"/>
+          <a:lstStyle/>
+          <a:p>
+            <a:pPr algn="ctr"/>
+            <a:endParaRPr lang="ko-KR" altLang="en-US"/>
+          </a:p>
+        </p:txBody>
+      </p:sp>
+      <p:sp>
+        <p:nvSpPr>
+          <p:cNvPr id="4" name="TextBox 3"/>
+          <p:cNvSpPr txBox="1"/>
+          <p:nvPr/>
+        </p:nvSpPr>
+        <p:spPr>
+          <a:xfrm>
+            <a:off x="2584723" y="3421449"/>
+            <a:ext cx="4392488" cy="1015663"/>
+          </a:xfrm>
+          <a:prstGeom prst="rect">
+            <a:avLst/>
+          </a:prstGeom>
+          <a:noFill/>
+        </p:spPr>
+        <p:txBody>
+          <a:bodyPr wrap="square" rtlCol="0">
+            <a:spAutoFit/>
+          </a:bodyPr>
+          <a:lstStyle/>
+          <a:p>
+            <a:pPr algn="ctr"/>
+            <a:r>
+              <a:rPr lang="en-US" altLang="ko-KR" sz="6000" dirty="0" smtClean="0">
+                <a:solidFill>
+                  <a:srgbClr val="FDAA03"/>
+                </a:solidFill>
+                <a:latin typeface="a장미다방" panose="02020600000000000000" pitchFamily="18" charset="-127"/>
+                <a:ea typeface="a장미다방" panose="02020600000000000000" pitchFamily="18" charset="-127"/>
+              </a:rPr>
+              <a:t>Q&amp;A</a:t>
+            </a:r>
+            <a:endParaRPr lang="ko-KR" altLang="en-US" sz="6000" dirty="0">
+              <a:solidFill>
+                <a:srgbClr val="FDAA03"/>
+              </a:solidFill>
+              <a:latin typeface="a장미다방" panose="02020600000000000000" pitchFamily="18" charset="-127"/>
+              <a:ea typeface="a장미다방" panose="02020600000000000000" pitchFamily="18" charset="-127"/>
+            </a:endParaRPr>
+          </a:p>
+        </p:txBody>
+      </p:sp>
+    </p:spTree>
+    <p:extLst>
+      <p:ext uri="{BB962C8B-B14F-4D97-AF65-F5344CB8AC3E}">
+        <p14:creationId xmlns:p14="http://schemas.microsoft.com/office/powerpoint/2010/main" val="4265243214"/>
       </p:ext>
     </p:extLst>
   </p:cSld>
